--- a/Diapositivas/1. Unit Testing.pptx
+++ b/Diapositivas/1. Unit Testing.pptx
@@ -5,7 +5,7 @@
     <p:sldMasterId id="2147483684" r:id="rId1"/>
   </p:sldMasterIdLst>
   <p:notesMasterIdLst>
-    <p:notesMasterId r:id="rId42"/>
+    <p:notesMasterId r:id="rId40"/>
   </p:notesMasterIdLst>
   <p:sldIdLst>
     <p:sldId id="683" r:id="rId2"/>
@@ -34,20 +34,18 @@
     <p:sldId id="450" r:id="rId25"/>
     <p:sldId id="515" r:id="rId26"/>
     <p:sldId id="664" r:id="rId27"/>
-    <p:sldId id="665" r:id="rId28"/>
-    <p:sldId id="508" r:id="rId29"/>
-    <p:sldId id="682" r:id="rId30"/>
-    <p:sldId id="669" r:id="rId31"/>
+    <p:sldId id="682" r:id="rId28"/>
+    <p:sldId id="685" r:id="rId29"/>
+    <p:sldId id="669" r:id="rId30"/>
+    <p:sldId id="674" r:id="rId31"/>
     <p:sldId id="670" r:id="rId32"/>
     <p:sldId id="671" r:id="rId33"/>
     <p:sldId id="675" r:id="rId34"/>
-    <p:sldId id="676" r:id="rId35"/>
-    <p:sldId id="673" r:id="rId36"/>
-    <p:sldId id="677" r:id="rId37"/>
-    <p:sldId id="674" r:id="rId38"/>
-    <p:sldId id="672" r:id="rId39"/>
-    <p:sldId id="678" r:id="rId40"/>
-    <p:sldId id="654" r:id="rId41"/>
+    <p:sldId id="673" r:id="rId35"/>
+    <p:sldId id="677" r:id="rId36"/>
+    <p:sldId id="678" r:id="rId37"/>
+    <p:sldId id="684" r:id="rId38"/>
+    <p:sldId id="654" r:id="rId39"/>
   </p:sldIdLst>
   <p:sldSz cx="9144000" cy="6858000" type="screen4x3"/>
   <p:notesSz cx="6858000" cy="9144000"/>
@@ -247,7 +245,7 @@
           <a:p>
             <a:fld id="{63D5FC4C-9EE1-4746-A368-724F618FC790}" type="datetimeFigureOut">
               <a:rPr lang="es-PE" smtClean="0"/>
-              <a:t>09/11/2012</a:t>
+              <a:t>26/01/2013</a:t>
             </a:fld>
             <a:endParaRPr lang="es-PE"/>
           </a:p>
@@ -4597,129 +4595,84 @@
           <a:bodyPr/>
           <a:lstStyle/>
           <a:p>
-            <a:r>
-              <a:rPr lang="en-US" sz="1200" b="0" i="0" kern="1200" dirty="0" smtClean="0">
-                <a:solidFill>
-                  <a:schemeClr val="tx1"/>
-                </a:solidFill>
-                <a:effectLst/>
-                <a:latin typeface="+mn-lt"/>
-                <a:ea typeface="+mn-ea"/>
-                <a:cs typeface="+mn-cs"/>
-              </a:rPr>
-              <a:t>Tests for such micro-behavior have many benefits, including:</a:t>
-            </a:r>
-          </a:p>
-          <a:p>
-            <a:r>
-              <a:rPr lang="en-US" sz="1200" b="1" i="0" kern="1200" dirty="0" smtClean="0">
-                <a:solidFill>
-                  <a:schemeClr val="tx1"/>
-                </a:solidFill>
-                <a:effectLst/>
-                <a:latin typeface="+mn-lt"/>
-                <a:ea typeface="+mn-ea"/>
-                <a:cs typeface="+mn-cs"/>
-              </a:rPr>
-              <a:t>Easier debugging</a:t>
-            </a:r>
-            <a:r>
-              <a:rPr lang="en-US" sz="1200" b="0" i="0" kern="1200" dirty="0" smtClean="0">
-                <a:solidFill>
-                  <a:schemeClr val="tx1"/>
-                </a:solidFill>
-                <a:effectLst/>
-                <a:latin typeface="+mn-lt"/>
-                <a:ea typeface="+mn-ea"/>
-                <a:cs typeface="+mn-cs"/>
-              </a:rPr>
-              <a:t>. They give direct access to functionality that could fail.</a:t>
-            </a:r>
-          </a:p>
-          <a:p>
-            <a:r>
-              <a:rPr lang="en-US" sz="1200" b="1" i="0" kern="1200" dirty="0" smtClean="0">
-                <a:solidFill>
-                  <a:schemeClr val="tx1"/>
-                </a:solidFill>
-                <a:effectLst/>
-                <a:latin typeface="+mn-lt"/>
-                <a:ea typeface="+mn-ea"/>
-                <a:cs typeface="+mn-cs"/>
-              </a:rPr>
-              <a:t>We can write them quickly</a:t>
-            </a:r>
-            <a:r>
-              <a:rPr lang="en-US" sz="1200" b="0" i="0" kern="1200" dirty="0" smtClean="0">
-                <a:solidFill>
-                  <a:schemeClr val="tx1"/>
-                </a:solidFill>
-                <a:effectLst/>
-                <a:latin typeface="+mn-lt"/>
-                <a:ea typeface="+mn-ea"/>
-                <a:cs typeface="+mn-cs"/>
-              </a:rPr>
-              <a:t> and claim early success (go home, celebrate, or do more work).</a:t>
-            </a:r>
-          </a:p>
-          <a:p>
-            <a:r>
-              <a:rPr lang="en-US" sz="1200" b="1" i="0" kern="1200" dirty="0" smtClean="0">
-                <a:solidFill>
-                  <a:schemeClr val="tx1"/>
-                </a:solidFill>
-                <a:effectLst/>
-                <a:latin typeface="+mn-lt"/>
-                <a:ea typeface="+mn-ea"/>
-                <a:cs typeface="+mn-cs"/>
-              </a:rPr>
-              <a:t>They communicate responsibilities</a:t>
-            </a:r>
-            <a:r>
-              <a:rPr lang="en-US" sz="1200" b="0" i="0" kern="1200" dirty="0" smtClean="0">
-                <a:solidFill>
-                  <a:schemeClr val="tx1"/>
-                </a:solidFill>
-                <a:effectLst/>
-                <a:latin typeface="+mn-lt"/>
-                <a:ea typeface="+mn-ea"/>
-                <a:cs typeface="+mn-cs"/>
-              </a:rPr>
-              <a:t>. Well-named </a:t>
-            </a:r>
-            <a:r>
-              <a:rPr lang="en-US" sz="1200" b="0" i="0" kern="1200" dirty="0" err="1" smtClean="0">
-                <a:solidFill>
-                  <a:schemeClr val="tx1"/>
-                </a:solidFill>
-                <a:effectLst/>
-                <a:latin typeface="+mn-lt"/>
-                <a:ea typeface="+mn-ea"/>
-                <a:cs typeface="+mn-cs"/>
-              </a:rPr>
-              <a:t>microtests</a:t>
-            </a:r>
-            <a:r>
-              <a:rPr lang="en-US" sz="1200" b="0" i="0" kern="1200" dirty="0" smtClean="0">
-                <a:solidFill>
-                  <a:schemeClr val="tx1"/>
-                </a:solidFill>
-                <a:effectLst/>
-                <a:latin typeface="+mn-lt"/>
-                <a:ea typeface="+mn-ea"/>
-                <a:cs typeface="+mn-cs"/>
-              </a:rPr>
-              <a:t> for a class communicate what that class does.</a:t>
-            </a:r>
-            <a:endParaRPr lang="en-US" sz="1200" b="0" i="0" kern="1200" dirty="0">
-              <a:solidFill>
-                <a:schemeClr val="tx1"/>
-              </a:solidFill>
-              <a:effectLst/>
-              <a:latin typeface="+mn-lt"/>
-              <a:ea typeface="+mn-ea"/>
-              <a:cs typeface="+mn-cs"/>
-            </a:endParaRPr>
+            <a:pPr lvl="0"/>
+            <a:r>
+              <a:rPr lang="es-ES" sz="1200" b="1" dirty="0" smtClean="0">
+                <a:solidFill>
+                  <a:srgbClr val="FF0000"/>
+                </a:solidFill>
+              </a:rPr>
+              <a:t>Funcionales: </a:t>
+            </a:r>
+            <a:r>
+              <a:rPr lang="es-ES" sz="1200" dirty="0" smtClean="0"/>
+              <a:t>Estos se producen debido a una interacción incorrecta entre dos o más objetos, dicho de otra manera cuando el resultado de un objeto no es el esperado como entrada para un segundo objeto. </a:t>
+            </a:r>
+            <a:endParaRPr lang="es-PE" sz="1200" dirty="0" smtClean="0"/>
+          </a:p>
+          <a:p>
+            <a:pPr lvl="0"/>
+            <a:r>
+              <a:rPr lang="es-ES" sz="1200" b="1" dirty="0" smtClean="0">
+                <a:solidFill>
+                  <a:srgbClr val="FF0000"/>
+                </a:solidFill>
+              </a:rPr>
+              <a:t>Gráficos: </a:t>
+            </a:r>
+            <a:r>
+              <a:rPr lang="es-ES" sz="1200" dirty="0" smtClean="0"/>
+              <a:t>Cuando los datos mostrados sobre una interfaz gráfica no son los correctos: texto cortado, datos incompletos o inclusive cuando no se ve bien .</a:t>
+            </a:r>
+          </a:p>
+          <a:p>
+            <a:r>
+              <a:rPr lang="es-ES" sz="1200" b="1" dirty="0" smtClean="0">
+                <a:solidFill>
+                  <a:srgbClr val="FF0000"/>
+                </a:solidFill>
+              </a:rPr>
+              <a:t>Lógicos</a:t>
+            </a:r>
+            <a:r>
+              <a:rPr lang="es-ES" sz="1200" dirty="0" smtClean="0">
+                <a:solidFill>
+                  <a:srgbClr val="FF0000"/>
+                </a:solidFill>
+              </a:rPr>
+              <a:t>: </a:t>
+            </a:r>
+            <a:r>
+              <a:rPr lang="es-ES" sz="1200" dirty="0" smtClean="0">
+                <a:solidFill>
+                  <a:srgbClr val="FFC000"/>
+                </a:solidFill>
+              </a:rPr>
+              <a:t>Son los errores más comunes y típicos</a:t>
+            </a:r>
+            <a:r>
+              <a:rPr lang="es-ES" sz="1200" dirty="0" smtClean="0"/>
+              <a:t>, estos se encuentran dentro de las estructuras lógicas: “</a:t>
+            </a:r>
+            <a:r>
+              <a:rPr lang="es-ES" sz="1200" dirty="0" err="1" smtClean="0"/>
+              <a:t>if”s</a:t>
+            </a:r>
+            <a:r>
+              <a:rPr lang="es-ES" sz="1200" dirty="0" smtClean="0"/>
+              <a:t>, “</a:t>
+            </a:r>
+            <a:r>
+              <a:rPr lang="es-ES" sz="1200" dirty="0" err="1" smtClean="0"/>
+              <a:t>for”s</a:t>
+            </a:r>
+            <a:r>
+              <a:rPr lang="es-ES" sz="1200" dirty="0" smtClean="0"/>
+              <a:t> </a:t>
+            </a:r>
+          </a:p>
+          <a:p>
+            <a:endParaRPr lang="es-PE" dirty="0"/>
           </a:p>
         </p:txBody>
       </p:sp>
@@ -4803,370 +4756,6 @@
           <a:bodyPr/>
           <a:lstStyle/>
           <a:p>
-            <a:r>
-              <a:rPr lang="en-US" sz="1200" b="0" i="0" kern="1200" dirty="0" smtClean="0">
-                <a:solidFill>
-                  <a:schemeClr val="tx1"/>
-                </a:solidFill>
-                <a:effectLst/>
-                <a:latin typeface="+mn-lt"/>
-                <a:ea typeface="+mn-ea"/>
-                <a:cs typeface="+mn-cs"/>
-              </a:rPr>
-              <a:t>Small: 10 lines or less, ideally</a:t>
-            </a:r>
-          </a:p>
-          <a:p>
-            <a:r>
-              <a:rPr lang="en-US" sz="1200" b="0" i="0" kern="1200" dirty="0" smtClean="0">
-                <a:solidFill>
-                  <a:schemeClr val="tx1"/>
-                </a:solidFill>
-                <a:effectLst/>
-                <a:latin typeface="+mn-lt"/>
-                <a:ea typeface="+mn-ea"/>
-                <a:cs typeface="+mn-cs"/>
-              </a:rPr>
-              <a:t>Precise: Checks </a:t>
-            </a:r>
-            <a:r>
-              <a:rPr lang="en-US" sz="1200" b="1" i="0" kern="1200" dirty="0" smtClean="0">
-                <a:solidFill>
-                  <a:schemeClr val="tx1"/>
-                </a:solidFill>
-                <a:effectLst/>
-                <a:latin typeface="+mn-lt"/>
-                <a:ea typeface="+mn-ea"/>
-                <a:cs typeface="+mn-cs"/>
-              </a:rPr>
-              <a:t>one</a:t>
-            </a:r>
-            <a:r>
-              <a:rPr lang="en-US" sz="1200" b="0" i="0" kern="1200" dirty="0" smtClean="0">
-                <a:solidFill>
-                  <a:schemeClr val="tx1"/>
-                </a:solidFill>
-                <a:effectLst/>
-                <a:latin typeface="+mn-lt"/>
-                <a:ea typeface="+mn-ea"/>
-                <a:cs typeface="+mn-cs"/>
-              </a:rPr>
-              <a:t> behavior of </a:t>
-            </a:r>
-            <a:r>
-              <a:rPr lang="en-US" sz="1200" b="1" i="0" kern="1200" dirty="0" smtClean="0">
-                <a:solidFill>
-                  <a:schemeClr val="tx1"/>
-                </a:solidFill>
-                <a:effectLst/>
-                <a:latin typeface="+mn-lt"/>
-                <a:ea typeface="+mn-ea"/>
-                <a:cs typeface="+mn-cs"/>
-              </a:rPr>
-              <a:t>one</a:t>
-            </a:r>
-            <a:r>
-              <a:rPr lang="en-US" sz="1200" b="0" i="0" kern="1200" dirty="0" smtClean="0">
-                <a:solidFill>
-                  <a:schemeClr val="tx1"/>
-                </a:solidFill>
-                <a:effectLst/>
-                <a:latin typeface="+mn-lt"/>
-                <a:ea typeface="+mn-ea"/>
-                <a:cs typeface="+mn-cs"/>
-              </a:rPr>
-              <a:t> class</a:t>
-            </a:r>
-          </a:p>
-          <a:p>
-            <a:r>
-              <a:rPr lang="en-US" sz="1200" b="0" i="0" kern="1200" dirty="0" smtClean="0">
-                <a:solidFill>
-                  <a:schemeClr val="tx1"/>
-                </a:solidFill>
-                <a:effectLst/>
-                <a:latin typeface="+mn-lt"/>
-                <a:ea typeface="+mn-ea"/>
-                <a:cs typeface="+mn-cs"/>
-              </a:rPr>
-              <a:t>Isolated: Doesn't affect other tests</a:t>
-            </a:r>
-          </a:p>
-          <a:p>
-            <a:r>
-              <a:rPr lang="en-US" sz="1200" b="0" i="0" kern="1200" dirty="0" smtClean="0">
-                <a:solidFill>
-                  <a:schemeClr val="tx1"/>
-                </a:solidFill>
-                <a:effectLst/>
-                <a:latin typeface="+mn-lt"/>
-                <a:ea typeface="+mn-ea"/>
-                <a:cs typeface="+mn-cs"/>
-              </a:rPr>
-              <a:t>Fast: Takes milliseconds to run</a:t>
-            </a:r>
-          </a:p>
-          <a:p>
-            <a:r>
-              <a:rPr lang="en-US" sz="1200" b="0" i="0" kern="1200" dirty="0" smtClean="0">
-                <a:solidFill>
-                  <a:schemeClr val="tx1"/>
-                </a:solidFill>
-                <a:effectLst/>
-                <a:latin typeface="+mn-lt"/>
-                <a:ea typeface="+mn-ea"/>
-                <a:cs typeface="+mn-cs"/>
-              </a:rPr>
-              <a:t>Frequently Run: Every time you make a change</a:t>
-            </a:r>
-          </a:p>
-          <a:p>
-            <a:endParaRPr lang="en-US" sz="1200" b="0" i="0" kern="1200" dirty="0" smtClean="0">
-              <a:solidFill>
-                <a:schemeClr val="tx1"/>
-              </a:solidFill>
-              <a:effectLst/>
-              <a:latin typeface="+mn-lt"/>
-              <a:ea typeface="+mn-ea"/>
-              <a:cs typeface="+mn-cs"/>
-            </a:endParaRPr>
-          </a:p>
-          <a:p>
-            <a:r>
-              <a:rPr lang="en-US" sz="1200" b="1" i="0" kern="1200" dirty="0" smtClean="0">
-                <a:solidFill>
-                  <a:schemeClr val="tx1"/>
-                </a:solidFill>
-                <a:effectLst/>
-                <a:latin typeface="+mn-lt"/>
-                <a:ea typeface="+mn-ea"/>
-                <a:cs typeface="+mn-cs"/>
-              </a:rPr>
-              <a:t>Isolated</a:t>
-            </a:r>
-            <a:r>
-              <a:rPr lang="en-US" sz="1200" b="0" i="0" kern="1200" dirty="0" smtClean="0">
-                <a:solidFill>
-                  <a:schemeClr val="tx1"/>
-                </a:solidFill>
-                <a:effectLst/>
-                <a:latin typeface="+mn-lt"/>
-                <a:ea typeface="+mn-ea"/>
-                <a:cs typeface="+mn-cs"/>
-              </a:rPr>
-              <a:t>: Tests isolate failures. A developer should never have to reverse-engineer tests or the code being tested to know what went wrong. Each test class name and test method name with the text of the assertion should state exactly what is wrong and where. If a test does not isolate failures, it is best to replace that test with smaller, more-specific tests.</a:t>
-            </a:r>
-            <a:r>
-              <a:rPr lang="en-US" dirty="0" smtClean="0"/>
-              <a:t/>
-            </a:r>
-            <a:br>
-              <a:rPr lang="en-US" dirty="0" smtClean="0"/>
-            </a:br>
-            <a:r>
-              <a:rPr lang="en-US" dirty="0" smtClean="0"/>
-              <a:t/>
-            </a:r>
-            <a:br>
-              <a:rPr lang="en-US" dirty="0" smtClean="0"/>
-            </a:br>
-            <a:r>
-              <a:rPr lang="en-US" sz="1200" b="0" i="0" kern="1200" dirty="0" smtClean="0">
-                <a:solidFill>
-                  <a:schemeClr val="tx1"/>
-                </a:solidFill>
-                <a:effectLst/>
-                <a:latin typeface="+mn-lt"/>
-                <a:ea typeface="+mn-ea"/>
-                <a:cs typeface="+mn-cs"/>
-              </a:rPr>
-              <a:t>A good unit test has a laser-tight focus on a single effect or decision in the system under test. And that system under test tends to be a single part of a single method on a single class (hence "unit").</a:t>
-            </a:r>
-            <a:r>
-              <a:rPr lang="en-US" dirty="0" smtClean="0"/>
-              <a:t/>
-            </a:r>
-            <a:br>
-              <a:rPr lang="en-US" dirty="0" smtClean="0"/>
-            </a:br>
-            <a:r>
-              <a:rPr lang="en-US" dirty="0" smtClean="0"/>
-              <a:t/>
-            </a:r>
-            <a:br>
-              <a:rPr lang="en-US" dirty="0" smtClean="0"/>
-            </a:br>
-            <a:r>
-              <a:rPr lang="en-US" sz="1200" b="0" i="0" kern="1200" dirty="0" smtClean="0">
-                <a:solidFill>
-                  <a:schemeClr val="tx1"/>
-                </a:solidFill>
-                <a:effectLst/>
-                <a:latin typeface="+mn-lt"/>
-                <a:ea typeface="+mn-ea"/>
-                <a:cs typeface="+mn-cs"/>
-              </a:rPr>
-              <a:t>Tests must not have any order-of-run dependency. They should pass or fail the same way in suite or when run individually. Each suite should be re-runnable (every minute or so) even if tests are renamed or reordered randomly. Good tests interferes with no other tests in any way. They impose their initial state without aid from other tests. They clean up after themselves.</a:t>
-            </a:r>
-            <a:r>
-              <a:rPr lang="en-US" dirty="0" smtClean="0"/>
-              <a:t/>
-            </a:r>
-            <a:br>
-              <a:rPr lang="en-US" dirty="0" smtClean="0"/>
-            </a:br>
-            <a:r>
-              <a:rPr lang="en-US" dirty="0" smtClean="0"/>
-              <a:t/>
-            </a:r>
-            <a:br>
-              <a:rPr lang="en-US" dirty="0" smtClean="0"/>
-            </a:br>
-            <a:r>
-              <a:rPr lang="en-US" sz="1200" b="1" i="0" kern="1200" dirty="0" smtClean="0">
-                <a:solidFill>
-                  <a:schemeClr val="tx1"/>
-                </a:solidFill>
-                <a:effectLst/>
-                <a:latin typeface="+mn-lt"/>
-                <a:ea typeface="+mn-ea"/>
-                <a:cs typeface="+mn-cs"/>
-              </a:rPr>
-              <a:t>Repeatable</a:t>
-            </a:r>
-            <a:r>
-              <a:rPr lang="en-US" sz="1200" b="0" i="0" kern="1200" dirty="0" smtClean="0">
-                <a:solidFill>
-                  <a:schemeClr val="tx1"/>
-                </a:solidFill>
-                <a:effectLst/>
-                <a:latin typeface="+mn-lt"/>
-                <a:ea typeface="+mn-ea"/>
-                <a:cs typeface="+mn-cs"/>
-              </a:rPr>
-              <a:t>: Tests must be able to be run repeatedly without intervention. They must not depend upon any assumed initial state, they must not leave any residue behind that would prevent them from being re-run. This is particularly important when one considers resources outside of the program's memory, like databases and files and shared memory segments.</a:t>
-            </a:r>
-            <a:r>
-              <a:rPr lang="en-US" dirty="0" smtClean="0"/>
-              <a:t/>
-            </a:r>
-            <a:br>
-              <a:rPr lang="en-US" dirty="0" smtClean="0"/>
-            </a:br>
-            <a:r>
-              <a:rPr lang="en-US" dirty="0" smtClean="0"/>
-              <a:t/>
-            </a:r>
-            <a:br>
-              <a:rPr lang="en-US" dirty="0" smtClean="0"/>
-            </a:br>
-            <a:r>
-              <a:rPr lang="en-US" sz="1200" b="0" i="0" kern="1200" dirty="0" smtClean="0">
-                <a:solidFill>
-                  <a:schemeClr val="tx1"/>
-                </a:solidFill>
-                <a:effectLst/>
-                <a:latin typeface="+mn-lt"/>
-                <a:ea typeface="+mn-ea"/>
-                <a:cs typeface="+mn-cs"/>
-              </a:rPr>
-              <a:t>Repeatable tests do not depend on external services or resources that might not always be available. They run whether or not the network is up, and whether or not they are in the development server's network environment. </a:t>
-            </a:r>
-            <a:r>
-              <a:rPr lang="en-US" sz="1200" b="0" i="1" kern="1200" dirty="0" smtClean="0">
-                <a:solidFill>
-                  <a:schemeClr val="tx1"/>
-                </a:solidFill>
-                <a:effectLst/>
-                <a:latin typeface="+mn-lt"/>
-                <a:ea typeface="+mn-ea"/>
-                <a:cs typeface="+mn-cs"/>
-              </a:rPr>
-              <a:t>Unit</a:t>
-            </a:r>
-            <a:r>
-              <a:rPr lang="en-US" sz="1200" b="0" i="0" kern="1200" dirty="0" smtClean="0">
-                <a:solidFill>
-                  <a:schemeClr val="tx1"/>
-                </a:solidFill>
-                <a:effectLst/>
-                <a:latin typeface="+mn-lt"/>
-                <a:ea typeface="+mn-ea"/>
-                <a:cs typeface="+mn-cs"/>
-              </a:rPr>
-              <a:t> tests do not test external systems.</a:t>
-            </a:r>
-            <a:r>
-              <a:rPr lang="en-US" dirty="0" smtClean="0"/>
-              <a:t/>
-            </a:r>
-            <a:br>
-              <a:rPr lang="en-US" dirty="0" smtClean="0"/>
-            </a:br>
-            <a:r>
-              <a:rPr lang="en-US" dirty="0" smtClean="0"/>
-              <a:t/>
-            </a:r>
-            <a:br>
-              <a:rPr lang="en-US" dirty="0" smtClean="0"/>
-            </a:br>
-            <a:r>
-              <a:rPr lang="en-US" sz="1200" b="1" i="0" kern="1200" dirty="0" smtClean="0">
-                <a:solidFill>
-                  <a:schemeClr val="tx1"/>
-                </a:solidFill>
-                <a:effectLst/>
-                <a:latin typeface="+mn-lt"/>
-                <a:ea typeface="+mn-ea"/>
-                <a:cs typeface="+mn-cs"/>
-              </a:rPr>
-              <a:t>Self-validating</a:t>
-            </a:r>
-            <a:r>
-              <a:rPr lang="en-US" sz="1200" b="0" i="0" kern="1200" dirty="0" smtClean="0">
-                <a:solidFill>
-                  <a:schemeClr val="tx1"/>
-                </a:solidFill>
-                <a:effectLst/>
-                <a:latin typeface="+mn-lt"/>
-                <a:ea typeface="+mn-ea"/>
-                <a:cs typeface="+mn-cs"/>
-              </a:rPr>
-              <a:t>: Tests are pass-fail. No agency must examine the results to determine if they are valid and reasonable. Authors avoid over-specification so that peripheral changes do not affect the ability of assertions to determine whether tests pass or fail.</a:t>
-            </a:r>
-            <a:r>
-              <a:rPr lang="en-US" dirty="0" smtClean="0"/>
-              <a:t/>
-            </a:r>
-            <a:br>
-              <a:rPr lang="en-US" dirty="0" smtClean="0"/>
-            </a:br>
-            <a:endParaRPr lang="en-US" sz="1200" b="0" i="0" kern="1200" dirty="0" smtClean="0">
-              <a:solidFill>
-                <a:schemeClr val="tx1"/>
-              </a:solidFill>
-              <a:effectLst/>
-              <a:latin typeface="+mn-lt"/>
-              <a:ea typeface="+mn-ea"/>
-              <a:cs typeface="+mn-cs"/>
-            </a:endParaRPr>
-          </a:p>
-          <a:p>
-            <a:endParaRPr lang="en-US" sz="1200" b="0" i="0" kern="1200" dirty="0" smtClean="0">
-              <a:solidFill>
-                <a:schemeClr val="tx1"/>
-              </a:solidFill>
-              <a:effectLst/>
-              <a:latin typeface="+mn-lt"/>
-              <a:ea typeface="+mn-ea"/>
-              <a:cs typeface="+mn-cs"/>
-            </a:endParaRPr>
-          </a:p>
-          <a:p>
-            <a:pPr marL="0" indent="0">
-              <a:buFontTx/>
-              <a:buNone/>
-            </a:pPr>
             <a:endParaRPr lang="es-PE" dirty="0"/>
           </a:p>
         </p:txBody>
@@ -5251,84 +4840,15 @@
           <a:bodyPr/>
           <a:lstStyle/>
           <a:p>
-            <a:pPr lvl="0"/>
-            <a:r>
-              <a:rPr lang="es-ES" sz="1200" b="1" dirty="0" smtClean="0">
-                <a:solidFill>
-                  <a:srgbClr val="FF0000"/>
-                </a:solidFill>
-              </a:rPr>
-              <a:t>Funcionales: </a:t>
-            </a:r>
-            <a:r>
-              <a:rPr lang="es-ES" sz="1200" dirty="0" smtClean="0"/>
-              <a:t>Estos se producen debido a una interacción incorrecta entre dos o más objetos, dicho de otra manera cuando el resultado de un objeto no es el esperado como entrada para un segundo objeto. </a:t>
-            </a:r>
-            <a:endParaRPr lang="es-PE" sz="1200" dirty="0" smtClean="0"/>
-          </a:p>
-          <a:p>
-            <a:pPr lvl="0"/>
-            <a:r>
-              <a:rPr lang="es-ES" sz="1200" b="1" dirty="0" smtClean="0">
-                <a:solidFill>
-                  <a:srgbClr val="FF0000"/>
-                </a:solidFill>
-              </a:rPr>
-              <a:t>Gráficos: </a:t>
-            </a:r>
-            <a:r>
-              <a:rPr lang="es-ES" sz="1200" dirty="0" smtClean="0"/>
-              <a:t>Cuando los datos mostrados sobre una interfaz gráfica no son los correctos: texto cortado, datos incompletos o inclusive cuando no se ve bien .</a:t>
-            </a:r>
-          </a:p>
-          <a:p>
-            <a:r>
-              <a:rPr lang="es-ES" sz="1200" b="1" dirty="0" smtClean="0">
-                <a:solidFill>
-                  <a:srgbClr val="FF0000"/>
-                </a:solidFill>
-              </a:rPr>
-              <a:t>Lógicos</a:t>
-            </a:r>
-            <a:r>
-              <a:rPr lang="es-ES" sz="1200" dirty="0" smtClean="0">
-                <a:solidFill>
-                  <a:srgbClr val="FF0000"/>
-                </a:solidFill>
-              </a:rPr>
-              <a:t>: </a:t>
-            </a:r>
-            <a:r>
-              <a:rPr lang="es-ES" sz="1200" dirty="0" smtClean="0">
-                <a:solidFill>
-                  <a:srgbClr val="FFC000"/>
-                </a:solidFill>
-              </a:rPr>
-              <a:t>Son los errores más comunes y típicos</a:t>
-            </a:r>
-            <a:r>
-              <a:rPr lang="es-ES" sz="1200" dirty="0" smtClean="0"/>
-              <a:t>, estos se encuentran dentro de las estructuras lógicas: “</a:t>
-            </a:r>
-            <a:r>
-              <a:rPr lang="es-ES" sz="1200" dirty="0" err="1" smtClean="0"/>
-              <a:t>if”s</a:t>
-            </a:r>
-            <a:r>
-              <a:rPr lang="es-ES" sz="1200" dirty="0" smtClean="0"/>
-              <a:t>, “</a:t>
-            </a:r>
-            <a:r>
-              <a:rPr lang="es-ES" sz="1200" dirty="0" err="1" smtClean="0"/>
-              <a:t>for”s</a:t>
-            </a:r>
-            <a:r>
-              <a:rPr lang="es-ES" sz="1200" dirty="0" smtClean="0"/>
-              <a:t> </a:t>
-            </a:r>
-          </a:p>
-          <a:p>
-            <a:endParaRPr lang="es-PE" dirty="0"/>
+            <a:r>
+              <a:rPr lang="es-PE" noProof="0" dirty="0" smtClean="0"/>
+              <a:t>Abrir los ejercicios en el IDE y explorar la</a:t>
+            </a:r>
+            <a:r>
+              <a:rPr lang="es-PE" baseline="0" noProof="0" dirty="0" smtClean="0"/>
+              <a:t> clase.</a:t>
+            </a:r>
+            <a:endParaRPr lang="es-PE" noProof="0" dirty="0"/>
           </a:p>
         </p:txBody>
       </p:sp>
@@ -5538,13 +5058,105 @@
           <a:p>
             <a:r>
               <a:rPr lang="es-PE" noProof="0" dirty="0" smtClean="0"/>
-              <a:t>Abrir los ejercicios en el IDE y explorar la</a:t>
+              <a:t>Recordemos que cada método</a:t>
             </a:r>
             <a:r>
               <a:rPr lang="es-PE" baseline="0" noProof="0" dirty="0" smtClean="0"/>
-              <a:t> clase.</a:t>
-            </a:r>
-            <a:endParaRPr lang="es-PE" noProof="0" dirty="0"/>
+              <a:t> representa a una nueva prueba, entonces que nombre debemos poner a ese método. Por supuesto no vamos a poner cualquier nombre, este debe ser lo suficientemente expresivo para representar que es lo que estamos buscando probar con el test.</a:t>
+            </a:r>
+          </a:p>
+          <a:p>
+            <a:endParaRPr lang="es-PE" baseline="0" noProof="0" dirty="0" smtClean="0"/>
+          </a:p>
+          <a:p>
+            <a:r>
+              <a:rPr lang="es-PE" baseline="0" noProof="0" dirty="0" smtClean="0"/>
+              <a:t>Entonces cuando realizamos una prueba de alguna manera estamos verificar un requerimiento tanto técnico como de negocio que está representando en la clase o método, por lo tanto debemos tratar de expresar dicho requerimiento lo mejor que se pueda dentro del nombre.</a:t>
+            </a:r>
+          </a:p>
+          <a:p>
+            <a:endParaRPr lang="es-PE" baseline="0" noProof="0" dirty="0" smtClean="0"/>
+          </a:p>
+          <a:p>
+            <a:r>
+              <a:rPr lang="es-PE" baseline="0" noProof="0" dirty="0" smtClean="0"/>
+              <a:t>De manera similar a cuando se realiza un plan de pruebas manual donde se especifican los inputs y </a:t>
+            </a:r>
+            <a:r>
+              <a:rPr lang="es-PE" baseline="0" noProof="0" dirty="0" err="1" smtClean="0"/>
+              <a:t>outs</a:t>
+            </a:r>
+            <a:r>
+              <a:rPr lang="es-PE" baseline="0" noProof="0" dirty="0" smtClean="0"/>
+              <a:t> de las pruebas, los nombres de nuestros test también deben especificar dichas entradas y salidas esperadas, debemos considerar el nombre de nuestros test unitarios como la descripción de nuestra prueba, como un pequeño resumen de todo lo que se espera que la prueba haga y verifique.</a:t>
+            </a:r>
+          </a:p>
+          <a:p>
+            <a:endParaRPr lang="es-PE" baseline="0" noProof="0" dirty="0" smtClean="0"/>
+          </a:p>
+          <a:p>
+            <a:r>
+              <a:rPr lang="es-PE" baseline="0" noProof="0" dirty="0" smtClean="0"/>
+              <a:t>El nombre solo es algo pequeño de todo el tema de legibilidad y confiabilidad que vamos a ver posteriormente, pero esto es muy importante a largo y corto plazo para poder identificar rápidamente cuales son los requerimientos que se están probando </a:t>
+            </a:r>
+            <a:r>
+              <a:rPr lang="es-PE" baseline="0" noProof="0" dirty="0" err="1" smtClean="0"/>
+              <a:t>asi</a:t>
+            </a:r>
+            <a:r>
+              <a:rPr lang="es-PE" baseline="0" noProof="0" dirty="0" smtClean="0"/>
+              <a:t> como los errores en caso se produzcan.</a:t>
+            </a:r>
+          </a:p>
+          <a:p>
+            <a:endParaRPr lang="es-PE" baseline="0" noProof="0" dirty="0" smtClean="0"/>
+          </a:p>
+          <a:p>
+            <a:r>
+              <a:rPr lang="es-PE" noProof="0" dirty="0" smtClean="0"/>
+              <a:t>Método:</a:t>
+            </a:r>
+            <a:r>
+              <a:rPr lang="es-PE" baseline="0" noProof="0" dirty="0" smtClean="0"/>
+              <a:t> Nos permitirá identificar rápidamente en qué método se encuentra el requerimiento o lógica que buscamos probar.</a:t>
+            </a:r>
+          </a:p>
+          <a:p>
+            <a:endParaRPr lang="es-PE" baseline="0" noProof="0" dirty="0" smtClean="0"/>
+          </a:p>
+          <a:p>
+            <a:r>
+              <a:rPr lang="es-PE" baseline="0" noProof="0" dirty="0" smtClean="0"/>
+              <a:t>Existen otras convenciones que podemos utilizar, pero lo bueno de esta convención es que nos impulsa a escribir las 3 partes anteriormente mencionadas y no escribir cualquier cosa.</a:t>
+            </a:r>
+          </a:p>
+          <a:p>
+            <a:endParaRPr lang="es-PE" baseline="0" noProof="0" dirty="0" smtClean="0"/>
+          </a:p>
+          <a:p>
+            <a:r>
+              <a:rPr lang="es-PE" baseline="0" noProof="0" dirty="0" smtClean="0"/>
+              <a:t>Lo importante de tener una convención es contar una regla y una </a:t>
+            </a:r>
+            <a:r>
+              <a:rPr lang="es-PE" baseline="0" noProof="0" dirty="0" err="1" smtClean="0"/>
+              <a:t>pantilla</a:t>
+            </a:r>
+            <a:r>
+              <a:rPr lang="es-PE" baseline="0" noProof="0" dirty="0" smtClean="0"/>
+              <a:t> que todo el equipo pueda seguir de manera uniforme y </a:t>
+            </a:r>
+            <a:r>
+              <a:rPr lang="es-PE" baseline="0" noProof="0" dirty="0" err="1" smtClean="0"/>
+              <a:t>asi</a:t>
+            </a:r>
+            <a:r>
+              <a:rPr lang="es-PE" baseline="0" noProof="0" dirty="0" smtClean="0"/>
+              <a:t> todos puedan tener un común y rápido entendimiento sobre las pruebas.</a:t>
+            </a:r>
+          </a:p>
+          <a:p>
+            <a:endParaRPr lang="en-US" baseline="0" noProof="0" dirty="0" smtClean="0"/>
           </a:p>
         </p:txBody>
       </p:sp>
@@ -5999,15 +5611,7 @@
           <a:bodyPr/>
           <a:lstStyle/>
           <a:p>
-            <a:r>
-              <a:rPr lang="es-PE" noProof="0" dirty="0" smtClean="0"/>
-              <a:t>Abrir los ejercicios en el IDE y explorar la</a:t>
-            </a:r>
-            <a:r>
-              <a:rPr lang="es-PE" baseline="0" noProof="0" dirty="0" smtClean="0"/>
-              <a:t> clase.</a:t>
-            </a:r>
-            <a:endParaRPr lang="es-PE" noProof="0" dirty="0"/>
+            <a:endParaRPr lang="es-PE" dirty="0"/>
           </a:p>
         </p:txBody>
       </p:sp>
@@ -6091,7 +5695,15 @@
           <a:bodyPr/>
           <a:lstStyle/>
           <a:p>
-            <a:endParaRPr lang="es-PE" dirty="0"/>
+            <a:r>
+              <a:rPr lang="es-PE" noProof="0" dirty="0" smtClean="0"/>
+              <a:t>Abrir los ejercicios en el IDE y explorar la</a:t>
+            </a:r>
+            <a:r>
+              <a:rPr lang="es-PE" baseline="0" noProof="0" dirty="0" smtClean="0"/>
+              <a:t> clase.</a:t>
+            </a:r>
+            <a:endParaRPr lang="es-PE" noProof="0" dirty="0"/>
           </a:p>
         </p:txBody>
       </p:sp>
@@ -6268,106 +5880,370 @@
           <a:lstStyle/>
           <a:p>
             <a:r>
-              <a:rPr lang="es-PE" noProof="0" dirty="0" smtClean="0"/>
-              <a:t>Recordemos que cada método</a:t>
-            </a:r>
-            <a:r>
-              <a:rPr lang="es-PE" baseline="0" noProof="0" dirty="0" smtClean="0"/>
-              <a:t> representa a una nueva prueba, entonces que nombre debemos poner a ese método. Por supuesto no vamos a poner cualquier nombre, este debe ser lo suficientemente expresivo para representar que es lo que estamos buscando probar con el test.</a:t>
-            </a:r>
-          </a:p>
-          <a:p>
-            <a:endParaRPr lang="es-PE" baseline="0" noProof="0" dirty="0" smtClean="0"/>
-          </a:p>
-          <a:p>
-            <a:r>
-              <a:rPr lang="es-PE" baseline="0" noProof="0" dirty="0" smtClean="0"/>
-              <a:t>Entonces cuando realizamos una prueba de alguna manera estamos verificar un requerimiento tanto técnico como de negocio que está representando en la clase o método, por lo tanto debemos tratar de expresar dicho requerimiento lo mejor que se pueda dentro del nombre.</a:t>
-            </a:r>
-          </a:p>
-          <a:p>
-            <a:endParaRPr lang="es-PE" baseline="0" noProof="0" dirty="0" smtClean="0"/>
-          </a:p>
-          <a:p>
-            <a:r>
-              <a:rPr lang="es-PE" baseline="0" noProof="0" dirty="0" smtClean="0"/>
-              <a:t>De manera similar a cuando se realiza un plan de pruebas manual donde se especifican los inputs y </a:t>
-            </a:r>
-            <a:r>
-              <a:rPr lang="es-PE" baseline="0" noProof="0" dirty="0" err="1" smtClean="0"/>
-              <a:t>outs</a:t>
-            </a:r>
-            <a:r>
-              <a:rPr lang="es-PE" baseline="0" noProof="0" dirty="0" smtClean="0"/>
-              <a:t> de las pruebas, los nombres de nuestros test también deben especificar dichas entradas y salidas esperadas, debemos considerar el nombre de nuestros test unitarios como la descripción de nuestra prueba, como un pequeño resumen de todo lo que se espera que la prueba haga y verifique.</a:t>
-            </a:r>
-          </a:p>
-          <a:p>
-            <a:endParaRPr lang="es-PE" baseline="0" noProof="0" dirty="0" smtClean="0"/>
-          </a:p>
-          <a:p>
-            <a:r>
-              <a:rPr lang="es-PE" baseline="0" noProof="0" dirty="0" smtClean="0"/>
-              <a:t>El nombre solo es algo pequeño de todo el tema de legibilidad y confiabilidad que vamos a ver posteriormente, pero esto es muy importante a largo y corto plazo para poder identificar rápidamente cuales son los requerimientos que se están probando </a:t>
-            </a:r>
-            <a:r>
-              <a:rPr lang="es-PE" baseline="0" noProof="0" dirty="0" err="1" smtClean="0"/>
-              <a:t>asi</a:t>
-            </a:r>
-            <a:r>
-              <a:rPr lang="es-PE" baseline="0" noProof="0" dirty="0" smtClean="0"/>
-              <a:t> como los errores en caso se produzcan.</a:t>
-            </a:r>
-          </a:p>
-          <a:p>
-            <a:endParaRPr lang="es-PE" baseline="0" noProof="0" dirty="0" smtClean="0"/>
-          </a:p>
-          <a:p>
-            <a:r>
-              <a:rPr lang="es-PE" noProof="0" dirty="0" smtClean="0"/>
-              <a:t>Método:</a:t>
-            </a:r>
-            <a:r>
-              <a:rPr lang="es-PE" baseline="0" noProof="0" dirty="0" smtClean="0"/>
-              <a:t> Nos permitirá identificar rápidamente en qué método se encuentra el requerimiento o lógica que buscamos probar.</a:t>
-            </a:r>
-          </a:p>
-          <a:p>
-            <a:endParaRPr lang="es-PE" baseline="0" noProof="0" dirty="0" smtClean="0"/>
-          </a:p>
-          <a:p>
-            <a:r>
-              <a:rPr lang="es-PE" baseline="0" noProof="0" dirty="0" smtClean="0"/>
-              <a:t>Existen otras convenciones que podemos utilizar, pero lo bueno de esta convención es que nos impulsa a escribir las 3 partes anteriormente mencionadas y no escribir cualquier cosa.</a:t>
-            </a:r>
-          </a:p>
-          <a:p>
-            <a:endParaRPr lang="es-PE" baseline="0" noProof="0" dirty="0" smtClean="0"/>
-          </a:p>
-          <a:p>
-            <a:r>
-              <a:rPr lang="es-PE" baseline="0" noProof="0" dirty="0" smtClean="0"/>
-              <a:t>Lo importante de tener una convención es contar una regla y una </a:t>
-            </a:r>
-            <a:r>
-              <a:rPr lang="es-PE" baseline="0" noProof="0" dirty="0" err="1" smtClean="0"/>
-              <a:t>pantilla</a:t>
-            </a:r>
-            <a:r>
-              <a:rPr lang="es-PE" baseline="0" noProof="0" dirty="0" smtClean="0"/>
-              <a:t> que todo el equipo pueda seguir de manera uniforme y </a:t>
-            </a:r>
-            <a:r>
-              <a:rPr lang="es-PE" baseline="0" noProof="0" dirty="0" err="1" smtClean="0"/>
-              <a:t>asi</a:t>
-            </a:r>
-            <a:r>
-              <a:rPr lang="es-PE" baseline="0" noProof="0" dirty="0" smtClean="0"/>
-              <a:t> todos puedan tener un común y rápido entendimiento sobre las pruebas.</a:t>
-            </a:r>
-          </a:p>
-          <a:p>
-            <a:endParaRPr lang="en-US" baseline="0" noProof="0" dirty="0" smtClean="0"/>
+              <a:rPr lang="en-US" sz="1200" b="0" i="0" kern="1200" dirty="0" smtClean="0">
+                <a:solidFill>
+                  <a:schemeClr val="tx1"/>
+                </a:solidFill>
+                <a:effectLst/>
+                <a:latin typeface="+mn-lt"/>
+                <a:ea typeface="+mn-ea"/>
+                <a:cs typeface="+mn-cs"/>
+              </a:rPr>
+              <a:t>Small: 10 lines or less, ideally</a:t>
+            </a:r>
+          </a:p>
+          <a:p>
+            <a:r>
+              <a:rPr lang="en-US" sz="1200" b="0" i="0" kern="1200" dirty="0" smtClean="0">
+                <a:solidFill>
+                  <a:schemeClr val="tx1"/>
+                </a:solidFill>
+                <a:effectLst/>
+                <a:latin typeface="+mn-lt"/>
+                <a:ea typeface="+mn-ea"/>
+                <a:cs typeface="+mn-cs"/>
+              </a:rPr>
+              <a:t>Precise: Checks </a:t>
+            </a:r>
+            <a:r>
+              <a:rPr lang="en-US" sz="1200" b="1" i="0" kern="1200" dirty="0" smtClean="0">
+                <a:solidFill>
+                  <a:schemeClr val="tx1"/>
+                </a:solidFill>
+                <a:effectLst/>
+                <a:latin typeface="+mn-lt"/>
+                <a:ea typeface="+mn-ea"/>
+                <a:cs typeface="+mn-cs"/>
+              </a:rPr>
+              <a:t>one</a:t>
+            </a:r>
+            <a:r>
+              <a:rPr lang="en-US" sz="1200" b="0" i="0" kern="1200" dirty="0" smtClean="0">
+                <a:solidFill>
+                  <a:schemeClr val="tx1"/>
+                </a:solidFill>
+                <a:effectLst/>
+                <a:latin typeface="+mn-lt"/>
+                <a:ea typeface="+mn-ea"/>
+                <a:cs typeface="+mn-cs"/>
+              </a:rPr>
+              <a:t> behavior of </a:t>
+            </a:r>
+            <a:r>
+              <a:rPr lang="en-US" sz="1200" b="1" i="0" kern="1200" dirty="0" smtClean="0">
+                <a:solidFill>
+                  <a:schemeClr val="tx1"/>
+                </a:solidFill>
+                <a:effectLst/>
+                <a:latin typeface="+mn-lt"/>
+                <a:ea typeface="+mn-ea"/>
+                <a:cs typeface="+mn-cs"/>
+              </a:rPr>
+              <a:t>one</a:t>
+            </a:r>
+            <a:r>
+              <a:rPr lang="en-US" sz="1200" b="0" i="0" kern="1200" dirty="0" smtClean="0">
+                <a:solidFill>
+                  <a:schemeClr val="tx1"/>
+                </a:solidFill>
+                <a:effectLst/>
+                <a:latin typeface="+mn-lt"/>
+                <a:ea typeface="+mn-ea"/>
+                <a:cs typeface="+mn-cs"/>
+              </a:rPr>
+              <a:t> class</a:t>
+            </a:r>
+          </a:p>
+          <a:p>
+            <a:r>
+              <a:rPr lang="en-US" sz="1200" b="0" i="0" kern="1200" dirty="0" smtClean="0">
+                <a:solidFill>
+                  <a:schemeClr val="tx1"/>
+                </a:solidFill>
+                <a:effectLst/>
+                <a:latin typeface="+mn-lt"/>
+                <a:ea typeface="+mn-ea"/>
+                <a:cs typeface="+mn-cs"/>
+              </a:rPr>
+              <a:t>Isolated: Doesn't affect other tests</a:t>
+            </a:r>
+          </a:p>
+          <a:p>
+            <a:r>
+              <a:rPr lang="en-US" sz="1200" b="0" i="0" kern="1200" dirty="0" smtClean="0">
+                <a:solidFill>
+                  <a:schemeClr val="tx1"/>
+                </a:solidFill>
+                <a:effectLst/>
+                <a:latin typeface="+mn-lt"/>
+                <a:ea typeface="+mn-ea"/>
+                <a:cs typeface="+mn-cs"/>
+              </a:rPr>
+              <a:t>Fast: Takes milliseconds to run</a:t>
+            </a:r>
+          </a:p>
+          <a:p>
+            <a:r>
+              <a:rPr lang="en-US" sz="1200" b="0" i="0" kern="1200" dirty="0" smtClean="0">
+                <a:solidFill>
+                  <a:schemeClr val="tx1"/>
+                </a:solidFill>
+                <a:effectLst/>
+                <a:latin typeface="+mn-lt"/>
+                <a:ea typeface="+mn-ea"/>
+                <a:cs typeface="+mn-cs"/>
+              </a:rPr>
+              <a:t>Frequently Run: Every time you make a change</a:t>
+            </a:r>
+          </a:p>
+          <a:p>
+            <a:endParaRPr lang="en-US" sz="1200" b="0" i="0" kern="1200" dirty="0" smtClean="0">
+              <a:solidFill>
+                <a:schemeClr val="tx1"/>
+              </a:solidFill>
+              <a:effectLst/>
+              <a:latin typeface="+mn-lt"/>
+              <a:ea typeface="+mn-ea"/>
+              <a:cs typeface="+mn-cs"/>
+            </a:endParaRPr>
+          </a:p>
+          <a:p>
+            <a:r>
+              <a:rPr lang="en-US" sz="1200" b="1" i="0" kern="1200" dirty="0" smtClean="0">
+                <a:solidFill>
+                  <a:schemeClr val="tx1"/>
+                </a:solidFill>
+                <a:effectLst/>
+                <a:latin typeface="+mn-lt"/>
+                <a:ea typeface="+mn-ea"/>
+                <a:cs typeface="+mn-cs"/>
+              </a:rPr>
+              <a:t>Isolated</a:t>
+            </a:r>
+            <a:r>
+              <a:rPr lang="en-US" sz="1200" b="0" i="0" kern="1200" dirty="0" smtClean="0">
+                <a:solidFill>
+                  <a:schemeClr val="tx1"/>
+                </a:solidFill>
+                <a:effectLst/>
+                <a:latin typeface="+mn-lt"/>
+                <a:ea typeface="+mn-ea"/>
+                <a:cs typeface="+mn-cs"/>
+              </a:rPr>
+              <a:t>: Tests isolate failures. A developer should never have to reverse-engineer tests or the code being tested to know what went wrong. Each test class name and test method name with the text of the assertion should state exactly what is wrong and where. If a test does not isolate failures, it is best to replace that test with smaller, more-specific tests.</a:t>
+            </a:r>
+            <a:r>
+              <a:rPr lang="en-US" dirty="0" smtClean="0"/>
+              <a:t/>
+            </a:r>
+            <a:br>
+              <a:rPr lang="en-US" dirty="0" smtClean="0"/>
+            </a:br>
+            <a:r>
+              <a:rPr lang="en-US" dirty="0" smtClean="0"/>
+              <a:t/>
+            </a:r>
+            <a:br>
+              <a:rPr lang="en-US" dirty="0" smtClean="0"/>
+            </a:br>
+            <a:r>
+              <a:rPr lang="en-US" sz="1200" b="0" i="0" kern="1200" dirty="0" smtClean="0">
+                <a:solidFill>
+                  <a:schemeClr val="tx1"/>
+                </a:solidFill>
+                <a:effectLst/>
+                <a:latin typeface="+mn-lt"/>
+                <a:ea typeface="+mn-ea"/>
+                <a:cs typeface="+mn-cs"/>
+              </a:rPr>
+              <a:t>A good unit test has a laser-tight focus on a single effect or decision in the system under test. And that system under test tends to be a single part of a single method on a single class (hence "unit").</a:t>
+            </a:r>
+            <a:r>
+              <a:rPr lang="en-US" dirty="0" smtClean="0"/>
+              <a:t/>
+            </a:r>
+            <a:br>
+              <a:rPr lang="en-US" dirty="0" smtClean="0"/>
+            </a:br>
+            <a:r>
+              <a:rPr lang="en-US" dirty="0" smtClean="0"/>
+              <a:t/>
+            </a:r>
+            <a:br>
+              <a:rPr lang="en-US" dirty="0" smtClean="0"/>
+            </a:br>
+            <a:r>
+              <a:rPr lang="en-US" sz="1200" b="0" i="0" kern="1200" dirty="0" smtClean="0">
+                <a:solidFill>
+                  <a:schemeClr val="tx1"/>
+                </a:solidFill>
+                <a:effectLst/>
+                <a:latin typeface="+mn-lt"/>
+                <a:ea typeface="+mn-ea"/>
+                <a:cs typeface="+mn-cs"/>
+              </a:rPr>
+              <a:t>Tests must not have any order-of-run dependency. They should pass or fail the same way in suite or when run individually. Each suite should be re-runnable (every minute or so) even if tests are renamed or reordered randomly. Good tests interferes with no other tests in any way. They impose their initial state without aid from other tests. They clean up after themselves.</a:t>
+            </a:r>
+            <a:r>
+              <a:rPr lang="en-US" dirty="0" smtClean="0"/>
+              <a:t/>
+            </a:r>
+            <a:br>
+              <a:rPr lang="en-US" dirty="0" smtClean="0"/>
+            </a:br>
+            <a:r>
+              <a:rPr lang="en-US" dirty="0" smtClean="0"/>
+              <a:t/>
+            </a:r>
+            <a:br>
+              <a:rPr lang="en-US" dirty="0" smtClean="0"/>
+            </a:br>
+            <a:r>
+              <a:rPr lang="en-US" sz="1200" b="1" i="0" kern="1200" dirty="0" smtClean="0">
+                <a:solidFill>
+                  <a:schemeClr val="tx1"/>
+                </a:solidFill>
+                <a:effectLst/>
+                <a:latin typeface="+mn-lt"/>
+                <a:ea typeface="+mn-ea"/>
+                <a:cs typeface="+mn-cs"/>
+              </a:rPr>
+              <a:t>Repeatable</a:t>
+            </a:r>
+            <a:r>
+              <a:rPr lang="en-US" sz="1200" b="0" i="0" kern="1200" dirty="0" smtClean="0">
+                <a:solidFill>
+                  <a:schemeClr val="tx1"/>
+                </a:solidFill>
+                <a:effectLst/>
+                <a:latin typeface="+mn-lt"/>
+                <a:ea typeface="+mn-ea"/>
+                <a:cs typeface="+mn-cs"/>
+              </a:rPr>
+              <a:t>: Tests must be able to be run repeatedly without intervention. They must not depend upon any assumed initial state, they must not leave any residue behind that would prevent them from being re-run. This is particularly important when one considers resources outside of the program's memory, like databases and files and shared memory segments.</a:t>
+            </a:r>
+            <a:r>
+              <a:rPr lang="en-US" dirty="0" smtClean="0"/>
+              <a:t/>
+            </a:r>
+            <a:br>
+              <a:rPr lang="en-US" dirty="0" smtClean="0"/>
+            </a:br>
+            <a:r>
+              <a:rPr lang="en-US" dirty="0" smtClean="0"/>
+              <a:t/>
+            </a:r>
+            <a:br>
+              <a:rPr lang="en-US" dirty="0" smtClean="0"/>
+            </a:br>
+            <a:r>
+              <a:rPr lang="en-US" sz="1200" b="0" i="0" kern="1200" dirty="0" smtClean="0">
+                <a:solidFill>
+                  <a:schemeClr val="tx1"/>
+                </a:solidFill>
+                <a:effectLst/>
+                <a:latin typeface="+mn-lt"/>
+                <a:ea typeface="+mn-ea"/>
+                <a:cs typeface="+mn-cs"/>
+              </a:rPr>
+              <a:t>Repeatable tests do not depend on external services or resources that might not always be available. They run whether or not the network is up, and whether or not they are in the development server's network environment. </a:t>
+            </a:r>
+            <a:r>
+              <a:rPr lang="en-US" sz="1200" b="0" i="1" kern="1200" dirty="0" smtClean="0">
+                <a:solidFill>
+                  <a:schemeClr val="tx1"/>
+                </a:solidFill>
+                <a:effectLst/>
+                <a:latin typeface="+mn-lt"/>
+                <a:ea typeface="+mn-ea"/>
+                <a:cs typeface="+mn-cs"/>
+              </a:rPr>
+              <a:t>Unit</a:t>
+            </a:r>
+            <a:r>
+              <a:rPr lang="en-US" sz="1200" b="0" i="0" kern="1200" dirty="0" smtClean="0">
+                <a:solidFill>
+                  <a:schemeClr val="tx1"/>
+                </a:solidFill>
+                <a:effectLst/>
+                <a:latin typeface="+mn-lt"/>
+                <a:ea typeface="+mn-ea"/>
+                <a:cs typeface="+mn-cs"/>
+              </a:rPr>
+              <a:t> tests do not test external systems.</a:t>
+            </a:r>
+            <a:r>
+              <a:rPr lang="en-US" dirty="0" smtClean="0"/>
+              <a:t/>
+            </a:r>
+            <a:br>
+              <a:rPr lang="en-US" dirty="0" smtClean="0"/>
+            </a:br>
+            <a:r>
+              <a:rPr lang="en-US" dirty="0" smtClean="0"/>
+              <a:t/>
+            </a:r>
+            <a:br>
+              <a:rPr lang="en-US" dirty="0" smtClean="0"/>
+            </a:br>
+            <a:r>
+              <a:rPr lang="en-US" sz="1200" b="1" i="0" kern="1200" dirty="0" smtClean="0">
+                <a:solidFill>
+                  <a:schemeClr val="tx1"/>
+                </a:solidFill>
+                <a:effectLst/>
+                <a:latin typeface="+mn-lt"/>
+                <a:ea typeface="+mn-ea"/>
+                <a:cs typeface="+mn-cs"/>
+              </a:rPr>
+              <a:t>Self-validating</a:t>
+            </a:r>
+            <a:r>
+              <a:rPr lang="en-US" sz="1200" b="0" i="0" kern="1200" dirty="0" smtClean="0">
+                <a:solidFill>
+                  <a:schemeClr val="tx1"/>
+                </a:solidFill>
+                <a:effectLst/>
+                <a:latin typeface="+mn-lt"/>
+                <a:ea typeface="+mn-ea"/>
+                <a:cs typeface="+mn-cs"/>
+              </a:rPr>
+              <a:t>: Tests are pass-fail. No agency must examine the results to determine if they are valid and reasonable. Authors avoid over-specification so that peripheral changes do not affect the ability of assertions to determine whether tests pass or fail.</a:t>
+            </a:r>
+            <a:r>
+              <a:rPr lang="en-US" dirty="0" smtClean="0"/>
+              <a:t/>
+            </a:r>
+            <a:br>
+              <a:rPr lang="en-US" dirty="0" smtClean="0"/>
+            </a:br>
+            <a:endParaRPr lang="en-US" sz="1200" b="0" i="0" kern="1200" dirty="0" smtClean="0">
+              <a:solidFill>
+                <a:schemeClr val="tx1"/>
+              </a:solidFill>
+              <a:effectLst/>
+              <a:latin typeface="+mn-lt"/>
+              <a:ea typeface="+mn-ea"/>
+              <a:cs typeface="+mn-cs"/>
+            </a:endParaRPr>
+          </a:p>
+          <a:p>
+            <a:endParaRPr lang="en-US" sz="1200" b="0" i="0" kern="1200" dirty="0" smtClean="0">
+              <a:solidFill>
+                <a:schemeClr val="tx1"/>
+              </a:solidFill>
+              <a:effectLst/>
+              <a:latin typeface="+mn-lt"/>
+              <a:ea typeface="+mn-ea"/>
+              <a:cs typeface="+mn-cs"/>
+            </a:endParaRPr>
+          </a:p>
+          <a:p>
+            <a:pPr marL="0" indent="0">
+              <a:buFontTx/>
+              <a:buNone/>
+            </a:pPr>
+            <a:endParaRPr lang="es-PE" dirty="0"/>
           </a:p>
         </p:txBody>
       </p:sp>
@@ -6451,124 +6327,7 @@
           <a:bodyPr/>
           <a:lstStyle/>
           <a:p>
-            <a:r>
-              <a:rPr lang="es-PE" baseline="0" noProof="0" dirty="0" smtClean="0"/>
-              <a:t>Instalar del </a:t>
-            </a:r>
-            <a:r>
-              <a:rPr lang="es-PE" baseline="0" noProof="0" dirty="0" err="1" smtClean="0"/>
-              <a:t>Extension</a:t>
-            </a:r>
-            <a:r>
-              <a:rPr lang="es-PE" baseline="0" noProof="0" dirty="0" smtClean="0"/>
-              <a:t> Manager el </a:t>
-            </a:r>
-            <a:r>
-              <a:rPr lang="es-PE" baseline="0" noProof="0" dirty="0" err="1" smtClean="0"/>
-              <a:t>Snippet</a:t>
-            </a:r>
-            <a:r>
-              <a:rPr lang="es-PE" baseline="0" noProof="0" dirty="0" smtClean="0"/>
-              <a:t> </a:t>
-            </a:r>
-            <a:r>
-              <a:rPr lang="es-PE" baseline="0" noProof="0" dirty="0" err="1" smtClean="0"/>
-              <a:t>Designer</a:t>
-            </a:r>
-            <a:r>
-              <a:rPr lang="es-PE" baseline="0" noProof="0" dirty="0" smtClean="0"/>
-              <a:t>.</a:t>
-            </a:r>
-          </a:p>
-          <a:p>
-            <a:endParaRPr lang="es-PE" baseline="0" noProof="0" dirty="0" smtClean="0"/>
-          </a:p>
-          <a:p>
-            <a:pPr marL="342900" indent="-342900">
-              <a:buFont typeface="Arial" pitchFamily="34" charset="0"/>
-              <a:buChar char="•"/>
-            </a:pPr>
-            <a:r>
-              <a:rPr lang="es-PE" sz="1200" dirty="0" smtClean="0"/>
-              <a:t>Extensión Manager: Instalar </a:t>
-            </a:r>
-            <a:r>
-              <a:rPr lang="es-PE" sz="1200" dirty="0" err="1" smtClean="0"/>
-              <a:t>Snippet</a:t>
-            </a:r>
-            <a:r>
-              <a:rPr lang="es-PE" sz="1200" dirty="0" smtClean="0"/>
-              <a:t> </a:t>
-            </a:r>
-            <a:r>
-              <a:rPr lang="es-PE" sz="1200" dirty="0" err="1" smtClean="0"/>
-              <a:t>Designer</a:t>
-            </a:r>
-            <a:endParaRPr lang="es-PE" sz="1200" dirty="0" smtClean="0"/>
-          </a:p>
-          <a:p>
-            <a:pPr marL="342900" indent="-342900">
-              <a:buFont typeface="Arial" pitchFamily="34" charset="0"/>
-              <a:buChar char="•"/>
-            </a:pPr>
-            <a:r>
-              <a:rPr lang="es-PE" sz="1200" dirty="0" err="1" smtClean="0"/>
-              <a:t>Menu</a:t>
-            </a:r>
-            <a:r>
-              <a:rPr lang="es-PE" sz="1200" dirty="0" smtClean="0"/>
-              <a:t>: File-</a:t>
-            </a:r>
-            <a:r>
-              <a:rPr lang="en-US" sz="1200" dirty="0" smtClean="0"/>
-              <a:t>&gt;New-&gt;</a:t>
-            </a:r>
-            <a:r>
-              <a:rPr lang="es-PE" sz="1200" dirty="0" smtClean="0"/>
-              <a:t>File</a:t>
-            </a:r>
-          </a:p>
-          <a:p>
-            <a:pPr marL="342900" indent="-342900">
-              <a:buFont typeface="Arial" pitchFamily="34" charset="0"/>
-              <a:buChar char="•"/>
-            </a:pPr>
-            <a:r>
-              <a:rPr lang="es-PE" sz="1200" dirty="0" smtClean="0"/>
-              <a:t>Categoría </a:t>
-            </a:r>
-            <a:r>
-              <a:rPr lang="es-PE" sz="1200" dirty="0" err="1" smtClean="0"/>
-              <a:t>Snippet</a:t>
-            </a:r>
-            <a:r>
-              <a:rPr lang="es-PE" sz="1200" dirty="0" smtClean="0"/>
-              <a:t> </a:t>
-            </a:r>
-            <a:r>
-              <a:rPr lang="es-PE" sz="1200" dirty="0" err="1" smtClean="0"/>
-              <a:t>Designer</a:t>
-            </a:r>
-            <a:r>
-              <a:rPr lang="es-PE" sz="1200" dirty="0" smtClean="0"/>
-              <a:t>: Seleccionar </a:t>
-            </a:r>
-            <a:r>
-              <a:rPr lang="es-PE" sz="1200" dirty="0" err="1" smtClean="0"/>
-              <a:t>Code</a:t>
-            </a:r>
-            <a:r>
-              <a:rPr lang="es-PE" sz="1200" dirty="0" smtClean="0"/>
-              <a:t> </a:t>
-            </a:r>
-            <a:r>
-              <a:rPr lang="es-PE" sz="1200" dirty="0" err="1" smtClean="0"/>
-              <a:t>Snippet</a:t>
-            </a:r>
-            <a:endParaRPr lang="es-PE" sz="1200" dirty="0" smtClean="0"/>
-          </a:p>
-          <a:p>
-            <a:endParaRPr lang="es-PE" baseline="0" noProof="0" dirty="0" smtClean="0"/>
+            <a:endParaRPr lang="es-PE" dirty="0"/>
           </a:p>
         </p:txBody>
       </p:sp>
@@ -6590,98 +6349,6 @@
             <a:fld id="{80C14895-23C8-45AE-85D5-3B35E5980A68}" type="slidenum">
               <a:rPr lang="es-PE" smtClean="0"/>
               <a:t>38</a:t>
-            </a:fld>
-            <a:endParaRPr lang="es-PE"/>
-          </a:p>
-        </p:txBody>
-      </p:sp>
-    </p:spTree>
-    <p:extLst>
-      <p:ext uri="{BB962C8B-B14F-4D97-AF65-F5344CB8AC3E}">
-        <p14:creationId xmlns:p14="http://schemas.microsoft.com/office/powerpoint/2010/main" val="3432092158"/>
-      </p:ext>
-    </p:extLst>
-  </p:cSld>
-  <p:clrMapOvr>
-    <a:masterClrMapping/>
-  </p:clrMapOvr>
-</p:notes>
-</file>
-
-<file path=ppt/notesSlides/notesSlide39.xml><?xml version="1.0" encoding="utf-8"?>
-<p:notes xmlns:a="http://schemas.openxmlformats.org/drawingml/2006/main" xmlns:r="http://schemas.openxmlformats.org/officeDocument/2006/relationships" xmlns:p="http://schemas.openxmlformats.org/presentationml/2006/main">
-  <p:cSld>
-    <p:spTree>
-      <p:nvGrpSpPr>
-        <p:cNvPr id="1" name=""/>
-        <p:cNvGrpSpPr/>
-        <p:nvPr/>
-      </p:nvGrpSpPr>
-      <p:grpSpPr>
-        <a:xfrm>
-          <a:off x="0" y="0"/>
-          <a:ext cx="0" cy="0"/>
-          <a:chOff x="0" y="0"/>
-          <a:chExt cx="0" cy="0"/>
-        </a:xfrm>
-      </p:grpSpPr>
-      <p:sp>
-        <p:nvSpPr>
-          <p:cNvPr id="2" name="1 Marcador de imagen de diapositiva"/>
-          <p:cNvSpPr>
-            <a:spLocks noGrp="1" noRot="1" noChangeAspect="1"/>
-          </p:cNvSpPr>
-          <p:nvPr>
-            <p:ph type="sldImg"/>
-          </p:nvPr>
-        </p:nvSpPr>
-        <p:spPr/>
-      </p:sp>
-      <p:sp>
-        <p:nvSpPr>
-          <p:cNvPr id="3" name="2 Marcador de notas"/>
-          <p:cNvSpPr>
-            <a:spLocks noGrp="1"/>
-          </p:cNvSpPr>
-          <p:nvPr>
-            <p:ph type="body" idx="1"/>
-          </p:nvPr>
-        </p:nvSpPr>
-        <p:spPr/>
-        <p:txBody>
-          <a:bodyPr/>
-          <a:lstStyle/>
-          <a:p>
-            <a:r>
-              <a:rPr lang="es-PE" noProof="0" dirty="0" smtClean="0"/>
-              <a:t>Abrir los ejercicios en el IDE y explorar la</a:t>
-            </a:r>
-            <a:r>
-              <a:rPr lang="es-PE" baseline="0" noProof="0" dirty="0" smtClean="0"/>
-              <a:t> clase.</a:t>
-            </a:r>
-            <a:endParaRPr lang="es-PE" noProof="0" dirty="0"/>
-          </a:p>
-        </p:txBody>
-      </p:sp>
-      <p:sp>
-        <p:nvSpPr>
-          <p:cNvPr id="4" name="3 Marcador de número de diapositiva"/>
-          <p:cNvSpPr>
-            <a:spLocks noGrp="1"/>
-          </p:cNvSpPr>
-          <p:nvPr>
-            <p:ph type="sldNum" sz="quarter" idx="10"/>
-          </p:nvPr>
-        </p:nvSpPr>
-        <p:spPr/>
-        <p:txBody>
-          <a:bodyPr/>
-          <a:lstStyle/>
-          <a:p>
-            <a:fld id="{80C14895-23C8-45AE-85D5-3B35E5980A68}" type="slidenum">
-              <a:rPr lang="es-PE" smtClean="0"/>
-              <a:t>39</a:t>
             </a:fld>
             <a:endParaRPr lang="es-PE"/>
           </a:p>
@@ -6808,90 +6475,6 @@
 </p:notes>
 </file>
 
-<file path=ppt/notesSlides/notesSlide40.xml><?xml version="1.0" encoding="utf-8"?>
-<p:notes xmlns:a="http://schemas.openxmlformats.org/drawingml/2006/main" xmlns:r="http://schemas.openxmlformats.org/officeDocument/2006/relationships" xmlns:p="http://schemas.openxmlformats.org/presentationml/2006/main">
-  <p:cSld>
-    <p:spTree>
-      <p:nvGrpSpPr>
-        <p:cNvPr id="1" name=""/>
-        <p:cNvGrpSpPr/>
-        <p:nvPr/>
-      </p:nvGrpSpPr>
-      <p:grpSpPr>
-        <a:xfrm>
-          <a:off x="0" y="0"/>
-          <a:ext cx="0" cy="0"/>
-          <a:chOff x="0" y="0"/>
-          <a:chExt cx="0" cy="0"/>
-        </a:xfrm>
-      </p:grpSpPr>
-      <p:sp>
-        <p:nvSpPr>
-          <p:cNvPr id="2" name="1 Marcador de imagen de diapositiva"/>
-          <p:cNvSpPr>
-            <a:spLocks noGrp="1" noRot="1" noChangeAspect="1"/>
-          </p:cNvSpPr>
-          <p:nvPr>
-            <p:ph type="sldImg"/>
-          </p:nvPr>
-        </p:nvSpPr>
-        <p:spPr/>
-      </p:sp>
-      <p:sp>
-        <p:nvSpPr>
-          <p:cNvPr id="3" name="2 Marcador de notas"/>
-          <p:cNvSpPr>
-            <a:spLocks noGrp="1"/>
-          </p:cNvSpPr>
-          <p:nvPr>
-            <p:ph type="body" idx="1"/>
-          </p:nvPr>
-        </p:nvSpPr>
-        <p:spPr/>
-        <p:txBody>
-          <a:bodyPr/>
-          <a:lstStyle/>
-          <a:p>
-            <a:endParaRPr lang="es-PE" dirty="0"/>
-          </a:p>
-        </p:txBody>
-      </p:sp>
-      <p:sp>
-        <p:nvSpPr>
-          <p:cNvPr id="4" name="3 Marcador de número de diapositiva"/>
-          <p:cNvSpPr>
-            <a:spLocks noGrp="1"/>
-          </p:cNvSpPr>
-          <p:nvPr>
-            <p:ph type="sldNum" sz="quarter" idx="10"/>
-          </p:nvPr>
-        </p:nvSpPr>
-        <p:spPr/>
-        <p:txBody>
-          <a:bodyPr/>
-          <a:lstStyle/>
-          <a:p>
-            <a:fld id="{80C14895-23C8-45AE-85D5-3B35E5980A68}" type="slidenum">
-              <a:rPr lang="es-PE" smtClean="0"/>
-              <a:t>40</a:t>
-            </a:fld>
-            <a:endParaRPr lang="es-PE"/>
-          </a:p>
-        </p:txBody>
-      </p:sp>
-    </p:spTree>
-    <p:extLst>
-      <p:ext uri="{BB962C8B-B14F-4D97-AF65-F5344CB8AC3E}">
-        <p14:creationId xmlns:p14="http://schemas.microsoft.com/office/powerpoint/2010/main" val="3432092158"/>
-      </p:ext>
-    </p:extLst>
-  </p:cSld>
-  <p:clrMapOvr>
-    <a:masterClrMapping/>
-  </p:clrMapOvr>
-</p:notes>
-</file>
-
 <file path=ppt/notesSlides/notesSlide5.xml><?xml version="1.0" encoding="utf-8"?>
 <p:notes xmlns:a="http://schemas.openxmlformats.org/drawingml/2006/main" xmlns:r="http://schemas.openxmlformats.org/officeDocument/2006/relationships" xmlns:p="http://schemas.openxmlformats.org/presentationml/2006/main">
   <p:cSld>
@@ -7754,7 +7337,7 @@
             <a:fld id="{807CB568-C05F-482F-9F26-AA302B8892DF}" type="datetimeFigureOut">
               <a:rPr lang="es-ES" smtClean="0"/>
               <a:pPr/>
-              <a:t>09/11/2012</a:t>
+              <a:t>26/01/2013</a:t>
             </a:fld>
             <a:endParaRPr lang="es-ES"/>
           </a:p>
@@ -7933,7 +7516,7 @@
             <a:fld id="{807CB568-C05F-482F-9F26-AA302B8892DF}" type="datetimeFigureOut">
               <a:rPr lang="es-ES" smtClean="0"/>
               <a:pPr/>
-              <a:t>09/11/2012</a:t>
+              <a:t>26/01/2013</a:t>
             </a:fld>
             <a:endParaRPr lang="es-ES"/>
           </a:p>
@@ -8122,7 +7705,7 @@
             <a:fld id="{807CB568-C05F-482F-9F26-AA302B8892DF}" type="datetimeFigureOut">
               <a:rPr lang="es-ES" smtClean="0"/>
               <a:pPr/>
-              <a:t>09/11/2012</a:t>
+              <a:t>26/01/2013</a:t>
             </a:fld>
             <a:endParaRPr lang="es-ES"/>
           </a:p>
@@ -8301,7 +7884,7 @@
             <a:fld id="{807CB568-C05F-482F-9F26-AA302B8892DF}" type="datetimeFigureOut">
               <a:rPr lang="es-ES" smtClean="0"/>
               <a:pPr/>
-              <a:t>09/11/2012</a:t>
+              <a:t>26/01/2013</a:t>
             </a:fld>
             <a:endParaRPr lang="es-ES"/>
           </a:p>
@@ -8556,7 +8139,7 @@
             <a:fld id="{807CB568-C05F-482F-9F26-AA302B8892DF}" type="datetimeFigureOut">
               <a:rPr lang="es-ES" smtClean="0"/>
               <a:pPr/>
-              <a:t>09/11/2012</a:t>
+              <a:t>26/01/2013</a:t>
             </a:fld>
             <a:endParaRPr lang="es-ES"/>
           </a:p>
@@ -8853,7 +8436,7 @@
             <a:fld id="{807CB568-C05F-482F-9F26-AA302B8892DF}" type="datetimeFigureOut">
               <a:rPr lang="es-ES" smtClean="0"/>
               <a:pPr/>
-              <a:t>09/11/2012</a:t>
+              <a:t>26/01/2013</a:t>
             </a:fld>
             <a:endParaRPr lang="es-ES"/>
           </a:p>
@@ -9284,7 +8867,7 @@
             <a:fld id="{807CB568-C05F-482F-9F26-AA302B8892DF}" type="datetimeFigureOut">
               <a:rPr lang="es-ES" smtClean="0"/>
               <a:pPr/>
-              <a:t>09/11/2012</a:t>
+              <a:t>26/01/2013</a:t>
             </a:fld>
             <a:endParaRPr lang="es-ES"/>
           </a:p>
@@ -9411,7 +8994,7 @@
             <a:fld id="{807CB568-C05F-482F-9F26-AA302B8892DF}" type="datetimeFigureOut">
               <a:rPr lang="es-ES" smtClean="0"/>
               <a:pPr/>
-              <a:t>09/11/2012</a:t>
+              <a:t>26/01/2013</a:t>
             </a:fld>
             <a:endParaRPr lang="es-ES"/>
           </a:p>
@@ -9515,7 +9098,7 @@
             <a:fld id="{807CB568-C05F-482F-9F26-AA302B8892DF}" type="datetimeFigureOut">
               <a:rPr lang="es-ES" smtClean="0"/>
               <a:pPr/>
-              <a:t>09/11/2012</a:t>
+              <a:t>26/01/2013</a:t>
             </a:fld>
             <a:endParaRPr lang="es-ES"/>
           </a:p>
@@ -9801,7 +9384,7 @@
             <a:fld id="{807CB568-C05F-482F-9F26-AA302B8892DF}" type="datetimeFigureOut">
               <a:rPr lang="es-ES" smtClean="0"/>
               <a:pPr/>
-              <a:t>09/11/2012</a:t>
+              <a:t>26/01/2013</a:t>
             </a:fld>
             <a:endParaRPr lang="es-ES"/>
           </a:p>
@@ -10070,7 +9653,7 @@
             <a:fld id="{807CB568-C05F-482F-9F26-AA302B8892DF}" type="datetimeFigureOut">
               <a:rPr lang="es-ES" smtClean="0"/>
               <a:pPr/>
-              <a:t>09/11/2012</a:t>
+              <a:t>26/01/2013</a:t>
             </a:fld>
             <a:endParaRPr lang="es-ES"/>
           </a:p>
@@ -10321,7 +9904,7 @@
             <a:fld id="{807CB568-C05F-482F-9F26-AA302B8892DF}" type="datetimeFigureOut">
               <a:rPr lang="es-ES" smtClean="0"/>
               <a:pPr/>
-              <a:t>09/11/2012</a:t>
+              <a:t>26/01/2013</a:t>
             </a:fld>
             <a:endParaRPr lang="es-ES"/>
           </a:p>
@@ -20036,755 +19619,6 @@
 </file>
 
 <file path=ppt/slides/slide27.xml><?xml version="1.0" encoding="utf-8"?>
-<p:sld xmlns:a="http://schemas.openxmlformats.org/drawingml/2006/main" xmlns:r="http://schemas.openxmlformats.org/officeDocument/2006/relationships" xmlns:p="http://schemas.openxmlformats.org/presentationml/2006/main" show="0">
-  <p:cSld>
-    <p:spTree>
-      <p:nvGrpSpPr>
-        <p:cNvPr id="1" name=""/>
-        <p:cNvGrpSpPr/>
-        <p:nvPr/>
-      </p:nvGrpSpPr>
-      <p:grpSpPr>
-        <a:xfrm>
-          <a:off x="0" y="0"/>
-          <a:ext cx="0" cy="0"/>
-          <a:chOff x="0" y="0"/>
-          <a:chExt cx="0" cy="0"/>
-        </a:xfrm>
-      </p:grpSpPr>
-      <p:sp>
-        <p:nvSpPr>
-          <p:cNvPr id="4" name="2 Título"/>
-          <p:cNvSpPr txBox="1">
-            <a:spLocks/>
-          </p:cNvSpPr>
-          <p:nvPr/>
-        </p:nvSpPr>
-        <p:spPr bwMode="auto">
-          <a:xfrm>
-            <a:off x="0" y="255786"/>
-            <a:ext cx="9135414" cy="724942"/>
-          </a:xfrm>
-          <a:prstGeom prst="rect">
-            <a:avLst/>
-          </a:prstGeom>
-          <a:noFill/>
-          <a:ln w="9525">
-            <a:noFill/>
-            <a:miter lim="800000"/>
-            <a:headEnd/>
-            <a:tailEnd/>
-          </a:ln>
-        </p:spPr>
-        <p:txBody>
-          <a:bodyPr vert="horz" wrap="square" lIns="91440" tIns="45720" rIns="91440" bIns="45720" numCol="1" anchor="ctr" anchorCtr="0" compatLnSpc="1">
-            <a:prstTxWarp prst="textNoShape">
-              <a:avLst/>
-            </a:prstTxWarp>
-          </a:bodyPr>
-          <a:lstStyle>
-            <a:lvl1pPr algn="ctr" rtl="0" eaLnBrk="1" fontAlgn="base" hangingPunct="1">
-              <a:spcBef>
-                <a:spcPct val="0"/>
-              </a:spcBef>
-              <a:spcAft>
-                <a:spcPct val="0"/>
-              </a:spcAft>
-              <a:defRPr sz="4400" kern="1200">
-                <a:solidFill>
-                  <a:schemeClr val="tx1"/>
-                </a:solidFill>
-                <a:latin typeface="+mj-lt"/>
-                <a:ea typeface="+mj-ea"/>
-                <a:cs typeface="+mj-cs"/>
-              </a:defRPr>
-            </a:lvl1pPr>
-            <a:lvl2pPr algn="ctr" rtl="0" eaLnBrk="1" fontAlgn="base" hangingPunct="1">
-              <a:spcBef>
-                <a:spcPct val="0"/>
-              </a:spcBef>
-              <a:spcAft>
-                <a:spcPct val="0"/>
-              </a:spcAft>
-              <a:defRPr sz="4400">
-                <a:solidFill>
-                  <a:schemeClr val="tx1"/>
-                </a:solidFill>
-                <a:latin typeface="Calibri" pitchFamily="34" charset="0"/>
-              </a:defRPr>
-            </a:lvl2pPr>
-            <a:lvl3pPr algn="ctr" rtl="0" eaLnBrk="1" fontAlgn="base" hangingPunct="1">
-              <a:spcBef>
-                <a:spcPct val="0"/>
-              </a:spcBef>
-              <a:spcAft>
-                <a:spcPct val="0"/>
-              </a:spcAft>
-              <a:defRPr sz="4400">
-                <a:solidFill>
-                  <a:schemeClr val="tx1"/>
-                </a:solidFill>
-                <a:latin typeface="Calibri" pitchFamily="34" charset="0"/>
-              </a:defRPr>
-            </a:lvl3pPr>
-            <a:lvl4pPr algn="ctr" rtl="0" eaLnBrk="1" fontAlgn="base" hangingPunct="1">
-              <a:spcBef>
-                <a:spcPct val="0"/>
-              </a:spcBef>
-              <a:spcAft>
-                <a:spcPct val="0"/>
-              </a:spcAft>
-              <a:defRPr sz="4400">
-                <a:solidFill>
-                  <a:schemeClr val="tx1"/>
-                </a:solidFill>
-                <a:latin typeface="Calibri" pitchFamily="34" charset="0"/>
-              </a:defRPr>
-            </a:lvl4pPr>
-            <a:lvl5pPr algn="ctr" rtl="0" eaLnBrk="1" fontAlgn="base" hangingPunct="1">
-              <a:spcBef>
-                <a:spcPct val="0"/>
-              </a:spcBef>
-              <a:spcAft>
-                <a:spcPct val="0"/>
-              </a:spcAft>
-              <a:defRPr sz="4400">
-                <a:solidFill>
-                  <a:schemeClr val="tx1"/>
-                </a:solidFill>
-                <a:latin typeface="Calibri" pitchFamily="34" charset="0"/>
-              </a:defRPr>
-            </a:lvl5pPr>
-            <a:lvl6pPr marL="457200" algn="ctr" rtl="0" eaLnBrk="1" fontAlgn="base" hangingPunct="1">
-              <a:spcBef>
-                <a:spcPct val="0"/>
-              </a:spcBef>
-              <a:spcAft>
-                <a:spcPct val="0"/>
-              </a:spcAft>
-              <a:defRPr sz="4400">
-                <a:solidFill>
-                  <a:schemeClr val="tx1"/>
-                </a:solidFill>
-                <a:latin typeface="Calibri" pitchFamily="34" charset="0"/>
-              </a:defRPr>
-            </a:lvl6pPr>
-            <a:lvl7pPr marL="914400" algn="ctr" rtl="0" eaLnBrk="1" fontAlgn="base" hangingPunct="1">
-              <a:spcBef>
-                <a:spcPct val="0"/>
-              </a:spcBef>
-              <a:spcAft>
-                <a:spcPct val="0"/>
-              </a:spcAft>
-              <a:defRPr sz="4400">
-                <a:solidFill>
-                  <a:schemeClr val="tx1"/>
-                </a:solidFill>
-                <a:latin typeface="Calibri" pitchFamily="34" charset="0"/>
-              </a:defRPr>
-            </a:lvl7pPr>
-            <a:lvl8pPr marL="1371600" algn="ctr" rtl="0" eaLnBrk="1" fontAlgn="base" hangingPunct="1">
-              <a:spcBef>
-                <a:spcPct val="0"/>
-              </a:spcBef>
-              <a:spcAft>
-                <a:spcPct val="0"/>
-              </a:spcAft>
-              <a:defRPr sz="4400">
-                <a:solidFill>
-                  <a:schemeClr val="tx1"/>
-                </a:solidFill>
-                <a:latin typeface="Calibri" pitchFamily="34" charset="0"/>
-              </a:defRPr>
-            </a:lvl8pPr>
-            <a:lvl9pPr marL="1828800" algn="ctr" rtl="0" eaLnBrk="1" fontAlgn="base" hangingPunct="1">
-              <a:spcBef>
-                <a:spcPct val="0"/>
-              </a:spcBef>
-              <a:spcAft>
-                <a:spcPct val="0"/>
-              </a:spcAft>
-              <a:defRPr sz="4400">
-                <a:solidFill>
-                  <a:schemeClr val="tx1"/>
-                </a:solidFill>
-                <a:latin typeface="Calibri" pitchFamily="34" charset="0"/>
-              </a:defRPr>
-            </a:lvl9pPr>
-          </a:lstStyle>
-          <a:p>
-            <a:r>
-              <a:rPr lang="es-PE" dirty="0" smtClean="0">
-                <a:solidFill>
-                  <a:srgbClr val="00823B"/>
-                </a:solidFill>
-              </a:rPr>
-              <a:t>Probar un único comportamiento</a:t>
-            </a:r>
-            <a:endParaRPr lang="es-PE" dirty="0">
-              <a:solidFill>
-                <a:srgbClr val="00823B"/>
-              </a:solidFill>
-            </a:endParaRPr>
-          </a:p>
-        </p:txBody>
-      </p:sp>
-      <p:sp>
-        <p:nvSpPr>
-          <p:cNvPr id="5" name="4 CuadroTexto"/>
-          <p:cNvSpPr txBox="1"/>
-          <p:nvPr/>
-        </p:nvSpPr>
-        <p:spPr>
-          <a:xfrm>
-            <a:off x="121805" y="1250757"/>
-            <a:ext cx="8897105" cy="954107"/>
-          </a:xfrm>
-          <a:prstGeom prst="rect">
-            <a:avLst/>
-          </a:prstGeom>
-          <a:noFill/>
-        </p:spPr>
-        <p:txBody>
-          <a:bodyPr wrap="square" rtlCol="0">
-            <a:spAutoFit/>
-          </a:bodyPr>
-          <a:lstStyle/>
-          <a:p>
-            <a:pPr algn="ctr"/>
-            <a:r>
-              <a:rPr lang="es-PE" sz="2800" dirty="0" smtClean="0"/>
-              <a:t>Las pruebas unitarias se enfocan en probar un único comportamiento o secuencia de ejecución.</a:t>
-            </a:r>
-            <a:endParaRPr lang="es-PE" sz="2400" dirty="0" smtClean="0"/>
-          </a:p>
-        </p:txBody>
-      </p:sp>
-      <p:sp>
-        <p:nvSpPr>
-          <p:cNvPr id="6" name="5 CuadroTexto"/>
-          <p:cNvSpPr txBox="1"/>
-          <p:nvPr/>
-        </p:nvSpPr>
-        <p:spPr>
-          <a:xfrm>
-            <a:off x="465900" y="2838415"/>
-            <a:ext cx="8354571" cy="2677656"/>
-          </a:xfrm>
-          <a:prstGeom prst="rect">
-            <a:avLst/>
-          </a:prstGeom>
-          <a:noFill/>
-        </p:spPr>
-        <p:txBody>
-          <a:bodyPr wrap="square" rtlCol="0">
-            <a:spAutoFit/>
-          </a:bodyPr>
-          <a:lstStyle/>
-          <a:p>
-            <a:r>
-              <a:rPr lang="es-PE" sz="2800" dirty="0" smtClean="0"/>
-              <a:t>Escribir pruebas pequeñas tiene los siguientes beneficios:</a:t>
-            </a:r>
-          </a:p>
-          <a:p>
-            <a:pPr marL="457200" indent="-457200">
-              <a:buFont typeface="Arial" pitchFamily="34" charset="0"/>
-              <a:buChar char="•"/>
-            </a:pPr>
-            <a:r>
-              <a:rPr lang="es-PE" sz="2800" dirty="0" smtClean="0"/>
-              <a:t>Facilita la investigación de errores.</a:t>
-            </a:r>
-          </a:p>
-          <a:p>
-            <a:pPr marL="457200" indent="-457200">
-              <a:buFont typeface="Arial" pitchFamily="34" charset="0"/>
-              <a:buChar char="•"/>
-            </a:pPr>
-            <a:r>
-              <a:rPr lang="es-PE" sz="2800" dirty="0" smtClean="0"/>
-              <a:t>Se escriben rápidamente.</a:t>
-            </a:r>
-          </a:p>
-          <a:p>
-            <a:pPr marL="457200" indent="-457200">
-              <a:buFont typeface="Arial" pitchFamily="34" charset="0"/>
-              <a:buChar char="•"/>
-            </a:pPr>
-            <a:r>
-              <a:rPr lang="es-PE" sz="2800" dirty="0" smtClean="0"/>
-              <a:t>Cada prueba comunica qué es lo que hace la clase (sirve como documentación).</a:t>
-            </a:r>
-          </a:p>
-        </p:txBody>
-      </p:sp>
-    </p:spTree>
-    <p:extLst>
-      <p:ext uri="{BB962C8B-B14F-4D97-AF65-F5344CB8AC3E}">
-        <p14:creationId xmlns:p14="http://schemas.microsoft.com/office/powerpoint/2010/main" val="1585731984"/>
-      </p:ext>
-    </p:extLst>
-  </p:cSld>
-  <p:clrMapOvr>
-    <a:masterClrMapping/>
-  </p:clrMapOvr>
-  <mc:AlternateContent xmlns:mc="http://schemas.openxmlformats.org/markup-compatibility/2006" xmlns:p14="http://schemas.microsoft.com/office/powerpoint/2010/main">
-    <mc:Choice Requires="p14">
-      <p:transition spd="slow" p14:dur="2000"/>
-    </mc:Choice>
-    <mc:Fallback xmlns="">
-      <p:transition spd="slow"/>
-    </mc:Fallback>
-  </mc:AlternateContent>
-  <p:timing>
-    <p:tnLst>
-      <p:par>
-        <p:cTn id="1" dur="indefinite" restart="never" nodeType="tmRoot"/>
-      </p:par>
-    </p:tnLst>
-  </p:timing>
-</p:sld>
-</file>
-
-<file path=ppt/slides/slide28.xml><?xml version="1.0" encoding="utf-8"?>
-<p:sld xmlns:a="http://schemas.openxmlformats.org/drawingml/2006/main" xmlns:r="http://schemas.openxmlformats.org/officeDocument/2006/relationships" xmlns:p="http://schemas.openxmlformats.org/presentationml/2006/main">
-  <p:cSld>
-    <p:spTree>
-      <p:nvGrpSpPr>
-        <p:cNvPr id="1" name=""/>
-        <p:cNvGrpSpPr/>
-        <p:nvPr/>
-      </p:nvGrpSpPr>
-      <p:grpSpPr>
-        <a:xfrm>
-          <a:off x="0" y="0"/>
-          <a:ext cx="0" cy="0"/>
-          <a:chOff x="0" y="0"/>
-          <a:chExt cx="0" cy="0"/>
-        </a:xfrm>
-      </p:grpSpPr>
-      <p:sp>
-        <p:nvSpPr>
-          <p:cNvPr id="3" name="2 Título"/>
-          <p:cNvSpPr>
-            <a:spLocks noGrp="1"/>
-          </p:cNvSpPr>
-          <p:nvPr>
-            <p:ph type="title"/>
-          </p:nvPr>
-        </p:nvSpPr>
-        <p:spPr>
-          <a:xfrm>
-            <a:off x="483459" y="260648"/>
-            <a:ext cx="8229600" cy="1224136"/>
-          </a:xfrm>
-        </p:spPr>
-        <p:txBody>
-          <a:bodyPr/>
-          <a:lstStyle/>
-          <a:p>
-            <a:r>
-              <a:rPr lang="es-PE" dirty="0" smtClean="0">
-                <a:solidFill>
-                  <a:srgbClr val="00823B"/>
-                </a:solidFill>
-              </a:rPr>
-              <a:t>Propiedades de una</a:t>
-            </a:r>
-            <a:br>
-              <a:rPr lang="es-PE" dirty="0" smtClean="0">
-                <a:solidFill>
-                  <a:srgbClr val="00823B"/>
-                </a:solidFill>
-              </a:rPr>
-            </a:br>
-            <a:r>
-              <a:rPr lang="es-PE" dirty="0" smtClean="0">
-                <a:solidFill>
-                  <a:srgbClr val="00823B"/>
-                </a:solidFill>
-              </a:rPr>
-              <a:t>Prueba Unitaria</a:t>
-            </a:r>
-            <a:endParaRPr lang="es-PE" dirty="0">
-              <a:solidFill>
-                <a:srgbClr val="00823B"/>
-              </a:solidFill>
-            </a:endParaRPr>
-          </a:p>
-        </p:txBody>
-      </p:sp>
-      <p:sp>
-        <p:nvSpPr>
-          <p:cNvPr id="41" name="5 Marcador de contenido"/>
-          <p:cNvSpPr txBox="1">
-            <a:spLocks/>
-          </p:cNvSpPr>
-          <p:nvPr/>
-        </p:nvSpPr>
-        <p:spPr bwMode="auto">
-          <a:xfrm>
-            <a:off x="467544" y="1628800"/>
-            <a:ext cx="8352928" cy="4315618"/>
-          </a:xfrm>
-          <a:prstGeom prst="rect">
-            <a:avLst/>
-          </a:prstGeom>
-          <a:noFill/>
-          <a:ln w="9525">
-            <a:noFill/>
-            <a:miter lim="800000"/>
-            <a:headEnd/>
-            <a:tailEnd/>
-          </a:ln>
-        </p:spPr>
-        <p:txBody>
-          <a:bodyPr vert="horz" wrap="square" lIns="91440" tIns="45720" rIns="91440" bIns="45720" numCol="1" anchor="t" anchorCtr="0" compatLnSpc="1">
-            <a:prstTxWarp prst="textNoShape">
-              <a:avLst/>
-            </a:prstTxWarp>
-          </a:bodyPr>
-          <a:lstStyle>
-            <a:lvl1pPr marL="342900" indent="-342900" algn="l" rtl="0" eaLnBrk="1" fontAlgn="base" hangingPunct="1">
-              <a:spcBef>
-                <a:spcPct val="20000"/>
-              </a:spcBef>
-              <a:spcAft>
-                <a:spcPct val="0"/>
-              </a:spcAft>
-              <a:buFont typeface="Arial" charset="0"/>
-              <a:buChar char="•"/>
-              <a:defRPr sz="3200" kern="1200">
-                <a:solidFill>
-                  <a:schemeClr val="tx1"/>
-                </a:solidFill>
-                <a:latin typeface="+mn-lt"/>
-                <a:ea typeface="+mn-ea"/>
-                <a:cs typeface="+mn-cs"/>
-              </a:defRPr>
-            </a:lvl1pPr>
-            <a:lvl2pPr marL="742950" indent="-285750" algn="l" rtl="0" eaLnBrk="1" fontAlgn="base" hangingPunct="1">
-              <a:spcBef>
-                <a:spcPct val="20000"/>
-              </a:spcBef>
-              <a:spcAft>
-                <a:spcPct val="0"/>
-              </a:spcAft>
-              <a:buFont typeface="Arial" charset="0"/>
-              <a:buChar char="–"/>
-              <a:defRPr sz="2800" kern="1200">
-                <a:solidFill>
-                  <a:schemeClr val="tx1"/>
-                </a:solidFill>
-                <a:latin typeface="+mn-lt"/>
-                <a:ea typeface="+mn-ea"/>
-                <a:cs typeface="+mn-cs"/>
-              </a:defRPr>
-            </a:lvl2pPr>
-            <a:lvl3pPr marL="1143000" indent="-228600" algn="l" rtl="0" eaLnBrk="1" fontAlgn="base" hangingPunct="1">
-              <a:spcBef>
-                <a:spcPct val="20000"/>
-              </a:spcBef>
-              <a:spcAft>
-                <a:spcPct val="0"/>
-              </a:spcAft>
-              <a:buFont typeface="Arial" charset="0"/>
-              <a:buChar char="•"/>
-              <a:defRPr sz="2400" kern="1200">
-                <a:solidFill>
-                  <a:schemeClr val="tx1"/>
-                </a:solidFill>
-                <a:latin typeface="+mn-lt"/>
-                <a:ea typeface="+mn-ea"/>
-                <a:cs typeface="+mn-cs"/>
-              </a:defRPr>
-            </a:lvl3pPr>
-            <a:lvl4pPr marL="1600200" indent="-228600" algn="l" rtl="0" eaLnBrk="1" fontAlgn="base" hangingPunct="1">
-              <a:spcBef>
-                <a:spcPct val="20000"/>
-              </a:spcBef>
-              <a:spcAft>
-                <a:spcPct val="0"/>
-              </a:spcAft>
-              <a:buFont typeface="Arial" charset="0"/>
-              <a:buChar char="–"/>
-              <a:defRPr sz="2000" kern="1200">
-                <a:solidFill>
-                  <a:schemeClr val="tx1"/>
-                </a:solidFill>
-                <a:latin typeface="+mn-lt"/>
-                <a:ea typeface="+mn-ea"/>
-                <a:cs typeface="+mn-cs"/>
-              </a:defRPr>
-            </a:lvl4pPr>
-            <a:lvl5pPr marL="2057400" indent="-228600" algn="l" rtl="0" eaLnBrk="1" fontAlgn="base" hangingPunct="1">
-              <a:spcBef>
-                <a:spcPct val="20000"/>
-              </a:spcBef>
-              <a:spcAft>
-                <a:spcPct val="0"/>
-              </a:spcAft>
-              <a:buFont typeface="Arial" charset="0"/>
-              <a:buChar char="»"/>
-              <a:defRPr sz="2000" kern="1200">
-                <a:solidFill>
-                  <a:schemeClr val="tx1"/>
-                </a:solidFill>
-                <a:latin typeface="+mn-lt"/>
-                <a:ea typeface="+mn-ea"/>
-                <a:cs typeface="+mn-cs"/>
-              </a:defRPr>
-            </a:lvl5pPr>
-            <a:lvl6pPr marL="2514600" indent="-228600" algn="l" defTabSz="914400" rtl="0" eaLnBrk="1" latinLnBrk="0" hangingPunct="1">
-              <a:spcBef>
-                <a:spcPct val="20000"/>
-              </a:spcBef>
-              <a:buFont typeface="Arial" pitchFamily="34" charset="0"/>
-              <a:buChar char="•"/>
-              <a:defRPr sz="2000" kern="1200">
-                <a:solidFill>
-                  <a:schemeClr val="tx1"/>
-                </a:solidFill>
-                <a:latin typeface="+mn-lt"/>
-                <a:ea typeface="+mn-ea"/>
-                <a:cs typeface="+mn-cs"/>
-              </a:defRPr>
-            </a:lvl6pPr>
-            <a:lvl7pPr marL="2971800" indent="-228600" algn="l" defTabSz="914400" rtl="0" eaLnBrk="1" latinLnBrk="0" hangingPunct="1">
-              <a:spcBef>
-                <a:spcPct val="20000"/>
-              </a:spcBef>
-              <a:buFont typeface="Arial" pitchFamily="34" charset="0"/>
-              <a:buChar char="•"/>
-              <a:defRPr sz="2000" kern="1200">
-                <a:solidFill>
-                  <a:schemeClr val="tx1"/>
-                </a:solidFill>
-                <a:latin typeface="+mn-lt"/>
-                <a:ea typeface="+mn-ea"/>
-                <a:cs typeface="+mn-cs"/>
-              </a:defRPr>
-            </a:lvl7pPr>
-            <a:lvl8pPr marL="3429000" indent="-228600" algn="l" defTabSz="914400" rtl="0" eaLnBrk="1" latinLnBrk="0" hangingPunct="1">
-              <a:spcBef>
-                <a:spcPct val="20000"/>
-              </a:spcBef>
-              <a:buFont typeface="Arial" pitchFamily="34" charset="0"/>
-              <a:buChar char="•"/>
-              <a:defRPr sz="2000" kern="1200">
-                <a:solidFill>
-                  <a:schemeClr val="tx1"/>
-                </a:solidFill>
-                <a:latin typeface="+mn-lt"/>
-                <a:ea typeface="+mn-ea"/>
-                <a:cs typeface="+mn-cs"/>
-              </a:defRPr>
-            </a:lvl8pPr>
-            <a:lvl9pPr marL="3886200" indent="-228600" algn="l" defTabSz="914400" rtl="0" eaLnBrk="1" latinLnBrk="0" hangingPunct="1">
-              <a:spcBef>
-                <a:spcPct val="20000"/>
-              </a:spcBef>
-              <a:buFont typeface="Arial" pitchFamily="34" charset="0"/>
-              <a:buChar char="•"/>
-              <a:defRPr sz="2000" kern="1200">
-                <a:solidFill>
-                  <a:schemeClr val="tx1"/>
-                </a:solidFill>
-                <a:latin typeface="+mn-lt"/>
-                <a:ea typeface="+mn-ea"/>
-                <a:cs typeface="+mn-cs"/>
-              </a:defRPr>
-            </a:lvl9pPr>
-          </a:lstStyle>
-          <a:p>
-            <a:pPr marL="0" indent="0" defTabSz="796925">
-              <a:buNone/>
-            </a:pPr>
-            <a:r>
-              <a:rPr lang="es-PE" sz="4800" b="1" dirty="0" err="1">
-                <a:solidFill>
-                  <a:srgbClr val="FF0000"/>
-                </a:solidFill>
-              </a:rPr>
-              <a:t>F</a:t>
-            </a:r>
-            <a:r>
-              <a:rPr lang="es-PE" sz="2800" dirty="0" err="1" smtClean="0">
-                <a:solidFill>
-                  <a:srgbClr val="FF0000"/>
-                </a:solidFill>
-              </a:rPr>
-              <a:t>ast</a:t>
-            </a:r>
-            <a:r>
-              <a:rPr lang="es-PE" sz="2800" dirty="0" smtClean="0">
-                <a:solidFill>
-                  <a:srgbClr val="FF0000"/>
-                </a:solidFill>
-              </a:rPr>
-              <a:t>: </a:t>
-            </a:r>
-            <a:r>
-              <a:rPr lang="es-PE" sz="2400" dirty="0" smtClean="0"/>
-              <a:t>Unos cuantos milisegundos en ejecutarse.</a:t>
-            </a:r>
-          </a:p>
-          <a:p>
-            <a:pPr marL="0" indent="0">
-              <a:buNone/>
-            </a:pPr>
-            <a:r>
-              <a:rPr lang="es-PE" sz="4800" b="1" dirty="0" err="1" smtClean="0">
-                <a:solidFill>
-                  <a:srgbClr val="FF0000"/>
-                </a:solidFill>
-              </a:rPr>
-              <a:t>I</a:t>
-            </a:r>
-            <a:r>
-              <a:rPr lang="es-PE" sz="2800" dirty="0" err="1" smtClean="0">
-                <a:solidFill>
-                  <a:srgbClr val="FF0000"/>
-                </a:solidFill>
-              </a:rPr>
-              <a:t>ndependent</a:t>
-            </a:r>
-            <a:r>
-              <a:rPr lang="es-PE" sz="2800" dirty="0" smtClean="0">
-                <a:solidFill>
-                  <a:srgbClr val="FF0000"/>
-                </a:solidFill>
-              </a:rPr>
-              <a:t>: </a:t>
-            </a:r>
-            <a:r>
-              <a:rPr lang="es-PE" sz="2400" dirty="0" smtClean="0"/>
-              <a:t>Enfocarse en una única unidad de código.</a:t>
-            </a:r>
-          </a:p>
-          <a:p>
-            <a:pPr marL="0" indent="0">
-              <a:buNone/>
-            </a:pPr>
-            <a:r>
-              <a:rPr lang="es-PE" sz="4800" b="1" dirty="0" err="1" smtClean="0">
-                <a:solidFill>
-                  <a:srgbClr val="FF0000"/>
-                </a:solidFill>
-              </a:rPr>
-              <a:t>R</a:t>
-            </a:r>
-            <a:r>
-              <a:rPr lang="es-PE" sz="2800" dirty="0" err="1" smtClean="0">
-                <a:solidFill>
-                  <a:srgbClr val="FF0000"/>
-                </a:solidFill>
-              </a:rPr>
-              <a:t>epeatable</a:t>
-            </a:r>
-            <a:r>
-              <a:rPr lang="es-PE" sz="2800" dirty="0" smtClean="0">
-                <a:solidFill>
-                  <a:srgbClr val="FF0000"/>
-                </a:solidFill>
-              </a:rPr>
-              <a:t>: </a:t>
-            </a:r>
-            <a:r>
-              <a:rPr lang="es-PE" sz="2400" dirty="0" smtClean="0"/>
-              <a:t>Ejecutarse de manera repetitiva sin intervención.</a:t>
-            </a:r>
-          </a:p>
-          <a:p>
-            <a:pPr marL="0" indent="0">
-              <a:buNone/>
-            </a:pPr>
-            <a:r>
-              <a:rPr lang="es-PE" sz="4800" b="1" dirty="0" err="1">
-                <a:solidFill>
-                  <a:srgbClr val="FF0000"/>
-                </a:solidFill>
-              </a:rPr>
-              <a:t>S</a:t>
-            </a:r>
-            <a:r>
-              <a:rPr lang="es-PE" sz="2800" dirty="0" err="1" smtClean="0">
-                <a:solidFill>
-                  <a:srgbClr val="FF0000"/>
-                </a:solidFill>
-              </a:rPr>
-              <a:t>elf-validating</a:t>
-            </a:r>
-            <a:r>
-              <a:rPr lang="es-PE" sz="2800" dirty="0" smtClean="0">
-                <a:solidFill>
-                  <a:srgbClr val="FF0000"/>
-                </a:solidFill>
-              </a:rPr>
-              <a:t>: </a:t>
-            </a:r>
-            <a:r>
-              <a:rPr lang="es-PE" sz="2400" dirty="0" smtClean="0"/>
-              <a:t>Sin necesidad de reexaminar los resultados.</a:t>
-            </a:r>
-          </a:p>
-          <a:p>
-            <a:pPr marL="0" indent="0">
-              <a:buNone/>
-            </a:pPr>
-            <a:r>
-              <a:rPr lang="es-PE" sz="4800" b="1" dirty="0" err="1">
-                <a:solidFill>
-                  <a:srgbClr val="FF0000"/>
-                </a:solidFill>
-              </a:rPr>
-              <a:t>T</a:t>
-            </a:r>
-            <a:r>
-              <a:rPr lang="es-PE" sz="2800" dirty="0" err="1" smtClean="0">
-                <a:solidFill>
-                  <a:srgbClr val="FF0000"/>
-                </a:solidFill>
-              </a:rPr>
-              <a:t>ransparent</a:t>
-            </a:r>
-            <a:r>
-              <a:rPr lang="es-PE" sz="2800" dirty="0" smtClean="0">
-                <a:solidFill>
-                  <a:srgbClr val="FF0000"/>
-                </a:solidFill>
-              </a:rPr>
-              <a:t>: </a:t>
-            </a:r>
-            <a:r>
-              <a:rPr lang="es-PE" sz="2400" dirty="0" smtClean="0"/>
-              <a:t>Comunicar claramente lo que se busca probar.</a:t>
-            </a:r>
-          </a:p>
-        </p:txBody>
-      </p:sp>
-    </p:spTree>
-    <p:extLst>
-      <p:ext uri="{BB962C8B-B14F-4D97-AF65-F5344CB8AC3E}">
-        <p14:creationId xmlns:p14="http://schemas.microsoft.com/office/powerpoint/2010/main" val="3251858761"/>
-      </p:ext>
-    </p:extLst>
-  </p:cSld>
-  <p:clrMapOvr>
-    <a:masterClrMapping/>
-  </p:clrMapOvr>
-  <p:timing>
-    <p:tnLst>
-      <p:par>
-        <p:cTn id="1" dur="indefinite" restart="never" nodeType="tmRoot"/>
-      </p:par>
-    </p:tnLst>
-  </p:timing>
-</p:sld>
-</file>
-
-<file path=ppt/slides/slide29.xml><?xml version="1.0" encoding="utf-8"?>
 <p:sld xmlns:a="http://schemas.openxmlformats.org/drawingml/2006/main" xmlns:r="http://schemas.openxmlformats.org/officeDocument/2006/relationships" xmlns:p="http://schemas.openxmlformats.org/presentationml/2006/main">
   <p:cSld>
     <p:spTree>
@@ -21696,6 +20530,712 @@
 </p:sld>
 </file>
 
+<file path=ppt/slides/slide28.xml><?xml version="1.0" encoding="utf-8"?>
+<p:sld xmlns:a="http://schemas.openxmlformats.org/drawingml/2006/main" xmlns:r="http://schemas.openxmlformats.org/officeDocument/2006/relationships" xmlns:p="http://schemas.openxmlformats.org/presentationml/2006/main">
+  <p:cSld>
+    <p:spTree>
+      <p:nvGrpSpPr>
+        <p:cNvPr id="1" name=""/>
+        <p:cNvGrpSpPr/>
+        <p:nvPr/>
+      </p:nvGrpSpPr>
+      <p:grpSpPr>
+        <a:xfrm>
+          <a:off x="0" y="0"/>
+          <a:ext cx="0" cy="0"/>
+          <a:chOff x="0" y="0"/>
+          <a:chExt cx="0" cy="0"/>
+        </a:xfrm>
+      </p:grpSpPr>
+      <p:pic>
+        <p:nvPicPr>
+          <p:cNvPr id="2051" name="Picture 3" descr="C:\Users\Snahider\Desktop\FullStack.png"/>
+          <p:cNvPicPr>
+            <a:picLocks noChangeAspect="1" noChangeArrowheads="1"/>
+          </p:cNvPicPr>
+          <p:nvPr/>
+        </p:nvPicPr>
+        <p:blipFill rotWithShape="1">
+          <a:blip r:embed="rId3">
+            <a:extLst>
+              <a:ext uri="{28A0092B-C50C-407E-A947-70E740481C1C}">
+                <a14:useLocalDpi xmlns:a14="http://schemas.microsoft.com/office/drawing/2010/main" val="0"/>
+              </a:ext>
+            </a:extLst>
+          </a:blip>
+          <a:srcRect b="2424"/>
+          <a:stretch/>
+        </p:blipFill>
+        <p:spPr bwMode="auto">
+          <a:xfrm>
+            <a:off x="0" y="1116178"/>
+            <a:ext cx="9144000" cy="5481174"/>
+          </a:xfrm>
+          <a:prstGeom prst="rect">
+            <a:avLst/>
+          </a:prstGeom>
+          <a:noFill/>
+          <a:extLst>
+            <a:ext uri="{909E8E84-426E-40DD-AFC4-6F175D3DCCD1}">
+              <a14:hiddenFill xmlns:a14="http://schemas.microsoft.com/office/drawing/2010/main">
+                <a:solidFill>
+                  <a:srgbClr val="FFFFFF"/>
+                </a:solidFill>
+              </a14:hiddenFill>
+            </a:ext>
+          </a:extLst>
+        </p:spPr>
+      </p:pic>
+      <p:sp>
+        <p:nvSpPr>
+          <p:cNvPr id="11" name="2 Título"/>
+          <p:cNvSpPr>
+            <a:spLocks noGrp="1"/>
+          </p:cNvSpPr>
+          <p:nvPr>
+            <p:ph type="title"/>
+          </p:nvPr>
+        </p:nvSpPr>
+        <p:spPr>
+          <a:xfrm>
+            <a:off x="457200" y="188640"/>
+            <a:ext cx="8229600" cy="792088"/>
+          </a:xfrm>
+        </p:spPr>
+        <p:txBody>
+          <a:bodyPr/>
+          <a:lstStyle/>
+          <a:p>
+            <a:r>
+              <a:rPr lang="es-PE" dirty="0" smtClean="0">
+                <a:solidFill>
+                  <a:srgbClr val="00823B"/>
+                </a:solidFill>
+              </a:rPr>
+              <a:t>¿Dónde aplicar Pruebas Unitarias</a:t>
+            </a:r>
+            <a:r>
+              <a:rPr lang="en-US" dirty="0" smtClean="0">
+                <a:solidFill>
+                  <a:srgbClr val="00823B"/>
+                </a:solidFill>
+              </a:rPr>
+              <a:t>?</a:t>
+            </a:r>
+            <a:endParaRPr lang="es-PE" dirty="0">
+              <a:solidFill>
+                <a:srgbClr val="00823B"/>
+              </a:solidFill>
+            </a:endParaRPr>
+          </a:p>
+        </p:txBody>
+      </p:sp>
+      <p:sp>
+        <p:nvSpPr>
+          <p:cNvPr id="7" name="6 Rectángulo redondeado"/>
+          <p:cNvSpPr/>
+          <p:nvPr/>
+        </p:nvSpPr>
+        <p:spPr>
+          <a:xfrm>
+            <a:off x="1459737" y="2765011"/>
+            <a:ext cx="3672000" cy="864000"/>
+          </a:xfrm>
+          <a:prstGeom prst="roundRect">
+            <a:avLst/>
+          </a:prstGeom>
+          <a:noFill/>
+          <a:ln w="101600">
+            <a:solidFill>
+              <a:srgbClr val="C00000"/>
+            </a:solidFill>
+            <a:prstDash val="solid"/>
+          </a:ln>
+        </p:spPr>
+        <p:style>
+          <a:lnRef idx="2">
+            <a:schemeClr val="accent2"/>
+          </a:lnRef>
+          <a:fillRef idx="1">
+            <a:schemeClr val="lt1"/>
+          </a:fillRef>
+          <a:effectRef idx="0">
+            <a:schemeClr val="accent2"/>
+          </a:effectRef>
+          <a:fontRef idx="minor">
+            <a:schemeClr val="dk1"/>
+          </a:fontRef>
+        </p:style>
+        <p:txBody>
+          <a:bodyPr rtlCol="0" anchor="ctr"/>
+          <a:lstStyle/>
+          <a:p>
+            <a:pPr algn="ctr"/>
+            <a:endParaRPr lang="es-PE">
+              <a:solidFill>
+                <a:schemeClr val="dk1"/>
+              </a:solidFill>
+            </a:endParaRPr>
+          </a:p>
+        </p:txBody>
+      </p:sp>
+      <p:sp>
+        <p:nvSpPr>
+          <p:cNvPr id="12" name="11 CuadroTexto"/>
+          <p:cNvSpPr txBox="1"/>
+          <p:nvPr/>
+        </p:nvSpPr>
+        <p:spPr>
+          <a:xfrm>
+            <a:off x="5391474" y="1196752"/>
+            <a:ext cx="3717030" cy="2246769"/>
+          </a:xfrm>
+          <a:prstGeom prst="rect">
+            <a:avLst/>
+          </a:prstGeom>
+          <a:noFill/>
+        </p:spPr>
+        <p:txBody>
+          <a:bodyPr wrap="square" rtlCol="0">
+            <a:spAutoFit/>
+          </a:bodyPr>
+          <a:lstStyle/>
+          <a:p>
+            <a:pPr algn="ctr"/>
+            <a:r>
+              <a:rPr lang="es-PE" sz="2800" b="1" dirty="0" smtClean="0">
+                <a:solidFill>
+                  <a:srgbClr val="C00000"/>
+                </a:solidFill>
+              </a:rPr>
+              <a:t>Si es posible en toda la aplicación, usualmente no se puede en los </a:t>
+            </a:r>
+            <a:r>
+              <a:rPr lang="es-PE" sz="2800" b="1" dirty="0" err="1" smtClean="0">
+                <a:solidFill>
+                  <a:srgbClr val="C00000"/>
+                </a:solidFill>
+              </a:rPr>
+              <a:t>boundaries</a:t>
+            </a:r>
+            <a:r>
+              <a:rPr lang="es-PE" sz="2800" b="1" dirty="0">
+                <a:solidFill>
+                  <a:srgbClr val="C00000"/>
+                </a:solidFill>
+              </a:rPr>
+              <a:t>.</a:t>
+            </a:r>
+            <a:r>
+              <a:rPr lang="es-PE" sz="2800" b="1" dirty="0" smtClean="0">
+                <a:solidFill>
+                  <a:srgbClr val="C00000"/>
+                </a:solidFill>
+              </a:rPr>
+              <a:t/>
+            </a:r>
+            <a:br>
+              <a:rPr lang="es-PE" sz="2800" b="1" dirty="0" smtClean="0">
+                <a:solidFill>
+                  <a:srgbClr val="C00000"/>
+                </a:solidFill>
+              </a:rPr>
+            </a:br>
+            <a:r>
+              <a:rPr lang="es-PE" sz="2800" b="1" dirty="0" smtClean="0">
+                <a:solidFill>
+                  <a:srgbClr val="C00000"/>
+                </a:solidFill>
+              </a:rPr>
+              <a:t>(</a:t>
+            </a:r>
+            <a:r>
+              <a:rPr lang="es-PE" sz="2800" b="1" dirty="0" err="1" smtClean="0">
+                <a:solidFill>
+                  <a:srgbClr val="C00000"/>
+                </a:solidFill>
+              </a:rPr>
+              <a:t>Views</a:t>
+            </a:r>
+            <a:r>
+              <a:rPr lang="es-PE" sz="2800" b="1" dirty="0" smtClean="0">
+                <a:solidFill>
+                  <a:srgbClr val="C00000"/>
+                </a:solidFill>
+              </a:rPr>
+              <a:t>, Data Access) </a:t>
+            </a:r>
+            <a:endParaRPr lang="es-PE" sz="2800" b="1" dirty="0">
+              <a:solidFill>
+                <a:srgbClr val="C00000"/>
+              </a:solidFill>
+            </a:endParaRPr>
+          </a:p>
+        </p:txBody>
+      </p:sp>
+    </p:spTree>
+    <p:extLst>
+      <p:ext uri="{BB962C8B-B14F-4D97-AF65-F5344CB8AC3E}">
+        <p14:creationId xmlns:p14="http://schemas.microsoft.com/office/powerpoint/2010/main" val="1626662394"/>
+      </p:ext>
+    </p:extLst>
+  </p:cSld>
+  <p:clrMapOvr>
+    <a:masterClrMapping/>
+  </p:clrMapOvr>
+  <mc:AlternateContent xmlns:mc="http://schemas.openxmlformats.org/markup-compatibility/2006" xmlns:p14="http://schemas.microsoft.com/office/powerpoint/2010/main">
+    <mc:Choice Requires="p14">
+      <p:transition spd="slow" p14:dur="2000"/>
+    </mc:Choice>
+    <mc:Fallback xmlns="">
+      <p:transition spd="slow"/>
+    </mc:Fallback>
+  </mc:AlternateContent>
+  <p:timing>
+    <p:tnLst>
+      <p:par>
+        <p:cTn id="1" dur="indefinite" restart="never" nodeType="tmRoot">
+          <p:childTnLst>
+            <p:seq concurrent="1" nextAc="seek">
+              <p:cTn id="2" dur="indefinite" nodeType="mainSeq">
+                <p:childTnLst>
+                  <p:par>
+                    <p:cTn id="3" fill="hold">
+                      <p:stCondLst>
+                        <p:cond delay="indefinite"/>
+                      </p:stCondLst>
+                      <p:childTnLst>
+                        <p:par>
+                          <p:cTn id="4" fill="hold">
+                            <p:stCondLst>
+                              <p:cond delay="0"/>
+                            </p:stCondLst>
+                            <p:childTnLst>
+                              <p:par>
+                                <p:cTn id="5" presetID="1" presetClass="entr" presetSubtype="0" fill="hold" grpId="0" nodeType="clickEffect">
+                                  <p:stCondLst>
+                                    <p:cond delay="0"/>
+                                  </p:stCondLst>
+                                  <p:childTnLst>
+                                    <p:set>
+                                      <p:cBhvr>
+                                        <p:cTn id="6" dur="1" fill="hold">
+                                          <p:stCondLst>
+                                            <p:cond delay="0"/>
+                                          </p:stCondLst>
+                                        </p:cTn>
+                                        <p:tgtEl>
+                                          <p:spTgt spid="7"/>
+                                        </p:tgtEl>
+                                        <p:attrNameLst>
+                                          <p:attrName>style.visibility</p:attrName>
+                                        </p:attrNameLst>
+                                      </p:cBhvr>
+                                      <p:to>
+                                        <p:strVal val="visible"/>
+                                      </p:to>
+                                    </p:set>
+                                  </p:childTnLst>
+                                </p:cTn>
+                              </p:par>
+                            </p:childTnLst>
+                          </p:cTn>
+                        </p:par>
+                      </p:childTnLst>
+                    </p:cTn>
+                  </p:par>
+                  <p:par>
+                    <p:cTn id="7" fill="hold">
+                      <p:stCondLst>
+                        <p:cond delay="indefinite"/>
+                      </p:stCondLst>
+                      <p:childTnLst>
+                        <p:par>
+                          <p:cTn id="8" fill="hold">
+                            <p:stCondLst>
+                              <p:cond delay="0"/>
+                            </p:stCondLst>
+                            <p:childTnLst>
+                              <p:par>
+                                <p:cTn id="9" presetID="1" presetClass="entr" presetSubtype="0" fill="hold" grpId="0" nodeType="clickEffect">
+                                  <p:stCondLst>
+                                    <p:cond delay="0"/>
+                                  </p:stCondLst>
+                                  <p:childTnLst>
+                                    <p:set>
+                                      <p:cBhvr>
+                                        <p:cTn id="10" dur="1" fill="hold">
+                                          <p:stCondLst>
+                                            <p:cond delay="0"/>
+                                          </p:stCondLst>
+                                        </p:cTn>
+                                        <p:tgtEl>
+                                          <p:spTgt spid="12"/>
+                                        </p:tgtEl>
+                                        <p:attrNameLst>
+                                          <p:attrName>style.visibility</p:attrName>
+                                        </p:attrNameLst>
+                                      </p:cBhvr>
+                                      <p:to>
+                                        <p:strVal val="visible"/>
+                                      </p:to>
+                                    </p:set>
+                                  </p:childTnLst>
+                                </p:cTn>
+                              </p:par>
+                            </p:childTnLst>
+                          </p:cTn>
+                        </p:par>
+                      </p:childTnLst>
+                    </p:cTn>
+                  </p:par>
+                </p:childTnLst>
+              </p:cTn>
+              <p:prevCondLst>
+                <p:cond evt="onPrev" delay="0">
+                  <p:tgtEl>
+                    <p:sldTgt/>
+                  </p:tgtEl>
+                </p:cond>
+              </p:prevCondLst>
+              <p:nextCondLst>
+                <p:cond evt="onNext" delay="0">
+                  <p:tgtEl>
+                    <p:sldTgt/>
+                  </p:tgtEl>
+                </p:cond>
+              </p:nextCondLst>
+            </p:seq>
+          </p:childTnLst>
+        </p:cTn>
+      </p:par>
+    </p:tnLst>
+    <p:bldLst>
+      <p:bldP spid="7" grpId="0" animBg="1"/>
+      <p:bldP spid="12" grpId="0"/>
+    </p:bldLst>
+  </p:timing>
+</p:sld>
+</file>
+
+<file path=ppt/slides/slide29.xml><?xml version="1.0" encoding="utf-8"?>
+<p:sld xmlns:a="http://schemas.openxmlformats.org/drawingml/2006/main" xmlns:r="http://schemas.openxmlformats.org/officeDocument/2006/relationships" xmlns:p="http://schemas.openxmlformats.org/presentationml/2006/main">
+  <p:cSld>
+    <p:spTree>
+      <p:nvGrpSpPr>
+        <p:cNvPr id="1" name=""/>
+        <p:cNvGrpSpPr/>
+        <p:nvPr/>
+      </p:nvGrpSpPr>
+      <p:grpSpPr>
+        <a:xfrm>
+          <a:off x="0" y="0"/>
+          <a:ext cx="0" cy="0"/>
+          <a:chOff x="0" y="0"/>
+          <a:chExt cx="0" cy="0"/>
+        </a:xfrm>
+      </p:grpSpPr>
+      <p:sp>
+        <p:nvSpPr>
+          <p:cNvPr id="5" name="2 Título"/>
+          <p:cNvSpPr>
+            <a:spLocks noGrp="1"/>
+          </p:cNvSpPr>
+          <p:nvPr>
+            <p:ph type="title"/>
+          </p:nvPr>
+        </p:nvSpPr>
+        <p:spPr>
+          <a:xfrm>
+            <a:off x="457200" y="1628800"/>
+            <a:ext cx="8229600" cy="1143000"/>
+          </a:xfrm>
+        </p:spPr>
+        <p:txBody>
+          <a:bodyPr/>
+          <a:lstStyle/>
+          <a:p>
+            <a:r>
+              <a:rPr lang="es-PE" dirty="0" smtClean="0">
+                <a:solidFill>
+                  <a:srgbClr val="FFC000"/>
+                </a:solidFill>
+              </a:rPr>
+              <a:t>Ejercicio</a:t>
+            </a:r>
+            <a:br>
+              <a:rPr lang="es-PE" dirty="0" smtClean="0">
+                <a:solidFill>
+                  <a:srgbClr val="FFC000"/>
+                </a:solidFill>
+              </a:rPr>
+            </a:br>
+            <a:r>
+              <a:rPr lang="es-PE" dirty="0" smtClean="0">
+                <a:solidFill>
+                  <a:srgbClr val="00B050"/>
+                </a:solidFill>
+              </a:rPr>
+              <a:t>Técnicas y Prácticas </a:t>
+            </a:r>
+            <a:br>
+              <a:rPr lang="es-PE" dirty="0" smtClean="0">
+                <a:solidFill>
+                  <a:srgbClr val="00B050"/>
+                </a:solidFill>
+              </a:rPr>
+            </a:br>
+            <a:r>
+              <a:rPr lang="es-PE" dirty="0" smtClean="0">
+                <a:solidFill>
+                  <a:srgbClr val="00B050"/>
+                </a:solidFill>
+              </a:rPr>
+              <a:t>para escribir</a:t>
+            </a:r>
+            <a:br>
+              <a:rPr lang="es-PE" dirty="0" smtClean="0">
+                <a:solidFill>
+                  <a:srgbClr val="00B050"/>
+                </a:solidFill>
+              </a:rPr>
+            </a:br>
+            <a:r>
+              <a:rPr lang="es-PE" dirty="0" smtClean="0">
+                <a:solidFill>
+                  <a:srgbClr val="00B050"/>
+                </a:solidFill>
+              </a:rPr>
+              <a:t>Pruebas Unitarias</a:t>
+            </a:r>
+            <a:endParaRPr lang="es-PE" dirty="0">
+              <a:solidFill>
+                <a:srgbClr val="00B050"/>
+              </a:solidFill>
+            </a:endParaRPr>
+          </a:p>
+        </p:txBody>
+      </p:sp>
+      <p:sp>
+        <p:nvSpPr>
+          <p:cNvPr id="7" name="5 Marcador de contenido"/>
+          <p:cNvSpPr txBox="1">
+            <a:spLocks/>
+          </p:cNvSpPr>
+          <p:nvPr/>
+        </p:nvSpPr>
+        <p:spPr bwMode="auto">
+          <a:xfrm>
+            <a:off x="611560" y="3717032"/>
+            <a:ext cx="7992888" cy="648072"/>
+          </a:xfrm>
+          <a:prstGeom prst="rect">
+            <a:avLst/>
+          </a:prstGeom>
+          <a:noFill/>
+          <a:ln w="9525">
+            <a:noFill/>
+            <a:miter lim="800000"/>
+            <a:headEnd/>
+            <a:tailEnd/>
+          </a:ln>
+        </p:spPr>
+        <p:txBody>
+          <a:bodyPr vert="horz" wrap="square" lIns="91440" tIns="45720" rIns="91440" bIns="45720" numCol="1" anchor="t" anchorCtr="0" compatLnSpc="1">
+            <a:prstTxWarp prst="textNoShape">
+              <a:avLst/>
+            </a:prstTxWarp>
+          </a:bodyPr>
+          <a:lstStyle>
+            <a:lvl1pPr marL="342900" indent="-342900" algn="l" rtl="0" eaLnBrk="1" fontAlgn="base" hangingPunct="1">
+              <a:spcBef>
+                <a:spcPct val="20000"/>
+              </a:spcBef>
+              <a:spcAft>
+                <a:spcPct val="0"/>
+              </a:spcAft>
+              <a:buFont typeface="Arial" charset="0"/>
+              <a:buChar char="•"/>
+              <a:defRPr sz="3200" kern="1200">
+                <a:solidFill>
+                  <a:schemeClr val="tx1"/>
+                </a:solidFill>
+                <a:latin typeface="+mn-lt"/>
+                <a:ea typeface="+mn-ea"/>
+                <a:cs typeface="+mn-cs"/>
+              </a:defRPr>
+            </a:lvl1pPr>
+            <a:lvl2pPr marL="742950" indent="-285750" algn="l" rtl="0" eaLnBrk="1" fontAlgn="base" hangingPunct="1">
+              <a:spcBef>
+                <a:spcPct val="20000"/>
+              </a:spcBef>
+              <a:spcAft>
+                <a:spcPct val="0"/>
+              </a:spcAft>
+              <a:buFont typeface="Arial" charset="0"/>
+              <a:buChar char="–"/>
+              <a:defRPr sz="2800" kern="1200">
+                <a:solidFill>
+                  <a:schemeClr val="tx1"/>
+                </a:solidFill>
+                <a:latin typeface="+mn-lt"/>
+                <a:ea typeface="+mn-ea"/>
+                <a:cs typeface="+mn-cs"/>
+              </a:defRPr>
+            </a:lvl2pPr>
+            <a:lvl3pPr marL="1143000" indent="-228600" algn="l" rtl="0" eaLnBrk="1" fontAlgn="base" hangingPunct="1">
+              <a:spcBef>
+                <a:spcPct val="20000"/>
+              </a:spcBef>
+              <a:spcAft>
+                <a:spcPct val="0"/>
+              </a:spcAft>
+              <a:buFont typeface="Arial" charset="0"/>
+              <a:buChar char="•"/>
+              <a:defRPr sz="2400" kern="1200">
+                <a:solidFill>
+                  <a:schemeClr val="tx1"/>
+                </a:solidFill>
+                <a:latin typeface="+mn-lt"/>
+                <a:ea typeface="+mn-ea"/>
+                <a:cs typeface="+mn-cs"/>
+              </a:defRPr>
+            </a:lvl3pPr>
+            <a:lvl4pPr marL="1600200" indent="-228600" algn="l" rtl="0" eaLnBrk="1" fontAlgn="base" hangingPunct="1">
+              <a:spcBef>
+                <a:spcPct val="20000"/>
+              </a:spcBef>
+              <a:spcAft>
+                <a:spcPct val="0"/>
+              </a:spcAft>
+              <a:buFont typeface="Arial" charset="0"/>
+              <a:buChar char="–"/>
+              <a:defRPr sz="2000" kern="1200">
+                <a:solidFill>
+                  <a:schemeClr val="tx1"/>
+                </a:solidFill>
+                <a:latin typeface="+mn-lt"/>
+                <a:ea typeface="+mn-ea"/>
+                <a:cs typeface="+mn-cs"/>
+              </a:defRPr>
+            </a:lvl4pPr>
+            <a:lvl5pPr marL="2057400" indent="-228600" algn="l" rtl="0" eaLnBrk="1" fontAlgn="base" hangingPunct="1">
+              <a:spcBef>
+                <a:spcPct val="20000"/>
+              </a:spcBef>
+              <a:spcAft>
+                <a:spcPct val="0"/>
+              </a:spcAft>
+              <a:buFont typeface="Arial" charset="0"/>
+              <a:buChar char="»"/>
+              <a:defRPr sz="2000" kern="1200">
+                <a:solidFill>
+                  <a:schemeClr val="tx1"/>
+                </a:solidFill>
+                <a:latin typeface="+mn-lt"/>
+                <a:ea typeface="+mn-ea"/>
+                <a:cs typeface="+mn-cs"/>
+              </a:defRPr>
+            </a:lvl5pPr>
+            <a:lvl6pPr marL="2514600" indent="-228600" algn="l" defTabSz="914400" rtl="0" eaLnBrk="1" latinLnBrk="0" hangingPunct="1">
+              <a:spcBef>
+                <a:spcPct val="20000"/>
+              </a:spcBef>
+              <a:buFont typeface="Arial" pitchFamily="34" charset="0"/>
+              <a:buChar char="•"/>
+              <a:defRPr sz="2000" kern="1200">
+                <a:solidFill>
+                  <a:schemeClr val="tx1"/>
+                </a:solidFill>
+                <a:latin typeface="+mn-lt"/>
+                <a:ea typeface="+mn-ea"/>
+                <a:cs typeface="+mn-cs"/>
+              </a:defRPr>
+            </a:lvl6pPr>
+            <a:lvl7pPr marL="2971800" indent="-228600" algn="l" defTabSz="914400" rtl="0" eaLnBrk="1" latinLnBrk="0" hangingPunct="1">
+              <a:spcBef>
+                <a:spcPct val="20000"/>
+              </a:spcBef>
+              <a:buFont typeface="Arial" pitchFamily="34" charset="0"/>
+              <a:buChar char="•"/>
+              <a:defRPr sz="2000" kern="1200">
+                <a:solidFill>
+                  <a:schemeClr val="tx1"/>
+                </a:solidFill>
+                <a:latin typeface="+mn-lt"/>
+                <a:ea typeface="+mn-ea"/>
+                <a:cs typeface="+mn-cs"/>
+              </a:defRPr>
+            </a:lvl7pPr>
+            <a:lvl8pPr marL="3429000" indent="-228600" algn="l" defTabSz="914400" rtl="0" eaLnBrk="1" latinLnBrk="0" hangingPunct="1">
+              <a:spcBef>
+                <a:spcPct val="20000"/>
+              </a:spcBef>
+              <a:buFont typeface="Arial" pitchFamily="34" charset="0"/>
+              <a:buChar char="•"/>
+              <a:defRPr sz="2000" kern="1200">
+                <a:solidFill>
+                  <a:schemeClr val="tx1"/>
+                </a:solidFill>
+                <a:latin typeface="+mn-lt"/>
+                <a:ea typeface="+mn-ea"/>
+                <a:cs typeface="+mn-cs"/>
+              </a:defRPr>
+            </a:lvl8pPr>
+            <a:lvl9pPr marL="3886200" indent="-228600" algn="l" defTabSz="914400" rtl="0" eaLnBrk="1" latinLnBrk="0" hangingPunct="1">
+              <a:spcBef>
+                <a:spcPct val="20000"/>
+              </a:spcBef>
+              <a:buFont typeface="Arial" pitchFamily="34" charset="0"/>
+              <a:buChar char="•"/>
+              <a:defRPr sz="2000" kern="1200">
+                <a:solidFill>
+                  <a:schemeClr val="tx1"/>
+                </a:solidFill>
+                <a:latin typeface="+mn-lt"/>
+                <a:ea typeface="+mn-ea"/>
+                <a:cs typeface="+mn-cs"/>
+              </a:defRPr>
+            </a:lvl9pPr>
+          </a:lstStyle>
+          <a:p>
+            <a:pPr marL="0" indent="0" algn="ctr">
+              <a:buNone/>
+            </a:pPr>
+            <a:r>
+              <a:rPr lang="es-PE" sz="2800" dirty="0" smtClean="0"/>
+              <a:t>Explorar la organización de la aplicación </a:t>
+            </a:r>
+            <a:br>
+              <a:rPr lang="es-PE" sz="2800" dirty="0" smtClean="0"/>
+            </a:br>
+            <a:r>
+              <a:rPr lang="es-PE" sz="2800" dirty="0" smtClean="0"/>
+              <a:t>"Tienda Virtual" </a:t>
+            </a:r>
+          </a:p>
+        </p:txBody>
+      </p:sp>
+    </p:spTree>
+    <p:extLst>
+      <p:ext uri="{BB962C8B-B14F-4D97-AF65-F5344CB8AC3E}">
+        <p14:creationId xmlns:p14="http://schemas.microsoft.com/office/powerpoint/2010/main" val="1702739654"/>
+      </p:ext>
+    </p:extLst>
+  </p:cSld>
+  <p:clrMapOvr>
+    <a:masterClrMapping/>
+  </p:clrMapOvr>
+  <p:timing>
+    <p:tnLst>
+      <p:par>
+        <p:cTn id="1" dur="indefinite" restart="never" nodeType="tmRoot"/>
+      </p:par>
+    </p:tnLst>
+  </p:timing>
+</p:sld>
+</file>
+
 <file path=ppt/slides/slide3.xml><?xml version="1.0" encoding="utf-8"?>
 <p:sld xmlns:a="http://schemas.openxmlformats.org/drawingml/2006/main" xmlns:r="http://schemas.openxmlformats.org/officeDocument/2006/relationships" xmlns:p="http://schemas.openxmlformats.org/presentationml/2006/main">
   <p:cSld>
@@ -21818,88 +21358,7 @@
       </p:grpSpPr>
       <p:sp>
         <p:nvSpPr>
-          <p:cNvPr id="5" name="2 Título"/>
-          <p:cNvSpPr>
-            <a:spLocks noGrp="1"/>
-          </p:cNvSpPr>
-          <p:nvPr>
-            <p:ph type="title"/>
-          </p:nvPr>
-        </p:nvSpPr>
-        <p:spPr>
-          <a:xfrm>
-            <a:off x="457200" y="1628800"/>
-            <a:ext cx="8229600" cy="1143000"/>
-          </a:xfrm>
-        </p:spPr>
-        <p:txBody>
-          <a:bodyPr/>
-          <a:lstStyle/>
-          <a:p>
-            <a:r>
-              <a:rPr lang="es-PE" dirty="0" smtClean="0">
-                <a:solidFill>
-                  <a:srgbClr val="FFC000"/>
-                </a:solidFill>
-              </a:rPr>
-              <a:t>Ejercicio</a:t>
-            </a:r>
-            <a:br>
-              <a:rPr lang="es-PE" dirty="0" smtClean="0">
-                <a:solidFill>
-                  <a:srgbClr val="FFC000"/>
-                </a:solidFill>
-              </a:rPr>
-            </a:br>
-            <a:r>
-              <a:rPr lang="es-PE" dirty="0" smtClean="0">
-                <a:solidFill>
-                  <a:srgbClr val="00B050"/>
-                </a:solidFill>
-              </a:rPr>
-              <a:t>Técnicas y Prácticas </a:t>
-            </a:r>
-            <a:br>
-              <a:rPr lang="es-PE" dirty="0" smtClean="0">
-                <a:solidFill>
-                  <a:srgbClr val="00B050"/>
-                </a:solidFill>
-              </a:rPr>
-            </a:br>
-            <a:r>
-              <a:rPr lang="es-PE" dirty="0" smtClean="0">
-                <a:solidFill>
-                  <a:srgbClr val="00B050"/>
-                </a:solidFill>
-              </a:rPr>
-              <a:t>para escribir</a:t>
-            </a:r>
-            <a:br>
-              <a:rPr lang="es-PE" dirty="0" smtClean="0">
-                <a:solidFill>
-                  <a:srgbClr val="00B050"/>
-                </a:solidFill>
-              </a:rPr>
-            </a:br>
-            <a:r>
-              <a:rPr lang="es-PE" dirty="0" smtClean="0">
-                <a:solidFill>
-                  <a:srgbClr val="00B050"/>
-                </a:solidFill>
-              </a:rPr>
-              <a:t>Pruebas Unitarias</a:t>
-            </a:r>
-            <a:endParaRPr lang="es-PE" dirty="0">
-              <a:solidFill>
-                <a:srgbClr val="00B050"/>
-              </a:solidFill>
-            </a:endParaRPr>
-          </a:p>
-        </p:txBody>
-      </p:sp>
-      <p:sp>
-        <p:nvSpPr>
-          <p:cNvPr id="7" name="5 Marcador de contenido"/>
+          <p:cNvPr id="4" name="2 Título"/>
           <p:cNvSpPr txBox="1">
             <a:spLocks/>
           </p:cNvSpPr>
@@ -21907,8 +21366,8 @@
         </p:nvSpPr>
         <p:spPr bwMode="auto">
           <a:xfrm>
-            <a:off x="611560" y="3717032"/>
-            <a:ext cx="7992888" cy="648072"/>
+            <a:off x="0" y="471810"/>
+            <a:ext cx="9135414" cy="724942"/>
           </a:xfrm>
           <a:prstGeom prst="rect">
             <a:avLst/>
@@ -21922,178 +21381,355 @@
           </a:ln>
         </p:spPr>
         <p:txBody>
-          <a:bodyPr vert="horz" wrap="square" lIns="91440" tIns="45720" rIns="91440" bIns="45720" numCol="1" anchor="t" anchorCtr="0" compatLnSpc="1">
+          <a:bodyPr vert="horz" wrap="square" lIns="91440" tIns="45720" rIns="91440" bIns="45720" numCol="1" anchor="ctr" anchorCtr="0" compatLnSpc="1">
             <a:prstTxWarp prst="textNoShape">
               <a:avLst/>
             </a:prstTxWarp>
           </a:bodyPr>
           <a:lstStyle>
-            <a:lvl1pPr marL="342900" indent="-342900" algn="l" rtl="0" eaLnBrk="1" fontAlgn="base" hangingPunct="1">
+            <a:lvl1pPr algn="ctr" rtl="0" eaLnBrk="1" fontAlgn="base" hangingPunct="1">
               <a:spcBef>
-                <a:spcPct val="20000"/>
+                <a:spcPct val="0"/>
               </a:spcBef>
               <a:spcAft>
                 <a:spcPct val="0"/>
               </a:spcAft>
-              <a:buFont typeface="Arial" charset="0"/>
-              <a:buChar char="•"/>
-              <a:defRPr sz="3200" kern="1200">
-                <a:solidFill>
-                  <a:schemeClr val="tx1"/>
-                </a:solidFill>
-                <a:latin typeface="+mn-lt"/>
-                <a:ea typeface="+mn-ea"/>
-                <a:cs typeface="+mn-cs"/>
+              <a:defRPr sz="4400" kern="1200">
+                <a:solidFill>
+                  <a:schemeClr val="tx1"/>
+                </a:solidFill>
+                <a:latin typeface="+mj-lt"/>
+                <a:ea typeface="+mj-ea"/>
+                <a:cs typeface="+mj-cs"/>
               </a:defRPr>
             </a:lvl1pPr>
-            <a:lvl2pPr marL="742950" indent="-285750" algn="l" rtl="0" eaLnBrk="1" fontAlgn="base" hangingPunct="1">
+            <a:lvl2pPr algn="ctr" rtl="0" eaLnBrk="1" fontAlgn="base" hangingPunct="1">
               <a:spcBef>
-                <a:spcPct val="20000"/>
+                <a:spcPct val="0"/>
               </a:spcBef>
               <a:spcAft>
                 <a:spcPct val="0"/>
               </a:spcAft>
-              <a:buFont typeface="Arial" charset="0"/>
-              <a:buChar char="–"/>
-              <a:defRPr sz="2800" kern="1200">
-                <a:solidFill>
-                  <a:schemeClr val="tx1"/>
-                </a:solidFill>
-                <a:latin typeface="+mn-lt"/>
-                <a:ea typeface="+mn-ea"/>
-                <a:cs typeface="+mn-cs"/>
+              <a:defRPr sz="4400">
+                <a:solidFill>
+                  <a:schemeClr val="tx1"/>
+                </a:solidFill>
+                <a:latin typeface="Calibri" pitchFamily="34" charset="0"/>
               </a:defRPr>
             </a:lvl2pPr>
-            <a:lvl3pPr marL="1143000" indent="-228600" algn="l" rtl="0" eaLnBrk="1" fontAlgn="base" hangingPunct="1">
+            <a:lvl3pPr algn="ctr" rtl="0" eaLnBrk="1" fontAlgn="base" hangingPunct="1">
               <a:spcBef>
-                <a:spcPct val="20000"/>
+                <a:spcPct val="0"/>
               </a:spcBef>
               <a:spcAft>
                 <a:spcPct val="0"/>
               </a:spcAft>
-              <a:buFont typeface="Arial" charset="0"/>
-              <a:buChar char="•"/>
-              <a:defRPr sz="2400" kern="1200">
-                <a:solidFill>
-                  <a:schemeClr val="tx1"/>
-                </a:solidFill>
-                <a:latin typeface="+mn-lt"/>
-                <a:ea typeface="+mn-ea"/>
-                <a:cs typeface="+mn-cs"/>
+              <a:defRPr sz="4400">
+                <a:solidFill>
+                  <a:schemeClr val="tx1"/>
+                </a:solidFill>
+                <a:latin typeface="Calibri" pitchFamily="34" charset="0"/>
               </a:defRPr>
             </a:lvl3pPr>
-            <a:lvl4pPr marL="1600200" indent="-228600" algn="l" rtl="0" eaLnBrk="1" fontAlgn="base" hangingPunct="1">
+            <a:lvl4pPr algn="ctr" rtl="0" eaLnBrk="1" fontAlgn="base" hangingPunct="1">
               <a:spcBef>
-                <a:spcPct val="20000"/>
+                <a:spcPct val="0"/>
               </a:spcBef>
               <a:spcAft>
                 <a:spcPct val="0"/>
               </a:spcAft>
-              <a:buFont typeface="Arial" charset="0"/>
-              <a:buChar char="–"/>
-              <a:defRPr sz="2000" kern="1200">
-                <a:solidFill>
-                  <a:schemeClr val="tx1"/>
-                </a:solidFill>
-                <a:latin typeface="+mn-lt"/>
-                <a:ea typeface="+mn-ea"/>
-                <a:cs typeface="+mn-cs"/>
+              <a:defRPr sz="4400">
+                <a:solidFill>
+                  <a:schemeClr val="tx1"/>
+                </a:solidFill>
+                <a:latin typeface="Calibri" pitchFamily="34" charset="0"/>
               </a:defRPr>
             </a:lvl4pPr>
-            <a:lvl5pPr marL="2057400" indent="-228600" algn="l" rtl="0" eaLnBrk="1" fontAlgn="base" hangingPunct="1">
+            <a:lvl5pPr algn="ctr" rtl="0" eaLnBrk="1" fontAlgn="base" hangingPunct="1">
               <a:spcBef>
-                <a:spcPct val="20000"/>
+                <a:spcPct val="0"/>
               </a:spcBef>
               <a:spcAft>
                 <a:spcPct val="0"/>
               </a:spcAft>
-              <a:buFont typeface="Arial" charset="0"/>
-              <a:buChar char="»"/>
-              <a:defRPr sz="2000" kern="1200">
-                <a:solidFill>
-                  <a:schemeClr val="tx1"/>
-                </a:solidFill>
-                <a:latin typeface="+mn-lt"/>
-                <a:ea typeface="+mn-ea"/>
-                <a:cs typeface="+mn-cs"/>
+              <a:defRPr sz="4400">
+                <a:solidFill>
+                  <a:schemeClr val="tx1"/>
+                </a:solidFill>
+                <a:latin typeface="Calibri" pitchFamily="34" charset="0"/>
               </a:defRPr>
             </a:lvl5pPr>
-            <a:lvl6pPr marL="2514600" indent="-228600" algn="l" defTabSz="914400" rtl="0" eaLnBrk="1" latinLnBrk="0" hangingPunct="1">
+            <a:lvl6pPr marL="457200" algn="ctr" rtl="0" eaLnBrk="1" fontAlgn="base" hangingPunct="1">
               <a:spcBef>
-                <a:spcPct val="20000"/>
+                <a:spcPct val="0"/>
               </a:spcBef>
-              <a:buFont typeface="Arial" pitchFamily="34" charset="0"/>
-              <a:buChar char="•"/>
-              <a:defRPr sz="2000" kern="1200">
-                <a:solidFill>
-                  <a:schemeClr val="tx1"/>
-                </a:solidFill>
-                <a:latin typeface="+mn-lt"/>
-                <a:ea typeface="+mn-ea"/>
-                <a:cs typeface="+mn-cs"/>
+              <a:spcAft>
+                <a:spcPct val="0"/>
+              </a:spcAft>
+              <a:defRPr sz="4400">
+                <a:solidFill>
+                  <a:schemeClr val="tx1"/>
+                </a:solidFill>
+                <a:latin typeface="Calibri" pitchFamily="34" charset="0"/>
               </a:defRPr>
             </a:lvl6pPr>
-            <a:lvl7pPr marL="2971800" indent="-228600" algn="l" defTabSz="914400" rtl="0" eaLnBrk="1" latinLnBrk="0" hangingPunct="1">
+            <a:lvl7pPr marL="914400" algn="ctr" rtl="0" eaLnBrk="1" fontAlgn="base" hangingPunct="1">
               <a:spcBef>
-                <a:spcPct val="20000"/>
+                <a:spcPct val="0"/>
               </a:spcBef>
-              <a:buFont typeface="Arial" pitchFamily="34" charset="0"/>
-              <a:buChar char="•"/>
-              <a:defRPr sz="2000" kern="1200">
-                <a:solidFill>
-                  <a:schemeClr val="tx1"/>
-                </a:solidFill>
-                <a:latin typeface="+mn-lt"/>
-                <a:ea typeface="+mn-ea"/>
-                <a:cs typeface="+mn-cs"/>
+              <a:spcAft>
+                <a:spcPct val="0"/>
+              </a:spcAft>
+              <a:defRPr sz="4400">
+                <a:solidFill>
+                  <a:schemeClr val="tx1"/>
+                </a:solidFill>
+                <a:latin typeface="Calibri" pitchFamily="34" charset="0"/>
               </a:defRPr>
             </a:lvl7pPr>
-            <a:lvl8pPr marL="3429000" indent="-228600" algn="l" defTabSz="914400" rtl="0" eaLnBrk="1" latinLnBrk="0" hangingPunct="1">
+            <a:lvl8pPr marL="1371600" algn="ctr" rtl="0" eaLnBrk="1" fontAlgn="base" hangingPunct="1">
               <a:spcBef>
-                <a:spcPct val="20000"/>
+                <a:spcPct val="0"/>
               </a:spcBef>
-              <a:buFont typeface="Arial" pitchFamily="34" charset="0"/>
-              <a:buChar char="•"/>
-              <a:defRPr sz="2000" kern="1200">
-                <a:solidFill>
-                  <a:schemeClr val="tx1"/>
-                </a:solidFill>
-                <a:latin typeface="+mn-lt"/>
-                <a:ea typeface="+mn-ea"/>
-                <a:cs typeface="+mn-cs"/>
+              <a:spcAft>
+                <a:spcPct val="0"/>
+              </a:spcAft>
+              <a:defRPr sz="4400">
+                <a:solidFill>
+                  <a:schemeClr val="tx1"/>
+                </a:solidFill>
+                <a:latin typeface="Calibri" pitchFamily="34" charset="0"/>
               </a:defRPr>
             </a:lvl8pPr>
-            <a:lvl9pPr marL="3886200" indent="-228600" algn="l" defTabSz="914400" rtl="0" eaLnBrk="1" latinLnBrk="0" hangingPunct="1">
+            <a:lvl9pPr marL="1828800" algn="ctr" rtl="0" eaLnBrk="1" fontAlgn="base" hangingPunct="1">
               <a:spcBef>
-                <a:spcPct val="20000"/>
+                <a:spcPct val="0"/>
               </a:spcBef>
-              <a:buFont typeface="Arial" pitchFamily="34" charset="0"/>
-              <a:buChar char="•"/>
-              <a:defRPr sz="2000" kern="1200">
-                <a:solidFill>
-                  <a:schemeClr val="tx1"/>
-                </a:solidFill>
-                <a:latin typeface="+mn-lt"/>
-                <a:ea typeface="+mn-ea"/>
-                <a:cs typeface="+mn-cs"/>
+              <a:spcAft>
+                <a:spcPct val="0"/>
+              </a:spcAft>
+              <a:defRPr sz="4400">
+                <a:solidFill>
+                  <a:schemeClr val="tx1"/>
+                </a:solidFill>
+                <a:latin typeface="Calibri" pitchFamily="34" charset="0"/>
               </a:defRPr>
             </a:lvl9pPr>
           </a:lstStyle>
           <a:p>
-            <a:pPr marL="0" indent="0" algn="ctr">
-              <a:buNone/>
-            </a:pPr>
+            <a:r>
+              <a:rPr lang="es-PE" dirty="0" smtClean="0">
+                <a:solidFill>
+                  <a:srgbClr val="00823B"/>
+                </a:solidFill>
+              </a:rPr>
+              <a:t>Seguir una misma</a:t>
+            </a:r>
+            <a:br>
+              <a:rPr lang="es-PE" dirty="0" smtClean="0">
+                <a:solidFill>
+                  <a:srgbClr val="00823B"/>
+                </a:solidFill>
+              </a:rPr>
+            </a:br>
+            <a:r>
+              <a:rPr lang="es-PE" dirty="0" smtClean="0">
+                <a:solidFill>
+                  <a:srgbClr val="00823B"/>
+                </a:solidFill>
+              </a:rPr>
+              <a:t>Convención de Nombres</a:t>
+            </a:r>
+            <a:endParaRPr lang="es-PE" dirty="0">
+              <a:solidFill>
+                <a:srgbClr val="00823B"/>
+              </a:solidFill>
+            </a:endParaRPr>
+          </a:p>
+        </p:txBody>
+      </p:sp>
+      <p:sp>
+        <p:nvSpPr>
+          <p:cNvPr id="3" name="2 CuadroTexto"/>
+          <p:cNvSpPr txBox="1"/>
+          <p:nvPr/>
+        </p:nvSpPr>
+        <p:spPr>
+          <a:xfrm>
+            <a:off x="506595" y="3626611"/>
+            <a:ext cx="8122223" cy="507831"/>
+          </a:xfrm>
+          <a:prstGeom prst="rect">
+            <a:avLst/>
+          </a:prstGeom>
+          <a:noFill/>
+        </p:spPr>
+        <p:txBody>
+          <a:bodyPr wrap="none" rtlCol="0">
+            <a:spAutoFit/>
+          </a:bodyPr>
+          <a:lstStyle/>
+          <a:p>
+            <a:r>
+              <a:rPr lang="es-PE" sz="2700" dirty="0" smtClean="0">
+                <a:solidFill>
+                  <a:srgbClr val="FFC000"/>
+                </a:solidFill>
+              </a:rPr>
+              <a:t>[</a:t>
+            </a:r>
+            <a:r>
+              <a:rPr lang="es-PE" sz="2700" dirty="0" err="1" smtClean="0">
+                <a:solidFill>
+                  <a:srgbClr val="FFC000"/>
+                </a:solidFill>
+              </a:rPr>
+              <a:t>NombreMétodo_Condición_ComportamientoEsperado</a:t>
+            </a:r>
+            <a:r>
+              <a:rPr lang="es-PE" sz="2700" dirty="0" smtClean="0">
+                <a:solidFill>
+                  <a:srgbClr val="FFC000"/>
+                </a:solidFill>
+              </a:rPr>
+              <a:t>]</a:t>
+            </a:r>
+            <a:endParaRPr lang="es-PE" sz="2700" dirty="0">
+              <a:solidFill>
+                <a:srgbClr val="FFC000"/>
+              </a:solidFill>
+            </a:endParaRPr>
+          </a:p>
+        </p:txBody>
+      </p:sp>
+      <p:pic>
+        <p:nvPicPr>
+          <p:cNvPr id="1026" name="Picture 2"/>
+          <p:cNvPicPr>
+            <a:picLocks noChangeAspect="1" noChangeArrowheads="1"/>
+          </p:cNvPicPr>
+          <p:nvPr/>
+        </p:nvPicPr>
+        <p:blipFill>
+          <a:blip r:embed="rId3">
+            <a:extLst>
+              <a:ext uri="{28A0092B-C50C-407E-A947-70E740481C1C}">
+                <a14:useLocalDpi xmlns:a14="http://schemas.microsoft.com/office/drawing/2010/main" val="0"/>
+              </a:ext>
+            </a:extLst>
+          </a:blip>
+          <a:srcRect/>
+          <a:stretch>
+            <a:fillRect/>
+          </a:stretch>
+        </p:blipFill>
+        <p:spPr bwMode="auto">
+          <a:xfrm>
+            <a:off x="129057" y="4148311"/>
+            <a:ext cx="8877300" cy="504825"/>
+          </a:xfrm>
+          <a:prstGeom prst="rect">
+            <a:avLst/>
+          </a:prstGeom>
+          <a:noFill/>
+          <a:ln>
+            <a:noFill/>
+          </a:ln>
+          <a:effectLst/>
+          <a:extLst>
+            <a:ext uri="{909E8E84-426E-40DD-AFC4-6F175D3DCCD1}">
+              <a14:hiddenFill xmlns:a14="http://schemas.microsoft.com/office/drawing/2010/main">
+                <a:solidFill>
+                  <a:schemeClr val="accent1"/>
+                </a:solidFill>
+              </a14:hiddenFill>
+            </a:ext>
+            <a:ext uri="{91240B29-F687-4F45-9708-019B960494DF}">
+              <a14:hiddenLine xmlns:a14="http://schemas.microsoft.com/office/drawing/2010/main" w="9525">
+                <a:solidFill>
+                  <a:schemeClr val="tx1"/>
+                </a:solidFill>
+                <a:miter lim="800000"/>
+                <a:headEnd/>
+                <a:tailEnd/>
+              </a14:hiddenLine>
+            </a:ext>
+            <a:ext uri="{AF507438-7753-43E0-B8FC-AC1667EBCBE1}">
+              <a14:hiddenEffects xmlns:a14="http://schemas.microsoft.com/office/drawing/2010/main">
+                <a:effectLst>
+                  <a:outerShdw dist="35921" dir="2700000" algn="ctr" rotWithShape="0">
+                    <a:schemeClr val="bg2"/>
+                  </a:outerShdw>
+                </a:effectLst>
+              </a14:hiddenEffects>
+            </a:ext>
+          </a:extLst>
+        </p:spPr>
+      </p:pic>
+      <p:sp>
+        <p:nvSpPr>
+          <p:cNvPr id="2" name="1 CuadroTexto"/>
+          <p:cNvSpPr txBox="1"/>
+          <p:nvPr/>
+        </p:nvSpPr>
+        <p:spPr>
+          <a:xfrm>
+            <a:off x="211224" y="1683965"/>
+            <a:ext cx="8712968" cy="1815882"/>
+          </a:xfrm>
+          <a:prstGeom prst="rect">
+            <a:avLst/>
+          </a:prstGeom>
+          <a:noFill/>
+        </p:spPr>
+        <p:txBody>
+          <a:bodyPr wrap="square" rtlCol="0">
+            <a:spAutoFit/>
+          </a:bodyPr>
+          <a:lstStyle/>
+          <a:p>
+            <a:pPr algn="ctr"/>
             <a:r>
               <a:rPr lang="es-PE" sz="2800" dirty="0" smtClean="0"/>
-              <a:t>Explorar y entender el funcionamiento de la clase "Shopping </a:t>
+              <a:t>Cada prueba representa documentación sobre la clase, por lo tanto se debe contar con una única convención que permita a todo el equipo entender rápidamente el objetivo de la prueba. </a:t>
             </a:r>
             <a:r>
               <a:rPr lang="es-PE" sz="2800" dirty="0" err="1" smtClean="0"/>
-              <a:t>Cart</a:t>
+              <a:t>Ejm</a:t>
             </a:r>
             <a:r>
               <a:rPr lang="es-PE" sz="2800" dirty="0" smtClean="0"/>
-              <a:t>".</a:t>
+              <a:t>:</a:t>
+            </a:r>
+          </a:p>
+        </p:txBody>
+      </p:sp>
+      <p:sp>
+        <p:nvSpPr>
+          <p:cNvPr id="8" name="7 CuadroTexto"/>
+          <p:cNvSpPr txBox="1"/>
+          <p:nvPr/>
+        </p:nvSpPr>
+        <p:spPr>
+          <a:xfrm>
+            <a:off x="182842" y="5013176"/>
+            <a:ext cx="8712968" cy="954107"/>
+          </a:xfrm>
+          <a:prstGeom prst="rect">
+            <a:avLst/>
+          </a:prstGeom>
+          <a:noFill/>
+        </p:spPr>
+        <p:txBody>
+          <a:bodyPr wrap="square" rtlCol="0">
+            <a:spAutoFit/>
+          </a:bodyPr>
+          <a:lstStyle/>
+          <a:p>
+            <a:pPr algn="ctr"/>
+            <a:r>
+              <a:rPr lang="es-PE" sz="2800" dirty="0" smtClean="0"/>
+              <a:t>Lo importante no es la convención elegida sino que todo el equipo la entienda y la siga.</a:t>
             </a:r>
           </a:p>
         </p:txBody>
@@ -22101,13 +21737,21 @@
     </p:spTree>
     <p:extLst>
       <p:ext uri="{BB962C8B-B14F-4D97-AF65-F5344CB8AC3E}">
-        <p14:creationId xmlns:p14="http://schemas.microsoft.com/office/powerpoint/2010/main" val="1702739654"/>
+        <p14:creationId xmlns:p14="http://schemas.microsoft.com/office/powerpoint/2010/main" val="3073818832"/>
       </p:ext>
     </p:extLst>
   </p:cSld>
   <p:clrMapOvr>
     <a:masterClrMapping/>
   </p:clrMapOvr>
+  <mc:AlternateContent xmlns:mc="http://schemas.openxmlformats.org/markup-compatibility/2006" xmlns:p14="http://schemas.microsoft.com/office/powerpoint/2010/main">
+    <mc:Choice Requires="p14">
+      <p:transition spd="slow" p14:dur="2000"/>
+    </mc:Choice>
+    <mc:Fallback xmlns="">
+      <p:transition spd="slow"/>
+    </mc:Fallback>
+  </mc:AlternateContent>
   <p:timing>
     <p:tnLst>
       <p:par>
@@ -22523,7 +22167,7 @@
         </p:nvSpPr>
         <p:spPr>
           <a:xfrm>
-            <a:off x="457200" y="1772816"/>
+            <a:off x="457200" y="1124744"/>
             <a:ext cx="8229600" cy="1143000"/>
           </a:xfrm>
         </p:spPr>
@@ -22572,8 +22216,8 @@
         </p:nvSpPr>
         <p:spPr bwMode="auto">
           <a:xfrm>
-            <a:off x="611560" y="3573016"/>
-            <a:ext cx="7992888" cy="648072"/>
+            <a:off x="611560" y="2924944"/>
+            <a:ext cx="7992888" cy="1584176"/>
           </a:xfrm>
           <a:prstGeom prst="rect">
             <a:avLst/>
@@ -22749,8 +22393,47 @@
               <a:buNone/>
             </a:pPr>
             <a:r>
+              <a:rPr lang="es-PE" sz="2800" dirty="0"/>
+              <a:t>Explorar y entender el funcionamiento de la clase "</a:t>
+            </a:r>
+            <a:r>
+              <a:rPr lang="es-PE" sz="2800" dirty="0" err="1"/>
+              <a:t>CarroDeCompras</a:t>
+            </a:r>
+            <a:r>
               <a:rPr lang="es-PE" sz="2800" dirty="0" smtClean="0"/>
-              <a:t>Identificar cuál es el primer caso a ser probado y escribir su correspondiente prueba unitaria. </a:t>
+              <a:t>".</a:t>
+            </a:r>
+          </a:p>
+          <a:p>
+            <a:pPr marL="0" indent="0" algn="ctr">
+              <a:buNone/>
+            </a:pPr>
+            <a:endParaRPr lang="es-PE" sz="2800" dirty="0" smtClean="0"/>
+          </a:p>
+          <a:p>
+            <a:pPr marL="0" indent="0" algn="ctr">
+              <a:buNone/>
+            </a:pPr>
+            <a:r>
+              <a:rPr lang="es-PE" sz="2800" dirty="0" smtClean="0"/>
+              <a:t>Analizar el método "</a:t>
+            </a:r>
+            <a:r>
+              <a:rPr lang="es-PE" sz="2800" dirty="0" err="1" smtClean="0"/>
+              <a:t>AgregarLinea</a:t>
+            </a:r>
+            <a:r>
+              <a:rPr lang="es-PE" sz="2800" dirty="0" smtClean="0"/>
+              <a:t>", </a:t>
+            </a:r>
+            <a:r>
+              <a:rPr lang="es-PE" sz="2800" dirty="0"/>
+              <a:t>i</a:t>
+            </a:r>
+            <a:r>
+              <a:rPr lang="es-PE" sz="2800" dirty="0" smtClean="0"/>
+              <a:t>dentificar cuál es el primer caso a ser probado, escribir las pruebas unitarias para todos los casos.</a:t>
             </a:r>
           </a:p>
         </p:txBody>
@@ -22794,7 +22477,7 @@
       </p:grpSpPr>
       <p:sp>
         <p:nvSpPr>
-          <p:cNvPr id="5" name="2 Título"/>
+          <p:cNvPr id="3" name="2 Título"/>
           <p:cNvSpPr>
             <a:spLocks noGrp="1"/>
           </p:cNvSpPr>
@@ -22804,8 +22487,8 @@
         </p:nvSpPr>
         <p:spPr>
           <a:xfrm>
-            <a:off x="457200" y="1628800"/>
-            <a:ext cx="8229600" cy="1143000"/>
+            <a:off x="197097" y="836712"/>
+            <a:ext cx="8749806" cy="720000"/>
           </a:xfrm>
         </p:spPr>
         <p:txBody>
@@ -22815,53 +22498,53 @@
             <a:r>
               <a:rPr lang="es-PE" dirty="0" smtClean="0">
                 <a:solidFill>
-                  <a:srgbClr val="FFC000"/>
-                </a:solidFill>
-              </a:rPr>
-              <a:t>Ejercicio</a:t>
+                  <a:srgbClr val="00823B"/>
+                </a:solidFill>
+              </a:rPr>
+              <a:t>No olvidar probar los</a:t>
             </a:r>
             <a:br>
               <a:rPr lang="es-PE" dirty="0" smtClean="0">
                 <a:solidFill>
-                  <a:srgbClr val="FFC000"/>
+                  <a:srgbClr val="00823B"/>
                 </a:solidFill>
               </a:rPr>
             </a:br>
             <a:r>
+              <a:rPr lang="es-PE" dirty="0" err="1" smtClean="0">
+                <a:solidFill>
+                  <a:srgbClr val="00823B"/>
+                </a:solidFill>
+              </a:rPr>
+              <a:t>Exceptional</a:t>
+            </a:r>
+            <a:r>
               <a:rPr lang="es-PE" dirty="0" smtClean="0">
                 <a:solidFill>
-                  <a:srgbClr val="00B050"/>
-                </a:solidFill>
-              </a:rPr>
-              <a:t>Escribir pruebas unitarias para el resto de </a:t>
+                  <a:srgbClr val="00823B"/>
+                </a:solidFill>
+              </a:rPr>
+              <a:t> </a:t>
             </a:r>
             <a:r>
               <a:rPr lang="es-PE" dirty="0" err="1" smtClean="0">
                 <a:solidFill>
-                  <a:srgbClr val="00B050"/>
-                </a:solidFill>
-              </a:rPr>
-              <a:t>Happy</a:t>
+                  <a:srgbClr val="00823B"/>
+                </a:solidFill>
+              </a:rPr>
+              <a:t>Paths</a:t>
             </a:r>
             <a:r>
               <a:rPr lang="es-PE" dirty="0" smtClean="0">
                 <a:solidFill>
-                  <a:srgbClr val="00B050"/>
-                </a:solidFill>
-              </a:rPr>
-              <a:t> </a:t>
-            </a:r>
-            <a:r>
-              <a:rPr lang="es-PE" dirty="0" err="1" smtClean="0">
-                <a:solidFill>
-                  <a:srgbClr val="00B050"/>
-                </a:solidFill>
-              </a:rPr>
-              <a:t>Paths</a:t>
+                  <a:srgbClr val="00823B"/>
+                </a:solidFill>
+              </a:rPr>
+              <a:t> "Interesantes" </a:t>
             </a:r>
             <a:endParaRPr lang="es-PE" dirty="0">
               <a:solidFill>
-                <a:srgbClr val="00B050"/>
+                <a:srgbClr val="00823B"/>
               </a:solidFill>
             </a:endParaRPr>
           </a:p>
@@ -22869,208 +22552,108 @@
       </p:sp>
       <p:sp>
         <p:nvSpPr>
-          <p:cNvPr id="7" name="5 Marcador de contenido"/>
-          <p:cNvSpPr txBox="1">
-            <a:spLocks/>
-          </p:cNvSpPr>
+          <p:cNvPr id="15" name="14 CuadroTexto"/>
+          <p:cNvSpPr txBox="1"/>
           <p:nvPr/>
         </p:nvSpPr>
-        <p:spPr bwMode="auto">
+        <p:spPr>
           <a:xfrm>
-            <a:off x="611560" y="3429000"/>
-            <a:ext cx="7992888" cy="648072"/>
+            <a:off x="773578" y="2402884"/>
+            <a:ext cx="7596844" cy="954107"/>
           </a:xfrm>
           <a:prstGeom prst="rect">
             <a:avLst/>
           </a:prstGeom>
           <a:noFill/>
-          <a:ln w="9525">
-            <a:noFill/>
-            <a:miter lim="800000"/>
-            <a:headEnd/>
-            <a:tailEnd/>
-          </a:ln>
         </p:spPr>
         <p:txBody>
-          <a:bodyPr vert="horz" wrap="square" lIns="91440" tIns="45720" rIns="91440" bIns="45720" numCol="1" anchor="t" anchorCtr="0" compatLnSpc="1">
-            <a:prstTxWarp prst="textNoShape">
-              <a:avLst/>
-            </a:prstTxWarp>
+          <a:bodyPr wrap="square" rtlCol="0">
+            <a:spAutoFit/>
           </a:bodyPr>
-          <a:lstStyle>
-            <a:lvl1pPr marL="342900" indent="-342900" algn="l" rtl="0" eaLnBrk="1" fontAlgn="base" hangingPunct="1">
-              <a:spcBef>
-                <a:spcPct val="20000"/>
-              </a:spcBef>
-              <a:spcAft>
-                <a:spcPct val="0"/>
-              </a:spcAft>
-              <a:buFont typeface="Arial" charset="0"/>
-              <a:buChar char="•"/>
-              <a:defRPr sz="3200" kern="1200">
-                <a:solidFill>
-                  <a:schemeClr val="tx1"/>
-                </a:solidFill>
-                <a:latin typeface="+mn-lt"/>
-                <a:ea typeface="+mn-ea"/>
-                <a:cs typeface="+mn-cs"/>
-              </a:defRPr>
-            </a:lvl1pPr>
-            <a:lvl2pPr marL="742950" indent="-285750" algn="l" rtl="0" eaLnBrk="1" fontAlgn="base" hangingPunct="1">
-              <a:spcBef>
-                <a:spcPct val="20000"/>
-              </a:spcBef>
-              <a:spcAft>
-                <a:spcPct val="0"/>
-              </a:spcAft>
-              <a:buFont typeface="Arial" charset="0"/>
-              <a:buChar char="–"/>
-              <a:defRPr sz="2800" kern="1200">
-                <a:solidFill>
-                  <a:schemeClr val="tx1"/>
-                </a:solidFill>
-                <a:latin typeface="+mn-lt"/>
-                <a:ea typeface="+mn-ea"/>
-                <a:cs typeface="+mn-cs"/>
-              </a:defRPr>
-            </a:lvl2pPr>
-            <a:lvl3pPr marL="1143000" indent="-228600" algn="l" rtl="0" eaLnBrk="1" fontAlgn="base" hangingPunct="1">
-              <a:spcBef>
-                <a:spcPct val="20000"/>
-              </a:spcBef>
-              <a:spcAft>
-                <a:spcPct val="0"/>
-              </a:spcAft>
-              <a:buFont typeface="Arial" charset="0"/>
-              <a:buChar char="•"/>
-              <a:defRPr sz="2400" kern="1200">
-                <a:solidFill>
-                  <a:schemeClr val="tx1"/>
-                </a:solidFill>
-                <a:latin typeface="+mn-lt"/>
-                <a:ea typeface="+mn-ea"/>
-                <a:cs typeface="+mn-cs"/>
-              </a:defRPr>
-            </a:lvl3pPr>
-            <a:lvl4pPr marL="1600200" indent="-228600" algn="l" rtl="0" eaLnBrk="1" fontAlgn="base" hangingPunct="1">
-              <a:spcBef>
-                <a:spcPct val="20000"/>
-              </a:spcBef>
-              <a:spcAft>
-                <a:spcPct val="0"/>
-              </a:spcAft>
-              <a:buFont typeface="Arial" charset="0"/>
-              <a:buChar char="–"/>
-              <a:defRPr sz="2000" kern="1200">
-                <a:solidFill>
-                  <a:schemeClr val="tx1"/>
-                </a:solidFill>
-                <a:latin typeface="+mn-lt"/>
-                <a:ea typeface="+mn-ea"/>
-                <a:cs typeface="+mn-cs"/>
-              </a:defRPr>
-            </a:lvl4pPr>
-            <a:lvl5pPr marL="2057400" indent="-228600" algn="l" rtl="0" eaLnBrk="1" fontAlgn="base" hangingPunct="1">
-              <a:spcBef>
-                <a:spcPct val="20000"/>
-              </a:spcBef>
-              <a:spcAft>
-                <a:spcPct val="0"/>
-              </a:spcAft>
-              <a:buFont typeface="Arial" charset="0"/>
-              <a:buChar char="»"/>
-              <a:defRPr sz="2000" kern="1200">
-                <a:solidFill>
-                  <a:schemeClr val="tx1"/>
-                </a:solidFill>
-                <a:latin typeface="+mn-lt"/>
-                <a:ea typeface="+mn-ea"/>
-                <a:cs typeface="+mn-cs"/>
-              </a:defRPr>
-            </a:lvl5pPr>
-            <a:lvl6pPr marL="2514600" indent="-228600" algn="l" defTabSz="914400" rtl="0" eaLnBrk="1" latinLnBrk="0" hangingPunct="1">
-              <a:spcBef>
-                <a:spcPct val="20000"/>
-              </a:spcBef>
-              <a:buFont typeface="Arial" pitchFamily="34" charset="0"/>
-              <a:buChar char="•"/>
-              <a:defRPr sz="2000" kern="1200">
-                <a:solidFill>
-                  <a:schemeClr val="tx1"/>
-                </a:solidFill>
-                <a:latin typeface="+mn-lt"/>
-                <a:ea typeface="+mn-ea"/>
-                <a:cs typeface="+mn-cs"/>
-              </a:defRPr>
-            </a:lvl6pPr>
-            <a:lvl7pPr marL="2971800" indent="-228600" algn="l" defTabSz="914400" rtl="0" eaLnBrk="1" latinLnBrk="0" hangingPunct="1">
-              <a:spcBef>
-                <a:spcPct val="20000"/>
-              </a:spcBef>
-              <a:buFont typeface="Arial" pitchFamily="34" charset="0"/>
-              <a:buChar char="•"/>
-              <a:defRPr sz="2000" kern="1200">
-                <a:solidFill>
-                  <a:schemeClr val="tx1"/>
-                </a:solidFill>
-                <a:latin typeface="+mn-lt"/>
-                <a:ea typeface="+mn-ea"/>
-                <a:cs typeface="+mn-cs"/>
-              </a:defRPr>
-            </a:lvl7pPr>
-            <a:lvl8pPr marL="3429000" indent="-228600" algn="l" defTabSz="914400" rtl="0" eaLnBrk="1" latinLnBrk="0" hangingPunct="1">
-              <a:spcBef>
-                <a:spcPct val="20000"/>
-              </a:spcBef>
-              <a:buFont typeface="Arial" pitchFamily="34" charset="0"/>
-              <a:buChar char="•"/>
-              <a:defRPr sz="2000" kern="1200">
-                <a:solidFill>
-                  <a:schemeClr val="tx1"/>
-                </a:solidFill>
-                <a:latin typeface="+mn-lt"/>
-                <a:ea typeface="+mn-ea"/>
-                <a:cs typeface="+mn-cs"/>
-              </a:defRPr>
-            </a:lvl8pPr>
-            <a:lvl9pPr marL="3886200" indent="-228600" algn="l" defTabSz="914400" rtl="0" eaLnBrk="1" latinLnBrk="0" hangingPunct="1">
-              <a:spcBef>
-                <a:spcPct val="20000"/>
-              </a:spcBef>
-              <a:buFont typeface="Arial" pitchFamily="34" charset="0"/>
-              <a:buChar char="•"/>
-              <a:defRPr sz="2000" kern="1200">
-                <a:solidFill>
-                  <a:schemeClr val="tx1"/>
-                </a:solidFill>
-                <a:latin typeface="+mn-lt"/>
-                <a:ea typeface="+mn-ea"/>
-                <a:cs typeface="+mn-cs"/>
-              </a:defRPr>
-            </a:lvl9pPr>
-          </a:lstStyle>
-          <a:p>
-            <a:pPr marL="0" indent="0" algn="ctr">
-              <a:buNone/>
-            </a:pPr>
+          <a:lstStyle/>
+          <a:p>
+            <a:r>
+              <a:rPr lang="es-PE" sz="2800" dirty="0" err="1" smtClean="0">
+                <a:solidFill>
+                  <a:srgbClr val="FFC000"/>
+                </a:solidFill>
+              </a:rPr>
+              <a:t>Exceptional</a:t>
+            </a:r>
+            <a:r>
+              <a:rPr lang="es-PE" sz="2800" dirty="0" smtClean="0">
+                <a:solidFill>
+                  <a:srgbClr val="FFC000"/>
+                </a:solidFill>
+              </a:rPr>
+              <a:t> </a:t>
+            </a:r>
+            <a:r>
+              <a:rPr lang="es-PE" sz="2800" dirty="0" err="1" smtClean="0">
+                <a:solidFill>
+                  <a:srgbClr val="FFC000"/>
+                </a:solidFill>
+              </a:rPr>
+              <a:t>Paths</a:t>
+            </a:r>
+            <a:r>
+              <a:rPr lang="es-PE" sz="2800" dirty="0" smtClean="0">
+                <a:solidFill>
+                  <a:srgbClr val="FFC000"/>
+                </a:solidFill>
+              </a:rPr>
+              <a:t>: </a:t>
+            </a:r>
             <a:r>
               <a:rPr lang="es-PE" sz="2800" dirty="0" smtClean="0"/>
-              <a:t>Identificar el resto de casos que necesitan ser probados y escribir sus correspondientes</a:t>
+              <a:t>son las secuencias de ejecución </a:t>
             </a:r>
             <a:br>
               <a:rPr lang="es-PE" sz="2800" dirty="0" smtClean="0"/>
             </a:br>
             <a:r>
               <a:rPr lang="es-PE" sz="2800" dirty="0" smtClean="0"/>
-              <a:t> pruebas unitarias. </a:t>
-            </a:r>
+              <a:t>"no esperadas" bajo condiciones normales de uso.</a:t>
+            </a:r>
+            <a:endParaRPr lang="es-PE" sz="2400" dirty="0" smtClean="0"/>
+          </a:p>
+        </p:txBody>
+      </p:sp>
+      <p:sp>
+        <p:nvSpPr>
+          <p:cNvPr id="14" name="13 CuadroTexto"/>
+          <p:cNvSpPr txBox="1"/>
+          <p:nvPr/>
+        </p:nvSpPr>
+        <p:spPr>
+          <a:xfrm>
+            <a:off x="287524" y="3699029"/>
+            <a:ext cx="8568952" cy="954107"/>
+          </a:xfrm>
+          <a:prstGeom prst="rect">
+            <a:avLst/>
+          </a:prstGeom>
+          <a:noFill/>
+        </p:spPr>
+        <p:txBody>
+          <a:bodyPr wrap="square" rtlCol="0">
+            <a:spAutoFit/>
+          </a:bodyPr>
+          <a:lstStyle/>
+          <a:p>
+            <a:pPr algn="ctr"/>
+            <a:r>
+              <a:rPr lang="es-PE" sz="2800" dirty="0" smtClean="0"/>
+              <a:t>Debemos evaluar que casos excepcionales valen el esfuerzo de ser probados (probabilidad, impacto).</a:t>
+            </a:r>
+            <a:endParaRPr lang="es-PE" sz="2400" dirty="0" smtClean="0"/>
           </a:p>
         </p:txBody>
       </p:sp>
     </p:spTree>
     <p:extLst>
       <p:ext uri="{BB962C8B-B14F-4D97-AF65-F5344CB8AC3E}">
-        <p14:creationId xmlns:p14="http://schemas.microsoft.com/office/powerpoint/2010/main" val="1019606776"/>
+        <p14:creationId xmlns:p14="http://schemas.microsoft.com/office/powerpoint/2010/main" val="1638062051"/>
       </p:ext>
     </p:extLst>
   </p:cSld>
@@ -23106,7 +22689,7 @@
       </p:grpSpPr>
       <p:sp>
         <p:nvSpPr>
-          <p:cNvPr id="3" name="2 Título"/>
+          <p:cNvPr id="5" name="2 Título"/>
           <p:cNvSpPr>
             <a:spLocks noGrp="1"/>
           </p:cNvSpPr>
@@ -23116,8 +22699,8 @@
         </p:nvSpPr>
         <p:spPr>
           <a:xfrm>
-            <a:off x="197097" y="836712"/>
-            <a:ext cx="8749806" cy="720000"/>
+            <a:off x="457200" y="1844824"/>
+            <a:ext cx="8229600" cy="1143000"/>
           </a:xfrm>
         </p:spPr>
         <p:txBody>
@@ -23127,22 +22710,30 @@
             <a:r>
               <a:rPr lang="es-PE" dirty="0" smtClean="0">
                 <a:solidFill>
-                  <a:srgbClr val="00823B"/>
-                </a:solidFill>
-              </a:rPr>
-              <a:t>No olvidar probar los</a:t>
+                  <a:srgbClr val="FFC000"/>
+                </a:solidFill>
+              </a:rPr>
+              <a:t>Ejercicio</a:t>
             </a:r>
             <a:br>
               <a:rPr lang="es-PE" dirty="0" smtClean="0">
                 <a:solidFill>
-                  <a:srgbClr val="00823B"/>
+                  <a:srgbClr val="FFC000"/>
                 </a:solidFill>
               </a:rPr>
             </a:br>
             <a:r>
+              <a:rPr lang="es-PE" dirty="0" smtClean="0">
+                <a:solidFill>
+                  <a:srgbClr val="00B050"/>
+                </a:solidFill>
+              </a:rPr>
+              <a:t>Identificar </a:t>
+            </a:r>
+            <a:r>
               <a:rPr lang="es-PE" dirty="0" err="1" smtClean="0">
                 <a:solidFill>
-                  <a:srgbClr val="00823B"/>
+                  <a:srgbClr val="00B050"/>
                 </a:solidFill>
               </a:rPr>
               <a:t>Exceptional</a:t>
@@ -23150,7 +22741,7 @@
             <a:r>
               <a:rPr lang="es-PE" dirty="0" smtClean="0">
                 <a:solidFill>
-                  <a:srgbClr val="00823B"/>
+                  <a:srgbClr val="00B050"/>
                 </a:solidFill>
               </a:rPr>
               <a:t> </a:t>
@@ -23158,22 +22749,14 @@
             <a:r>
               <a:rPr lang="es-PE" dirty="0" err="1" smtClean="0">
                 <a:solidFill>
-                  <a:srgbClr val="00823B"/>
+                  <a:srgbClr val="00B050"/>
                 </a:solidFill>
               </a:rPr>
               <a:t>Paths</a:t>
-            </a:r>
-            <a:r>
-              <a:rPr lang="es-PE" dirty="0" smtClean="0">
-                <a:solidFill>
-                  <a:srgbClr val="00823B"/>
-                </a:solidFill>
-              </a:rPr>
-              <a:t> "Interesantes" </a:t>
             </a:r>
             <a:endParaRPr lang="es-PE" dirty="0">
               <a:solidFill>
-                <a:srgbClr val="00823B"/>
+                <a:srgbClr val="00B050"/>
               </a:solidFill>
             </a:endParaRPr>
           </a:p>
@@ -23181,108 +22764,225 @@
       </p:sp>
       <p:sp>
         <p:nvSpPr>
-          <p:cNvPr id="15" name="14 CuadroTexto"/>
-          <p:cNvSpPr txBox="1"/>
+          <p:cNvPr id="7" name="5 Marcador de contenido"/>
+          <p:cNvSpPr txBox="1">
+            <a:spLocks/>
+          </p:cNvSpPr>
           <p:nvPr/>
         </p:nvSpPr>
-        <p:spPr>
+        <p:spPr bwMode="auto">
           <a:xfrm>
-            <a:off x="773578" y="2402884"/>
-            <a:ext cx="7596844" cy="954107"/>
+            <a:off x="611560" y="3212976"/>
+            <a:ext cx="7992888" cy="648072"/>
           </a:xfrm>
           <a:prstGeom prst="rect">
             <a:avLst/>
           </a:prstGeom>
           <a:noFill/>
+          <a:ln w="9525">
+            <a:noFill/>
+            <a:miter lim="800000"/>
+            <a:headEnd/>
+            <a:tailEnd/>
+          </a:ln>
         </p:spPr>
         <p:txBody>
-          <a:bodyPr wrap="square" rtlCol="0">
-            <a:spAutoFit/>
+          <a:bodyPr vert="horz" wrap="square" lIns="91440" tIns="45720" rIns="91440" bIns="45720" numCol="1" anchor="t" anchorCtr="0" compatLnSpc="1">
+            <a:prstTxWarp prst="textNoShape">
+              <a:avLst/>
+            </a:prstTxWarp>
           </a:bodyPr>
-          <a:lstStyle/>
-          <a:p>
-            <a:r>
-              <a:rPr lang="es-PE" sz="2800" dirty="0" err="1" smtClean="0">
-                <a:solidFill>
-                  <a:srgbClr val="FFC000"/>
-                </a:solidFill>
-              </a:rPr>
+          <a:lstStyle>
+            <a:lvl1pPr marL="342900" indent="-342900" algn="l" rtl="0" eaLnBrk="1" fontAlgn="base" hangingPunct="1">
+              <a:spcBef>
+                <a:spcPct val="20000"/>
+              </a:spcBef>
+              <a:spcAft>
+                <a:spcPct val="0"/>
+              </a:spcAft>
+              <a:buFont typeface="Arial" charset="0"/>
+              <a:buChar char="•"/>
+              <a:defRPr sz="3200" kern="1200">
+                <a:solidFill>
+                  <a:schemeClr val="tx1"/>
+                </a:solidFill>
+                <a:latin typeface="+mn-lt"/>
+                <a:ea typeface="+mn-ea"/>
+                <a:cs typeface="+mn-cs"/>
+              </a:defRPr>
+            </a:lvl1pPr>
+            <a:lvl2pPr marL="742950" indent="-285750" algn="l" rtl="0" eaLnBrk="1" fontAlgn="base" hangingPunct="1">
+              <a:spcBef>
+                <a:spcPct val="20000"/>
+              </a:spcBef>
+              <a:spcAft>
+                <a:spcPct val="0"/>
+              </a:spcAft>
+              <a:buFont typeface="Arial" charset="0"/>
+              <a:buChar char="–"/>
+              <a:defRPr sz="2800" kern="1200">
+                <a:solidFill>
+                  <a:schemeClr val="tx1"/>
+                </a:solidFill>
+                <a:latin typeface="+mn-lt"/>
+                <a:ea typeface="+mn-ea"/>
+                <a:cs typeface="+mn-cs"/>
+              </a:defRPr>
+            </a:lvl2pPr>
+            <a:lvl3pPr marL="1143000" indent="-228600" algn="l" rtl="0" eaLnBrk="1" fontAlgn="base" hangingPunct="1">
+              <a:spcBef>
+                <a:spcPct val="20000"/>
+              </a:spcBef>
+              <a:spcAft>
+                <a:spcPct val="0"/>
+              </a:spcAft>
+              <a:buFont typeface="Arial" charset="0"/>
+              <a:buChar char="•"/>
+              <a:defRPr sz="2400" kern="1200">
+                <a:solidFill>
+                  <a:schemeClr val="tx1"/>
+                </a:solidFill>
+                <a:latin typeface="+mn-lt"/>
+                <a:ea typeface="+mn-ea"/>
+                <a:cs typeface="+mn-cs"/>
+              </a:defRPr>
+            </a:lvl3pPr>
+            <a:lvl4pPr marL="1600200" indent="-228600" algn="l" rtl="0" eaLnBrk="1" fontAlgn="base" hangingPunct="1">
+              <a:spcBef>
+                <a:spcPct val="20000"/>
+              </a:spcBef>
+              <a:spcAft>
+                <a:spcPct val="0"/>
+              </a:spcAft>
+              <a:buFont typeface="Arial" charset="0"/>
+              <a:buChar char="–"/>
+              <a:defRPr sz="2000" kern="1200">
+                <a:solidFill>
+                  <a:schemeClr val="tx1"/>
+                </a:solidFill>
+                <a:latin typeface="+mn-lt"/>
+                <a:ea typeface="+mn-ea"/>
+                <a:cs typeface="+mn-cs"/>
+              </a:defRPr>
+            </a:lvl4pPr>
+            <a:lvl5pPr marL="2057400" indent="-228600" algn="l" rtl="0" eaLnBrk="1" fontAlgn="base" hangingPunct="1">
+              <a:spcBef>
+                <a:spcPct val="20000"/>
+              </a:spcBef>
+              <a:spcAft>
+                <a:spcPct val="0"/>
+              </a:spcAft>
+              <a:buFont typeface="Arial" charset="0"/>
+              <a:buChar char="»"/>
+              <a:defRPr sz="2000" kern="1200">
+                <a:solidFill>
+                  <a:schemeClr val="tx1"/>
+                </a:solidFill>
+                <a:latin typeface="+mn-lt"/>
+                <a:ea typeface="+mn-ea"/>
+                <a:cs typeface="+mn-cs"/>
+              </a:defRPr>
+            </a:lvl5pPr>
+            <a:lvl6pPr marL="2514600" indent="-228600" algn="l" defTabSz="914400" rtl="0" eaLnBrk="1" latinLnBrk="0" hangingPunct="1">
+              <a:spcBef>
+                <a:spcPct val="20000"/>
+              </a:spcBef>
+              <a:buFont typeface="Arial" pitchFamily="34" charset="0"/>
+              <a:buChar char="•"/>
+              <a:defRPr sz="2000" kern="1200">
+                <a:solidFill>
+                  <a:schemeClr val="tx1"/>
+                </a:solidFill>
+                <a:latin typeface="+mn-lt"/>
+                <a:ea typeface="+mn-ea"/>
+                <a:cs typeface="+mn-cs"/>
+              </a:defRPr>
+            </a:lvl6pPr>
+            <a:lvl7pPr marL="2971800" indent="-228600" algn="l" defTabSz="914400" rtl="0" eaLnBrk="1" latinLnBrk="0" hangingPunct="1">
+              <a:spcBef>
+                <a:spcPct val="20000"/>
+              </a:spcBef>
+              <a:buFont typeface="Arial" pitchFamily="34" charset="0"/>
+              <a:buChar char="•"/>
+              <a:defRPr sz="2000" kern="1200">
+                <a:solidFill>
+                  <a:schemeClr val="tx1"/>
+                </a:solidFill>
+                <a:latin typeface="+mn-lt"/>
+                <a:ea typeface="+mn-ea"/>
+                <a:cs typeface="+mn-cs"/>
+              </a:defRPr>
+            </a:lvl7pPr>
+            <a:lvl8pPr marL="3429000" indent="-228600" algn="l" defTabSz="914400" rtl="0" eaLnBrk="1" latinLnBrk="0" hangingPunct="1">
+              <a:spcBef>
+                <a:spcPct val="20000"/>
+              </a:spcBef>
+              <a:buFont typeface="Arial" pitchFamily="34" charset="0"/>
+              <a:buChar char="•"/>
+              <a:defRPr sz="2000" kern="1200">
+                <a:solidFill>
+                  <a:schemeClr val="tx1"/>
+                </a:solidFill>
+                <a:latin typeface="+mn-lt"/>
+                <a:ea typeface="+mn-ea"/>
+                <a:cs typeface="+mn-cs"/>
+              </a:defRPr>
+            </a:lvl8pPr>
+            <a:lvl9pPr marL="3886200" indent="-228600" algn="l" defTabSz="914400" rtl="0" eaLnBrk="1" latinLnBrk="0" hangingPunct="1">
+              <a:spcBef>
+                <a:spcPct val="20000"/>
+              </a:spcBef>
+              <a:buFont typeface="Arial" pitchFamily="34" charset="0"/>
+              <a:buChar char="•"/>
+              <a:defRPr sz="2000" kern="1200">
+                <a:solidFill>
+                  <a:schemeClr val="tx1"/>
+                </a:solidFill>
+                <a:latin typeface="+mn-lt"/>
+                <a:ea typeface="+mn-ea"/>
+                <a:cs typeface="+mn-cs"/>
+              </a:defRPr>
+            </a:lvl9pPr>
+          </a:lstStyle>
+          <a:p>
+            <a:pPr marL="0" indent="0" algn="ctr">
+              <a:buNone/>
+            </a:pPr>
+            <a:r>
+              <a:rPr lang="es-PE" sz="2800" dirty="0" smtClean="0"/>
+              <a:t>Analizar el método "</a:t>
+            </a:r>
+            <a:r>
+              <a:rPr lang="es-PE" sz="2800" dirty="0" err="1" smtClean="0"/>
+              <a:t>ActualizarLinea</a:t>
+            </a:r>
+            <a:r>
+              <a:rPr lang="es-PE" sz="2800" dirty="0" smtClean="0"/>
+              <a:t>", identificar los </a:t>
+            </a:r>
+            <a:r>
+              <a:rPr lang="es-PE" sz="2800" dirty="0" err="1" smtClean="0"/>
               <a:t>Exceptional</a:t>
             </a:r>
             <a:r>
-              <a:rPr lang="es-PE" sz="2800" dirty="0" smtClean="0">
-                <a:solidFill>
-                  <a:srgbClr val="FFC000"/>
-                </a:solidFill>
-              </a:rPr>
+              <a:rPr lang="es-PE" sz="2800" dirty="0" smtClean="0"/>
               <a:t> </a:t>
             </a:r>
             <a:r>
-              <a:rPr lang="es-PE" sz="2800" dirty="0" err="1" smtClean="0">
-                <a:solidFill>
-                  <a:srgbClr val="FFC000"/>
-                </a:solidFill>
-              </a:rPr>
+              <a:rPr lang="es-PE" sz="2800" dirty="0" err="1" smtClean="0"/>
               <a:t>Paths</a:t>
             </a:r>
             <a:r>
-              <a:rPr lang="es-PE" sz="2800" dirty="0" smtClean="0">
-                <a:solidFill>
-                  <a:srgbClr val="FFC000"/>
-                </a:solidFill>
-              </a:rPr>
-              <a:t>: </a:t>
-            </a:r>
-            <a:r>
               <a:rPr lang="es-PE" sz="2800" dirty="0" smtClean="0"/>
-              <a:t>son las secuencias de ejecución </a:t>
-            </a:r>
-            <a:br>
-              <a:rPr lang="es-PE" sz="2800" dirty="0" smtClean="0"/>
-            </a:br>
-            <a:r>
-              <a:rPr lang="es-PE" sz="2800" dirty="0" smtClean="0"/>
-              <a:t>"no esperadas" bajo condiciones normales de uso.</a:t>
-            </a:r>
-            <a:endParaRPr lang="es-PE" sz="2400" dirty="0" smtClean="0"/>
-          </a:p>
-        </p:txBody>
-      </p:sp>
-      <p:sp>
-        <p:nvSpPr>
-          <p:cNvPr id="14" name="13 CuadroTexto"/>
-          <p:cNvSpPr txBox="1"/>
-          <p:nvPr/>
-        </p:nvSpPr>
-        <p:spPr>
-          <a:xfrm>
-            <a:off x="287524" y="3699029"/>
-            <a:ext cx="8568952" cy="954107"/>
-          </a:xfrm>
-          <a:prstGeom prst="rect">
-            <a:avLst/>
-          </a:prstGeom>
-          <a:noFill/>
-        </p:spPr>
-        <p:txBody>
-          <a:bodyPr wrap="square" rtlCol="0">
-            <a:spAutoFit/>
-          </a:bodyPr>
-          <a:lstStyle/>
-          <a:p>
-            <a:pPr algn="ctr"/>
-            <a:r>
-              <a:rPr lang="es-PE" sz="2800" dirty="0" smtClean="0"/>
-              <a:t>Debemos evaluar que casos excepcionales valen el esfuerzo de ser probados (probabilidad, impacto).</a:t>
-            </a:r>
-            <a:endParaRPr lang="es-PE" sz="2400" dirty="0" smtClean="0"/>
+              <a:t>  y escribir las pruebas unitarias para todos los casos.</a:t>
+            </a:r>
           </a:p>
         </p:txBody>
       </p:sp>
     </p:spTree>
     <p:extLst>
       <p:ext uri="{BB962C8B-B14F-4D97-AF65-F5344CB8AC3E}">
-        <p14:creationId xmlns:p14="http://schemas.microsoft.com/office/powerpoint/2010/main" val="1638062051"/>
+        <p14:creationId xmlns:p14="http://schemas.microsoft.com/office/powerpoint/2010/main" val="2520881539"/>
       </p:ext>
     </p:extLst>
   </p:cSld>
@@ -23328,7 +23028,7 @@
         </p:nvSpPr>
         <p:spPr>
           <a:xfrm>
-            <a:off x="457200" y="1844824"/>
+            <a:off x="457200" y="980728"/>
             <a:ext cx="8229600" cy="1143000"/>
           </a:xfrm>
         </p:spPr>
@@ -23357,31 +23057,7 @@
                   <a:srgbClr val="00B050"/>
                 </a:solidFill>
               </a:rPr>
-              <a:t>Identificar </a:t>
-            </a:r>
-            <a:r>
-              <a:rPr lang="es-PE" dirty="0" err="1" smtClean="0">
-                <a:solidFill>
-                  <a:srgbClr val="00B050"/>
-                </a:solidFill>
-              </a:rPr>
-              <a:t>Exceptional</a:t>
-            </a:r>
-            <a:r>
-              <a:rPr lang="es-PE" dirty="0" smtClean="0">
-                <a:solidFill>
-                  <a:srgbClr val="00B050"/>
-                </a:solidFill>
-              </a:rPr>
-              <a:t> </a:t>
-            </a:r>
-            <a:r>
-              <a:rPr lang="es-PE" dirty="0" err="1" smtClean="0">
-                <a:solidFill>
-                  <a:srgbClr val="00B050"/>
-                </a:solidFill>
-              </a:rPr>
-              <a:t>Paths</a:t>
+              <a:t>Completar las Pruebas Unitarias para el resto de funcionalidades.</a:t>
             </a:r>
             <a:endParaRPr lang="es-PE" dirty="0">
               <a:solidFill>
@@ -23401,8 +23077,8 @@
         </p:nvSpPr>
         <p:spPr bwMode="auto">
           <a:xfrm>
-            <a:off x="611560" y="3212976"/>
-            <a:ext cx="7992888" cy="648072"/>
+            <a:off x="611560" y="2852936"/>
+            <a:ext cx="8136904" cy="1080120"/>
           </a:xfrm>
           <a:prstGeom prst="rect">
             <a:avLst/>
@@ -23574,28 +23250,17 @@
             </a:lvl9pPr>
           </a:lstStyle>
           <a:p>
-            <a:pPr marL="0" indent="0" algn="ctr">
-              <a:buNone/>
-            </a:pPr>
             <a:r>
               <a:rPr lang="es-PE" sz="2800" dirty="0" smtClean="0"/>
-              <a:t>Identificar los </a:t>
+              <a:t>Analizar los métodos "</a:t>
             </a:r>
             <a:r>
               <a:rPr lang="es-PE" sz="2800" dirty="0" err="1" smtClean="0"/>
-              <a:t>Exceptional</a:t>
+              <a:t>RemoverLinea</a:t>
             </a:r>
             <a:r>
               <a:rPr lang="es-PE" sz="2800" dirty="0" smtClean="0"/>
-              <a:t> </a:t>
-            </a:r>
-            <a:r>
-              <a:rPr lang="es-PE" sz="2800" dirty="0" err="1" smtClean="0"/>
-              <a:t>Paths</a:t>
-            </a:r>
-            <a:r>
-              <a:rPr lang="es-PE" sz="2800" dirty="0" smtClean="0"/>
-              <a:t>  y escribir sus pruebas unitarias si es que estos resultan interesantes.</a:t>
+              <a:t>" y "Total" , y escribir sus correspondientes pruebas unitarias.</a:t>
             </a:r>
           </a:p>
         </p:txBody>
@@ -23603,7 +23268,7 @@
     </p:spTree>
     <p:extLst>
       <p:ext uri="{BB962C8B-B14F-4D97-AF65-F5344CB8AC3E}">
-        <p14:creationId xmlns:p14="http://schemas.microsoft.com/office/powerpoint/2010/main" val="2520881539"/>
+        <p14:creationId xmlns:p14="http://schemas.microsoft.com/office/powerpoint/2010/main" val="1032922039"/>
       </p:ext>
     </p:extLst>
   </p:cSld>
@@ -23639,7 +23304,58 @@
       </p:grpSpPr>
       <p:sp>
         <p:nvSpPr>
-          <p:cNvPr id="4" name="2 Título"/>
+          <p:cNvPr id="3" name="2 Título"/>
+          <p:cNvSpPr>
+            <a:spLocks noGrp="1"/>
+          </p:cNvSpPr>
+          <p:nvPr>
+            <p:ph type="title"/>
+          </p:nvPr>
+        </p:nvSpPr>
+        <p:spPr>
+          <a:xfrm>
+            <a:off x="483459" y="260648"/>
+            <a:ext cx="8229600" cy="1224136"/>
+          </a:xfrm>
+        </p:spPr>
+        <p:txBody>
+          <a:bodyPr/>
+          <a:lstStyle/>
+          <a:p>
+            <a:r>
+              <a:rPr lang="es-PE" dirty="0" smtClean="0">
+                <a:solidFill>
+                  <a:srgbClr val="00823B"/>
+                </a:solidFill>
+              </a:rPr>
+              <a:t>Propiedades de una</a:t>
+            </a:r>
+            <a:br>
+              <a:rPr lang="es-PE" dirty="0" smtClean="0">
+                <a:solidFill>
+                  <a:srgbClr val="00823B"/>
+                </a:solidFill>
+              </a:rPr>
+            </a:br>
+            <a:r>
+              <a:rPr lang="es-PE" dirty="0" smtClean="0">
+                <a:solidFill>
+                  <a:srgbClr val="00823B"/>
+                </a:solidFill>
+              </a:rPr>
+              <a:t>Prueba Unitaria</a:t>
+            </a:r>
+            <a:endParaRPr lang="es-PE" dirty="0">
+              <a:solidFill>
+                <a:srgbClr val="00823B"/>
+              </a:solidFill>
+            </a:endParaRPr>
+          </a:p>
+        </p:txBody>
+      </p:sp>
+      <p:sp>
+        <p:nvSpPr>
+          <p:cNvPr id="41" name="5 Marcador de contenido"/>
           <p:cNvSpPr txBox="1">
             <a:spLocks/>
           </p:cNvSpPr>
@@ -23647,8 +23363,8 @@
         </p:nvSpPr>
         <p:spPr bwMode="auto">
           <a:xfrm>
-            <a:off x="0" y="471810"/>
-            <a:ext cx="9135414" cy="724942"/>
+            <a:off x="467544" y="1484784"/>
+            <a:ext cx="8352928" cy="5256584"/>
           </a:xfrm>
           <a:prstGeom prst="rect">
             <a:avLst/>
@@ -23662,355 +23378,363 @@
           </a:ln>
         </p:spPr>
         <p:txBody>
-          <a:bodyPr vert="horz" wrap="square" lIns="91440" tIns="45720" rIns="91440" bIns="45720" numCol="1" anchor="ctr" anchorCtr="0" compatLnSpc="1">
+          <a:bodyPr vert="horz" wrap="square" lIns="91440" tIns="45720" rIns="91440" bIns="45720" numCol="1" anchor="t" anchorCtr="0" compatLnSpc="1">
             <a:prstTxWarp prst="textNoShape">
               <a:avLst/>
             </a:prstTxWarp>
           </a:bodyPr>
           <a:lstStyle>
-            <a:lvl1pPr algn="ctr" rtl="0" eaLnBrk="1" fontAlgn="base" hangingPunct="1">
+            <a:lvl1pPr marL="342900" indent="-342900" algn="l" rtl="0" eaLnBrk="1" fontAlgn="base" hangingPunct="1">
               <a:spcBef>
-                <a:spcPct val="0"/>
+                <a:spcPct val="20000"/>
               </a:spcBef>
               <a:spcAft>
                 <a:spcPct val="0"/>
               </a:spcAft>
-              <a:defRPr sz="4400" kern="1200">
-                <a:solidFill>
-                  <a:schemeClr val="tx1"/>
-                </a:solidFill>
-                <a:latin typeface="+mj-lt"/>
-                <a:ea typeface="+mj-ea"/>
-                <a:cs typeface="+mj-cs"/>
+              <a:buFont typeface="Arial" charset="0"/>
+              <a:buChar char="•"/>
+              <a:defRPr sz="3200" kern="1200">
+                <a:solidFill>
+                  <a:schemeClr val="tx1"/>
+                </a:solidFill>
+                <a:latin typeface="+mn-lt"/>
+                <a:ea typeface="+mn-ea"/>
+                <a:cs typeface="+mn-cs"/>
               </a:defRPr>
             </a:lvl1pPr>
-            <a:lvl2pPr algn="ctr" rtl="0" eaLnBrk="1" fontAlgn="base" hangingPunct="1">
+            <a:lvl2pPr marL="742950" indent="-285750" algn="l" rtl="0" eaLnBrk="1" fontAlgn="base" hangingPunct="1">
               <a:spcBef>
-                <a:spcPct val="0"/>
+                <a:spcPct val="20000"/>
               </a:spcBef>
               <a:spcAft>
                 <a:spcPct val="0"/>
               </a:spcAft>
-              <a:defRPr sz="4400">
-                <a:solidFill>
-                  <a:schemeClr val="tx1"/>
-                </a:solidFill>
-                <a:latin typeface="Calibri" pitchFamily="34" charset="0"/>
+              <a:buFont typeface="Arial" charset="0"/>
+              <a:buChar char="–"/>
+              <a:defRPr sz="2800" kern="1200">
+                <a:solidFill>
+                  <a:schemeClr val="tx1"/>
+                </a:solidFill>
+                <a:latin typeface="+mn-lt"/>
+                <a:ea typeface="+mn-ea"/>
+                <a:cs typeface="+mn-cs"/>
               </a:defRPr>
             </a:lvl2pPr>
-            <a:lvl3pPr algn="ctr" rtl="0" eaLnBrk="1" fontAlgn="base" hangingPunct="1">
+            <a:lvl3pPr marL="1143000" indent="-228600" algn="l" rtl="0" eaLnBrk="1" fontAlgn="base" hangingPunct="1">
               <a:spcBef>
-                <a:spcPct val="0"/>
+                <a:spcPct val="20000"/>
               </a:spcBef>
               <a:spcAft>
                 <a:spcPct val="0"/>
               </a:spcAft>
-              <a:defRPr sz="4400">
-                <a:solidFill>
-                  <a:schemeClr val="tx1"/>
-                </a:solidFill>
-                <a:latin typeface="Calibri" pitchFamily="34" charset="0"/>
+              <a:buFont typeface="Arial" charset="0"/>
+              <a:buChar char="•"/>
+              <a:defRPr sz="2400" kern="1200">
+                <a:solidFill>
+                  <a:schemeClr val="tx1"/>
+                </a:solidFill>
+                <a:latin typeface="+mn-lt"/>
+                <a:ea typeface="+mn-ea"/>
+                <a:cs typeface="+mn-cs"/>
               </a:defRPr>
             </a:lvl3pPr>
-            <a:lvl4pPr algn="ctr" rtl="0" eaLnBrk="1" fontAlgn="base" hangingPunct="1">
+            <a:lvl4pPr marL="1600200" indent="-228600" algn="l" rtl="0" eaLnBrk="1" fontAlgn="base" hangingPunct="1">
               <a:spcBef>
-                <a:spcPct val="0"/>
+                <a:spcPct val="20000"/>
               </a:spcBef>
               <a:spcAft>
                 <a:spcPct val="0"/>
               </a:spcAft>
-              <a:defRPr sz="4400">
-                <a:solidFill>
-                  <a:schemeClr val="tx1"/>
-                </a:solidFill>
-                <a:latin typeface="Calibri" pitchFamily="34" charset="0"/>
+              <a:buFont typeface="Arial" charset="0"/>
+              <a:buChar char="–"/>
+              <a:defRPr sz="2000" kern="1200">
+                <a:solidFill>
+                  <a:schemeClr val="tx1"/>
+                </a:solidFill>
+                <a:latin typeface="+mn-lt"/>
+                <a:ea typeface="+mn-ea"/>
+                <a:cs typeface="+mn-cs"/>
               </a:defRPr>
             </a:lvl4pPr>
-            <a:lvl5pPr algn="ctr" rtl="0" eaLnBrk="1" fontAlgn="base" hangingPunct="1">
+            <a:lvl5pPr marL="2057400" indent="-228600" algn="l" rtl="0" eaLnBrk="1" fontAlgn="base" hangingPunct="1">
               <a:spcBef>
-                <a:spcPct val="0"/>
+                <a:spcPct val="20000"/>
               </a:spcBef>
               <a:spcAft>
                 <a:spcPct val="0"/>
               </a:spcAft>
-              <a:defRPr sz="4400">
-                <a:solidFill>
-                  <a:schemeClr val="tx1"/>
-                </a:solidFill>
-                <a:latin typeface="Calibri" pitchFamily="34" charset="0"/>
+              <a:buFont typeface="Arial" charset="0"/>
+              <a:buChar char="»"/>
+              <a:defRPr sz="2000" kern="1200">
+                <a:solidFill>
+                  <a:schemeClr val="tx1"/>
+                </a:solidFill>
+                <a:latin typeface="+mn-lt"/>
+                <a:ea typeface="+mn-ea"/>
+                <a:cs typeface="+mn-cs"/>
               </a:defRPr>
             </a:lvl5pPr>
-            <a:lvl6pPr marL="457200" algn="ctr" rtl="0" eaLnBrk="1" fontAlgn="base" hangingPunct="1">
+            <a:lvl6pPr marL="2514600" indent="-228600" algn="l" defTabSz="914400" rtl="0" eaLnBrk="1" latinLnBrk="0" hangingPunct="1">
               <a:spcBef>
-                <a:spcPct val="0"/>
+                <a:spcPct val="20000"/>
               </a:spcBef>
-              <a:spcAft>
-                <a:spcPct val="0"/>
-              </a:spcAft>
-              <a:defRPr sz="4400">
-                <a:solidFill>
-                  <a:schemeClr val="tx1"/>
-                </a:solidFill>
-                <a:latin typeface="Calibri" pitchFamily="34" charset="0"/>
+              <a:buFont typeface="Arial" pitchFamily="34" charset="0"/>
+              <a:buChar char="•"/>
+              <a:defRPr sz="2000" kern="1200">
+                <a:solidFill>
+                  <a:schemeClr val="tx1"/>
+                </a:solidFill>
+                <a:latin typeface="+mn-lt"/>
+                <a:ea typeface="+mn-ea"/>
+                <a:cs typeface="+mn-cs"/>
               </a:defRPr>
             </a:lvl6pPr>
-            <a:lvl7pPr marL="914400" algn="ctr" rtl="0" eaLnBrk="1" fontAlgn="base" hangingPunct="1">
+            <a:lvl7pPr marL="2971800" indent="-228600" algn="l" defTabSz="914400" rtl="0" eaLnBrk="1" latinLnBrk="0" hangingPunct="1">
               <a:spcBef>
-                <a:spcPct val="0"/>
+                <a:spcPct val="20000"/>
               </a:spcBef>
-              <a:spcAft>
-                <a:spcPct val="0"/>
-              </a:spcAft>
-              <a:defRPr sz="4400">
-                <a:solidFill>
-                  <a:schemeClr val="tx1"/>
-                </a:solidFill>
-                <a:latin typeface="Calibri" pitchFamily="34" charset="0"/>
+              <a:buFont typeface="Arial" pitchFamily="34" charset="0"/>
+              <a:buChar char="•"/>
+              <a:defRPr sz="2000" kern="1200">
+                <a:solidFill>
+                  <a:schemeClr val="tx1"/>
+                </a:solidFill>
+                <a:latin typeface="+mn-lt"/>
+                <a:ea typeface="+mn-ea"/>
+                <a:cs typeface="+mn-cs"/>
               </a:defRPr>
             </a:lvl7pPr>
-            <a:lvl8pPr marL="1371600" algn="ctr" rtl="0" eaLnBrk="1" fontAlgn="base" hangingPunct="1">
+            <a:lvl8pPr marL="3429000" indent="-228600" algn="l" defTabSz="914400" rtl="0" eaLnBrk="1" latinLnBrk="0" hangingPunct="1">
               <a:spcBef>
-                <a:spcPct val="0"/>
+                <a:spcPct val="20000"/>
               </a:spcBef>
-              <a:spcAft>
-                <a:spcPct val="0"/>
-              </a:spcAft>
-              <a:defRPr sz="4400">
-                <a:solidFill>
-                  <a:schemeClr val="tx1"/>
-                </a:solidFill>
-                <a:latin typeface="Calibri" pitchFamily="34" charset="0"/>
+              <a:buFont typeface="Arial" pitchFamily="34" charset="0"/>
+              <a:buChar char="•"/>
+              <a:defRPr sz="2000" kern="1200">
+                <a:solidFill>
+                  <a:schemeClr val="tx1"/>
+                </a:solidFill>
+                <a:latin typeface="+mn-lt"/>
+                <a:ea typeface="+mn-ea"/>
+                <a:cs typeface="+mn-cs"/>
               </a:defRPr>
             </a:lvl8pPr>
-            <a:lvl9pPr marL="1828800" algn="ctr" rtl="0" eaLnBrk="1" fontAlgn="base" hangingPunct="1">
+            <a:lvl9pPr marL="3886200" indent="-228600" algn="l" defTabSz="914400" rtl="0" eaLnBrk="1" latinLnBrk="0" hangingPunct="1">
               <a:spcBef>
-                <a:spcPct val="0"/>
+                <a:spcPct val="20000"/>
               </a:spcBef>
-              <a:spcAft>
-                <a:spcPct val="0"/>
-              </a:spcAft>
-              <a:defRPr sz="4400">
-                <a:solidFill>
-                  <a:schemeClr val="tx1"/>
-                </a:solidFill>
-                <a:latin typeface="Calibri" pitchFamily="34" charset="0"/>
+              <a:buFont typeface="Arial" pitchFamily="34" charset="0"/>
+              <a:buChar char="•"/>
+              <a:defRPr sz="2000" kern="1200">
+                <a:solidFill>
+                  <a:schemeClr val="tx1"/>
+                </a:solidFill>
+                <a:latin typeface="+mn-lt"/>
+                <a:ea typeface="+mn-ea"/>
+                <a:cs typeface="+mn-cs"/>
               </a:defRPr>
             </a:lvl9pPr>
           </a:lstStyle>
           <a:p>
-            <a:r>
-              <a:rPr lang="es-PE" dirty="0" smtClean="0">
-                <a:solidFill>
-                  <a:srgbClr val="00823B"/>
-                </a:solidFill>
-              </a:rPr>
-              <a:t>Seguir una misma</a:t>
-            </a:r>
-            <a:br>
-              <a:rPr lang="es-PE" dirty="0" smtClean="0">
-                <a:solidFill>
-                  <a:srgbClr val="00823B"/>
-                </a:solidFill>
-              </a:rPr>
-            </a:br>
-            <a:r>
-              <a:rPr lang="es-PE" dirty="0" smtClean="0">
-                <a:solidFill>
-                  <a:srgbClr val="00823B"/>
-                </a:solidFill>
-              </a:rPr>
-              <a:t>Convención de Nombres</a:t>
-            </a:r>
-            <a:endParaRPr lang="es-PE" dirty="0">
-              <a:solidFill>
-                <a:srgbClr val="00823B"/>
-              </a:solidFill>
-            </a:endParaRPr>
-          </a:p>
-        </p:txBody>
-      </p:sp>
-      <p:sp>
-        <p:nvSpPr>
-          <p:cNvPr id="3" name="2 CuadroTexto"/>
-          <p:cNvSpPr txBox="1"/>
-          <p:nvPr/>
-        </p:nvSpPr>
-        <p:spPr>
-          <a:xfrm>
-            <a:off x="506595" y="3626611"/>
-            <a:ext cx="8122223" cy="507831"/>
-          </a:xfrm>
-          <a:prstGeom prst="rect">
-            <a:avLst/>
-          </a:prstGeom>
-          <a:noFill/>
-        </p:spPr>
-        <p:txBody>
-          <a:bodyPr wrap="none" rtlCol="0">
-            <a:spAutoFit/>
-          </a:bodyPr>
-          <a:lstStyle/>
-          <a:p>
-            <a:r>
-              <a:rPr lang="es-PE" sz="2700" dirty="0" smtClean="0">
-                <a:solidFill>
-                  <a:srgbClr val="FFC000"/>
-                </a:solidFill>
-              </a:rPr>
-              <a:t>[</a:t>
-            </a:r>
-            <a:r>
-              <a:rPr lang="es-PE" sz="2700" dirty="0" err="1" smtClean="0">
-                <a:solidFill>
-                  <a:srgbClr val="FFC000"/>
-                </a:solidFill>
-              </a:rPr>
-              <a:t>NombreMétodo_Condición_ComportamientoEsperado</a:t>
-            </a:r>
-            <a:r>
-              <a:rPr lang="es-PE" sz="2700" dirty="0" smtClean="0">
-                <a:solidFill>
-                  <a:srgbClr val="FFC000"/>
-                </a:solidFill>
-              </a:rPr>
-              <a:t>]</a:t>
-            </a:r>
-            <a:endParaRPr lang="es-PE" sz="2700" dirty="0">
-              <a:solidFill>
-                <a:srgbClr val="FFC000"/>
-              </a:solidFill>
-            </a:endParaRPr>
-          </a:p>
-        </p:txBody>
-      </p:sp>
-      <p:pic>
-        <p:nvPicPr>
-          <p:cNvPr id="1026" name="Picture 2"/>
-          <p:cNvPicPr>
-            <a:picLocks noChangeAspect="1" noChangeArrowheads="1"/>
-          </p:cNvPicPr>
-          <p:nvPr/>
-        </p:nvPicPr>
-        <p:blipFill>
-          <a:blip r:embed="rId3">
-            <a:extLst>
-              <a:ext uri="{28A0092B-C50C-407E-A947-70E740481C1C}">
-                <a14:useLocalDpi xmlns:a14="http://schemas.microsoft.com/office/drawing/2010/main" val="0"/>
-              </a:ext>
-            </a:extLst>
-          </a:blip>
-          <a:srcRect/>
-          <a:stretch>
-            <a:fillRect/>
-          </a:stretch>
-        </p:blipFill>
-        <p:spPr bwMode="auto">
-          <a:xfrm>
-            <a:off x="129057" y="4148311"/>
-            <a:ext cx="8877300" cy="504825"/>
-          </a:xfrm>
-          <a:prstGeom prst="rect">
-            <a:avLst/>
-          </a:prstGeom>
-          <a:noFill/>
-          <a:ln>
-            <a:noFill/>
-          </a:ln>
-          <a:effectLst/>
-          <a:extLst>
-            <a:ext uri="{909E8E84-426E-40DD-AFC4-6F175D3DCCD1}">
-              <a14:hiddenFill xmlns:a14="http://schemas.microsoft.com/office/drawing/2010/main">
-                <a:solidFill>
-                  <a:schemeClr val="accent1"/>
-                </a:solidFill>
-              </a14:hiddenFill>
-            </a:ext>
-            <a:ext uri="{91240B29-F687-4F45-9708-019B960494DF}">
-              <a14:hiddenLine xmlns:a14="http://schemas.microsoft.com/office/drawing/2010/main" w="9525">
-                <a:solidFill>
-                  <a:schemeClr val="tx1"/>
-                </a:solidFill>
-                <a:miter lim="800000"/>
-                <a:headEnd/>
-                <a:tailEnd/>
-              </a14:hiddenLine>
-            </a:ext>
-            <a:ext uri="{AF507438-7753-43E0-B8FC-AC1667EBCBE1}">
-              <a14:hiddenEffects xmlns:a14="http://schemas.microsoft.com/office/drawing/2010/main">
-                <a:effectLst>
-                  <a:outerShdw dist="35921" dir="2700000" algn="ctr" rotWithShape="0">
-                    <a:schemeClr val="bg2"/>
-                  </a:outerShdw>
-                </a:effectLst>
-              </a14:hiddenEffects>
-            </a:ext>
-          </a:extLst>
-        </p:spPr>
-      </p:pic>
-      <p:sp>
-        <p:nvSpPr>
-          <p:cNvPr id="2" name="1 CuadroTexto"/>
-          <p:cNvSpPr txBox="1"/>
-          <p:nvPr/>
-        </p:nvSpPr>
-        <p:spPr>
-          <a:xfrm>
-            <a:off x="211224" y="1683965"/>
-            <a:ext cx="8712968" cy="1815882"/>
-          </a:xfrm>
-          <a:prstGeom prst="rect">
-            <a:avLst/>
-          </a:prstGeom>
-          <a:noFill/>
-        </p:spPr>
-        <p:txBody>
-          <a:bodyPr wrap="square" rtlCol="0">
-            <a:spAutoFit/>
-          </a:bodyPr>
-          <a:lstStyle/>
-          <a:p>
-            <a:pPr algn="ctr"/>
-            <a:r>
-              <a:rPr lang="es-PE" sz="2800" dirty="0" smtClean="0"/>
-              <a:t>Cada prueba representa documentación sobre la clase, por lo tanto se debe contar con una única convención que permita a todo el equipo entender rápidamente el objetivo de la prueba. </a:t>
-            </a:r>
-            <a:r>
-              <a:rPr lang="es-PE" sz="2800" dirty="0" err="1" smtClean="0"/>
-              <a:t>Ejm</a:t>
-            </a:r>
-            <a:r>
-              <a:rPr lang="es-PE" sz="2800" dirty="0" smtClean="0"/>
-              <a:t>:</a:t>
-            </a:r>
-          </a:p>
-        </p:txBody>
-      </p:sp>
-      <p:sp>
-        <p:nvSpPr>
-          <p:cNvPr id="8" name="7 CuadroTexto"/>
-          <p:cNvSpPr txBox="1"/>
-          <p:nvPr/>
-        </p:nvSpPr>
-        <p:spPr>
-          <a:xfrm>
-            <a:off x="182842" y="5013176"/>
-            <a:ext cx="8712968" cy="954107"/>
-          </a:xfrm>
-          <a:prstGeom prst="rect">
-            <a:avLst/>
-          </a:prstGeom>
-          <a:noFill/>
-        </p:spPr>
-        <p:txBody>
-          <a:bodyPr wrap="square" rtlCol="0">
-            <a:spAutoFit/>
-          </a:bodyPr>
-          <a:lstStyle/>
-          <a:p>
-            <a:pPr algn="ctr"/>
-            <a:r>
-              <a:rPr lang="es-PE" sz="2800" dirty="0" smtClean="0"/>
-              <a:t>Lo importante no es la convención elegida sino que todo el equipo la entienda y la siga.</a:t>
+            <a:pPr marL="0" indent="0" defTabSz="796925">
+              <a:lnSpc>
+                <a:spcPts val="5300"/>
+              </a:lnSpc>
+              <a:buNone/>
+            </a:pPr>
+            <a:r>
+              <a:rPr lang="es-PE" sz="4800" b="1" dirty="0" err="1">
+                <a:solidFill>
+                  <a:srgbClr val="FF0000"/>
+                </a:solidFill>
+              </a:rPr>
+              <a:t>F</a:t>
+            </a:r>
+            <a:r>
+              <a:rPr lang="es-PE" sz="2800" dirty="0" err="1" smtClean="0">
+                <a:solidFill>
+                  <a:srgbClr val="FF0000"/>
+                </a:solidFill>
+              </a:rPr>
+              <a:t>ast</a:t>
+            </a:r>
+            <a:r>
+              <a:rPr lang="es-PE" sz="2800" dirty="0" smtClean="0">
+                <a:solidFill>
+                  <a:srgbClr val="FF0000"/>
+                </a:solidFill>
+              </a:rPr>
+              <a:t>: </a:t>
+            </a:r>
+            <a:r>
+              <a:rPr lang="es-PE" sz="2400" dirty="0" smtClean="0"/>
+              <a:t>Unos cuantos milisegundos en ejecutarse.</a:t>
+            </a:r>
+          </a:p>
+          <a:p>
+            <a:pPr marL="0" indent="0">
+              <a:lnSpc>
+                <a:spcPts val="5300"/>
+              </a:lnSpc>
+              <a:buNone/>
+            </a:pPr>
+            <a:r>
+              <a:rPr lang="es-PE" sz="4800" b="1" dirty="0" err="1" smtClean="0">
+                <a:solidFill>
+                  <a:srgbClr val="FF0000"/>
+                </a:solidFill>
+              </a:rPr>
+              <a:t>I</a:t>
+            </a:r>
+            <a:r>
+              <a:rPr lang="es-PE" sz="2800" dirty="0" err="1" smtClean="0">
+                <a:solidFill>
+                  <a:srgbClr val="FF0000"/>
+                </a:solidFill>
+              </a:rPr>
+              <a:t>ndependent</a:t>
+            </a:r>
+            <a:r>
+              <a:rPr lang="es-PE" sz="2800" dirty="0" smtClean="0">
+                <a:solidFill>
+                  <a:srgbClr val="FF0000"/>
+                </a:solidFill>
+              </a:rPr>
+              <a:t>: </a:t>
+            </a:r>
+            <a:r>
+              <a:rPr lang="es-PE" sz="2400" dirty="0" smtClean="0"/>
+              <a:t>Enfocarse en una única unidad de código.</a:t>
+            </a:r>
+          </a:p>
+          <a:p>
+            <a:pPr marL="2057400" indent="0">
+              <a:buNone/>
+            </a:pPr>
+            <a:r>
+              <a:rPr lang="es-PE" sz="2400" dirty="0" smtClean="0"/>
+              <a:t> No acceden a base de datos.</a:t>
+            </a:r>
+          </a:p>
+          <a:p>
+            <a:pPr marL="2057400" indent="0">
+              <a:buNone/>
+            </a:pPr>
+            <a:r>
+              <a:rPr lang="es-PE" sz="2400" dirty="0" smtClean="0"/>
+              <a:t> No </a:t>
+            </a:r>
+            <a:r>
+              <a:rPr lang="es-PE" sz="2400" dirty="0"/>
+              <a:t>afectan el resultado de otros </a:t>
+            </a:r>
+            <a:r>
+              <a:rPr lang="es-PE" sz="2400" dirty="0" err="1"/>
+              <a:t>tests</a:t>
+            </a:r>
+            <a:r>
+              <a:rPr lang="es-PE" sz="2400" dirty="0" smtClean="0"/>
+              <a:t>.</a:t>
+            </a:r>
+          </a:p>
+          <a:p>
+            <a:pPr marL="0" indent="0">
+              <a:lnSpc>
+                <a:spcPts val="5300"/>
+              </a:lnSpc>
+              <a:buNone/>
+            </a:pPr>
+            <a:r>
+              <a:rPr lang="es-PE" sz="4800" b="1" dirty="0" err="1" smtClean="0">
+                <a:solidFill>
+                  <a:srgbClr val="FF0000"/>
+                </a:solidFill>
+              </a:rPr>
+              <a:t>R</a:t>
+            </a:r>
+            <a:r>
+              <a:rPr lang="es-PE" sz="2800" dirty="0" err="1" smtClean="0">
+                <a:solidFill>
+                  <a:srgbClr val="FF0000"/>
+                </a:solidFill>
+              </a:rPr>
+              <a:t>epeatable</a:t>
+            </a:r>
+            <a:r>
+              <a:rPr lang="es-PE" sz="2800" dirty="0" smtClean="0">
+                <a:solidFill>
+                  <a:srgbClr val="FF0000"/>
+                </a:solidFill>
+              </a:rPr>
+              <a:t>: </a:t>
+            </a:r>
+            <a:r>
+              <a:rPr lang="es-PE" sz="2400" dirty="0" smtClean="0"/>
+              <a:t>Ejecutarse de manera repetitiva sin intervención.</a:t>
+            </a:r>
+          </a:p>
+          <a:p>
+            <a:pPr marL="0" indent="0">
+              <a:lnSpc>
+                <a:spcPts val="5300"/>
+              </a:lnSpc>
+              <a:buNone/>
+            </a:pPr>
+            <a:r>
+              <a:rPr lang="es-PE" sz="4800" b="1" dirty="0" smtClean="0">
+                <a:solidFill>
+                  <a:srgbClr val="FF0000"/>
+                </a:solidFill>
+              </a:rPr>
+              <a:t>S</a:t>
+            </a:r>
+            <a:r>
+              <a:rPr lang="es-PE" sz="2800" dirty="0" smtClean="0">
+                <a:solidFill>
+                  <a:srgbClr val="FF0000"/>
+                </a:solidFill>
+              </a:rPr>
+              <a:t>mall: </a:t>
+            </a:r>
+            <a:r>
+              <a:rPr lang="es-PE" sz="2400" dirty="0" smtClean="0"/>
+              <a:t>10 líneas o menos.</a:t>
+            </a:r>
+          </a:p>
+          <a:p>
+            <a:pPr marL="0" indent="0">
+              <a:lnSpc>
+                <a:spcPts val="5300"/>
+              </a:lnSpc>
+              <a:buNone/>
+            </a:pPr>
+            <a:r>
+              <a:rPr lang="es-PE" sz="4800" b="1" dirty="0" err="1">
+                <a:solidFill>
+                  <a:srgbClr val="FF0000"/>
+                </a:solidFill>
+              </a:rPr>
+              <a:t>T</a:t>
+            </a:r>
+            <a:r>
+              <a:rPr lang="es-PE" sz="2800" dirty="0" err="1" smtClean="0">
+                <a:solidFill>
+                  <a:srgbClr val="FF0000"/>
+                </a:solidFill>
+              </a:rPr>
+              <a:t>ransparent</a:t>
+            </a:r>
+            <a:r>
+              <a:rPr lang="es-PE" sz="2800" dirty="0" smtClean="0">
+                <a:solidFill>
+                  <a:srgbClr val="FF0000"/>
+                </a:solidFill>
+              </a:rPr>
+              <a:t>: </a:t>
+            </a:r>
+            <a:r>
+              <a:rPr lang="es-PE" sz="2400" dirty="0" smtClean="0"/>
+              <a:t>Comunicar claramente lo que se busca probar.</a:t>
             </a:r>
           </a:p>
         </p:txBody>
@@ -24018,21 +23742,13 @@
     </p:spTree>
     <p:extLst>
       <p:ext uri="{BB962C8B-B14F-4D97-AF65-F5344CB8AC3E}">
-        <p14:creationId xmlns:p14="http://schemas.microsoft.com/office/powerpoint/2010/main" val="3073818832"/>
+        <p14:creationId xmlns:p14="http://schemas.microsoft.com/office/powerpoint/2010/main" val="3913008988"/>
       </p:ext>
     </p:extLst>
   </p:cSld>
   <p:clrMapOvr>
     <a:masterClrMapping/>
   </p:clrMapOvr>
-  <mc:AlternateContent xmlns:mc="http://schemas.openxmlformats.org/markup-compatibility/2006" xmlns:p14="http://schemas.microsoft.com/office/powerpoint/2010/main">
-    <mc:Choice Requires="p14">
-      <p:transition spd="slow" p14:dur="2000"/>
-    </mc:Choice>
-    <mc:Fallback xmlns="">
-      <p:transition spd="slow"/>
-    </mc:Fallback>
-  </mc:AlternateContent>
   <p:timing>
     <p:tnLst>
       <p:par>
@@ -24062,643 +23778,7 @@
       </p:grpSpPr>
       <p:sp>
         <p:nvSpPr>
-          <p:cNvPr id="4" name="2 Título"/>
-          <p:cNvSpPr txBox="1">
-            <a:spLocks/>
-          </p:cNvSpPr>
-          <p:nvPr/>
-        </p:nvSpPr>
-        <p:spPr bwMode="auto">
-          <a:xfrm>
-            <a:off x="0" y="153470"/>
-            <a:ext cx="9135414" cy="1368152"/>
-          </a:xfrm>
-          <a:prstGeom prst="rect">
-            <a:avLst/>
-          </a:prstGeom>
-          <a:noFill/>
-          <a:ln w="9525">
-            <a:noFill/>
-            <a:miter lim="800000"/>
-            <a:headEnd/>
-            <a:tailEnd/>
-          </a:ln>
-        </p:spPr>
-        <p:txBody>
-          <a:bodyPr vert="horz" wrap="square" lIns="91440" tIns="45720" rIns="91440" bIns="45720" numCol="1" anchor="ctr" anchorCtr="0" compatLnSpc="1">
-            <a:prstTxWarp prst="textNoShape">
-              <a:avLst/>
-            </a:prstTxWarp>
-          </a:bodyPr>
-          <a:lstStyle>
-            <a:lvl1pPr algn="ctr" rtl="0" eaLnBrk="1" fontAlgn="base" hangingPunct="1">
-              <a:spcBef>
-                <a:spcPct val="0"/>
-              </a:spcBef>
-              <a:spcAft>
-                <a:spcPct val="0"/>
-              </a:spcAft>
-              <a:defRPr sz="4400" kern="1200">
-                <a:solidFill>
-                  <a:schemeClr val="tx1"/>
-                </a:solidFill>
-                <a:latin typeface="+mj-lt"/>
-                <a:ea typeface="+mj-ea"/>
-                <a:cs typeface="+mj-cs"/>
-              </a:defRPr>
-            </a:lvl1pPr>
-            <a:lvl2pPr algn="ctr" rtl="0" eaLnBrk="1" fontAlgn="base" hangingPunct="1">
-              <a:spcBef>
-                <a:spcPct val="0"/>
-              </a:spcBef>
-              <a:spcAft>
-                <a:spcPct val="0"/>
-              </a:spcAft>
-              <a:defRPr sz="4400">
-                <a:solidFill>
-                  <a:schemeClr val="tx1"/>
-                </a:solidFill>
-                <a:latin typeface="Calibri" pitchFamily="34" charset="0"/>
-              </a:defRPr>
-            </a:lvl2pPr>
-            <a:lvl3pPr algn="ctr" rtl="0" eaLnBrk="1" fontAlgn="base" hangingPunct="1">
-              <a:spcBef>
-                <a:spcPct val="0"/>
-              </a:spcBef>
-              <a:spcAft>
-                <a:spcPct val="0"/>
-              </a:spcAft>
-              <a:defRPr sz="4400">
-                <a:solidFill>
-                  <a:schemeClr val="tx1"/>
-                </a:solidFill>
-                <a:latin typeface="Calibri" pitchFamily="34" charset="0"/>
-              </a:defRPr>
-            </a:lvl3pPr>
-            <a:lvl4pPr algn="ctr" rtl="0" eaLnBrk="1" fontAlgn="base" hangingPunct="1">
-              <a:spcBef>
-                <a:spcPct val="0"/>
-              </a:spcBef>
-              <a:spcAft>
-                <a:spcPct val="0"/>
-              </a:spcAft>
-              <a:defRPr sz="4400">
-                <a:solidFill>
-                  <a:schemeClr val="tx1"/>
-                </a:solidFill>
-                <a:latin typeface="Calibri" pitchFamily="34" charset="0"/>
-              </a:defRPr>
-            </a:lvl4pPr>
-            <a:lvl5pPr algn="ctr" rtl="0" eaLnBrk="1" fontAlgn="base" hangingPunct="1">
-              <a:spcBef>
-                <a:spcPct val="0"/>
-              </a:spcBef>
-              <a:spcAft>
-                <a:spcPct val="0"/>
-              </a:spcAft>
-              <a:defRPr sz="4400">
-                <a:solidFill>
-                  <a:schemeClr val="tx1"/>
-                </a:solidFill>
-                <a:latin typeface="Calibri" pitchFamily="34" charset="0"/>
-              </a:defRPr>
-            </a:lvl5pPr>
-            <a:lvl6pPr marL="457200" algn="ctr" rtl="0" eaLnBrk="1" fontAlgn="base" hangingPunct="1">
-              <a:spcBef>
-                <a:spcPct val="0"/>
-              </a:spcBef>
-              <a:spcAft>
-                <a:spcPct val="0"/>
-              </a:spcAft>
-              <a:defRPr sz="4400">
-                <a:solidFill>
-                  <a:schemeClr val="tx1"/>
-                </a:solidFill>
-                <a:latin typeface="Calibri" pitchFamily="34" charset="0"/>
-              </a:defRPr>
-            </a:lvl6pPr>
-            <a:lvl7pPr marL="914400" algn="ctr" rtl="0" eaLnBrk="1" fontAlgn="base" hangingPunct="1">
-              <a:spcBef>
-                <a:spcPct val="0"/>
-              </a:spcBef>
-              <a:spcAft>
-                <a:spcPct val="0"/>
-              </a:spcAft>
-              <a:defRPr sz="4400">
-                <a:solidFill>
-                  <a:schemeClr val="tx1"/>
-                </a:solidFill>
-                <a:latin typeface="Calibri" pitchFamily="34" charset="0"/>
-              </a:defRPr>
-            </a:lvl7pPr>
-            <a:lvl8pPr marL="1371600" algn="ctr" rtl="0" eaLnBrk="1" fontAlgn="base" hangingPunct="1">
-              <a:spcBef>
-                <a:spcPct val="0"/>
-              </a:spcBef>
-              <a:spcAft>
-                <a:spcPct val="0"/>
-              </a:spcAft>
-              <a:defRPr sz="4400">
-                <a:solidFill>
-                  <a:schemeClr val="tx1"/>
-                </a:solidFill>
-                <a:latin typeface="Calibri" pitchFamily="34" charset="0"/>
-              </a:defRPr>
-            </a:lvl8pPr>
-            <a:lvl9pPr marL="1828800" algn="ctr" rtl="0" eaLnBrk="1" fontAlgn="base" hangingPunct="1">
-              <a:spcBef>
-                <a:spcPct val="0"/>
-              </a:spcBef>
-              <a:spcAft>
-                <a:spcPct val="0"/>
-              </a:spcAft>
-              <a:defRPr sz="4400">
-                <a:solidFill>
-                  <a:schemeClr val="tx1"/>
-                </a:solidFill>
-                <a:latin typeface="Calibri" pitchFamily="34" charset="0"/>
-              </a:defRPr>
-            </a:lvl9pPr>
-          </a:lstStyle>
-          <a:p>
-            <a:r>
-              <a:rPr lang="en-US" dirty="0" err="1" smtClean="0">
-                <a:solidFill>
-                  <a:srgbClr val="00823B"/>
-                </a:solidFill>
-              </a:rPr>
-              <a:t>Utilizar</a:t>
-            </a:r>
-            <a:r>
-              <a:rPr lang="en-US" dirty="0" smtClean="0">
-                <a:solidFill>
-                  <a:srgbClr val="00823B"/>
-                </a:solidFill>
-              </a:rPr>
-              <a:t> Snippets </a:t>
-            </a:r>
-            <a:r>
-              <a:rPr lang="en-US" dirty="0" err="1" smtClean="0">
-                <a:solidFill>
-                  <a:srgbClr val="00823B"/>
-                </a:solidFill>
-              </a:rPr>
-              <a:t>para</a:t>
-            </a:r>
-            <a:r>
-              <a:rPr lang="en-US" dirty="0" smtClean="0">
-                <a:solidFill>
-                  <a:srgbClr val="00823B"/>
-                </a:solidFill>
-              </a:rPr>
-              <a:t> </a:t>
-            </a:r>
-            <a:r>
-              <a:rPr lang="en-US" dirty="0" err="1" smtClean="0">
-                <a:solidFill>
-                  <a:srgbClr val="00823B"/>
-                </a:solidFill>
-              </a:rPr>
-              <a:t>aumentar</a:t>
-            </a:r>
-            <a:r>
-              <a:rPr lang="en-US" dirty="0" smtClean="0">
-                <a:solidFill>
-                  <a:srgbClr val="00823B"/>
-                </a:solidFill>
-              </a:rPr>
-              <a:t> la </a:t>
-            </a:r>
-            <a:r>
-              <a:rPr lang="en-US" dirty="0" err="1" smtClean="0">
-                <a:solidFill>
-                  <a:srgbClr val="00823B"/>
-                </a:solidFill>
-              </a:rPr>
-              <a:t>productividad</a:t>
-            </a:r>
-            <a:endParaRPr lang="en-US" dirty="0">
-              <a:solidFill>
-                <a:srgbClr val="00823B"/>
-              </a:solidFill>
-            </a:endParaRPr>
-          </a:p>
-        </p:txBody>
-      </p:sp>
-      <p:sp>
-        <p:nvSpPr>
-          <p:cNvPr id="15" name="5 Marcador de contenido"/>
-          <p:cNvSpPr txBox="1">
-            <a:spLocks/>
-          </p:cNvSpPr>
-          <p:nvPr/>
-        </p:nvSpPr>
-        <p:spPr bwMode="auto">
-          <a:xfrm>
-            <a:off x="283231" y="1539207"/>
-            <a:ext cx="8568952" cy="936104"/>
-          </a:xfrm>
-          <a:prstGeom prst="rect">
-            <a:avLst/>
-          </a:prstGeom>
-          <a:noFill/>
-          <a:ln w="9525">
-            <a:noFill/>
-            <a:miter lim="800000"/>
-            <a:headEnd/>
-            <a:tailEnd/>
-          </a:ln>
-        </p:spPr>
-        <p:txBody>
-          <a:bodyPr vert="horz" wrap="square" lIns="91440" tIns="45720" rIns="91440" bIns="45720" numCol="1" anchor="t" anchorCtr="0" compatLnSpc="1">
-            <a:prstTxWarp prst="textNoShape">
-              <a:avLst/>
-            </a:prstTxWarp>
-          </a:bodyPr>
-          <a:lstStyle>
-            <a:lvl1pPr marL="342900" indent="-342900" algn="l" rtl="0" eaLnBrk="1" fontAlgn="base" hangingPunct="1">
-              <a:spcBef>
-                <a:spcPct val="20000"/>
-              </a:spcBef>
-              <a:spcAft>
-                <a:spcPct val="0"/>
-              </a:spcAft>
-              <a:buFont typeface="Arial" charset="0"/>
-              <a:buChar char="•"/>
-              <a:defRPr sz="3200" kern="1200">
-                <a:solidFill>
-                  <a:schemeClr val="tx1"/>
-                </a:solidFill>
-                <a:latin typeface="+mn-lt"/>
-                <a:ea typeface="+mn-ea"/>
-                <a:cs typeface="+mn-cs"/>
-              </a:defRPr>
-            </a:lvl1pPr>
-            <a:lvl2pPr marL="742950" indent="-285750" algn="l" rtl="0" eaLnBrk="1" fontAlgn="base" hangingPunct="1">
-              <a:spcBef>
-                <a:spcPct val="20000"/>
-              </a:spcBef>
-              <a:spcAft>
-                <a:spcPct val="0"/>
-              </a:spcAft>
-              <a:buFont typeface="Arial" charset="0"/>
-              <a:buChar char="–"/>
-              <a:defRPr sz="2800" kern="1200">
-                <a:solidFill>
-                  <a:schemeClr val="tx1"/>
-                </a:solidFill>
-                <a:latin typeface="+mn-lt"/>
-                <a:ea typeface="+mn-ea"/>
-                <a:cs typeface="+mn-cs"/>
-              </a:defRPr>
-            </a:lvl2pPr>
-            <a:lvl3pPr marL="1143000" indent="-228600" algn="l" rtl="0" eaLnBrk="1" fontAlgn="base" hangingPunct="1">
-              <a:spcBef>
-                <a:spcPct val="20000"/>
-              </a:spcBef>
-              <a:spcAft>
-                <a:spcPct val="0"/>
-              </a:spcAft>
-              <a:buFont typeface="Arial" charset="0"/>
-              <a:buChar char="•"/>
-              <a:defRPr sz="2400" kern="1200">
-                <a:solidFill>
-                  <a:schemeClr val="tx1"/>
-                </a:solidFill>
-                <a:latin typeface="+mn-lt"/>
-                <a:ea typeface="+mn-ea"/>
-                <a:cs typeface="+mn-cs"/>
-              </a:defRPr>
-            </a:lvl3pPr>
-            <a:lvl4pPr marL="1600200" indent="-228600" algn="l" rtl="0" eaLnBrk="1" fontAlgn="base" hangingPunct="1">
-              <a:spcBef>
-                <a:spcPct val="20000"/>
-              </a:spcBef>
-              <a:spcAft>
-                <a:spcPct val="0"/>
-              </a:spcAft>
-              <a:buFont typeface="Arial" charset="0"/>
-              <a:buChar char="–"/>
-              <a:defRPr sz="2000" kern="1200">
-                <a:solidFill>
-                  <a:schemeClr val="tx1"/>
-                </a:solidFill>
-                <a:latin typeface="+mn-lt"/>
-                <a:ea typeface="+mn-ea"/>
-                <a:cs typeface="+mn-cs"/>
-              </a:defRPr>
-            </a:lvl4pPr>
-            <a:lvl5pPr marL="2057400" indent="-228600" algn="l" rtl="0" eaLnBrk="1" fontAlgn="base" hangingPunct="1">
-              <a:spcBef>
-                <a:spcPct val="20000"/>
-              </a:spcBef>
-              <a:spcAft>
-                <a:spcPct val="0"/>
-              </a:spcAft>
-              <a:buFont typeface="Arial" charset="0"/>
-              <a:buChar char="»"/>
-              <a:defRPr sz="2000" kern="1200">
-                <a:solidFill>
-                  <a:schemeClr val="tx1"/>
-                </a:solidFill>
-                <a:latin typeface="+mn-lt"/>
-                <a:ea typeface="+mn-ea"/>
-                <a:cs typeface="+mn-cs"/>
-              </a:defRPr>
-            </a:lvl5pPr>
-            <a:lvl6pPr marL="2514600" indent="-228600" algn="l" defTabSz="914400" rtl="0" eaLnBrk="1" latinLnBrk="0" hangingPunct="1">
-              <a:spcBef>
-                <a:spcPct val="20000"/>
-              </a:spcBef>
-              <a:buFont typeface="Arial" pitchFamily="34" charset="0"/>
-              <a:buChar char="•"/>
-              <a:defRPr sz="2000" kern="1200">
-                <a:solidFill>
-                  <a:schemeClr val="tx1"/>
-                </a:solidFill>
-                <a:latin typeface="+mn-lt"/>
-                <a:ea typeface="+mn-ea"/>
-                <a:cs typeface="+mn-cs"/>
-              </a:defRPr>
-            </a:lvl6pPr>
-            <a:lvl7pPr marL="2971800" indent="-228600" algn="l" defTabSz="914400" rtl="0" eaLnBrk="1" latinLnBrk="0" hangingPunct="1">
-              <a:spcBef>
-                <a:spcPct val="20000"/>
-              </a:spcBef>
-              <a:buFont typeface="Arial" pitchFamily="34" charset="0"/>
-              <a:buChar char="•"/>
-              <a:defRPr sz="2000" kern="1200">
-                <a:solidFill>
-                  <a:schemeClr val="tx1"/>
-                </a:solidFill>
-                <a:latin typeface="+mn-lt"/>
-                <a:ea typeface="+mn-ea"/>
-                <a:cs typeface="+mn-cs"/>
-              </a:defRPr>
-            </a:lvl7pPr>
-            <a:lvl8pPr marL="3429000" indent="-228600" algn="l" defTabSz="914400" rtl="0" eaLnBrk="1" latinLnBrk="0" hangingPunct="1">
-              <a:spcBef>
-                <a:spcPct val="20000"/>
-              </a:spcBef>
-              <a:buFont typeface="Arial" pitchFamily="34" charset="0"/>
-              <a:buChar char="•"/>
-              <a:defRPr sz="2000" kern="1200">
-                <a:solidFill>
-                  <a:schemeClr val="tx1"/>
-                </a:solidFill>
-                <a:latin typeface="+mn-lt"/>
-                <a:ea typeface="+mn-ea"/>
-                <a:cs typeface="+mn-cs"/>
-              </a:defRPr>
-            </a:lvl8pPr>
-            <a:lvl9pPr marL="3886200" indent="-228600" algn="l" defTabSz="914400" rtl="0" eaLnBrk="1" latinLnBrk="0" hangingPunct="1">
-              <a:spcBef>
-                <a:spcPct val="20000"/>
-              </a:spcBef>
-              <a:buFont typeface="Arial" pitchFamily="34" charset="0"/>
-              <a:buChar char="•"/>
-              <a:defRPr sz="2000" kern="1200">
-                <a:solidFill>
-                  <a:schemeClr val="tx1"/>
-                </a:solidFill>
-                <a:latin typeface="+mn-lt"/>
-                <a:ea typeface="+mn-ea"/>
-                <a:cs typeface="+mn-cs"/>
-              </a:defRPr>
-            </a:lvl9pPr>
-          </a:lstStyle>
-          <a:p>
-            <a:pPr marL="0" indent="0" algn="ctr">
-              <a:buNone/>
-            </a:pPr>
-            <a:r>
-              <a:rPr lang="es-PE" sz="2800" dirty="0" smtClean="0">
-                <a:solidFill>
-                  <a:srgbClr val="FFC000"/>
-                </a:solidFill>
-              </a:rPr>
-              <a:t>Nos permiten crear bloques de código repetitivos de manera muy rápida. </a:t>
-            </a:r>
-            <a:r>
-              <a:rPr lang="es-PE" sz="2800" dirty="0" err="1" smtClean="0">
-                <a:solidFill>
-                  <a:srgbClr val="FFC000"/>
-                </a:solidFill>
-              </a:rPr>
-              <a:t>Ejm</a:t>
-            </a:r>
-            <a:r>
-              <a:rPr lang="es-PE" sz="2800" dirty="0" smtClean="0">
-                <a:solidFill>
-                  <a:srgbClr val="FFC000"/>
-                </a:solidFill>
-              </a:rPr>
-              <a:t>: "</a:t>
-            </a:r>
-            <a:r>
-              <a:rPr lang="es-PE" sz="2800" dirty="0" err="1" smtClean="0">
-                <a:solidFill>
-                  <a:srgbClr val="FFC000"/>
-                </a:solidFill>
-              </a:rPr>
-              <a:t>Metodos</a:t>
-            </a:r>
-            <a:r>
-              <a:rPr lang="es-PE" sz="2800" dirty="0" smtClean="0">
-                <a:solidFill>
-                  <a:srgbClr val="FFC000"/>
-                </a:solidFill>
-              </a:rPr>
-              <a:t> de prueba"</a:t>
-            </a:r>
-          </a:p>
-        </p:txBody>
-      </p:sp>
-      <p:sp>
-        <p:nvSpPr>
-          <p:cNvPr id="2" name="1 CuadroTexto"/>
-          <p:cNvSpPr txBox="1"/>
-          <p:nvPr/>
-        </p:nvSpPr>
-        <p:spPr>
-          <a:xfrm>
-            <a:off x="1003119" y="2549641"/>
-            <a:ext cx="6449201" cy="861774"/>
-          </a:xfrm>
-          <a:prstGeom prst="rect">
-            <a:avLst/>
-          </a:prstGeom>
-          <a:noFill/>
-        </p:spPr>
-        <p:txBody>
-          <a:bodyPr wrap="none" rtlCol="0">
-            <a:spAutoFit/>
-          </a:bodyPr>
-          <a:lstStyle/>
-          <a:p>
-            <a:pPr marL="342900" indent="-342900">
-              <a:buFont typeface="Arial" pitchFamily="34" charset="0"/>
-              <a:buChar char="•"/>
-            </a:pPr>
-            <a:r>
-              <a:rPr lang="es-PE" sz="2500" dirty="0" smtClean="0"/>
-              <a:t>Extensión Manager: Instalar </a:t>
-            </a:r>
-            <a:r>
-              <a:rPr lang="es-PE" sz="2500" dirty="0" err="1" smtClean="0"/>
-              <a:t>Snippet</a:t>
-            </a:r>
-            <a:r>
-              <a:rPr lang="es-PE" sz="2500" dirty="0" smtClean="0"/>
-              <a:t> </a:t>
-            </a:r>
-            <a:r>
-              <a:rPr lang="es-PE" sz="2500" dirty="0" err="1" smtClean="0"/>
-              <a:t>Designer</a:t>
-            </a:r>
-            <a:endParaRPr lang="es-PE" sz="2500" dirty="0" smtClean="0"/>
-          </a:p>
-          <a:p>
-            <a:pPr marL="342900" indent="-342900">
-              <a:buFont typeface="Arial" pitchFamily="34" charset="0"/>
-              <a:buChar char="•"/>
-            </a:pPr>
-            <a:r>
-              <a:rPr lang="es-PE" sz="2500" dirty="0" err="1" smtClean="0"/>
-              <a:t>Menu</a:t>
-            </a:r>
-            <a:r>
-              <a:rPr lang="es-PE" sz="2500" dirty="0" smtClean="0"/>
-              <a:t>: File-</a:t>
-            </a:r>
-            <a:r>
-              <a:rPr lang="en-US" sz="2500" dirty="0" smtClean="0"/>
-              <a:t>&gt;New-&gt;</a:t>
-            </a:r>
-            <a:r>
-              <a:rPr lang="es-PE" sz="2500" dirty="0" smtClean="0"/>
-              <a:t>File-&gt;</a:t>
-            </a:r>
-            <a:r>
-              <a:rPr lang="es-PE" sz="2500" dirty="0" err="1" smtClean="0"/>
-              <a:t>Code</a:t>
-            </a:r>
-            <a:r>
-              <a:rPr lang="es-PE" sz="2500" dirty="0" smtClean="0"/>
-              <a:t> </a:t>
-            </a:r>
-            <a:r>
-              <a:rPr lang="es-PE" sz="2500" dirty="0" err="1" smtClean="0"/>
-              <a:t>Snippet</a:t>
-            </a:r>
-            <a:endParaRPr lang="es-PE" sz="2500" dirty="0"/>
-          </a:p>
-        </p:txBody>
-      </p:sp>
-      <p:pic>
-        <p:nvPicPr>
-          <p:cNvPr id="6146" name="Picture 2"/>
-          <p:cNvPicPr>
-            <a:picLocks noChangeAspect="1" noChangeArrowheads="1"/>
-          </p:cNvPicPr>
-          <p:nvPr/>
-        </p:nvPicPr>
-        <p:blipFill>
-          <a:blip r:embed="rId3">
-            <a:extLst>
-              <a:ext uri="{28A0092B-C50C-407E-A947-70E740481C1C}">
-                <a14:useLocalDpi xmlns:a14="http://schemas.microsoft.com/office/drawing/2010/main" val="0"/>
-              </a:ext>
-            </a:extLst>
-          </a:blip>
-          <a:srcRect/>
-          <a:stretch>
-            <a:fillRect/>
-          </a:stretch>
-        </p:blipFill>
-        <p:spPr bwMode="auto">
-          <a:xfrm>
-            <a:off x="1047526" y="3510769"/>
-            <a:ext cx="7040362" cy="3051413"/>
-          </a:xfrm>
-          <a:prstGeom prst="rect">
-            <a:avLst/>
-          </a:prstGeom>
-          <a:noFill/>
-          <a:ln>
-            <a:noFill/>
-          </a:ln>
-          <a:effectLst/>
-          <a:extLst>
-            <a:ext uri="{909E8E84-426E-40DD-AFC4-6F175D3DCCD1}">
-              <a14:hiddenFill xmlns:a14="http://schemas.microsoft.com/office/drawing/2010/main">
-                <a:solidFill>
-                  <a:schemeClr val="accent1"/>
-                </a:solidFill>
-              </a14:hiddenFill>
-            </a:ext>
-            <a:ext uri="{91240B29-F687-4F45-9708-019B960494DF}">
-              <a14:hiddenLine xmlns:a14="http://schemas.microsoft.com/office/drawing/2010/main" w="9525">
-                <a:solidFill>
-                  <a:schemeClr val="tx1"/>
-                </a:solidFill>
-                <a:miter lim="800000"/>
-                <a:headEnd/>
-                <a:tailEnd/>
-              </a14:hiddenLine>
-            </a:ext>
-            <a:ext uri="{AF507438-7753-43E0-B8FC-AC1667EBCBE1}">
-              <a14:hiddenEffects xmlns:a14="http://schemas.microsoft.com/office/drawing/2010/main">
-                <a:effectLst>
-                  <a:outerShdw dist="35921" dir="2700000" algn="ctr" rotWithShape="0">
-                    <a:schemeClr val="bg2"/>
-                  </a:outerShdw>
-                </a:effectLst>
-              </a14:hiddenEffects>
-            </a:ext>
-          </a:extLst>
-        </p:spPr>
-      </p:pic>
-    </p:spTree>
-    <p:extLst>
-      <p:ext uri="{BB962C8B-B14F-4D97-AF65-F5344CB8AC3E}">
-        <p14:creationId xmlns:p14="http://schemas.microsoft.com/office/powerpoint/2010/main" val="2592016468"/>
-      </p:ext>
-    </p:extLst>
-  </p:cSld>
-  <p:clrMapOvr>
-    <a:masterClrMapping/>
-  </p:clrMapOvr>
-  <p:timing>
-    <p:tnLst>
-      <p:par>
-        <p:cTn id="1" dur="indefinite" restart="never" nodeType="tmRoot"/>
-      </p:par>
-    </p:tnLst>
-  </p:timing>
-</p:sld>
-</file>
-
-<file path=ppt/slides/slide39.xml><?xml version="1.0" encoding="utf-8"?>
-<p:sld xmlns:a="http://schemas.openxmlformats.org/drawingml/2006/main" xmlns:r="http://schemas.openxmlformats.org/officeDocument/2006/relationships" xmlns:p="http://schemas.openxmlformats.org/presentationml/2006/main">
-  <p:cSld>
-    <p:spTree>
-      <p:nvGrpSpPr>
-        <p:cNvPr id="1" name=""/>
-        <p:cNvGrpSpPr/>
-        <p:nvPr/>
-      </p:nvGrpSpPr>
-      <p:grpSpPr>
-        <a:xfrm>
-          <a:off x="0" y="0"/>
-          <a:ext cx="0" cy="0"/>
-          <a:chOff x="0" y="0"/>
-          <a:chExt cx="0" cy="0"/>
-        </a:xfrm>
-      </p:grpSpPr>
-      <p:sp>
-        <p:nvSpPr>
-          <p:cNvPr id="5" name="2 Título"/>
+          <p:cNvPr id="3" name="2 Título"/>
           <p:cNvSpPr>
             <a:spLocks noGrp="1"/>
           </p:cNvSpPr>
@@ -24708,8 +23788,8 @@
         </p:nvSpPr>
         <p:spPr>
           <a:xfrm>
-            <a:off x="457200" y="980728"/>
-            <a:ext cx="8229600" cy="1143000"/>
+            <a:off x="524338" y="216030"/>
+            <a:ext cx="8229600" cy="724942"/>
           </a:xfrm>
         </p:spPr>
         <p:txBody>
@@ -24719,29 +23799,14 @@
             <a:r>
               <a:rPr lang="es-PE" dirty="0" smtClean="0">
                 <a:solidFill>
-                  <a:srgbClr val="FFC000"/>
-                </a:solidFill>
-              </a:rPr>
-              <a:t>Ejercicio</a:t>
-            </a:r>
-            <a:br>
-              <a:rPr lang="es-PE" dirty="0" smtClean="0">
-                <a:solidFill>
-                  <a:srgbClr val="FFC000"/>
-                </a:solidFill>
-              </a:rPr>
-            </a:br>
-            <a:r>
-              <a:rPr lang="es-PE" dirty="0" smtClean="0">
-                <a:solidFill>
-                  <a:srgbClr val="00B050"/>
-                </a:solidFill>
-              </a:rPr>
-              <a:t>Completar las Pruebas Unitarias para el resto de funcionalidades.</a:t>
+                  <a:srgbClr val="00823B"/>
+                </a:solidFill>
+              </a:rPr>
+              <a:t>Información Adicional</a:t>
             </a:r>
             <a:endParaRPr lang="es-PE" dirty="0">
               <a:solidFill>
-                <a:srgbClr val="00B050"/>
+                <a:srgbClr val="00823B"/>
               </a:solidFill>
             </a:endParaRPr>
           </a:p>
@@ -24749,217 +23814,149 @@
       </p:sp>
       <p:sp>
         <p:nvSpPr>
-          <p:cNvPr id="7" name="5 Marcador de contenido"/>
-          <p:cNvSpPr txBox="1">
-            <a:spLocks/>
-          </p:cNvSpPr>
+          <p:cNvPr id="13" name="12 CuadroTexto"/>
+          <p:cNvSpPr txBox="1"/>
           <p:nvPr/>
         </p:nvSpPr>
-        <p:spPr bwMode="auto">
+        <p:spPr>
           <a:xfrm>
-            <a:off x="611560" y="2852936"/>
-            <a:ext cx="8136904" cy="2520280"/>
+            <a:off x="209672" y="1124744"/>
+            <a:ext cx="8712968" cy="3785652"/>
           </a:xfrm>
           <a:prstGeom prst="rect">
             <a:avLst/>
           </a:prstGeom>
           <a:noFill/>
-          <a:ln w="9525">
-            <a:noFill/>
-            <a:miter lim="800000"/>
-            <a:headEnd/>
-            <a:tailEnd/>
-          </a:ln>
         </p:spPr>
         <p:txBody>
-          <a:bodyPr vert="horz" wrap="square" lIns="91440" tIns="45720" rIns="91440" bIns="45720" numCol="1" anchor="t" anchorCtr="0" compatLnSpc="1">
-            <a:prstTxWarp prst="textNoShape">
-              <a:avLst/>
-            </a:prstTxWarp>
+          <a:bodyPr wrap="square" rtlCol="0">
+            <a:spAutoFit/>
           </a:bodyPr>
-          <a:lstStyle>
-            <a:lvl1pPr marL="342900" indent="-342900" algn="l" rtl="0" eaLnBrk="1" fontAlgn="base" hangingPunct="1">
-              <a:spcBef>
-                <a:spcPct val="20000"/>
-              </a:spcBef>
-              <a:spcAft>
-                <a:spcPct val="0"/>
-              </a:spcAft>
-              <a:buFont typeface="Arial" charset="0"/>
-              <a:buChar char="•"/>
-              <a:defRPr sz="3200" kern="1200">
-                <a:solidFill>
-                  <a:schemeClr val="tx1"/>
-                </a:solidFill>
-                <a:latin typeface="+mn-lt"/>
-                <a:ea typeface="+mn-ea"/>
-                <a:cs typeface="+mn-cs"/>
-              </a:defRPr>
-            </a:lvl1pPr>
-            <a:lvl2pPr marL="742950" indent="-285750" algn="l" rtl="0" eaLnBrk="1" fontAlgn="base" hangingPunct="1">
-              <a:spcBef>
-                <a:spcPct val="20000"/>
-              </a:spcBef>
-              <a:spcAft>
-                <a:spcPct val="0"/>
-              </a:spcAft>
-              <a:buFont typeface="Arial" charset="0"/>
-              <a:buChar char="–"/>
-              <a:defRPr sz="2800" kern="1200">
-                <a:solidFill>
-                  <a:schemeClr val="tx1"/>
-                </a:solidFill>
-                <a:latin typeface="+mn-lt"/>
-                <a:ea typeface="+mn-ea"/>
-                <a:cs typeface="+mn-cs"/>
-              </a:defRPr>
-            </a:lvl2pPr>
-            <a:lvl3pPr marL="1143000" indent="-228600" algn="l" rtl="0" eaLnBrk="1" fontAlgn="base" hangingPunct="1">
-              <a:spcBef>
-                <a:spcPct val="20000"/>
-              </a:spcBef>
-              <a:spcAft>
-                <a:spcPct val="0"/>
-              </a:spcAft>
-              <a:buFont typeface="Arial" charset="0"/>
-              <a:buChar char="•"/>
-              <a:defRPr sz="2400" kern="1200">
-                <a:solidFill>
-                  <a:schemeClr val="tx1"/>
-                </a:solidFill>
-                <a:latin typeface="+mn-lt"/>
-                <a:ea typeface="+mn-ea"/>
-                <a:cs typeface="+mn-cs"/>
-              </a:defRPr>
-            </a:lvl3pPr>
-            <a:lvl4pPr marL="1600200" indent="-228600" algn="l" rtl="0" eaLnBrk="1" fontAlgn="base" hangingPunct="1">
-              <a:spcBef>
-                <a:spcPct val="20000"/>
-              </a:spcBef>
-              <a:spcAft>
-                <a:spcPct val="0"/>
-              </a:spcAft>
-              <a:buFont typeface="Arial" charset="0"/>
-              <a:buChar char="–"/>
-              <a:defRPr sz="2000" kern="1200">
-                <a:solidFill>
-                  <a:schemeClr val="tx1"/>
-                </a:solidFill>
-                <a:latin typeface="+mn-lt"/>
-                <a:ea typeface="+mn-ea"/>
-                <a:cs typeface="+mn-cs"/>
-              </a:defRPr>
-            </a:lvl4pPr>
-            <a:lvl5pPr marL="2057400" indent="-228600" algn="l" rtl="0" eaLnBrk="1" fontAlgn="base" hangingPunct="1">
-              <a:spcBef>
-                <a:spcPct val="20000"/>
-              </a:spcBef>
-              <a:spcAft>
-                <a:spcPct val="0"/>
-              </a:spcAft>
-              <a:buFont typeface="Arial" charset="0"/>
-              <a:buChar char="»"/>
-              <a:defRPr sz="2000" kern="1200">
-                <a:solidFill>
-                  <a:schemeClr val="tx1"/>
-                </a:solidFill>
-                <a:latin typeface="+mn-lt"/>
-                <a:ea typeface="+mn-ea"/>
-                <a:cs typeface="+mn-cs"/>
-              </a:defRPr>
-            </a:lvl5pPr>
-            <a:lvl6pPr marL="2514600" indent="-228600" algn="l" defTabSz="914400" rtl="0" eaLnBrk="1" latinLnBrk="0" hangingPunct="1">
-              <a:spcBef>
-                <a:spcPct val="20000"/>
-              </a:spcBef>
+          <a:lstStyle/>
+          <a:p>
+            <a:pPr marL="457200" indent="-457200">
               <a:buFont typeface="Arial" pitchFamily="34" charset="0"/>
               <a:buChar char="•"/>
-              <a:defRPr sz="2000" kern="1200">
-                <a:solidFill>
-                  <a:schemeClr val="tx1"/>
-                </a:solidFill>
-                <a:latin typeface="+mn-lt"/>
-                <a:ea typeface="+mn-ea"/>
-                <a:cs typeface="+mn-cs"/>
-              </a:defRPr>
-            </a:lvl6pPr>
-            <a:lvl7pPr marL="2971800" indent="-228600" algn="l" defTabSz="914400" rtl="0" eaLnBrk="1" latinLnBrk="0" hangingPunct="1">
-              <a:spcBef>
-                <a:spcPct val="20000"/>
-              </a:spcBef>
+            </a:pPr>
+            <a:r>
+              <a:rPr lang="es-PE" sz="2400" dirty="0" err="1" smtClean="0"/>
+              <a:t>Nunit</a:t>
+            </a:r>
+            <a:r>
+              <a:rPr lang="es-PE" sz="2400" dirty="0" smtClean="0"/>
+              <a:t>  </a:t>
+            </a:r>
+            <a:br>
+              <a:rPr lang="es-PE" sz="2400" dirty="0" smtClean="0"/>
+            </a:br>
+            <a:r>
+              <a:rPr lang="es-PE" sz="2400" dirty="0">
+                <a:solidFill>
+                  <a:srgbClr val="FFC000"/>
+                </a:solidFill>
+              </a:rPr>
+              <a:t>http://www.nunit.org</a:t>
+            </a:r>
+            <a:r>
+              <a:rPr lang="es-PE" sz="2400" dirty="0" smtClean="0">
+                <a:solidFill>
+                  <a:srgbClr val="FFC000"/>
+                </a:solidFill>
+              </a:rPr>
+              <a:t>/</a:t>
+            </a:r>
+          </a:p>
+          <a:p>
+            <a:pPr marL="457200" indent="-457200">
               <a:buFont typeface="Arial" pitchFamily="34" charset="0"/>
               <a:buChar char="•"/>
-              <a:defRPr sz="2000" kern="1200">
-                <a:solidFill>
-                  <a:schemeClr val="tx1"/>
-                </a:solidFill>
-                <a:latin typeface="+mn-lt"/>
-                <a:ea typeface="+mn-ea"/>
-                <a:cs typeface="+mn-cs"/>
-              </a:defRPr>
-            </a:lvl7pPr>
-            <a:lvl8pPr marL="3429000" indent="-228600" algn="l" defTabSz="914400" rtl="0" eaLnBrk="1" latinLnBrk="0" hangingPunct="1">
-              <a:spcBef>
-                <a:spcPct val="20000"/>
-              </a:spcBef>
+            </a:pPr>
+            <a:endParaRPr lang="es-PE" sz="2400" dirty="0" smtClean="0"/>
+          </a:p>
+          <a:p>
+            <a:pPr marL="457200" indent="-457200">
               <a:buFont typeface="Arial" pitchFamily="34" charset="0"/>
               <a:buChar char="•"/>
-              <a:defRPr sz="2000" kern="1200">
-                <a:solidFill>
-                  <a:schemeClr val="tx1"/>
-                </a:solidFill>
-                <a:latin typeface="+mn-lt"/>
-                <a:ea typeface="+mn-ea"/>
-                <a:cs typeface="+mn-cs"/>
-              </a:defRPr>
-            </a:lvl8pPr>
-            <a:lvl9pPr marL="3886200" indent="-228600" algn="l" defTabSz="914400" rtl="0" eaLnBrk="1" latinLnBrk="0" hangingPunct="1">
-              <a:spcBef>
-                <a:spcPct val="20000"/>
-              </a:spcBef>
+            </a:pPr>
+            <a:r>
+              <a:rPr lang="es-PE" sz="2400" dirty="0" err="1" smtClean="0"/>
+              <a:t>MSTests</a:t>
+            </a:r>
+            <a:r>
+              <a:rPr lang="es-PE" sz="2400" dirty="0" smtClean="0"/>
+              <a:t> vs </a:t>
+            </a:r>
+            <a:r>
+              <a:rPr lang="es-PE" sz="2400" dirty="0" err="1" smtClean="0"/>
+              <a:t>NUnit</a:t>
+            </a:r>
+            <a:r>
+              <a:rPr lang="es-PE" sz="2400" dirty="0" smtClean="0"/>
+              <a:t> </a:t>
+            </a:r>
+            <a:br>
+              <a:rPr lang="es-PE" sz="2400" dirty="0" smtClean="0"/>
+            </a:br>
+            <a:r>
+              <a:rPr lang="es-PE" sz="2400" dirty="0">
+                <a:solidFill>
+                  <a:srgbClr val="FFC000"/>
+                </a:solidFill>
+              </a:rPr>
+              <a:t>http://www.barebonescoder.com/2010/06/mstest-vs-nunit-with-visual-studio-2010-tdd/</a:t>
+            </a:r>
+          </a:p>
+          <a:p>
+            <a:pPr marL="457200" indent="-457200">
               <a:buFont typeface="Arial" pitchFamily="34" charset="0"/>
               <a:buChar char="•"/>
-              <a:defRPr sz="2000" kern="1200">
-                <a:solidFill>
-                  <a:schemeClr val="tx1"/>
-                </a:solidFill>
-                <a:latin typeface="+mn-lt"/>
-                <a:ea typeface="+mn-ea"/>
-                <a:cs typeface="+mn-cs"/>
-              </a:defRPr>
-            </a:lvl9pPr>
-          </a:lstStyle>
-          <a:p>
-            <a:r>
-              <a:rPr lang="es-PE" sz="2800" dirty="0" smtClean="0"/>
-              <a:t>Identificar el resto de funcionalidades que necesitan ser probadas y escribir sus correspondientes  casos de prueba.</a:t>
-            </a:r>
-          </a:p>
-          <a:p>
-            <a:r>
-              <a:rPr lang="es-PE" sz="2800" dirty="0"/>
-              <a:t>Crear y utilizar un </a:t>
-            </a:r>
-            <a:r>
-              <a:rPr lang="es-PE" sz="2800" dirty="0" err="1"/>
-              <a:t>snippet</a:t>
-            </a:r>
-            <a:r>
-              <a:rPr lang="es-PE" sz="2800" dirty="0"/>
-              <a:t> para crear pruebas unitarias</a:t>
-            </a:r>
-            <a:r>
-              <a:rPr lang="es-PE" sz="2800" dirty="0" smtClean="0"/>
-              <a:t>.</a:t>
-            </a:r>
-            <a:endParaRPr lang="es-PE" sz="2800" dirty="0"/>
+            </a:pPr>
+            <a:endParaRPr lang="es-PE" sz="2400" dirty="0">
+              <a:solidFill>
+                <a:srgbClr val="FFC000"/>
+              </a:solidFill>
+            </a:endParaRPr>
+          </a:p>
+          <a:p>
+            <a:pPr marL="457200" indent="-457200">
+              <a:buFont typeface="Arial" pitchFamily="34" charset="0"/>
+              <a:buChar char="•"/>
+            </a:pPr>
+            <a:r>
+              <a:rPr lang="es-PE" sz="2400" dirty="0" err="1" smtClean="0"/>
+              <a:t>MSTests</a:t>
+            </a:r>
+            <a:r>
+              <a:rPr lang="es-PE" sz="2400" dirty="0" smtClean="0"/>
+              <a:t> vs </a:t>
+            </a:r>
+            <a:r>
+              <a:rPr lang="es-PE" sz="2400" dirty="0" err="1" smtClean="0"/>
+              <a:t>NUnit</a:t>
+            </a:r>
+            <a:r>
+              <a:rPr lang="es-PE" sz="2400" dirty="0" smtClean="0"/>
+              <a:t>: Comparación </a:t>
+            </a:r>
+            <a:r>
+              <a:rPr lang="es-PE" sz="2400" dirty="0"/>
+              <a:t>de atributos </a:t>
+            </a:r>
+            <a:r>
+              <a:rPr lang="es-PE" sz="2400" dirty="0">
+                <a:solidFill>
+                  <a:srgbClr val="FFC000"/>
+                </a:solidFill>
+              </a:rPr>
+              <a:t>http://blogs.msdn.com/b/nnaderi/archive/2007/02/01/mstest-vs-nunit-frameworks.aspx</a:t>
+            </a:r>
           </a:p>
         </p:txBody>
       </p:sp>
     </p:spTree>
     <p:extLst>
       <p:ext uri="{BB962C8B-B14F-4D97-AF65-F5344CB8AC3E}">
-        <p14:creationId xmlns:p14="http://schemas.microsoft.com/office/powerpoint/2010/main" val="1032922039"/>
+        <p14:creationId xmlns:p14="http://schemas.microsoft.com/office/powerpoint/2010/main" val="4129825329"/>
       </p:ext>
     </p:extLst>
   </p:cSld>
@@ -26738,220 +25735,6 @@
 </p:sld>
 </file>
 
-<file path=ppt/slides/slide40.xml><?xml version="1.0" encoding="utf-8"?>
-<p:sld xmlns:a="http://schemas.openxmlformats.org/drawingml/2006/main" xmlns:r="http://schemas.openxmlformats.org/officeDocument/2006/relationships" xmlns:p="http://schemas.openxmlformats.org/presentationml/2006/main">
-  <p:cSld>
-    <p:spTree>
-      <p:nvGrpSpPr>
-        <p:cNvPr id="1" name=""/>
-        <p:cNvGrpSpPr/>
-        <p:nvPr/>
-      </p:nvGrpSpPr>
-      <p:grpSpPr>
-        <a:xfrm>
-          <a:off x="0" y="0"/>
-          <a:ext cx="0" cy="0"/>
-          <a:chOff x="0" y="0"/>
-          <a:chExt cx="0" cy="0"/>
-        </a:xfrm>
-      </p:grpSpPr>
-      <p:sp>
-        <p:nvSpPr>
-          <p:cNvPr id="3" name="2 Título"/>
-          <p:cNvSpPr>
-            <a:spLocks noGrp="1"/>
-          </p:cNvSpPr>
-          <p:nvPr>
-            <p:ph type="title"/>
-          </p:nvPr>
-        </p:nvSpPr>
-        <p:spPr>
-          <a:xfrm>
-            <a:off x="524338" y="216030"/>
-            <a:ext cx="8229600" cy="724942"/>
-          </a:xfrm>
-        </p:spPr>
-        <p:txBody>
-          <a:bodyPr/>
-          <a:lstStyle/>
-          <a:p>
-            <a:r>
-              <a:rPr lang="es-PE" dirty="0" smtClean="0">
-                <a:solidFill>
-                  <a:srgbClr val="00823B"/>
-                </a:solidFill>
-              </a:rPr>
-              <a:t>Información Adicional</a:t>
-            </a:r>
-            <a:endParaRPr lang="es-PE" dirty="0">
-              <a:solidFill>
-                <a:srgbClr val="00823B"/>
-              </a:solidFill>
-            </a:endParaRPr>
-          </a:p>
-        </p:txBody>
-      </p:sp>
-      <p:sp>
-        <p:nvSpPr>
-          <p:cNvPr id="13" name="12 CuadroTexto"/>
-          <p:cNvSpPr txBox="1"/>
-          <p:nvPr/>
-        </p:nvSpPr>
-        <p:spPr>
-          <a:xfrm>
-            <a:off x="209672" y="1124744"/>
-            <a:ext cx="8712968" cy="3785652"/>
-          </a:xfrm>
-          <a:prstGeom prst="rect">
-            <a:avLst/>
-          </a:prstGeom>
-          <a:noFill/>
-        </p:spPr>
-        <p:txBody>
-          <a:bodyPr wrap="square" rtlCol="0">
-            <a:spAutoFit/>
-          </a:bodyPr>
-          <a:lstStyle/>
-          <a:p>
-            <a:pPr marL="457200" indent="-457200">
-              <a:buFont typeface="Arial" pitchFamily="34" charset="0"/>
-              <a:buChar char="•"/>
-            </a:pPr>
-            <a:r>
-              <a:rPr lang="es-PE" sz="2400" dirty="0" err="1" smtClean="0"/>
-              <a:t>Nunit</a:t>
-            </a:r>
-            <a:r>
-              <a:rPr lang="es-PE" sz="2400" dirty="0" smtClean="0"/>
-              <a:t>  </a:t>
-            </a:r>
-            <a:br>
-              <a:rPr lang="es-PE" sz="2400" dirty="0" smtClean="0"/>
-            </a:br>
-            <a:r>
-              <a:rPr lang="es-PE" sz="2400" dirty="0">
-                <a:solidFill>
-                  <a:srgbClr val="FFC000"/>
-                </a:solidFill>
-              </a:rPr>
-              <a:t>http://www.nunit.org</a:t>
-            </a:r>
-            <a:r>
-              <a:rPr lang="es-PE" sz="2400" dirty="0" smtClean="0">
-                <a:solidFill>
-                  <a:srgbClr val="FFC000"/>
-                </a:solidFill>
-              </a:rPr>
-              <a:t>/</a:t>
-            </a:r>
-          </a:p>
-          <a:p>
-            <a:pPr marL="457200" indent="-457200">
-              <a:buFont typeface="Arial" pitchFamily="34" charset="0"/>
-              <a:buChar char="•"/>
-            </a:pPr>
-            <a:endParaRPr lang="es-PE" sz="2400" dirty="0" smtClean="0"/>
-          </a:p>
-          <a:p>
-            <a:pPr marL="457200" indent="-457200">
-              <a:buFont typeface="Arial" pitchFamily="34" charset="0"/>
-              <a:buChar char="•"/>
-            </a:pPr>
-            <a:r>
-              <a:rPr lang="es-PE" sz="2400" dirty="0" err="1" smtClean="0"/>
-              <a:t>MSTests</a:t>
-            </a:r>
-            <a:r>
-              <a:rPr lang="es-PE" sz="2400" dirty="0" smtClean="0"/>
-              <a:t> vs </a:t>
-            </a:r>
-            <a:r>
-              <a:rPr lang="es-PE" sz="2400" dirty="0" err="1" smtClean="0"/>
-              <a:t>NUnit</a:t>
-            </a:r>
-            <a:r>
-              <a:rPr lang="es-PE" sz="2400" dirty="0" smtClean="0"/>
-              <a:t> </a:t>
-            </a:r>
-            <a:br>
-              <a:rPr lang="es-PE" sz="2400" dirty="0" smtClean="0"/>
-            </a:br>
-            <a:r>
-              <a:rPr lang="es-PE" sz="2400" dirty="0">
-                <a:solidFill>
-                  <a:srgbClr val="FFC000"/>
-                </a:solidFill>
-              </a:rPr>
-              <a:t>http://www.barebonescoder.com/2010/06/mstest-vs-nunit-with-visual-studio-2010-tdd/</a:t>
-            </a:r>
-          </a:p>
-          <a:p>
-            <a:pPr marL="457200" indent="-457200">
-              <a:buFont typeface="Arial" pitchFamily="34" charset="0"/>
-              <a:buChar char="•"/>
-            </a:pPr>
-            <a:endParaRPr lang="es-PE" sz="2400" dirty="0">
-              <a:solidFill>
-                <a:srgbClr val="FFC000"/>
-              </a:solidFill>
-            </a:endParaRPr>
-          </a:p>
-          <a:p>
-            <a:pPr marL="457200" indent="-457200">
-              <a:buFont typeface="Arial" pitchFamily="34" charset="0"/>
-              <a:buChar char="•"/>
-            </a:pPr>
-            <a:r>
-              <a:rPr lang="es-PE" sz="2400" dirty="0" err="1" smtClean="0"/>
-              <a:t>MSTests</a:t>
-            </a:r>
-            <a:r>
-              <a:rPr lang="es-PE" sz="2400" dirty="0" smtClean="0"/>
-              <a:t> vs </a:t>
-            </a:r>
-            <a:r>
-              <a:rPr lang="es-PE" sz="2400" dirty="0" err="1" smtClean="0"/>
-              <a:t>NUnit</a:t>
-            </a:r>
-            <a:r>
-              <a:rPr lang="es-PE" sz="2400" dirty="0" smtClean="0"/>
-              <a:t>: Comparación </a:t>
-            </a:r>
-            <a:r>
-              <a:rPr lang="es-PE" sz="2400" dirty="0"/>
-              <a:t>de atributos </a:t>
-            </a:r>
-            <a:r>
-              <a:rPr lang="es-PE" sz="2400" dirty="0">
-                <a:solidFill>
-                  <a:srgbClr val="FFC000"/>
-                </a:solidFill>
-              </a:rPr>
-              <a:t>http://blogs.msdn.com/b/nnaderi/archive/2007/02/01/mstest-vs-nunit-frameworks.aspx</a:t>
-            </a:r>
-          </a:p>
-        </p:txBody>
-      </p:sp>
-    </p:spTree>
-    <p:extLst>
-      <p:ext uri="{BB962C8B-B14F-4D97-AF65-F5344CB8AC3E}">
-        <p14:creationId xmlns:p14="http://schemas.microsoft.com/office/powerpoint/2010/main" val="4129825329"/>
-      </p:ext>
-    </p:extLst>
-  </p:cSld>
-  <p:clrMapOvr>
-    <a:masterClrMapping/>
-  </p:clrMapOvr>
-  <p:timing>
-    <p:tnLst>
-      <p:par>
-        <p:cTn id="1" dur="indefinite" restart="never" nodeType="tmRoot"/>
-      </p:par>
-    </p:tnLst>
-  </p:timing>
-</p:sld>
-</file>
-
 <file path=ppt/slides/slide5.xml><?xml version="1.0" encoding="utf-8"?>
 <p:sld xmlns:a="http://schemas.openxmlformats.org/drawingml/2006/main" xmlns:r="http://schemas.openxmlformats.org/officeDocument/2006/relationships" xmlns:p="http://schemas.openxmlformats.org/presentationml/2006/main">
   <p:cSld>

--- a/Diapositivas/1. Unit Testing.pptx
+++ b/Diapositivas/1. Unit Testing.pptx
@@ -5,7 +5,7 @@
     <p:sldMasterId id="2147483684" r:id="rId1"/>
   </p:sldMasterIdLst>
   <p:notesMasterIdLst>
-    <p:notesMasterId r:id="rId40"/>
+    <p:notesMasterId r:id="rId41"/>
   </p:notesMasterIdLst>
   <p:sldIdLst>
     <p:sldId id="683" r:id="rId2"/>
@@ -44,8 +44,9 @@
     <p:sldId id="673" r:id="rId35"/>
     <p:sldId id="677" r:id="rId36"/>
     <p:sldId id="678" r:id="rId37"/>
-    <p:sldId id="684" r:id="rId38"/>
-    <p:sldId id="654" r:id="rId39"/>
+    <p:sldId id="686" r:id="rId38"/>
+    <p:sldId id="684" r:id="rId39"/>
+    <p:sldId id="654" r:id="rId40"/>
   </p:sldIdLst>
   <p:sldSz cx="9144000" cy="6858000" type="screen4x3"/>
   <p:notesSz cx="6858000" cy="9144000"/>
@@ -245,7 +246,7 @@
           <a:p>
             <a:fld id="{63D5FC4C-9EE1-4746-A368-724F618FC790}" type="datetimeFigureOut">
               <a:rPr lang="es-PE" smtClean="0"/>
-              <a:t>26/01/2013</a:t>
+              <a:t>04/02/2013</a:t>
             </a:fld>
             <a:endParaRPr lang="es-PE"/>
           </a:p>
@@ -1001,6 +1002,23 @@
               <a:buNone/>
             </a:pPr>
             <a:r>
+              <a:rPr lang="es-PE" noProof="0" dirty="0" smtClean="0"/>
+              <a:t>Cada prueba es independiente de la otra y se ejecutan en un orden totalmente aleatorio.</a:t>
+            </a:r>
+          </a:p>
+          <a:p>
+            <a:pPr marL="0" indent="0">
+              <a:buFontTx/>
+              <a:buNone/>
+            </a:pPr>
+            <a:endParaRPr lang="es-PE" noProof="0" dirty="0" smtClean="0"/>
+          </a:p>
+          <a:p>
+            <a:pPr marL="0" indent="0">
+              <a:buFontTx/>
+              <a:buNone/>
+            </a:pPr>
+            <a:r>
               <a:rPr lang="es-PE" noProof="0" dirty="0" err="1" smtClean="0"/>
               <a:t>TestClass</a:t>
             </a:r>
@@ -1221,38 +1239,6 @@
           <a:bodyPr/>
           <a:lstStyle/>
           <a:p>
-            <a:pPr marL="0" marR="0" indent="0" algn="l" defTabSz="914400" rtl="0" eaLnBrk="1" fontAlgn="auto" latinLnBrk="0" hangingPunct="1">
-              <a:lnSpc>
-                <a:spcPct val="100000"/>
-              </a:lnSpc>
-              <a:spcBef>
-                <a:spcPts val="0"/>
-              </a:spcBef>
-              <a:spcAft>
-                <a:spcPts val="0"/>
-              </a:spcAft>
-              <a:buClrTx/>
-              <a:buSzTx/>
-              <a:buFontTx/>
-              <a:buNone/>
-              <a:tabLst/>
-              <a:defRPr/>
-            </a:pPr>
-            <a:r>
-              <a:rPr lang="es-PE" b="0" u="none" baseline="0" noProof="0" dirty="0" smtClean="0"/>
-              <a:t>Las frameworks nos proveen estos métodos, y existen varias </a:t>
-            </a:r>
-            <a:r>
-              <a:rPr lang="es-PE" b="0" u="none" baseline="0" noProof="0" dirty="0" err="1" smtClean="0"/>
-              <a:t>sobreescrituras</a:t>
-            </a:r>
-            <a:r>
-              <a:rPr lang="es-PE" b="0" u="none" baseline="0" noProof="0" dirty="0" smtClean="0"/>
-              <a:t> de estos para verificar casi cualquier caso.</a:t>
-            </a:r>
-            <a:endParaRPr lang="es-PE" b="0" u="none" noProof="0" dirty="0" smtClean="0"/>
-          </a:p>
-          <a:p>
             <a:endParaRPr lang="es-PE" noProof="0" dirty="0"/>
           </a:p>
         </p:txBody>
@@ -5879,370 +5865,6 @@
           <a:bodyPr/>
           <a:lstStyle/>
           <a:p>
-            <a:r>
-              <a:rPr lang="en-US" sz="1200" b="0" i="0" kern="1200" dirty="0" smtClean="0">
-                <a:solidFill>
-                  <a:schemeClr val="tx1"/>
-                </a:solidFill>
-                <a:effectLst/>
-                <a:latin typeface="+mn-lt"/>
-                <a:ea typeface="+mn-ea"/>
-                <a:cs typeface="+mn-cs"/>
-              </a:rPr>
-              <a:t>Small: 10 lines or less, ideally</a:t>
-            </a:r>
-          </a:p>
-          <a:p>
-            <a:r>
-              <a:rPr lang="en-US" sz="1200" b="0" i="0" kern="1200" dirty="0" smtClean="0">
-                <a:solidFill>
-                  <a:schemeClr val="tx1"/>
-                </a:solidFill>
-                <a:effectLst/>
-                <a:latin typeface="+mn-lt"/>
-                <a:ea typeface="+mn-ea"/>
-                <a:cs typeface="+mn-cs"/>
-              </a:rPr>
-              <a:t>Precise: Checks </a:t>
-            </a:r>
-            <a:r>
-              <a:rPr lang="en-US" sz="1200" b="1" i="0" kern="1200" dirty="0" smtClean="0">
-                <a:solidFill>
-                  <a:schemeClr val="tx1"/>
-                </a:solidFill>
-                <a:effectLst/>
-                <a:latin typeface="+mn-lt"/>
-                <a:ea typeface="+mn-ea"/>
-                <a:cs typeface="+mn-cs"/>
-              </a:rPr>
-              <a:t>one</a:t>
-            </a:r>
-            <a:r>
-              <a:rPr lang="en-US" sz="1200" b="0" i="0" kern="1200" dirty="0" smtClean="0">
-                <a:solidFill>
-                  <a:schemeClr val="tx1"/>
-                </a:solidFill>
-                <a:effectLst/>
-                <a:latin typeface="+mn-lt"/>
-                <a:ea typeface="+mn-ea"/>
-                <a:cs typeface="+mn-cs"/>
-              </a:rPr>
-              <a:t> behavior of </a:t>
-            </a:r>
-            <a:r>
-              <a:rPr lang="en-US" sz="1200" b="1" i="0" kern="1200" dirty="0" smtClean="0">
-                <a:solidFill>
-                  <a:schemeClr val="tx1"/>
-                </a:solidFill>
-                <a:effectLst/>
-                <a:latin typeface="+mn-lt"/>
-                <a:ea typeface="+mn-ea"/>
-                <a:cs typeface="+mn-cs"/>
-              </a:rPr>
-              <a:t>one</a:t>
-            </a:r>
-            <a:r>
-              <a:rPr lang="en-US" sz="1200" b="0" i="0" kern="1200" dirty="0" smtClean="0">
-                <a:solidFill>
-                  <a:schemeClr val="tx1"/>
-                </a:solidFill>
-                <a:effectLst/>
-                <a:latin typeface="+mn-lt"/>
-                <a:ea typeface="+mn-ea"/>
-                <a:cs typeface="+mn-cs"/>
-              </a:rPr>
-              <a:t> class</a:t>
-            </a:r>
-          </a:p>
-          <a:p>
-            <a:r>
-              <a:rPr lang="en-US" sz="1200" b="0" i="0" kern="1200" dirty="0" smtClean="0">
-                <a:solidFill>
-                  <a:schemeClr val="tx1"/>
-                </a:solidFill>
-                <a:effectLst/>
-                <a:latin typeface="+mn-lt"/>
-                <a:ea typeface="+mn-ea"/>
-                <a:cs typeface="+mn-cs"/>
-              </a:rPr>
-              <a:t>Isolated: Doesn't affect other tests</a:t>
-            </a:r>
-          </a:p>
-          <a:p>
-            <a:r>
-              <a:rPr lang="en-US" sz="1200" b="0" i="0" kern="1200" dirty="0" smtClean="0">
-                <a:solidFill>
-                  <a:schemeClr val="tx1"/>
-                </a:solidFill>
-                <a:effectLst/>
-                <a:latin typeface="+mn-lt"/>
-                <a:ea typeface="+mn-ea"/>
-                <a:cs typeface="+mn-cs"/>
-              </a:rPr>
-              <a:t>Fast: Takes milliseconds to run</a:t>
-            </a:r>
-          </a:p>
-          <a:p>
-            <a:r>
-              <a:rPr lang="en-US" sz="1200" b="0" i="0" kern="1200" dirty="0" smtClean="0">
-                <a:solidFill>
-                  <a:schemeClr val="tx1"/>
-                </a:solidFill>
-                <a:effectLst/>
-                <a:latin typeface="+mn-lt"/>
-                <a:ea typeface="+mn-ea"/>
-                <a:cs typeface="+mn-cs"/>
-              </a:rPr>
-              <a:t>Frequently Run: Every time you make a change</a:t>
-            </a:r>
-          </a:p>
-          <a:p>
-            <a:endParaRPr lang="en-US" sz="1200" b="0" i="0" kern="1200" dirty="0" smtClean="0">
-              <a:solidFill>
-                <a:schemeClr val="tx1"/>
-              </a:solidFill>
-              <a:effectLst/>
-              <a:latin typeface="+mn-lt"/>
-              <a:ea typeface="+mn-ea"/>
-              <a:cs typeface="+mn-cs"/>
-            </a:endParaRPr>
-          </a:p>
-          <a:p>
-            <a:r>
-              <a:rPr lang="en-US" sz="1200" b="1" i="0" kern="1200" dirty="0" smtClean="0">
-                <a:solidFill>
-                  <a:schemeClr val="tx1"/>
-                </a:solidFill>
-                <a:effectLst/>
-                <a:latin typeface="+mn-lt"/>
-                <a:ea typeface="+mn-ea"/>
-                <a:cs typeface="+mn-cs"/>
-              </a:rPr>
-              <a:t>Isolated</a:t>
-            </a:r>
-            <a:r>
-              <a:rPr lang="en-US" sz="1200" b="0" i="0" kern="1200" dirty="0" smtClean="0">
-                <a:solidFill>
-                  <a:schemeClr val="tx1"/>
-                </a:solidFill>
-                <a:effectLst/>
-                <a:latin typeface="+mn-lt"/>
-                <a:ea typeface="+mn-ea"/>
-                <a:cs typeface="+mn-cs"/>
-              </a:rPr>
-              <a:t>: Tests isolate failures. A developer should never have to reverse-engineer tests or the code being tested to know what went wrong. Each test class name and test method name with the text of the assertion should state exactly what is wrong and where. If a test does not isolate failures, it is best to replace that test with smaller, more-specific tests.</a:t>
-            </a:r>
-            <a:r>
-              <a:rPr lang="en-US" dirty="0" smtClean="0"/>
-              <a:t/>
-            </a:r>
-            <a:br>
-              <a:rPr lang="en-US" dirty="0" smtClean="0"/>
-            </a:br>
-            <a:r>
-              <a:rPr lang="en-US" dirty="0" smtClean="0"/>
-              <a:t/>
-            </a:r>
-            <a:br>
-              <a:rPr lang="en-US" dirty="0" smtClean="0"/>
-            </a:br>
-            <a:r>
-              <a:rPr lang="en-US" sz="1200" b="0" i="0" kern="1200" dirty="0" smtClean="0">
-                <a:solidFill>
-                  <a:schemeClr val="tx1"/>
-                </a:solidFill>
-                <a:effectLst/>
-                <a:latin typeface="+mn-lt"/>
-                <a:ea typeface="+mn-ea"/>
-                <a:cs typeface="+mn-cs"/>
-              </a:rPr>
-              <a:t>A good unit test has a laser-tight focus on a single effect or decision in the system under test. And that system under test tends to be a single part of a single method on a single class (hence "unit").</a:t>
-            </a:r>
-            <a:r>
-              <a:rPr lang="en-US" dirty="0" smtClean="0"/>
-              <a:t/>
-            </a:r>
-            <a:br>
-              <a:rPr lang="en-US" dirty="0" smtClean="0"/>
-            </a:br>
-            <a:r>
-              <a:rPr lang="en-US" dirty="0" smtClean="0"/>
-              <a:t/>
-            </a:r>
-            <a:br>
-              <a:rPr lang="en-US" dirty="0" smtClean="0"/>
-            </a:br>
-            <a:r>
-              <a:rPr lang="en-US" sz="1200" b="0" i="0" kern="1200" dirty="0" smtClean="0">
-                <a:solidFill>
-                  <a:schemeClr val="tx1"/>
-                </a:solidFill>
-                <a:effectLst/>
-                <a:latin typeface="+mn-lt"/>
-                <a:ea typeface="+mn-ea"/>
-                <a:cs typeface="+mn-cs"/>
-              </a:rPr>
-              <a:t>Tests must not have any order-of-run dependency. They should pass or fail the same way in suite or when run individually. Each suite should be re-runnable (every minute or so) even if tests are renamed or reordered randomly. Good tests interferes with no other tests in any way. They impose their initial state without aid from other tests. They clean up after themselves.</a:t>
-            </a:r>
-            <a:r>
-              <a:rPr lang="en-US" dirty="0" smtClean="0"/>
-              <a:t/>
-            </a:r>
-            <a:br>
-              <a:rPr lang="en-US" dirty="0" smtClean="0"/>
-            </a:br>
-            <a:r>
-              <a:rPr lang="en-US" dirty="0" smtClean="0"/>
-              <a:t/>
-            </a:r>
-            <a:br>
-              <a:rPr lang="en-US" dirty="0" smtClean="0"/>
-            </a:br>
-            <a:r>
-              <a:rPr lang="en-US" sz="1200" b="1" i="0" kern="1200" dirty="0" smtClean="0">
-                <a:solidFill>
-                  <a:schemeClr val="tx1"/>
-                </a:solidFill>
-                <a:effectLst/>
-                <a:latin typeface="+mn-lt"/>
-                <a:ea typeface="+mn-ea"/>
-                <a:cs typeface="+mn-cs"/>
-              </a:rPr>
-              <a:t>Repeatable</a:t>
-            </a:r>
-            <a:r>
-              <a:rPr lang="en-US" sz="1200" b="0" i="0" kern="1200" dirty="0" smtClean="0">
-                <a:solidFill>
-                  <a:schemeClr val="tx1"/>
-                </a:solidFill>
-                <a:effectLst/>
-                <a:latin typeface="+mn-lt"/>
-                <a:ea typeface="+mn-ea"/>
-                <a:cs typeface="+mn-cs"/>
-              </a:rPr>
-              <a:t>: Tests must be able to be run repeatedly without intervention. They must not depend upon any assumed initial state, they must not leave any residue behind that would prevent them from being re-run. This is particularly important when one considers resources outside of the program's memory, like databases and files and shared memory segments.</a:t>
-            </a:r>
-            <a:r>
-              <a:rPr lang="en-US" dirty="0" smtClean="0"/>
-              <a:t/>
-            </a:r>
-            <a:br>
-              <a:rPr lang="en-US" dirty="0" smtClean="0"/>
-            </a:br>
-            <a:r>
-              <a:rPr lang="en-US" dirty="0" smtClean="0"/>
-              <a:t/>
-            </a:r>
-            <a:br>
-              <a:rPr lang="en-US" dirty="0" smtClean="0"/>
-            </a:br>
-            <a:r>
-              <a:rPr lang="en-US" sz="1200" b="0" i="0" kern="1200" dirty="0" smtClean="0">
-                <a:solidFill>
-                  <a:schemeClr val="tx1"/>
-                </a:solidFill>
-                <a:effectLst/>
-                <a:latin typeface="+mn-lt"/>
-                <a:ea typeface="+mn-ea"/>
-                <a:cs typeface="+mn-cs"/>
-              </a:rPr>
-              <a:t>Repeatable tests do not depend on external services or resources that might not always be available. They run whether or not the network is up, and whether or not they are in the development server's network environment. </a:t>
-            </a:r>
-            <a:r>
-              <a:rPr lang="en-US" sz="1200" b="0" i="1" kern="1200" dirty="0" smtClean="0">
-                <a:solidFill>
-                  <a:schemeClr val="tx1"/>
-                </a:solidFill>
-                <a:effectLst/>
-                <a:latin typeface="+mn-lt"/>
-                <a:ea typeface="+mn-ea"/>
-                <a:cs typeface="+mn-cs"/>
-              </a:rPr>
-              <a:t>Unit</a:t>
-            </a:r>
-            <a:r>
-              <a:rPr lang="en-US" sz="1200" b="0" i="0" kern="1200" dirty="0" smtClean="0">
-                <a:solidFill>
-                  <a:schemeClr val="tx1"/>
-                </a:solidFill>
-                <a:effectLst/>
-                <a:latin typeface="+mn-lt"/>
-                <a:ea typeface="+mn-ea"/>
-                <a:cs typeface="+mn-cs"/>
-              </a:rPr>
-              <a:t> tests do not test external systems.</a:t>
-            </a:r>
-            <a:r>
-              <a:rPr lang="en-US" dirty="0" smtClean="0"/>
-              <a:t/>
-            </a:r>
-            <a:br>
-              <a:rPr lang="en-US" dirty="0" smtClean="0"/>
-            </a:br>
-            <a:r>
-              <a:rPr lang="en-US" dirty="0" smtClean="0"/>
-              <a:t/>
-            </a:r>
-            <a:br>
-              <a:rPr lang="en-US" dirty="0" smtClean="0"/>
-            </a:br>
-            <a:r>
-              <a:rPr lang="en-US" sz="1200" b="1" i="0" kern="1200" dirty="0" smtClean="0">
-                <a:solidFill>
-                  <a:schemeClr val="tx1"/>
-                </a:solidFill>
-                <a:effectLst/>
-                <a:latin typeface="+mn-lt"/>
-                <a:ea typeface="+mn-ea"/>
-                <a:cs typeface="+mn-cs"/>
-              </a:rPr>
-              <a:t>Self-validating</a:t>
-            </a:r>
-            <a:r>
-              <a:rPr lang="en-US" sz="1200" b="0" i="0" kern="1200" dirty="0" smtClean="0">
-                <a:solidFill>
-                  <a:schemeClr val="tx1"/>
-                </a:solidFill>
-                <a:effectLst/>
-                <a:latin typeface="+mn-lt"/>
-                <a:ea typeface="+mn-ea"/>
-                <a:cs typeface="+mn-cs"/>
-              </a:rPr>
-              <a:t>: Tests are pass-fail. No agency must examine the results to determine if they are valid and reasonable. Authors avoid over-specification so that peripheral changes do not affect the ability of assertions to determine whether tests pass or fail.</a:t>
-            </a:r>
-            <a:r>
-              <a:rPr lang="en-US" dirty="0" smtClean="0"/>
-              <a:t/>
-            </a:r>
-            <a:br>
-              <a:rPr lang="en-US" dirty="0" smtClean="0"/>
-            </a:br>
-            <a:endParaRPr lang="en-US" sz="1200" b="0" i="0" kern="1200" dirty="0" smtClean="0">
-              <a:solidFill>
-                <a:schemeClr val="tx1"/>
-              </a:solidFill>
-              <a:effectLst/>
-              <a:latin typeface="+mn-lt"/>
-              <a:ea typeface="+mn-ea"/>
-              <a:cs typeface="+mn-cs"/>
-            </a:endParaRPr>
-          </a:p>
-          <a:p>
-            <a:endParaRPr lang="en-US" sz="1200" b="0" i="0" kern="1200" dirty="0" smtClean="0">
-              <a:solidFill>
-                <a:schemeClr val="tx1"/>
-              </a:solidFill>
-              <a:effectLst/>
-              <a:latin typeface="+mn-lt"/>
-              <a:ea typeface="+mn-ea"/>
-              <a:cs typeface="+mn-cs"/>
-            </a:endParaRPr>
-          </a:p>
-          <a:p>
-            <a:pPr marL="0" indent="0">
-              <a:buFontTx/>
-              <a:buNone/>
-            </a:pPr>
             <a:endParaRPr lang="es-PE" dirty="0"/>
           </a:p>
         </p:txBody>
@@ -6327,6 +5949,370 @@
           <a:bodyPr/>
           <a:lstStyle/>
           <a:p>
+            <a:r>
+              <a:rPr lang="en-US" sz="1200" b="0" i="0" kern="1200" dirty="0" smtClean="0">
+                <a:solidFill>
+                  <a:schemeClr val="tx1"/>
+                </a:solidFill>
+                <a:effectLst/>
+                <a:latin typeface="+mn-lt"/>
+                <a:ea typeface="+mn-ea"/>
+                <a:cs typeface="+mn-cs"/>
+              </a:rPr>
+              <a:t>Small: 10 lines or less, ideally</a:t>
+            </a:r>
+          </a:p>
+          <a:p>
+            <a:r>
+              <a:rPr lang="en-US" sz="1200" b="0" i="0" kern="1200" dirty="0" smtClean="0">
+                <a:solidFill>
+                  <a:schemeClr val="tx1"/>
+                </a:solidFill>
+                <a:effectLst/>
+                <a:latin typeface="+mn-lt"/>
+                <a:ea typeface="+mn-ea"/>
+                <a:cs typeface="+mn-cs"/>
+              </a:rPr>
+              <a:t>Precise: Checks </a:t>
+            </a:r>
+            <a:r>
+              <a:rPr lang="en-US" sz="1200" b="1" i="0" kern="1200" dirty="0" smtClean="0">
+                <a:solidFill>
+                  <a:schemeClr val="tx1"/>
+                </a:solidFill>
+                <a:effectLst/>
+                <a:latin typeface="+mn-lt"/>
+                <a:ea typeface="+mn-ea"/>
+                <a:cs typeface="+mn-cs"/>
+              </a:rPr>
+              <a:t>one</a:t>
+            </a:r>
+            <a:r>
+              <a:rPr lang="en-US" sz="1200" b="0" i="0" kern="1200" dirty="0" smtClean="0">
+                <a:solidFill>
+                  <a:schemeClr val="tx1"/>
+                </a:solidFill>
+                <a:effectLst/>
+                <a:latin typeface="+mn-lt"/>
+                <a:ea typeface="+mn-ea"/>
+                <a:cs typeface="+mn-cs"/>
+              </a:rPr>
+              <a:t> behavior of </a:t>
+            </a:r>
+            <a:r>
+              <a:rPr lang="en-US" sz="1200" b="1" i="0" kern="1200" dirty="0" smtClean="0">
+                <a:solidFill>
+                  <a:schemeClr val="tx1"/>
+                </a:solidFill>
+                <a:effectLst/>
+                <a:latin typeface="+mn-lt"/>
+                <a:ea typeface="+mn-ea"/>
+                <a:cs typeface="+mn-cs"/>
+              </a:rPr>
+              <a:t>one</a:t>
+            </a:r>
+            <a:r>
+              <a:rPr lang="en-US" sz="1200" b="0" i="0" kern="1200" dirty="0" smtClean="0">
+                <a:solidFill>
+                  <a:schemeClr val="tx1"/>
+                </a:solidFill>
+                <a:effectLst/>
+                <a:latin typeface="+mn-lt"/>
+                <a:ea typeface="+mn-ea"/>
+                <a:cs typeface="+mn-cs"/>
+              </a:rPr>
+              <a:t> class</a:t>
+            </a:r>
+          </a:p>
+          <a:p>
+            <a:r>
+              <a:rPr lang="en-US" sz="1200" b="0" i="0" kern="1200" dirty="0" smtClean="0">
+                <a:solidFill>
+                  <a:schemeClr val="tx1"/>
+                </a:solidFill>
+                <a:effectLst/>
+                <a:latin typeface="+mn-lt"/>
+                <a:ea typeface="+mn-ea"/>
+                <a:cs typeface="+mn-cs"/>
+              </a:rPr>
+              <a:t>Isolated: Doesn't affect other tests</a:t>
+            </a:r>
+          </a:p>
+          <a:p>
+            <a:r>
+              <a:rPr lang="en-US" sz="1200" b="0" i="0" kern="1200" dirty="0" smtClean="0">
+                <a:solidFill>
+                  <a:schemeClr val="tx1"/>
+                </a:solidFill>
+                <a:effectLst/>
+                <a:latin typeface="+mn-lt"/>
+                <a:ea typeface="+mn-ea"/>
+                <a:cs typeface="+mn-cs"/>
+              </a:rPr>
+              <a:t>Fast: Takes milliseconds to run</a:t>
+            </a:r>
+          </a:p>
+          <a:p>
+            <a:r>
+              <a:rPr lang="en-US" sz="1200" b="0" i="0" kern="1200" dirty="0" smtClean="0">
+                <a:solidFill>
+                  <a:schemeClr val="tx1"/>
+                </a:solidFill>
+                <a:effectLst/>
+                <a:latin typeface="+mn-lt"/>
+                <a:ea typeface="+mn-ea"/>
+                <a:cs typeface="+mn-cs"/>
+              </a:rPr>
+              <a:t>Frequently Run: Every time you make a change</a:t>
+            </a:r>
+          </a:p>
+          <a:p>
+            <a:endParaRPr lang="en-US" sz="1200" b="0" i="0" kern="1200" dirty="0" smtClean="0">
+              <a:solidFill>
+                <a:schemeClr val="tx1"/>
+              </a:solidFill>
+              <a:effectLst/>
+              <a:latin typeface="+mn-lt"/>
+              <a:ea typeface="+mn-ea"/>
+              <a:cs typeface="+mn-cs"/>
+            </a:endParaRPr>
+          </a:p>
+          <a:p>
+            <a:r>
+              <a:rPr lang="en-US" sz="1200" b="1" i="0" kern="1200" dirty="0" smtClean="0">
+                <a:solidFill>
+                  <a:schemeClr val="tx1"/>
+                </a:solidFill>
+                <a:effectLst/>
+                <a:latin typeface="+mn-lt"/>
+                <a:ea typeface="+mn-ea"/>
+                <a:cs typeface="+mn-cs"/>
+              </a:rPr>
+              <a:t>Isolated</a:t>
+            </a:r>
+            <a:r>
+              <a:rPr lang="en-US" sz="1200" b="0" i="0" kern="1200" dirty="0" smtClean="0">
+                <a:solidFill>
+                  <a:schemeClr val="tx1"/>
+                </a:solidFill>
+                <a:effectLst/>
+                <a:latin typeface="+mn-lt"/>
+                <a:ea typeface="+mn-ea"/>
+                <a:cs typeface="+mn-cs"/>
+              </a:rPr>
+              <a:t>: Tests isolate failures. A developer should never have to reverse-engineer tests or the code being tested to know what went wrong. Each test class name and test method name with the text of the assertion should state exactly what is wrong and where. If a test does not isolate failures, it is best to replace that test with smaller, more-specific tests.</a:t>
+            </a:r>
+            <a:r>
+              <a:rPr lang="en-US" dirty="0" smtClean="0"/>
+              <a:t/>
+            </a:r>
+            <a:br>
+              <a:rPr lang="en-US" dirty="0" smtClean="0"/>
+            </a:br>
+            <a:r>
+              <a:rPr lang="en-US" dirty="0" smtClean="0"/>
+              <a:t/>
+            </a:r>
+            <a:br>
+              <a:rPr lang="en-US" dirty="0" smtClean="0"/>
+            </a:br>
+            <a:r>
+              <a:rPr lang="en-US" sz="1200" b="0" i="0" kern="1200" dirty="0" smtClean="0">
+                <a:solidFill>
+                  <a:schemeClr val="tx1"/>
+                </a:solidFill>
+                <a:effectLst/>
+                <a:latin typeface="+mn-lt"/>
+                <a:ea typeface="+mn-ea"/>
+                <a:cs typeface="+mn-cs"/>
+              </a:rPr>
+              <a:t>A good unit test has a laser-tight focus on a single effect or decision in the system under test. And that system under test tends to be a single part of a single method on a single class (hence "unit").</a:t>
+            </a:r>
+            <a:r>
+              <a:rPr lang="en-US" dirty="0" smtClean="0"/>
+              <a:t/>
+            </a:r>
+            <a:br>
+              <a:rPr lang="en-US" dirty="0" smtClean="0"/>
+            </a:br>
+            <a:r>
+              <a:rPr lang="en-US" dirty="0" smtClean="0"/>
+              <a:t/>
+            </a:r>
+            <a:br>
+              <a:rPr lang="en-US" dirty="0" smtClean="0"/>
+            </a:br>
+            <a:r>
+              <a:rPr lang="en-US" sz="1200" b="0" i="0" kern="1200" dirty="0" smtClean="0">
+                <a:solidFill>
+                  <a:schemeClr val="tx1"/>
+                </a:solidFill>
+                <a:effectLst/>
+                <a:latin typeface="+mn-lt"/>
+                <a:ea typeface="+mn-ea"/>
+                <a:cs typeface="+mn-cs"/>
+              </a:rPr>
+              <a:t>Tests must not have any order-of-run dependency. They should pass or fail the same way in suite or when run individually. Each suite should be re-runnable (every minute or so) even if tests are renamed or reordered randomly. Good tests interferes with no other tests in any way. They impose their initial state without aid from other tests. They clean up after themselves.</a:t>
+            </a:r>
+            <a:r>
+              <a:rPr lang="en-US" dirty="0" smtClean="0"/>
+              <a:t/>
+            </a:r>
+            <a:br>
+              <a:rPr lang="en-US" dirty="0" smtClean="0"/>
+            </a:br>
+            <a:r>
+              <a:rPr lang="en-US" dirty="0" smtClean="0"/>
+              <a:t/>
+            </a:r>
+            <a:br>
+              <a:rPr lang="en-US" dirty="0" smtClean="0"/>
+            </a:br>
+            <a:r>
+              <a:rPr lang="en-US" sz="1200" b="1" i="0" kern="1200" dirty="0" smtClean="0">
+                <a:solidFill>
+                  <a:schemeClr val="tx1"/>
+                </a:solidFill>
+                <a:effectLst/>
+                <a:latin typeface="+mn-lt"/>
+                <a:ea typeface="+mn-ea"/>
+                <a:cs typeface="+mn-cs"/>
+              </a:rPr>
+              <a:t>Repeatable</a:t>
+            </a:r>
+            <a:r>
+              <a:rPr lang="en-US" sz="1200" b="0" i="0" kern="1200" dirty="0" smtClean="0">
+                <a:solidFill>
+                  <a:schemeClr val="tx1"/>
+                </a:solidFill>
+                <a:effectLst/>
+                <a:latin typeface="+mn-lt"/>
+                <a:ea typeface="+mn-ea"/>
+                <a:cs typeface="+mn-cs"/>
+              </a:rPr>
+              <a:t>: Tests must be able to be run repeatedly without intervention. They must not depend upon any assumed initial state, they must not leave any residue behind that would prevent them from being re-run. This is particularly important when one considers resources outside of the program's memory, like databases and files and shared memory segments.</a:t>
+            </a:r>
+            <a:r>
+              <a:rPr lang="en-US" dirty="0" smtClean="0"/>
+              <a:t/>
+            </a:r>
+            <a:br>
+              <a:rPr lang="en-US" dirty="0" smtClean="0"/>
+            </a:br>
+            <a:r>
+              <a:rPr lang="en-US" dirty="0" smtClean="0"/>
+              <a:t/>
+            </a:r>
+            <a:br>
+              <a:rPr lang="en-US" dirty="0" smtClean="0"/>
+            </a:br>
+            <a:r>
+              <a:rPr lang="en-US" sz="1200" b="0" i="0" kern="1200" dirty="0" smtClean="0">
+                <a:solidFill>
+                  <a:schemeClr val="tx1"/>
+                </a:solidFill>
+                <a:effectLst/>
+                <a:latin typeface="+mn-lt"/>
+                <a:ea typeface="+mn-ea"/>
+                <a:cs typeface="+mn-cs"/>
+              </a:rPr>
+              <a:t>Repeatable tests do not depend on external services or resources that might not always be available. They run whether or not the network is up, and whether or not they are in the development server's network environment. </a:t>
+            </a:r>
+            <a:r>
+              <a:rPr lang="en-US" sz="1200" b="0" i="1" kern="1200" dirty="0" smtClean="0">
+                <a:solidFill>
+                  <a:schemeClr val="tx1"/>
+                </a:solidFill>
+                <a:effectLst/>
+                <a:latin typeface="+mn-lt"/>
+                <a:ea typeface="+mn-ea"/>
+                <a:cs typeface="+mn-cs"/>
+              </a:rPr>
+              <a:t>Unit</a:t>
+            </a:r>
+            <a:r>
+              <a:rPr lang="en-US" sz="1200" b="0" i="0" kern="1200" dirty="0" smtClean="0">
+                <a:solidFill>
+                  <a:schemeClr val="tx1"/>
+                </a:solidFill>
+                <a:effectLst/>
+                <a:latin typeface="+mn-lt"/>
+                <a:ea typeface="+mn-ea"/>
+                <a:cs typeface="+mn-cs"/>
+              </a:rPr>
+              <a:t> tests do not test external systems.</a:t>
+            </a:r>
+            <a:r>
+              <a:rPr lang="en-US" dirty="0" smtClean="0"/>
+              <a:t/>
+            </a:r>
+            <a:br>
+              <a:rPr lang="en-US" dirty="0" smtClean="0"/>
+            </a:br>
+            <a:r>
+              <a:rPr lang="en-US" dirty="0" smtClean="0"/>
+              <a:t/>
+            </a:r>
+            <a:br>
+              <a:rPr lang="en-US" dirty="0" smtClean="0"/>
+            </a:br>
+            <a:r>
+              <a:rPr lang="en-US" sz="1200" b="1" i="0" kern="1200" dirty="0" smtClean="0">
+                <a:solidFill>
+                  <a:schemeClr val="tx1"/>
+                </a:solidFill>
+                <a:effectLst/>
+                <a:latin typeface="+mn-lt"/>
+                <a:ea typeface="+mn-ea"/>
+                <a:cs typeface="+mn-cs"/>
+              </a:rPr>
+              <a:t>Self-validating</a:t>
+            </a:r>
+            <a:r>
+              <a:rPr lang="en-US" sz="1200" b="0" i="0" kern="1200" dirty="0" smtClean="0">
+                <a:solidFill>
+                  <a:schemeClr val="tx1"/>
+                </a:solidFill>
+                <a:effectLst/>
+                <a:latin typeface="+mn-lt"/>
+                <a:ea typeface="+mn-ea"/>
+                <a:cs typeface="+mn-cs"/>
+              </a:rPr>
+              <a:t>: Tests are pass-fail. No agency must examine the results to determine if they are valid and reasonable. Authors avoid over-specification so that peripheral changes do not affect the ability of assertions to determine whether tests pass or fail.</a:t>
+            </a:r>
+            <a:r>
+              <a:rPr lang="en-US" dirty="0" smtClean="0"/>
+              <a:t/>
+            </a:r>
+            <a:br>
+              <a:rPr lang="en-US" dirty="0" smtClean="0"/>
+            </a:br>
+            <a:endParaRPr lang="en-US" sz="1200" b="0" i="0" kern="1200" dirty="0" smtClean="0">
+              <a:solidFill>
+                <a:schemeClr val="tx1"/>
+              </a:solidFill>
+              <a:effectLst/>
+              <a:latin typeface="+mn-lt"/>
+              <a:ea typeface="+mn-ea"/>
+              <a:cs typeface="+mn-cs"/>
+            </a:endParaRPr>
+          </a:p>
+          <a:p>
+            <a:endParaRPr lang="en-US" sz="1200" b="0" i="0" kern="1200" dirty="0" smtClean="0">
+              <a:solidFill>
+                <a:schemeClr val="tx1"/>
+              </a:solidFill>
+              <a:effectLst/>
+              <a:latin typeface="+mn-lt"/>
+              <a:ea typeface="+mn-ea"/>
+              <a:cs typeface="+mn-cs"/>
+            </a:endParaRPr>
+          </a:p>
+          <a:p>
+            <a:pPr marL="0" indent="0">
+              <a:buFontTx/>
+              <a:buNone/>
+            </a:pPr>
             <a:endParaRPr lang="es-PE" dirty="0"/>
           </a:p>
         </p:txBody>
@@ -6349,6 +6335,90 @@
             <a:fld id="{80C14895-23C8-45AE-85D5-3B35E5980A68}" type="slidenum">
               <a:rPr lang="es-PE" smtClean="0"/>
               <a:t>38</a:t>
+            </a:fld>
+            <a:endParaRPr lang="es-PE"/>
+          </a:p>
+        </p:txBody>
+      </p:sp>
+    </p:spTree>
+    <p:extLst>
+      <p:ext uri="{BB962C8B-B14F-4D97-AF65-F5344CB8AC3E}">
+        <p14:creationId xmlns:p14="http://schemas.microsoft.com/office/powerpoint/2010/main" val="3432092158"/>
+      </p:ext>
+    </p:extLst>
+  </p:cSld>
+  <p:clrMapOvr>
+    <a:masterClrMapping/>
+  </p:clrMapOvr>
+</p:notes>
+</file>
+
+<file path=ppt/notesSlides/notesSlide39.xml><?xml version="1.0" encoding="utf-8"?>
+<p:notes xmlns:a="http://schemas.openxmlformats.org/drawingml/2006/main" xmlns:r="http://schemas.openxmlformats.org/officeDocument/2006/relationships" xmlns:p="http://schemas.openxmlformats.org/presentationml/2006/main">
+  <p:cSld>
+    <p:spTree>
+      <p:nvGrpSpPr>
+        <p:cNvPr id="1" name=""/>
+        <p:cNvGrpSpPr/>
+        <p:nvPr/>
+      </p:nvGrpSpPr>
+      <p:grpSpPr>
+        <a:xfrm>
+          <a:off x="0" y="0"/>
+          <a:ext cx="0" cy="0"/>
+          <a:chOff x="0" y="0"/>
+          <a:chExt cx="0" cy="0"/>
+        </a:xfrm>
+      </p:grpSpPr>
+      <p:sp>
+        <p:nvSpPr>
+          <p:cNvPr id="2" name="1 Marcador de imagen de diapositiva"/>
+          <p:cNvSpPr>
+            <a:spLocks noGrp="1" noRot="1" noChangeAspect="1"/>
+          </p:cNvSpPr>
+          <p:nvPr>
+            <p:ph type="sldImg"/>
+          </p:nvPr>
+        </p:nvSpPr>
+        <p:spPr/>
+      </p:sp>
+      <p:sp>
+        <p:nvSpPr>
+          <p:cNvPr id="3" name="2 Marcador de notas"/>
+          <p:cNvSpPr>
+            <a:spLocks noGrp="1"/>
+          </p:cNvSpPr>
+          <p:nvPr>
+            <p:ph type="body" idx="1"/>
+          </p:nvPr>
+        </p:nvSpPr>
+        <p:spPr/>
+        <p:txBody>
+          <a:bodyPr/>
+          <a:lstStyle/>
+          <a:p>
+            <a:endParaRPr lang="es-PE" dirty="0"/>
+          </a:p>
+        </p:txBody>
+      </p:sp>
+      <p:sp>
+        <p:nvSpPr>
+          <p:cNvPr id="4" name="3 Marcador de número de diapositiva"/>
+          <p:cNvSpPr>
+            <a:spLocks noGrp="1"/>
+          </p:cNvSpPr>
+          <p:nvPr>
+            <p:ph type="sldNum" sz="quarter" idx="10"/>
+          </p:nvPr>
+        </p:nvSpPr>
+        <p:spPr/>
+        <p:txBody>
+          <a:bodyPr/>
+          <a:lstStyle/>
+          <a:p>
+            <a:fld id="{80C14895-23C8-45AE-85D5-3B35E5980A68}" type="slidenum">
+              <a:rPr lang="es-PE" smtClean="0"/>
+              <a:t>39</a:t>
             </a:fld>
             <a:endParaRPr lang="es-PE"/>
           </a:p>
@@ -7337,7 +7407,7 @@
             <a:fld id="{807CB568-C05F-482F-9F26-AA302B8892DF}" type="datetimeFigureOut">
               <a:rPr lang="es-ES" smtClean="0"/>
               <a:pPr/>
-              <a:t>26/01/2013</a:t>
+              <a:t>04/02/2013</a:t>
             </a:fld>
             <a:endParaRPr lang="es-ES"/>
           </a:p>
@@ -7516,7 +7586,7 @@
             <a:fld id="{807CB568-C05F-482F-9F26-AA302B8892DF}" type="datetimeFigureOut">
               <a:rPr lang="es-ES" smtClean="0"/>
               <a:pPr/>
-              <a:t>26/01/2013</a:t>
+              <a:t>04/02/2013</a:t>
             </a:fld>
             <a:endParaRPr lang="es-ES"/>
           </a:p>
@@ -7705,7 +7775,7 @@
             <a:fld id="{807CB568-C05F-482F-9F26-AA302B8892DF}" type="datetimeFigureOut">
               <a:rPr lang="es-ES" smtClean="0"/>
               <a:pPr/>
-              <a:t>26/01/2013</a:t>
+              <a:t>04/02/2013</a:t>
             </a:fld>
             <a:endParaRPr lang="es-ES"/>
           </a:p>
@@ -7884,7 +7954,7 @@
             <a:fld id="{807CB568-C05F-482F-9F26-AA302B8892DF}" type="datetimeFigureOut">
               <a:rPr lang="es-ES" smtClean="0"/>
               <a:pPr/>
-              <a:t>26/01/2013</a:t>
+              <a:t>04/02/2013</a:t>
             </a:fld>
             <a:endParaRPr lang="es-ES"/>
           </a:p>
@@ -8139,7 +8209,7 @@
             <a:fld id="{807CB568-C05F-482F-9F26-AA302B8892DF}" type="datetimeFigureOut">
               <a:rPr lang="es-ES" smtClean="0"/>
               <a:pPr/>
-              <a:t>26/01/2013</a:t>
+              <a:t>04/02/2013</a:t>
             </a:fld>
             <a:endParaRPr lang="es-ES"/>
           </a:p>
@@ -8436,7 +8506,7 @@
             <a:fld id="{807CB568-C05F-482F-9F26-AA302B8892DF}" type="datetimeFigureOut">
               <a:rPr lang="es-ES" smtClean="0"/>
               <a:pPr/>
-              <a:t>26/01/2013</a:t>
+              <a:t>04/02/2013</a:t>
             </a:fld>
             <a:endParaRPr lang="es-ES"/>
           </a:p>
@@ -8867,7 +8937,7 @@
             <a:fld id="{807CB568-C05F-482F-9F26-AA302B8892DF}" type="datetimeFigureOut">
               <a:rPr lang="es-ES" smtClean="0"/>
               <a:pPr/>
-              <a:t>26/01/2013</a:t>
+              <a:t>04/02/2013</a:t>
             </a:fld>
             <a:endParaRPr lang="es-ES"/>
           </a:p>
@@ -8994,7 +9064,7 @@
             <a:fld id="{807CB568-C05F-482F-9F26-AA302B8892DF}" type="datetimeFigureOut">
               <a:rPr lang="es-ES" smtClean="0"/>
               <a:pPr/>
-              <a:t>26/01/2013</a:t>
+              <a:t>04/02/2013</a:t>
             </a:fld>
             <a:endParaRPr lang="es-ES"/>
           </a:p>
@@ -9098,7 +9168,7 @@
             <a:fld id="{807CB568-C05F-482F-9F26-AA302B8892DF}" type="datetimeFigureOut">
               <a:rPr lang="es-ES" smtClean="0"/>
               <a:pPr/>
-              <a:t>26/01/2013</a:t>
+              <a:t>04/02/2013</a:t>
             </a:fld>
             <a:endParaRPr lang="es-ES"/>
           </a:p>
@@ -9384,7 +9454,7 @@
             <a:fld id="{807CB568-C05F-482F-9F26-AA302B8892DF}" type="datetimeFigureOut">
               <a:rPr lang="es-ES" smtClean="0"/>
               <a:pPr/>
-              <a:t>26/01/2013</a:t>
+              <a:t>04/02/2013</a:t>
             </a:fld>
             <a:endParaRPr lang="es-ES"/>
           </a:p>
@@ -9653,7 +9723,7 @@
             <a:fld id="{807CB568-C05F-482F-9F26-AA302B8892DF}" type="datetimeFigureOut">
               <a:rPr lang="es-ES" smtClean="0"/>
               <a:pPr/>
-              <a:t>26/01/2013</a:t>
+              <a:t>04/02/2013</a:t>
             </a:fld>
             <a:endParaRPr lang="es-ES"/>
           </a:p>
@@ -9904,7 +9974,7 @@
             <a:fld id="{807CB568-C05F-482F-9F26-AA302B8892DF}" type="datetimeFigureOut">
               <a:rPr lang="es-ES" smtClean="0"/>
               <a:pPr/>
-              <a:t>26/01/2013</a:t>
+              <a:t>04/02/2013</a:t>
             </a:fld>
             <a:endParaRPr lang="es-ES"/>
           </a:p>
@@ -11556,7 +11626,7 @@
       </p:grpSpPr>
       <p:pic>
         <p:nvPicPr>
-          <p:cNvPr id="3074" name="Picture 2"/>
+          <p:cNvPr id="1027" name="Picture 3"/>
           <p:cNvPicPr>
             <a:picLocks noChangeAspect="1" noChangeArrowheads="1"/>
           </p:cNvPicPr>
@@ -11577,8 +11647,8 @@
         </p:blipFill>
         <p:spPr bwMode="auto">
           <a:xfrm>
-            <a:off x="257768" y="1410045"/>
-            <a:ext cx="8745136" cy="5205068"/>
+            <a:off x="115847" y="1166812"/>
+            <a:ext cx="8866226" cy="5192919"/>
           </a:xfrm>
           <a:prstGeom prst="rect">
             <a:avLst/>
@@ -11785,7 +11855,23 @@
                   <a:srgbClr val="00823B"/>
                 </a:solidFill>
               </a:rPr>
-              <a:t>Creando una prueba</a:t>
+              <a:t>Creando </a:t>
+            </a:r>
+            <a:r>
+              <a:rPr lang="es-PE" dirty="0">
+                <a:solidFill>
+                  <a:srgbClr val="00823B"/>
+                </a:solidFill>
+              </a:rPr>
+              <a:t>P</a:t>
+            </a:r>
+            <a:r>
+              <a:rPr lang="es-PE" dirty="0" smtClean="0">
+                <a:solidFill>
+                  <a:srgbClr val="00823B"/>
+                </a:solidFill>
+              </a:rPr>
+              <a:t>ruebas</a:t>
             </a:r>
             <a:endParaRPr lang="es-PE" dirty="0">
               <a:solidFill>
@@ -11803,7 +11889,7 @@
         </p:nvSpPr>
         <p:spPr>
           <a:xfrm>
-            <a:off x="4515431" y="1790316"/>
+            <a:off x="5653655" y="1749607"/>
             <a:ext cx="3008897" cy="1446550"/>
           </a:xfrm>
           <a:prstGeom prst="rect">
@@ -11864,9 +11950,9 @@
           <p:nvPr/>
         </p:nvSpPr>
         <p:spPr>
-          <a:xfrm rot="20294904" flipH="1">
-            <a:off x="5024036" y="3805713"/>
-            <a:ext cx="1259238" cy="467984"/>
+          <a:xfrm rot="798504" flipH="1">
+            <a:off x="4719341" y="3927055"/>
+            <a:ext cx="892434" cy="467984"/>
           </a:xfrm>
           <a:prstGeom prst="rightArrow">
             <a:avLst/>
@@ -11906,87 +11992,14 @@
       </p:sp>
       <p:sp>
         <p:nvSpPr>
-          <p:cNvPr id="19" name="18 CuadroTexto"/>
-          <p:cNvSpPr txBox="1"/>
-          <p:nvPr/>
-        </p:nvSpPr>
-        <p:spPr>
-          <a:xfrm>
-            <a:off x="6356255" y="4754747"/>
-            <a:ext cx="2432506" cy="1446550"/>
-          </a:xfrm>
-          <a:prstGeom prst="rect">
-            <a:avLst/>
-          </a:prstGeom>
-          <a:noFill/>
-        </p:spPr>
-        <p:txBody>
-          <a:bodyPr wrap="square" rtlCol="0">
-            <a:spAutoFit/>
-          </a:bodyPr>
-          <a:lstStyle/>
-          <a:p>
-            <a:pPr algn="ctr"/>
-            <a:r>
-              <a:rPr lang="es-PE" sz="2200" dirty="0" smtClean="0">
-                <a:solidFill>
-                  <a:schemeClr val="accent6">
-                    <a:lumMod val="75000"/>
-                  </a:schemeClr>
-                </a:solidFill>
-              </a:rPr>
-              <a:t>La prueba pasa al menos que el </a:t>
-            </a:r>
-            <a:r>
-              <a:rPr lang="es-PE" sz="2200" dirty="0" err="1">
-                <a:solidFill>
-                  <a:schemeClr val="accent6">
-                    <a:lumMod val="75000"/>
-                  </a:schemeClr>
-                </a:solidFill>
-              </a:rPr>
-              <a:t>a</a:t>
-            </a:r>
-            <a:r>
-              <a:rPr lang="es-PE" sz="2200" dirty="0" err="1" smtClean="0">
-                <a:solidFill>
-                  <a:schemeClr val="accent6">
-                    <a:lumMod val="75000"/>
-                  </a:schemeClr>
-                </a:solidFill>
-              </a:rPr>
-              <a:t>ssert</a:t>
-            </a:r>
-            <a:r>
-              <a:rPr lang="es-PE" sz="2200" dirty="0" smtClean="0">
-                <a:solidFill>
-                  <a:schemeClr val="accent6">
-                    <a:lumMod val="75000"/>
-                  </a:schemeClr>
-                </a:solidFill>
-              </a:rPr>
-              <a:t> falle o se produzca un error</a:t>
-            </a:r>
-            <a:endParaRPr lang="es-PE" sz="2200" dirty="0">
-              <a:solidFill>
-                <a:schemeClr val="accent6">
-                  <a:lumMod val="75000"/>
-                </a:schemeClr>
-              </a:solidFill>
-            </a:endParaRPr>
-          </a:p>
-        </p:txBody>
-      </p:sp>
-      <p:sp>
-        <p:nvSpPr>
           <p:cNvPr id="20" name="19 Flecha derecha"/>
           <p:cNvSpPr/>
           <p:nvPr/>
         </p:nvSpPr>
         <p:spPr>
-          <a:xfrm flipH="1">
-            <a:off x="5801927" y="5108195"/>
-            <a:ext cx="829905" cy="467984"/>
+          <a:xfrm rot="20338160" flipH="1">
+            <a:off x="4769080" y="4558617"/>
+            <a:ext cx="880466" cy="467984"/>
           </a:xfrm>
           <a:prstGeom prst="rightArrow">
             <a:avLst/>
@@ -12032,8 +12045,8 @@
         </p:nvSpPr>
         <p:spPr>
           <a:xfrm>
-            <a:off x="6137833" y="3182492"/>
-            <a:ext cx="2613472" cy="1107996"/>
+            <a:off x="5627524" y="3922201"/>
+            <a:ext cx="3336964" cy="1107996"/>
           </a:xfrm>
           <a:prstGeom prst="rect">
             <a:avLst/>
@@ -12055,15 +12068,8 @@
                   </a:schemeClr>
                 </a:solidFill>
               </a:rPr>
-              <a:t>Las pruebas son métodos marcados con un atributo</a:t>
-            </a:r>
-            <a:endParaRPr lang="es-PE" sz="2200" dirty="0">
-              <a:solidFill>
-                <a:schemeClr val="accent6">
-                  <a:lumMod val="75000"/>
-                </a:schemeClr>
-              </a:solidFill>
-            </a:endParaRPr>
+              <a:t>Las pruebas son métodos públicos marcados con un atributo</a:t>
+            </a:r>
           </a:p>
         </p:txBody>
       </p:sp>
@@ -12074,9 +12080,9 @@
           <p:nvPr/>
         </p:nvSpPr>
         <p:spPr>
-          <a:xfrm rot="19736579" flipH="1">
-            <a:off x="3851423" y="2652786"/>
-            <a:ext cx="1032002" cy="467984"/>
+          <a:xfrm flipH="1">
+            <a:off x="4355976" y="2238890"/>
+            <a:ext cx="1336867" cy="467984"/>
           </a:xfrm>
           <a:prstGeom prst="rightArrow">
             <a:avLst/>
@@ -23314,6 +23320,259 @@
         </p:nvSpPr>
         <p:spPr>
           <a:xfrm>
+            <a:off x="197097" y="764704"/>
+            <a:ext cx="8749806" cy="720000"/>
+          </a:xfrm>
+        </p:spPr>
+        <p:txBody>
+          <a:bodyPr/>
+          <a:lstStyle/>
+          <a:p>
+            <a:r>
+              <a:rPr lang="es-PE" dirty="0" smtClean="0">
+                <a:solidFill>
+                  <a:srgbClr val="00823B"/>
+                </a:solidFill>
+              </a:rPr>
+              <a:t>Enfoques para realizar </a:t>
+            </a:r>
+            <a:br>
+              <a:rPr lang="es-PE" dirty="0" smtClean="0">
+                <a:solidFill>
+                  <a:srgbClr val="00823B"/>
+                </a:solidFill>
+              </a:rPr>
+            </a:br>
+            <a:r>
+              <a:rPr lang="es-PE" dirty="0" smtClean="0">
+                <a:solidFill>
+                  <a:srgbClr val="00823B"/>
+                </a:solidFill>
+              </a:rPr>
+              <a:t>Pruebas Automatizadas</a:t>
+            </a:r>
+            <a:endParaRPr lang="es-PE" dirty="0">
+              <a:solidFill>
+                <a:srgbClr val="00823B"/>
+              </a:solidFill>
+            </a:endParaRPr>
+          </a:p>
+        </p:txBody>
+      </p:sp>
+      <p:sp>
+        <p:nvSpPr>
+          <p:cNvPr id="15" name="14 CuadroTexto"/>
+          <p:cNvSpPr txBox="1"/>
+          <p:nvPr/>
+        </p:nvSpPr>
+        <p:spPr>
+          <a:xfrm>
+            <a:off x="755576" y="2265834"/>
+            <a:ext cx="7848872" cy="3539430"/>
+          </a:xfrm>
+          <a:prstGeom prst="rect">
+            <a:avLst/>
+          </a:prstGeom>
+          <a:noFill/>
+        </p:spPr>
+        <p:txBody>
+          <a:bodyPr wrap="square" rtlCol="0">
+            <a:spAutoFit/>
+          </a:bodyPr>
+          <a:lstStyle/>
+          <a:p>
+            <a:pPr marL="457200" indent="-457200">
+              <a:buFont typeface="Arial" pitchFamily="34" charset="0"/>
+              <a:buChar char="•"/>
+            </a:pPr>
+            <a:r>
+              <a:rPr lang="es-PE" sz="2800" dirty="0" smtClean="0">
+                <a:solidFill>
+                  <a:srgbClr val="FFC000"/>
+                </a:solidFill>
+              </a:rPr>
+              <a:t>Data </a:t>
+            </a:r>
+            <a:r>
+              <a:rPr lang="es-PE" sz="2800" dirty="0" err="1" smtClean="0">
+                <a:solidFill>
+                  <a:srgbClr val="FFC000"/>
+                </a:solidFill>
+              </a:rPr>
+              <a:t>Driven</a:t>
+            </a:r>
+            <a:r>
+              <a:rPr lang="es-PE" sz="2800" dirty="0" smtClean="0">
+                <a:solidFill>
+                  <a:srgbClr val="FFC000"/>
+                </a:solidFill>
+              </a:rPr>
+              <a:t> </a:t>
+            </a:r>
+            <a:r>
+              <a:rPr lang="es-PE" sz="2800" dirty="0" err="1" smtClean="0">
+                <a:solidFill>
+                  <a:srgbClr val="FFC000"/>
+                </a:solidFill>
+              </a:rPr>
+              <a:t>Testing</a:t>
+            </a:r>
+            <a:r>
+              <a:rPr lang="es-PE" sz="2800" dirty="0" smtClean="0">
+                <a:solidFill>
+                  <a:srgbClr val="FFC000"/>
+                </a:solidFill>
+              </a:rPr>
+              <a:t>: </a:t>
+            </a:r>
+            <a:br>
+              <a:rPr lang="es-PE" sz="2800" dirty="0" smtClean="0">
+                <a:solidFill>
+                  <a:srgbClr val="FFC000"/>
+                </a:solidFill>
+              </a:rPr>
+            </a:br>
+            <a:r>
+              <a:rPr lang="es-PE" sz="2800" dirty="0" smtClean="0"/>
+              <a:t>La prueba obtiene valores que se encuentran dentro de un "data </a:t>
+            </a:r>
+            <a:r>
+              <a:rPr lang="es-PE" sz="2800" dirty="0" err="1" smtClean="0"/>
+              <a:t>source</a:t>
+            </a:r>
+            <a:r>
+              <a:rPr lang="es-PE" sz="2800" dirty="0" smtClean="0"/>
+              <a:t>" y esta se ejecuta por cada fila que encuentre en el "data </a:t>
+            </a:r>
+            <a:r>
+              <a:rPr lang="es-PE" sz="2800" dirty="0" err="1" smtClean="0"/>
+              <a:t>source</a:t>
+            </a:r>
+            <a:r>
+              <a:rPr lang="es-PE" sz="2800" dirty="0" smtClean="0"/>
+              <a:t>".</a:t>
+            </a:r>
+          </a:p>
+          <a:p>
+            <a:pPr marL="457200" indent="-457200">
+              <a:buFont typeface="Arial" pitchFamily="34" charset="0"/>
+              <a:buChar char="•"/>
+            </a:pPr>
+            <a:endParaRPr lang="es-PE" sz="2800" dirty="0"/>
+          </a:p>
+          <a:p>
+            <a:pPr marL="457200" indent="-457200">
+              <a:buFont typeface="Arial" pitchFamily="34" charset="0"/>
+              <a:buChar char="•"/>
+            </a:pPr>
+            <a:r>
+              <a:rPr lang="es-PE" sz="2800" dirty="0" smtClean="0">
+                <a:solidFill>
+                  <a:srgbClr val="FFC000"/>
+                </a:solidFill>
+              </a:rPr>
+              <a:t>Test </a:t>
+            </a:r>
+            <a:r>
+              <a:rPr lang="es-PE" sz="2800" dirty="0" err="1" smtClean="0">
+                <a:solidFill>
+                  <a:srgbClr val="FFC000"/>
+                </a:solidFill>
+              </a:rPr>
+              <a:t>First</a:t>
+            </a:r>
+            <a:r>
+              <a:rPr lang="es-PE" sz="2800" dirty="0" smtClean="0">
+                <a:solidFill>
+                  <a:srgbClr val="FFC000"/>
+                </a:solidFill>
+              </a:rPr>
+              <a:t> </a:t>
+            </a:r>
+            <a:r>
+              <a:rPr lang="es-PE" sz="2800" dirty="0" err="1" smtClean="0">
+                <a:solidFill>
+                  <a:srgbClr val="FFC000"/>
+                </a:solidFill>
+              </a:rPr>
+              <a:t>Programming</a:t>
+            </a:r>
+            <a:r>
+              <a:rPr lang="es-PE" sz="2800" dirty="0" smtClean="0">
+                <a:solidFill>
+                  <a:srgbClr val="FFC000"/>
+                </a:solidFill>
+              </a:rPr>
+              <a:t>:</a:t>
+            </a:r>
+            <a:br>
+              <a:rPr lang="es-PE" sz="2800" dirty="0" smtClean="0">
+                <a:solidFill>
+                  <a:srgbClr val="FFC000"/>
+                </a:solidFill>
+              </a:rPr>
+            </a:br>
+            <a:r>
+              <a:rPr lang="es-PE" sz="2800" dirty="0"/>
+              <a:t>Escribir </a:t>
+            </a:r>
+            <a:r>
+              <a:rPr lang="es-PE" sz="2800" dirty="0" smtClean="0"/>
+              <a:t>una prueba antes de escribir el comportamiento dentro de la clase.</a:t>
+            </a:r>
+            <a:endParaRPr lang="es-PE" sz="2800" dirty="0"/>
+          </a:p>
+        </p:txBody>
+      </p:sp>
+    </p:spTree>
+    <p:extLst>
+      <p:ext uri="{BB962C8B-B14F-4D97-AF65-F5344CB8AC3E}">
+        <p14:creationId xmlns:p14="http://schemas.microsoft.com/office/powerpoint/2010/main" val="1161122257"/>
+      </p:ext>
+    </p:extLst>
+  </p:cSld>
+  <p:clrMapOvr>
+    <a:masterClrMapping/>
+  </p:clrMapOvr>
+  <p:timing>
+    <p:tnLst>
+      <p:par>
+        <p:cTn id="1" dur="indefinite" restart="never" nodeType="tmRoot"/>
+      </p:par>
+    </p:tnLst>
+  </p:timing>
+</p:sld>
+</file>
+
+<file path=ppt/slides/slide38.xml><?xml version="1.0" encoding="utf-8"?>
+<p:sld xmlns:a="http://schemas.openxmlformats.org/drawingml/2006/main" xmlns:r="http://schemas.openxmlformats.org/officeDocument/2006/relationships" xmlns:p="http://schemas.openxmlformats.org/presentationml/2006/main">
+  <p:cSld>
+    <p:spTree>
+      <p:nvGrpSpPr>
+        <p:cNvPr id="1" name=""/>
+        <p:cNvGrpSpPr/>
+        <p:nvPr/>
+      </p:nvGrpSpPr>
+      <p:grpSpPr>
+        <a:xfrm>
+          <a:off x="0" y="0"/>
+          <a:ext cx="0" cy="0"/>
+          <a:chOff x="0" y="0"/>
+          <a:chExt cx="0" cy="0"/>
+        </a:xfrm>
+      </p:grpSpPr>
+      <p:sp>
+        <p:nvSpPr>
+          <p:cNvPr id="3" name="2 Título"/>
+          <p:cNvSpPr>
+            <a:spLocks noGrp="1"/>
+          </p:cNvSpPr>
+          <p:nvPr>
+            <p:ph type="title"/>
+          </p:nvPr>
+        </p:nvSpPr>
+        <p:spPr>
+          <a:xfrm>
             <a:off x="483459" y="260648"/>
             <a:ext cx="8229600" cy="1224136"/>
           </a:xfrm>
@@ -23759,7 +24018,7 @@
 </p:sld>
 </file>
 
-<file path=ppt/slides/slide38.xml><?xml version="1.0" encoding="utf-8"?>
+<file path=ppt/slides/slide39.xml><?xml version="1.0" encoding="utf-8"?>
 <p:sld xmlns:a="http://schemas.openxmlformats.org/drawingml/2006/main" xmlns:r="http://schemas.openxmlformats.org/officeDocument/2006/relationships" xmlns:p="http://schemas.openxmlformats.org/presentationml/2006/main">
   <p:cSld>
     <p:spTree>
@@ -26179,7 +26438,7 @@
         </p:nvSpPr>
         <p:spPr>
           <a:xfrm>
-            <a:off x="518864" y="1339097"/>
+            <a:off x="518864" y="980728"/>
             <a:ext cx="8229600" cy="724942"/>
           </a:xfrm>
         </p:spPr>
@@ -26188,12 +26447,84 @@
           <a:lstStyle/>
           <a:p>
             <a:r>
-              <a:rPr lang="es-PE" dirty="0" smtClean="0">
+              <a:rPr lang="en-US" dirty="0" err="1" smtClean="0">
                 <a:solidFill>
                   <a:srgbClr val="00823B"/>
                 </a:solidFill>
               </a:rPr>
-              <a:t>Independencia (Aislamiento)</a:t>
+              <a:t>Una</a:t>
+            </a:r>
+            <a:r>
+              <a:rPr lang="en-US" dirty="0" smtClean="0">
+                <a:solidFill>
+                  <a:srgbClr val="00823B"/>
+                </a:solidFill>
+              </a:rPr>
+              <a:t> </a:t>
+            </a:r>
+            <a:r>
+              <a:rPr lang="en-US" dirty="0" err="1" smtClean="0">
+                <a:solidFill>
+                  <a:srgbClr val="00823B"/>
+                </a:solidFill>
+              </a:rPr>
+              <a:t>prueba</a:t>
+            </a:r>
+            <a:r>
+              <a:rPr lang="en-US" dirty="0" smtClean="0">
+                <a:solidFill>
+                  <a:srgbClr val="00823B"/>
+                </a:solidFill>
+              </a:rPr>
+              <a:t> no </a:t>
+            </a:r>
+            <a:r>
+              <a:rPr lang="en-US" dirty="0" err="1" smtClean="0">
+                <a:solidFill>
+                  <a:srgbClr val="00823B"/>
+                </a:solidFill>
+              </a:rPr>
+              <a:t>es</a:t>
+            </a:r>
+            <a:r>
+              <a:rPr lang="en-US" dirty="0" smtClean="0">
+                <a:solidFill>
+                  <a:srgbClr val="00823B"/>
+                </a:solidFill>
+              </a:rPr>
+              <a:t> </a:t>
+            </a:r>
+            <a:r>
+              <a:rPr lang="en-US" dirty="0" err="1" smtClean="0">
+                <a:solidFill>
+                  <a:srgbClr val="00823B"/>
+                </a:solidFill>
+              </a:rPr>
+              <a:t>unitaria</a:t>
+            </a:r>
+            <a:r>
+              <a:rPr lang="en-US" dirty="0" smtClean="0">
+                <a:solidFill>
+                  <a:srgbClr val="00823B"/>
+                </a:solidFill>
+              </a:rPr>
+              <a:t> </a:t>
+            </a:r>
+            <a:r>
+              <a:rPr lang="en-US" dirty="0" err="1" smtClean="0">
+                <a:solidFill>
+                  <a:srgbClr val="00823B"/>
+                </a:solidFill>
+              </a:rPr>
+              <a:t>si</a:t>
+            </a:r>
+            <a:r>
+              <a:rPr lang="en-US" dirty="0" smtClean="0">
+                <a:solidFill>
+                  <a:srgbClr val="00823B"/>
+                </a:solidFill>
+              </a:rPr>
+              <a:t>….</a:t>
             </a:r>
             <a:endParaRPr lang="es-PE" dirty="0">
               <a:solidFill>
@@ -26213,8 +26544,8 @@
         </p:nvSpPr>
         <p:spPr bwMode="auto">
           <a:xfrm>
-            <a:off x="268453" y="2284925"/>
-            <a:ext cx="8640960" cy="1142404"/>
+            <a:off x="208915" y="4437112"/>
+            <a:ext cx="8640960" cy="936104"/>
           </a:xfrm>
           <a:prstGeom prst="rect">
             <a:avLst/>
@@ -26386,18 +26717,31 @@
             </a:lvl9pPr>
           </a:lstStyle>
           <a:p>
-            <a:pPr marL="0" indent="0">
+            <a:pPr marL="0" indent="0" algn="ctr">
               <a:buNone/>
             </a:pPr>
             <a:r>
               <a:rPr lang="es-PE" sz="2800" dirty="0" smtClean="0">
                 <a:solidFill>
-                  <a:schemeClr val="tx1">
-                    <a:lumMod val="95000"/>
-                  </a:schemeClr>
-                </a:solidFill>
-              </a:rPr>
-              <a:t>Se realizan de manera separada al resto de la aplicación, de sus dependencias y no acceden a recursos del sistema.</a:t>
+                  <a:srgbClr val="FFC000"/>
+                </a:solidFill>
+              </a:rPr>
+              <a:t>Todas estas pruebas son pruebas de integración, </a:t>
+            </a:r>
+            <a:br>
+              <a:rPr lang="es-PE" sz="2800" dirty="0" smtClean="0">
+                <a:solidFill>
+                  <a:srgbClr val="FFC000"/>
+                </a:solidFill>
+              </a:rPr>
+            </a:br>
+            <a:r>
+              <a:rPr lang="es-PE" sz="2800" dirty="0" smtClean="0">
+                <a:solidFill>
+                  <a:srgbClr val="FFC000"/>
+                </a:solidFill>
+              </a:rPr>
+              <a:t>no pruebas unitarias.</a:t>
             </a:r>
           </a:p>
         </p:txBody>
@@ -26410,8 +26754,8 @@
         </p:nvSpPr>
         <p:spPr>
           <a:xfrm>
-            <a:off x="547019" y="3452807"/>
-            <a:ext cx="8049961" cy="1200329"/>
+            <a:off x="467544" y="1988840"/>
+            <a:ext cx="8247835" cy="2246769"/>
           </a:xfrm>
           <a:prstGeom prst="rect">
             <a:avLst/>
@@ -26425,79 +26769,59 @@
           <a:lstStyle/>
           <a:p>
             <a:pPr marL="352425" lvl="1" indent="-342900">
-              <a:buFontTx/>
-              <a:buChar char="-"/>
+              <a:buFont typeface="Arial" pitchFamily="34" charset="0"/>
+              <a:buChar char="•"/>
             </a:pPr>
             <a:r>
-              <a:rPr lang="es-PE" sz="2400" dirty="0" smtClean="0">
-                <a:solidFill>
-                  <a:srgbClr val="FFC000"/>
-                </a:solidFill>
-              </a:rPr>
-              <a:t>No </a:t>
-            </a:r>
-            <a:r>
-              <a:rPr lang="es-PE" sz="2400" dirty="0">
-                <a:solidFill>
-                  <a:srgbClr val="FFC000"/>
-                </a:solidFill>
-              </a:rPr>
-              <a:t>se comunica con la base de datos</a:t>
-            </a:r>
-            <a:r>
-              <a:rPr lang="es-PE" sz="2400" dirty="0" smtClean="0">
-                <a:solidFill>
-                  <a:srgbClr val="FFC000"/>
-                </a:solidFill>
-              </a:rPr>
-              <a:t>.</a:t>
-            </a:r>
-            <a:endParaRPr lang="es-PE" sz="2400" dirty="0">
-              <a:solidFill>
-                <a:srgbClr val="FFC000"/>
-              </a:solidFill>
-            </a:endParaRPr>
+              <a:rPr lang="es-PE" sz="2800" dirty="0" smtClean="0"/>
+              <a:t>Habla con la Base </a:t>
+            </a:r>
+            <a:r>
+              <a:rPr lang="es-PE" sz="2800" dirty="0"/>
+              <a:t>de </a:t>
+            </a:r>
+            <a:r>
+              <a:rPr lang="es-PE" sz="2800" dirty="0" smtClean="0"/>
+              <a:t>Datos.</a:t>
+            </a:r>
           </a:p>
           <a:p>
             <a:pPr marL="352425" lvl="1" indent="-342900">
-              <a:buFontTx/>
-              <a:buChar char="-"/>
+              <a:buFont typeface="Arial" pitchFamily="34" charset="0"/>
+              <a:buChar char="•"/>
             </a:pPr>
             <a:r>
-              <a:rPr lang="es-PE" sz="2400" dirty="0">
-                <a:solidFill>
-                  <a:srgbClr val="FFC000"/>
-                </a:solidFill>
-              </a:rPr>
-              <a:t>No depende de archivos de configuración.</a:t>
+              <a:rPr lang="es-PE" sz="2800" dirty="0" smtClean="0"/>
+              <a:t>Se comunica a través de la Red.</a:t>
             </a:r>
           </a:p>
           <a:p>
             <a:pPr marL="352425" lvl="1" indent="-342900">
-              <a:buFontTx/>
-              <a:buChar char="-"/>
+              <a:buFont typeface="Arial" pitchFamily="34" charset="0"/>
+              <a:buChar char="•"/>
             </a:pPr>
             <a:r>
-              <a:rPr lang="es-PE" sz="2400" dirty="0">
-                <a:solidFill>
-                  <a:srgbClr val="FFC000"/>
-                </a:solidFill>
-              </a:rPr>
-              <a:t>No ejercita la clase y todas sus dependencias en simultáneo</a:t>
-            </a:r>
-            <a:r>
-              <a:rPr lang="es-PE" sz="2400" dirty="0" smtClean="0">
-                <a:solidFill>
-                  <a:srgbClr val="FFC000"/>
-                </a:solidFill>
-              </a:rPr>
-              <a:t>.</a:t>
-            </a:r>
-            <a:endParaRPr lang="es-PE" sz="2400" dirty="0">
-              <a:solidFill>
-                <a:srgbClr val="FFC000"/>
-              </a:solidFill>
-            </a:endParaRPr>
+              <a:rPr lang="es-PE" sz="2800" dirty="0" smtClean="0"/>
+              <a:t>Toca el Sistema de Archivos.</a:t>
+            </a:r>
+          </a:p>
+          <a:p>
+            <a:pPr marL="352425" lvl="1" indent="-342900">
+              <a:buFont typeface="Arial" pitchFamily="34" charset="0"/>
+              <a:buChar char="•"/>
+            </a:pPr>
+            <a:r>
+              <a:rPr lang="es-PE" sz="2800" dirty="0" smtClean="0"/>
+              <a:t>Necesita alguna configuración especial del ambiente.</a:t>
+            </a:r>
+            <a:br>
+              <a:rPr lang="es-PE" sz="2800" dirty="0" smtClean="0"/>
+            </a:br>
+            <a:r>
+              <a:rPr lang="es-PE" sz="2800" dirty="0" smtClean="0"/>
+              <a:t>(editar archivos de configuración)</a:t>
+            </a:r>
+            <a:endParaRPr lang="es-PE" sz="2800" dirty="0"/>
           </a:p>
         </p:txBody>
       </p:sp>

--- a/Diapositivas/1. Unit Testing.pptx
+++ b/Diapositivas/1. Unit Testing.pptx
@@ -246,7 +246,7 @@
           <a:p>
             <a:fld id="{63D5FC4C-9EE1-4746-A368-724F618FC790}" type="datetimeFigureOut">
               <a:rPr lang="es-PE" smtClean="0"/>
-              <a:t>04/02/2013</a:t>
+              <a:t>12/04/2013</a:t>
             </a:fld>
             <a:endParaRPr lang="es-PE"/>
           </a:p>
@@ -6903,25 +6903,28 @@
           <a:bodyPr/>
           <a:lstStyle/>
           <a:p>
+            <a:pPr marL="0" indent="0" algn="l">
+              <a:buNone/>
+            </a:pPr>
             <a:r>
               <a:rPr lang="es-PE" dirty="0" smtClean="0"/>
               <a:t>Para nuestra suerte no tenemos que implementar nuestra propia</a:t>
             </a:r>
             <a:r>
               <a:rPr lang="es-PE" baseline="0" dirty="0" smtClean="0"/>
-              <a:t> infraestructura para crear test unitarios (</a:t>
-            </a:r>
-            <a:r>
-              <a:rPr lang="en-US" sz="1200" b="0" i="0" kern="1200" dirty="0" smtClean="0">
-                <a:solidFill>
-                  <a:schemeClr val="tx1"/>
-                </a:solidFill>
-                <a:effectLst/>
-                <a:latin typeface="+mn-lt"/>
-                <a:ea typeface="+mn-ea"/>
-                <a:cs typeface="+mn-cs"/>
-              </a:rPr>
-              <a:t>These mechanisms include the ability to find individual tests, assemble them into a test suite to run, execute each test in turn, verify expected outcomes have occurred, collect and report any test failures or test errors and to clean up when they do occur.)</a:t>
+              <a:t> infraestructura para crear test unitarios </a:t>
+            </a:r>
+            <a:r>
+              <a:rPr lang="es-PE" sz="1200" dirty="0" smtClean="0"/>
+              <a:t>(Crear y organizar pruebas,  Ejecutar pruebas, Verificar resultados esperados, Reportar resultados, Detalles</a:t>
+            </a:r>
+            <a:r>
+              <a:rPr lang="es-PE" sz="1200" baseline="0" dirty="0" smtClean="0"/>
+              <a:t> preciosos de las pruebas fallidas</a:t>
+            </a:r>
+            <a:r>
+              <a:rPr lang="es-PE" sz="1200" dirty="0" smtClean="0"/>
+              <a:t>)</a:t>
             </a:r>
           </a:p>
           <a:p>
@@ -6985,6 +6988,30 @@
               <a:t> Frameworks ya q </a:t>
             </a:r>
             <a:r>
+              <a:rPr lang="es-PE" sz="1200" b="0" i="0" kern="1200" baseline="0" noProof="0" dirty="0" smtClean="0">
+                <a:solidFill>
+                  <a:schemeClr val="tx1"/>
+                </a:solidFill>
+                <a:effectLst/>
+                <a:latin typeface="+mn-lt"/>
+                <a:ea typeface="+mn-ea"/>
+                <a:cs typeface="+mn-cs"/>
+              </a:rPr>
+              <a:t>descienden </a:t>
+            </a:r>
+            <a:r>
+              <a:rPr lang="es-PE" sz="1200" b="0" i="0" kern="1200" baseline="0" noProof="0" dirty="0" smtClean="0">
+                <a:solidFill>
+                  <a:schemeClr val="tx1"/>
+                </a:solidFill>
+                <a:effectLst/>
+                <a:latin typeface="+mn-lt"/>
+                <a:ea typeface="+mn-ea"/>
+                <a:cs typeface="+mn-cs"/>
+              </a:rPr>
+              <a:t>o son </a:t>
+            </a:r>
+            <a:r>
               <a:rPr lang="es-PE" sz="1200" b="0" i="0" kern="1200" baseline="0" noProof="0" dirty="0" err="1" smtClean="0">
                 <a:solidFill>
                   <a:schemeClr val="tx1"/>
@@ -6994,7 +7021,7 @@
                 <a:ea typeface="+mn-ea"/>
                 <a:cs typeface="+mn-cs"/>
               </a:rPr>
-              <a:t>decienden</a:t>
+              <a:t>ports</a:t>
             </a:r>
             <a:r>
               <a:rPr lang="es-PE" sz="1200" b="0" i="0" kern="1200" baseline="0" noProof="0" dirty="0" smtClean="0">
@@ -7006,7 +7033,7 @@
                 <a:ea typeface="+mn-ea"/>
                 <a:cs typeface="+mn-cs"/>
               </a:rPr>
-              <a:t> o son </a:t>
+              <a:t> de las primera herramientas de este tipo como es </a:t>
             </a:r>
             <a:r>
               <a:rPr lang="es-PE" sz="1200" b="0" i="0" kern="1200" baseline="0" noProof="0" dirty="0" err="1" smtClean="0">
@@ -7018,31 +7045,7 @@
                 <a:ea typeface="+mn-ea"/>
                 <a:cs typeface="+mn-cs"/>
               </a:rPr>
-              <a:t>ports</a:t>
-            </a:r>
-            <a:r>
-              <a:rPr lang="es-PE" sz="1200" b="0" i="0" kern="1200" baseline="0" noProof="0" dirty="0" smtClean="0">
-                <a:solidFill>
-                  <a:schemeClr val="tx1"/>
-                </a:solidFill>
-                <a:effectLst/>
-                <a:latin typeface="+mn-lt"/>
-                <a:ea typeface="+mn-ea"/>
-                <a:cs typeface="+mn-cs"/>
-              </a:rPr>
-              <a:t> de las primera herramientas de este tipo como es </a:t>
-            </a:r>
-            <a:r>
-              <a:rPr lang="es-PE" sz="1200" b="0" i="0" kern="1200" baseline="0" noProof="0" dirty="0" err="1" smtClean="0">
-                <a:solidFill>
-                  <a:schemeClr val="tx1"/>
-                </a:solidFill>
-                <a:effectLst/>
-                <a:latin typeface="+mn-lt"/>
-                <a:ea typeface="+mn-ea"/>
-                <a:cs typeface="+mn-cs"/>
-              </a:rPr>
-              <a:t>Sunit</a:t>
+              <a:t>SUnit</a:t>
             </a:r>
             <a:r>
               <a:rPr lang="es-PE" sz="1200" b="0" i="0" kern="1200" baseline="0" noProof="0" dirty="0" smtClean="0">
@@ -7079,7 +7082,68 @@
                 <a:ea typeface="+mn-ea"/>
                 <a:cs typeface="+mn-cs"/>
               </a:rPr>
-              <a:t>Es importante decir, que debido a que estas frameworks nos proveen toda la infraestructura para realizar pruebas, no se utilizan únicamente para realizar pruebas unitarias sino también otros tipos de pruebas</a:t>
+              <a:t>Es importante decir, que debido a que estas frameworks nos proveen toda la infraestructura para realizar pruebas, no se utilizan únicamente para realizar pruebas unitarias sino también otros tipos de </a:t>
+            </a:r>
+            <a:r>
+              <a:rPr lang="es-PE" sz="1200" b="0" i="0" kern="1200" baseline="0" noProof="0" dirty="0" smtClean="0">
+                <a:solidFill>
+                  <a:schemeClr val="tx1"/>
+                </a:solidFill>
+                <a:effectLst/>
+                <a:latin typeface="+mn-lt"/>
+                <a:ea typeface="+mn-ea"/>
+                <a:cs typeface="+mn-cs"/>
+              </a:rPr>
+              <a:t>pruebas.</a:t>
+            </a:r>
+          </a:p>
+          <a:p>
+            <a:endParaRPr lang="es-PE" sz="1200" b="0" i="0" kern="1200" baseline="0" noProof="0" dirty="0" smtClean="0">
+              <a:solidFill>
+                <a:schemeClr val="tx1"/>
+              </a:solidFill>
+              <a:effectLst/>
+              <a:latin typeface="+mn-lt"/>
+              <a:ea typeface="+mn-ea"/>
+              <a:cs typeface="+mn-cs"/>
+            </a:endParaRPr>
+          </a:p>
+          <a:p>
+            <a:r>
+              <a:rPr lang="es-PE" sz="1200" b="0" i="0" kern="1200" baseline="0" noProof="0" dirty="0" smtClean="0">
+                <a:solidFill>
+                  <a:schemeClr val="tx1"/>
+                </a:solidFill>
+                <a:effectLst/>
+                <a:latin typeface="+mn-lt"/>
+                <a:ea typeface="+mn-ea"/>
+                <a:cs typeface="+mn-cs"/>
+              </a:rPr>
+              <a:t>Tienen una arquitectura </a:t>
+            </a:r>
+            <a:r>
+              <a:rPr lang="es-PE" sz="1200" b="0" i="0" kern="1200" baseline="0" noProof="0" dirty="0" err="1" smtClean="0">
+                <a:solidFill>
+                  <a:schemeClr val="tx1"/>
+                </a:solidFill>
+                <a:effectLst/>
+                <a:latin typeface="+mn-lt"/>
+                <a:ea typeface="+mn-ea"/>
+                <a:cs typeface="+mn-cs"/>
+              </a:rPr>
+              <a:t>Standart</a:t>
+            </a:r>
+            <a:r>
+              <a:rPr lang="es-PE" sz="1200" b="0" i="0" kern="1200" baseline="0" noProof="0" dirty="0" smtClean="0">
+                <a:solidFill>
+                  <a:schemeClr val="tx1"/>
+                </a:solidFill>
+                <a:effectLst/>
+                <a:latin typeface="+mn-lt"/>
+                <a:ea typeface="+mn-ea"/>
+                <a:cs typeface="+mn-cs"/>
+              </a:rPr>
+              <a:t>, lo que significa que el conocer alguna de estas te permite conocer rápidamente una nueva inclusive en otro lenguaje.</a:t>
             </a:r>
             <a:endParaRPr lang="es-PE" noProof="0" dirty="0"/>
           </a:p>
@@ -7407,7 +7471,7 @@
             <a:fld id="{807CB568-C05F-482F-9F26-AA302B8892DF}" type="datetimeFigureOut">
               <a:rPr lang="es-ES" smtClean="0"/>
               <a:pPr/>
-              <a:t>04/02/2013</a:t>
+              <a:t>12/04/2013</a:t>
             </a:fld>
             <a:endParaRPr lang="es-ES"/>
           </a:p>
@@ -7586,7 +7650,7 @@
             <a:fld id="{807CB568-C05F-482F-9F26-AA302B8892DF}" type="datetimeFigureOut">
               <a:rPr lang="es-ES" smtClean="0"/>
               <a:pPr/>
-              <a:t>04/02/2013</a:t>
+              <a:t>12/04/2013</a:t>
             </a:fld>
             <a:endParaRPr lang="es-ES"/>
           </a:p>
@@ -7775,7 +7839,7 @@
             <a:fld id="{807CB568-C05F-482F-9F26-AA302B8892DF}" type="datetimeFigureOut">
               <a:rPr lang="es-ES" smtClean="0"/>
               <a:pPr/>
-              <a:t>04/02/2013</a:t>
+              <a:t>12/04/2013</a:t>
             </a:fld>
             <a:endParaRPr lang="es-ES"/>
           </a:p>
@@ -7954,7 +8018,7 @@
             <a:fld id="{807CB568-C05F-482F-9F26-AA302B8892DF}" type="datetimeFigureOut">
               <a:rPr lang="es-ES" smtClean="0"/>
               <a:pPr/>
-              <a:t>04/02/2013</a:t>
+              <a:t>12/04/2013</a:t>
             </a:fld>
             <a:endParaRPr lang="es-ES"/>
           </a:p>
@@ -8209,7 +8273,7 @@
             <a:fld id="{807CB568-C05F-482F-9F26-AA302B8892DF}" type="datetimeFigureOut">
               <a:rPr lang="es-ES" smtClean="0"/>
               <a:pPr/>
-              <a:t>04/02/2013</a:t>
+              <a:t>12/04/2013</a:t>
             </a:fld>
             <a:endParaRPr lang="es-ES"/>
           </a:p>
@@ -8506,7 +8570,7 @@
             <a:fld id="{807CB568-C05F-482F-9F26-AA302B8892DF}" type="datetimeFigureOut">
               <a:rPr lang="es-ES" smtClean="0"/>
               <a:pPr/>
-              <a:t>04/02/2013</a:t>
+              <a:t>12/04/2013</a:t>
             </a:fld>
             <a:endParaRPr lang="es-ES"/>
           </a:p>
@@ -8937,7 +9001,7 @@
             <a:fld id="{807CB568-C05F-482F-9F26-AA302B8892DF}" type="datetimeFigureOut">
               <a:rPr lang="es-ES" smtClean="0"/>
               <a:pPr/>
-              <a:t>04/02/2013</a:t>
+              <a:t>12/04/2013</a:t>
             </a:fld>
             <a:endParaRPr lang="es-ES"/>
           </a:p>
@@ -9064,7 +9128,7 @@
             <a:fld id="{807CB568-C05F-482F-9F26-AA302B8892DF}" type="datetimeFigureOut">
               <a:rPr lang="es-ES" smtClean="0"/>
               <a:pPr/>
-              <a:t>04/02/2013</a:t>
+              <a:t>12/04/2013</a:t>
             </a:fld>
             <a:endParaRPr lang="es-ES"/>
           </a:p>
@@ -9168,7 +9232,7 @@
             <a:fld id="{807CB568-C05F-482F-9F26-AA302B8892DF}" type="datetimeFigureOut">
               <a:rPr lang="es-ES" smtClean="0"/>
               <a:pPr/>
-              <a:t>04/02/2013</a:t>
+              <a:t>12/04/2013</a:t>
             </a:fld>
             <a:endParaRPr lang="es-ES"/>
           </a:p>
@@ -9454,7 +9518,7 @@
             <a:fld id="{807CB568-C05F-482F-9F26-AA302B8892DF}" type="datetimeFigureOut">
               <a:rPr lang="es-ES" smtClean="0"/>
               <a:pPr/>
-              <a:t>04/02/2013</a:t>
+              <a:t>12/04/2013</a:t>
             </a:fld>
             <a:endParaRPr lang="es-ES"/>
           </a:p>
@@ -9723,7 +9787,7 @@
             <a:fld id="{807CB568-C05F-482F-9F26-AA302B8892DF}" type="datetimeFigureOut">
               <a:rPr lang="es-ES" smtClean="0"/>
               <a:pPr/>
-              <a:t>04/02/2013</a:t>
+              <a:t>12/04/2013</a:t>
             </a:fld>
             <a:endParaRPr lang="es-ES"/>
           </a:p>
@@ -9974,7 +10038,7 @@
             <a:fld id="{807CB568-C05F-482F-9F26-AA302B8892DF}" type="datetimeFigureOut">
               <a:rPr lang="es-ES" smtClean="0"/>
               <a:pPr/>
-              <a:t>04/02/2013</a:t>
+              <a:t>12/04/2013</a:t>
             </a:fld>
             <a:endParaRPr lang="es-ES"/>
           </a:p>
@@ -13266,8 +13330,8 @@
         </p:nvSpPr>
         <p:spPr bwMode="auto">
           <a:xfrm>
-            <a:off x="257219" y="1144702"/>
-            <a:ext cx="8712968" cy="864096"/>
+            <a:off x="257218" y="1144702"/>
+            <a:ext cx="8729602" cy="988154"/>
           </a:xfrm>
           <a:prstGeom prst="rect">
             <a:avLst/>
@@ -13440,21 +13504,10 @@
           </a:lstStyle>
           <a:p>
             <a:r>
-              <a:rPr lang="es-PE" sz="2400" dirty="0"/>
-              <a:t>Métodos </a:t>
-            </a:r>
-            <a:r>
               <a:rPr lang="es-PE" sz="2400" dirty="0" smtClean="0"/>
-              <a:t>sencillos que podemos utilizar para </a:t>
-            </a:r>
-            <a:r>
-              <a:rPr lang="es-PE" sz="2400" dirty="0"/>
-              <a:t>verificar el éxito o fracaso de nuestras pruebas</a:t>
-            </a:r>
-            <a:r>
-              <a:rPr lang="es-PE" sz="2400" dirty="0" smtClean="0"/>
-              <a:t>.</a:t>
-            </a:r>
+              <a:t>Utilitarios que sirven para comprobar que los valores obtenidos al ejecutar la prueba cumplen las condiciones esperadas. </a:t>
+            </a:r>
+            <a:endParaRPr lang="es-PE" sz="2400" dirty="0" smtClean="0"/>
           </a:p>
         </p:txBody>
       </p:sp>
@@ -13645,8 +13698,8 @@
         </p:nvSpPr>
         <p:spPr bwMode="auto">
           <a:xfrm>
-            <a:off x="273852" y="4332307"/>
-            <a:ext cx="8712968" cy="864096"/>
+            <a:off x="273852" y="4495576"/>
+            <a:ext cx="8712968" cy="1227316"/>
           </a:xfrm>
           <a:prstGeom prst="rect">
             <a:avLst/>
@@ -13820,7 +13873,15 @@
           <a:p>
             <a:r>
               <a:rPr lang="es-PE" sz="2400" dirty="0" smtClean="0"/>
-              <a:t>Si el test falla, nos devuelven un mensaje con información precisa para poder solucionar el problema.</a:t>
+              <a:t>Si </a:t>
+            </a:r>
+            <a:r>
+              <a:rPr lang="es-PE" sz="2400" dirty="0" smtClean="0"/>
+              <a:t>la condición no se cumple, se lanza una excepción y nos </a:t>
+            </a:r>
+            <a:r>
+              <a:rPr lang="es-PE" sz="2400" dirty="0" smtClean="0"/>
+              <a:t>devuelven un mensaje con información precisa para poder solucionar el problema.</a:t>
             </a:r>
             <a:endParaRPr lang="es-PE" sz="2400" dirty="0" smtClean="0">
               <a:solidFill>
@@ -13838,7 +13899,7 @@
         </p:nvSpPr>
         <p:spPr>
           <a:xfrm>
-            <a:off x="1472292" y="5271591"/>
+            <a:off x="1472292" y="5794900"/>
             <a:ext cx="6454011" cy="461665"/>
           </a:xfrm>
           <a:prstGeom prst="rect">
@@ -13939,7 +14000,7 @@
         </p:blipFill>
         <p:spPr bwMode="auto">
           <a:xfrm>
-            <a:off x="2301473" y="2185611"/>
+            <a:off x="2301473" y="2276872"/>
             <a:ext cx="4657725" cy="1943100"/>
           </a:xfrm>
           <a:prstGeom prst="rect">
@@ -26872,7 +26933,7 @@
         </p:nvSpPr>
         <p:spPr bwMode="auto">
           <a:xfrm>
-            <a:off x="323528" y="1484784"/>
+            <a:off x="323528" y="1345630"/>
             <a:ext cx="8568952" cy="3888432"/>
           </a:xfrm>
           <a:prstGeom prst="rect">
@@ -27045,16 +27106,56 @@
             </a:lvl9pPr>
           </a:lstStyle>
           <a:p>
-            <a:pPr marL="0" indent="0">
+            <a:pPr marL="0" indent="0" algn="ctr">
               <a:buNone/>
             </a:pPr>
             <a:r>
               <a:rPr lang="es-PE" sz="2800" dirty="0" smtClean="0"/>
-              <a:t>Frameworks que nos proveen todos los mecanismos necesarios para ejecutar la lógica específica a nuestra prueba sin preocuparnos por la infraestructura necesaria.</a:t>
-            </a:r>
-          </a:p>
-          <a:p>
-            <a:pPr marL="0" indent="0">
+              <a:t>Permiten ejecutar lógica </a:t>
+            </a:r>
+            <a:r>
+              <a:rPr lang="es-PE" sz="2800" dirty="0" smtClean="0"/>
+              <a:t>específica a </a:t>
+            </a:r>
+            <a:r>
+              <a:rPr lang="es-PE" sz="2800" dirty="0" smtClean="0"/>
+              <a:t>nuestras pruebas </a:t>
+            </a:r>
+            <a:r>
+              <a:rPr lang="es-PE" sz="2800" dirty="0" smtClean="0"/>
+              <a:t>sin preocuparnos por la infraestructura </a:t>
+            </a:r>
+            <a:r>
+              <a:rPr lang="es-PE" sz="2800" dirty="0" smtClean="0"/>
+              <a:t>necesaria.</a:t>
+            </a:r>
+          </a:p>
+          <a:p>
+            <a:pPr marL="0" indent="0" algn="ctr">
+              <a:buNone/>
+            </a:pPr>
+            <a:endParaRPr lang="es-PE" sz="1200" dirty="0" smtClean="0"/>
+          </a:p>
+          <a:p>
+            <a:pPr marL="0" indent="0" algn="ctr">
+              <a:buNone/>
+            </a:pPr>
+            <a:r>
+              <a:rPr lang="es-PE" sz="2400" dirty="0" smtClean="0"/>
+              <a:t>(Crear, Organizar y Ejecutar pruebas,</a:t>
+            </a:r>
+          </a:p>
+          <a:p>
+            <a:pPr marL="0" indent="0" algn="ctr">
+              <a:buNone/>
+            </a:pPr>
+            <a:r>
+              <a:rPr lang="es-PE" sz="2400" dirty="0" smtClean="0"/>
+              <a:t>Comparar esperados vs obtenidos, Reportar resultados)</a:t>
+            </a:r>
+          </a:p>
+          <a:p>
+            <a:pPr marL="0" indent="0" algn="ctr">
               <a:buNone/>
             </a:pPr>
             <a:endParaRPr lang="es-PE" sz="2800" dirty="0" smtClean="0"/>
@@ -27073,15 +27174,15 @@
               <a:t>.NET:  </a:t>
             </a:r>
             <a:r>
-              <a:rPr lang="es-PE" sz="2400" dirty="0" err="1"/>
+              <a:rPr lang="es-PE" sz="2400" dirty="0" err="1" smtClean="0"/>
               <a:t>NUnit</a:t>
             </a:r>
             <a:r>
-              <a:rPr lang="es-PE" sz="2400" dirty="0"/>
+              <a:rPr lang="es-PE" sz="2400" dirty="0" smtClean="0"/>
               <a:t>, </a:t>
             </a:r>
             <a:r>
-              <a:rPr lang="es-PE" dirty="0" err="1">
+              <a:rPr lang="es-PE" dirty="0" err="1" smtClean="0">
                 <a:solidFill>
                   <a:srgbClr val="FFC000"/>
                 </a:solidFill>
@@ -27089,7 +27190,7 @@
               <a:t>MSTest</a:t>
             </a:r>
             <a:r>
-              <a:rPr lang="es-PE" dirty="0">
+              <a:rPr lang="es-PE" dirty="0" smtClean="0">
                 <a:solidFill>
                   <a:srgbClr val="FFC000"/>
                 </a:solidFill>
@@ -27102,15 +27203,11 @@
             </a:r>
             <a:r>
               <a:rPr lang="es-PE" sz="2400" dirty="0" err="1" smtClean="0"/>
-              <a:t>Mbunit</a:t>
-            </a:r>
-            <a:r>
-              <a:rPr lang="es-PE" sz="2400" dirty="0"/>
-              <a:t> </a:t>
+              <a:t>MbUnit</a:t>
             </a:r>
             <a:r>
               <a:rPr lang="es-PE" sz="2400" dirty="0" smtClean="0"/>
-              <a:t>…..</a:t>
+              <a:t> …..</a:t>
             </a:r>
           </a:p>
           <a:p>
@@ -27119,12 +27216,20 @@
               <a:buChar char="o"/>
             </a:pPr>
             <a:r>
+              <a:rPr lang="es-PE" sz="3000" dirty="0" smtClean="0">
+                <a:solidFill>
+                  <a:srgbClr val="FF0000"/>
+                </a:solidFill>
+              </a:rPr>
+              <a:t>Java</a:t>
+            </a:r>
+            <a:r>
               <a:rPr lang="es-PE" sz="3000" dirty="0">
                 <a:solidFill>
                   <a:srgbClr val="FF0000"/>
                 </a:solidFill>
               </a:rPr>
-              <a:t>Java:   </a:t>
+              <a:t>:   </a:t>
             </a:r>
             <a:r>
               <a:rPr lang="es-PE" sz="2400" dirty="0" err="1"/>
@@ -27156,16 +27261,9 @@
             </a:r>
             <a:r>
               <a:rPr lang="es-PE" sz="2400" dirty="0" smtClean="0"/>
-              <a:t>, </a:t>
-            </a:r>
-            <a:r>
-              <a:rPr lang="es-PE" sz="2400" dirty="0" err="1" smtClean="0"/>
-              <a:t>JTiger</a:t>
-            </a:r>
-            <a:r>
-              <a:rPr lang="es-PE" sz="2400" dirty="0" smtClean="0"/>
-              <a:t> ….. </a:t>
-            </a:r>
+              <a:t>, ….. </a:t>
+            </a:r>
+            <a:endParaRPr lang="es-PE" sz="2400" dirty="0" smtClean="0"/>
           </a:p>
           <a:p>
             <a:pPr lvl="1" indent="-342900">
@@ -27221,7 +27319,7 @@
         </p:nvSpPr>
         <p:spPr bwMode="auto">
           <a:xfrm>
-            <a:off x="493204" y="471810"/>
+            <a:off x="493204" y="332656"/>
             <a:ext cx="8229600" cy="724942"/>
           </a:xfrm>
           <a:prstGeom prst="rect">

--- a/Diapositivas/1. Unit Testing.pptx
+++ b/Diapositivas/1. Unit Testing.pptx
@@ -246,7 +246,7 @@
           <a:p>
             <a:fld id="{63D5FC4C-9EE1-4746-A368-724F618FC790}" type="datetimeFigureOut">
               <a:rPr lang="es-PE" smtClean="0"/>
-              <a:t>12/04/2013</a:t>
+              <a:t>17/04/2013</a:t>
             </a:fld>
             <a:endParaRPr lang="es-PE"/>
           </a:p>
@@ -889,32 +889,6 @@
               <a:t> con JAVA.</a:t>
             </a:r>
           </a:p>
-          <a:p>
-            <a:endParaRPr lang="en-US" baseline="0" noProof="0" dirty="0" smtClean="0"/>
-          </a:p>
-          <a:p>
-            <a:r>
-              <a:rPr lang="en-US" b="1" u="sng" baseline="0" noProof="0" dirty="0" err="1" smtClean="0"/>
-              <a:t>Ordenar</a:t>
-            </a:r>
-            <a:r>
-              <a:rPr lang="en-US" b="1" u="sng" baseline="0" noProof="0" dirty="0" smtClean="0"/>
-              <a:t> </a:t>
-            </a:r>
-            <a:r>
-              <a:rPr lang="en-US" b="1" u="sng" baseline="0" noProof="0" dirty="0" err="1" smtClean="0"/>
-              <a:t>explicación</a:t>
-            </a:r>
-            <a:r>
-              <a:rPr lang="en-US" b="1" u="sng" baseline="0" noProof="0" dirty="0" smtClean="0"/>
-              <a:t> de </a:t>
-            </a:r>
-            <a:r>
-              <a:rPr lang="en-US" b="1" u="sng" baseline="0" noProof="0" dirty="0" err="1" smtClean="0"/>
-              <a:t>convenciones</a:t>
-            </a:r>
-            <a:endParaRPr lang="es-PE" b="1" u="sng" noProof="0" dirty="0"/>
-          </a:p>
         </p:txBody>
       </p:sp>
       <p:sp>
@@ -1138,12 +1112,6 @@
           <a:p>
             <a:r>
               <a:rPr lang="es-PE" noProof="0" dirty="0" smtClean="0"/>
-              <a:t>Se crea una clase solo para el propósito de las pruebas.</a:t>
-            </a:r>
-          </a:p>
-          <a:p>
-            <a:r>
-              <a:rPr lang="es-PE" noProof="0" dirty="0" smtClean="0"/>
               <a:t>Los</a:t>
             </a:r>
             <a:r>
@@ -6985,31 +6953,7 @@
                 <a:ea typeface="+mn-ea"/>
                 <a:cs typeface="+mn-cs"/>
               </a:rPr>
-              <a:t> Frameworks ya q </a:t>
-            </a:r>
-            <a:r>
-              <a:rPr lang="es-PE" sz="1200" b="0" i="0" kern="1200" baseline="0" noProof="0" dirty="0" smtClean="0">
-                <a:solidFill>
-                  <a:schemeClr val="tx1"/>
-                </a:solidFill>
-                <a:effectLst/>
-                <a:latin typeface="+mn-lt"/>
-                <a:ea typeface="+mn-ea"/>
-                <a:cs typeface="+mn-cs"/>
-              </a:rPr>
-              <a:t>descienden </a:t>
-            </a:r>
-            <a:r>
-              <a:rPr lang="es-PE" sz="1200" b="0" i="0" kern="1200" baseline="0" noProof="0" dirty="0" smtClean="0">
-                <a:solidFill>
-                  <a:schemeClr val="tx1"/>
-                </a:solidFill>
-                <a:effectLst/>
-                <a:latin typeface="+mn-lt"/>
-                <a:ea typeface="+mn-ea"/>
-                <a:cs typeface="+mn-cs"/>
-              </a:rPr>
-              <a:t>o son </a:t>
+              <a:t> Frameworks ya q descienden o son </a:t>
             </a:r>
             <a:r>
               <a:rPr lang="es-PE" sz="1200" b="0" i="0" kern="1200" baseline="0" noProof="0" dirty="0" err="1" smtClean="0">
@@ -7082,19 +7026,7 @@
                 <a:ea typeface="+mn-ea"/>
                 <a:cs typeface="+mn-cs"/>
               </a:rPr>
-              <a:t>Es importante decir, que debido a que estas frameworks nos proveen toda la infraestructura para realizar pruebas, no se utilizan únicamente para realizar pruebas unitarias sino también otros tipos de </a:t>
-            </a:r>
-            <a:r>
-              <a:rPr lang="es-PE" sz="1200" b="0" i="0" kern="1200" baseline="0" noProof="0" dirty="0" smtClean="0">
-                <a:solidFill>
-                  <a:schemeClr val="tx1"/>
-                </a:solidFill>
-                <a:effectLst/>
-                <a:latin typeface="+mn-lt"/>
-                <a:ea typeface="+mn-ea"/>
-                <a:cs typeface="+mn-cs"/>
-              </a:rPr>
-              <a:t>pruebas.</a:t>
+              <a:t>Es importante decir, que debido a que estas frameworks nos proveen toda la infraestructura para realizar pruebas, no se utilizan únicamente para realizar pruebas unitarias sino también otros tipos de pruebas.</a:t>
             </a:r>
           </a:p>
           <a:p>
@@ -7471,7 +7403,7 @@
             <a:fld id="{807CB568-C05F-482F-9F26-AA302B8892DF}" type="datetimeFigureOut">
               <a:rPr lang="es-ES" smtClean="0"/>
               <a:pPr/>
-              <a:t>12/04/2013</a:t>
+              <a:t>17/04/2013</a:t>
             </a:fld>
             <a:endParaRPr lang="es-ES"/>
           </a:p>
@@ -7650,7 +7582,7 @@
             <a:fld id="{807CB568-C05F-482F-9F26-AA302B8892DF}" type="datetimeFigureOut">
               <a:rPr lang="es-ES" smtClean="0"/>
               <a:pPr/>
-              <a:t>12/04/2013</a:t>
+              <a:t>17/04/2013</a:t>
             </a:fld>
             <a:endParaRPr lang="es-ES"/>
           </a:p>
@@ -7839,7 +7771,7 @@
             <a:fld id="{807CB568-C05F-482F-9F26-AA302B8892DF}" type="datetimeFigureOut">
               <a:rPr lang="es-ES" smtClean="0"/>
               <a:pPr/>
-              <a:t>12/04/2013</a:t>
+              <a:t>17/04/2013</a:t>
             </a:fld>
             <a:endParaRPr lang="es-ES"/>
           </a:p>
@@ -8018,7 +7950,7 @@
             <a:fld id="{807CB568-C05F-482F-9F26-AA302B8892DF}" type="datetimeFigureOut">
               <a:rPr lang="es-ES" smtClean="0"/>
               <a:pPr/>
-              <a:t>12/04/2013</a:t>
+              <a:t>17/04/2013</a:t>
             </a:fld>
             <a:endParaRPr lang="es-ES"/>
           </a:p>
@@ -8273,7 +8205,7 @@
             <a:fld id="{807CB568-C05F-482F-9F26-AA302B8892DF}" type="datetimeFigureOut">
               <a:rPr lang="es-ES" smtClean="0"/>
               <a:pPr/>
-              <a:t>12/04/2013</a:t>
+              <a:t>17/04/2013</a:t>
             </a:fld>
             <a:endParaRPr lang="es-ES"/>
           </a:p>
@@ -8570,7 +8502,7 @@
             <a:fld id="{807CB568-C05F-482F-9F26-AA302B8892DF}" type="datetimeFigureOut">
               <a:rPr lang="es-ES" smtClean="0"/>
               <a:pPr/>
-              <a:t>12/04/2013</a:t>
+              <a:t>17/04/2013</a:t>
             </a:fld>
             <a:endParaRPr lang="es-ES"/>
           </a:p>
@@ -9001,7 +8933,7 @@
             <a:fld id="{807CB568-C05F-482F-9F26-AA302B8892DF}" type="datetimeFigureOut">
               <a:rPr lang="es-ES" smtClean="0"/>
               <a:pPr/>
-              <a:t>12/04/2013</a:t>
+              <a:t>17/04/2013</a:t>
             </a:fld>
             <a:endParaRPr lang="es-ES"/>
           </a:p>
@@ -9128,7 +9060,7 @@
             <a:fld id="{807CB568-C05F-482F-9F26-AA302B8892DF}" type="datetimeFigureOut">
               <a:rPr lang="es-ES" smtClean="0"/>
               <a:pPr/>
-              <a:t>12/04/2013</a:t>
+              <a:t>17/04/2013</a:t>
             </a:fld>
             <a:endParaRPr lang="es-ES"/>
           </a:p>
@@ -9232,7 +9164,7 @@
             <a:fld id="{807CB568-C05F-482F-9F26-AA302B8892DF}" type="datetimeFigureOut">
               <a:rPr lang="es-ES" smtClean="0"/>
               <a:pPr/>
-              <a:t>12/04/2013</a:t>
+              <a:t>17/04/2013</a:t>
             </a:fld>
             <a:endParaRPr lang="es-ES"/>
           </a:p>
@@ -9518,7 +9450,7 @@
             <a:fld id="{807CB568-C05F-482F-9F26-AA302B8892DF}" type="datetimeFigureOut">
               <a:rPr lang="es-ES" smtClean="0"/>
               <a:pPr/>
-              <a:t>12/04/2013</a:t>
+              <a:t>17/04/2013</a:t>
             </a:fld>
             <a:endParaRPr lang="es-ES"/>
           </a:p>
@@ -9787,7 +9719,7 @@
             <a:fld id="{807CB568-C05F-482F-9F26-AA302B8892DF}" type="datetimeFigureOut">
               <a:rPr lang="es-ES" smtClean="0"/>
               <a:pPr/>
-              <a:t>12/04/2013</a:t>
+              <a:t>17/04/2013</a:t>
             </a:fld>
             <a:endParaRPr lang="es-ES"/>
           </a:p>
@@ -10038,7 +9970,7 @@
             <a:fld id="{807CB568-C05F-482F-9F26-AA302B8892DF}" type="datetimeFigureOut">
               <a:rPr lang="es-ES" smtClean="0"/>
               <a:pPr/>
-              <a:t>12/04/2013</a:t>
+              <a:t>17/04/2013</a:t>
             </a:fld>
             <a:endParaRPr lang="es-ES"/>
           </a:p>
@@ -13507,7 +13439,6 @@
               <a:rPr lang="es-PE" sz="2400" dirty="0" smtClean="0"/>
               <a:t>Utilitarios que sirven para comprobar que los valores obtenidos al ejecutar la prueba cumplen las condiciones esperadas. </a:t>
             </a:r>
-            <a:endParaRPr lang="es-PE" sz="2400" dirty="0" smtClean="0"/>
           </a:p>
         </p:txBody>
       </p:sp>
@@ -13873,15 +13804,7 @@
           <a:p>
             <a:r>
               <a:rPr lang="es-PE" sz="2400" dirty="0" smtClean="0"/>
-              <a:t>Si </a:t>
-            </a:r>
-            <a:r>
-              <a:rPr lang="es-PE" sz="2400" dirty="0" smtClean="0"/>
-              <a:t>la condición no se cumple, se lanza una excepción y nos </a:t>
-            </a:r>
-            <a:r>
-              <a:rPr lang="es-PE" sz="2400" dirty="0" smtClean="0"/>
-              <a:t>devuelven un mensaje con información precisa para poder solucionar el problema.</a:t>
+              <a:t>Si la condición no se cumple, se lanza una excepción y nos devuelven un mensaje con información precisa para poder solucionar el problema.</a:t>
             </a:r>
             <a:endParaRPr lang="es-PE" sz="2400" dirty="0" smtClean="0">
               <a:solidFill>
@@ -14741,7 +14664,7 @@
                   <a:srgbClr val="00823B"/>
                 </a:solidFill>
               </a:rPr>
-              <a:t>Estructura de una prueba</a:t>
+              <a:t>Estructura Universal de una Prueba</a:t>
             </a:r>
             <a:endParaRPr lang="es-PE" dirty="0">
               <a:solidFill>
@@ -19328,9 +19251,282 @@
           </a:p>
         </p:txBody>
       </p:sp>
+      <p:sp>
+        <p:nvSpPr>
+          <p:cNvPr id="7" name="2 Título"/>
+          <p:cNvSpPr txBox="1">
+            <a:spLocks/>
+          </p:cNvSpPr>
+          <p:nvPr/>
+        </p:nvSpPr>
+        <p:spPr bwMode="auto">
+          <a:xfrm>
+            <a:off x="0" y="379020"/>
+            <a:ext cx="9135414" cy="1012974"/>
+          </a:xfrm>
+          <a:prstGeom prst="rect">
+            <a:avLst/>
+          </a:prstGeom>
+          <a:noFill/>
+          <a:ln w="9525">
+            <a:noFill/>
+            <a:miter lim="800000"/>
+            <a:headEnd/>
+            <a:tailEnd/>
+          </a:ln>
+        </p:spPr>
+        <p:txBody>
+          <a:bodyPr vert="horz" wrap="square" lIns="91440" tIns="45720" rIns="91440" bIns="45720" numCol="1" anchor="ctr" anchorCtr="0" compatLnSpc="1">
+            <a:prstTxWarp prst="textNoShape">
+              <a:avLst/>
+            </a:prstTxWarp>
+          </a:bodyPr>
+          <a:lstStyle>
+            <a:lvl1pPr algn="ctr" rtl="0" eaLnBrk="1" fontAlgn="base" hangingPunct="1">
+              <a:spcBef>
+                <a:spcPct val="0"/>
+              </a:spcBef>
+              <a:spcAft>
+                <a:spcPct val="0"/>
+              </a:spcAft>
+              <a:defRPr sz="4400" kern="1200">
+                <a:solidFill>
+                  <a:schemeClr val="tx1"/>
+                </a:solidFill>
+                <a:latin typeface="+mj-lt"/>
+                <a:ea typeface="+mj-ea"/>
+                <a:cs typeface="+mj-cs"/>
+              </a:defRPr>
+            </a:lvl1pPr>
+            <a:lvl2pPr algn="ctr" rtl="0" eaLnBrk="1" fontAlgn="base" hangingPunct="1">
+              <a:spcBef>
+                <a:spcPct val="0"/>
+              </a:spcBef>
+              <a:spcAft>
+                <a:spcPct val="0"/>
+              </a:spcAft>
+              <a:defRPr sz="4400">
+                <a:solidFill>
+                  <a:schemeClr val="tx1"/>
+                </a:solidFill>
+                <a:latin typeface="Calibri" pitchFamily="34" charset="0"/>
+              </a:defRPr>
+            </a:lvl2pPr>
+            <a:lvl3pPr algn="ctr" rtl="0" eaLnBrk="1" fontAlgn="base" hangingPunct="1">
+              <a:spcBef>
+                <a:spcPct val="0"/>
+              </a:spcBef>
+              <a:spcAft>
+                <a:spcPct val="0"/>
+              </a:spcAft>
+              <a:defRPr sz="4400">
+                <a:solidFill>
+                  <a:schemeClr val="tx1"/>
+                </a:solidFill>
+                <a:latin typeface="Calibri" pitchFamily="34" charset="0"/>
+              </a:defRPr>
+            </a:lvl3pPr>
+            <a:lvl4pPr algn="ctr" rtl="0" eaLnBrk="1" fontAlgn="base" hangingPunct="1">
+              <a:spcBef>
+                <a:spcPct val="0"/>
+              </a:spcBef>
+              <a:spcAft>
+                <a:spcPct val="0"/>
+              </a:spcAft>
+              <a:defRPr sz="4400">
+                <a:solidFill>
+                  <a:schemeClr val="tx1"/>
+                </a:solidFill>
+                <a:latin typeface="Calibri" pitchFamily="34" charset="0"/>
+              </a:defRPr>
+            </a:lvl4pPr>
+            <a:lvl5pPr algn="ctr" rtl="0" eaLnBrk="1" fontAlgn="base" hangingPunct="1">
+              <a:spcBef>
+                <a:spcPct val="0"/>
+              </a:spcBef>
+              <a:spcAft>
+                <a:spcPct val="0"/>
+              </a:spcAft>
+              <a:defRPr sz="4400">
+                <a:solidFill>
+                  <a:schemeClr val="tx1"/>
+                </a:solidFill>
+                <a:latin typeface="Calibri" pitchFamily="34" charset="0"/>
+              </a:defRPr>
+            </a:lvl5pPr>
+            <a:lvl6pPr marL="457200" algn="ctr" rtl="0" eaLnBrk="1" fontAlgn="base" hangingPunct="1">
+              <a:spcBef>
+                <a:spcPct val="0"/>
+              </a:spcBef>
+              <a:spcAft>
+                <a:spcPct val="0"/>
+              </a:spcAft>
+              <a:defRPr sz="4400">
+                <a:solidFill>
+                  <a:schemeClr val="tx1"/>
+                </a:solidFill>
+                <a:latin typeface="Calibri" pitchFamily="34" charset="0"/>
+              </a:defRPr>
+            </a:lvl6pPr>
+            <a:lvl7pPr marL="914400" algn="ctr" rtl="0" eaLnBrk="1" fontAlgn="base" hangingPunct="1">
+              <a:spcBef>
+                <a:spcPct val="0"/>
+              </a:spcBef>
+              <a:spcAft>
+                <a:spcPct val="0"/>
+              </a:spcAft>
+              <a:defRPr sz="4400">
+                <a:solidFill>
+                  <a:schemeClr val="tx1"/>
+                </a:solidFill>
+                <a:latin typeface="Calibri" pitchFamily="34" charset="0"/>
+              </a:defRPr>
+            </a:lvl7pPr>
+            <a:lvl8pPr marL="1371600" algn="ctr" rtl="0" eaLnBrk="1" fontAlgn="base" hangingPunct="1">
+              <a:spcBef>
+                <a:spcPct val="0"/>
+              </a:spcBef>
+              <a:spcAft>
+                <a:spcPct val="0"/>
+              </a:spcAft>
+              <a:defRPr sz="4400">
+                <a:solidFill>
+                  <a:schemeClr val="tx1"/>
+                </a:solidFill>
+                <a:latin typeface="Calibri" pitchFamily="34" charset="0"/>
+              </a:defRPr>
+            </a:lvl8pPr>
+            <a:lvl9pPr marL="1828800" algn="ctr" rtl="0" eaLnBrk="1" fontAlgn="base" hangingPunct="1">
+              <a:spcBef>
+                <a:spcPct val="0"/>
+              </a:spcBef>
+              <a:spcAft>
+                <a:spcPct val="0"/>
+              </a:spcAft>
+              <a:defRPr sz="4400">
+                <a:solidFill>
+                  <a:schemeClr val="tx1"/>
+                </a:solidFill>
+                <a:latin typeface="Calibri" pitchFamily="34" charset="0"/>
+              </a:defRPr>
+            </a:lvl9pPr>
+          </a:lstStyle>
+          <a:p>
+            <a:r>
+              <a:rPr lang="es-PE" dirty="0" smtClean="0">
+                <a:solidFill>
+                  <a:srgbClr val="00823B"/>
+                </a:solidFill>
+              </a:rPr>
+              <a:t>¿</a:t>
+            </a:r>
+            <a:r>
+              <a:rPr lang="en-US" dirty="0" err="1" smtClean="0">
+                <a:solidFill>
+                  <a:srgbClr val="00823B"/>
+                </a:solidFill>
+              </a:rPr>
+              <a:t>Por</a:t>
+            </a:r>
+            <a:r>
+              <a:rPr lang="en-US" dirty="0" smtClean="0">
+                <a:solidFill>
+                  <a:srgbClr val="00823B"/>
+                </a:solidFill>
+              </a:rPr>
+              <a:t> </a:t>
+            </a:r>
+            <a:r>
+              <a:rPr lang="en-US" dirty="0" err="1" smtClean="0">
+                <a:solidFill>
+                  <a:srgbClr val="00823B"/>
+                </a:solidFill>
+              </a:rPr>
+              <a:t>qué</a:t>
+            </a:r>
+            <a:r>
+              <a:rPr lang="en-US" dirty="0" smtClean="0">
+                <a:solidFill>
+                  <a:srgbClr val="00823B"/>
+                </a:solidFill>
+              </a:rPr>
+              <a:t> no </a:t>
+            </a:r>
+            <a:r>
+              <a:rPr lang="en-US" dirty="0" err="1" smtClean="0">
+                <a:solidFill>
+                  <a:srgbClr val="00823B"/>
+                </a:solidFill>
+              </a:rPr>
+              <a:t>escribir</a:t>
+            </a:r>
+            <a:r>
+              <a:rPr lang="en-US" dirty="0" smtClean="0">
+                <a:solidFill>
+                  <a:srgbClr val="00823B"/>
+                </a:solidFill>
+              </a:rPr>
+              <a:t> </a:t>
+            </a:r>
+            <a:r>
+              <a:rPr lang="en-US" dirty="0" err="1" smtClean="0">
+                <a:solidFill>
+                  <a:srgbClr val="00823B"/>
+                </a:solidFill>
+              </a:rPr>
+              <a:t>pruebas</a:t>
+            </a:r>
+            <a:r>
+              <a:rPr lang="en-US" dirty="0" smtClean="0">
+                <a:solidFill>
+                  <a:srgbClr val="00823B"/>
+                </a:solidFill>
+              </a:rPr>
+              <a:t> </a:t>
+            </a:r>
+            <a:r>
+              <a:rPr lang="en-US" dirty="0" err="1" smtClean="0">
+                <a:solidFill>
+                  <a:srgbClr val="00823B"/>
+                </a:solidFill>
+              </a:rPr>
+              <a:t>más</a:t>
+            </a:r>
+            <a:r>
+              <a:rPr lang="en-US" dirty="0" smtClean="0">
+                <a:solidFill>
+                  <a:srgbClr val="00823B"/>
+                </a:solidFill>
+              </a:rPr>
+              <a:t> </a:t>
+            </a:r>
+            <a:r>
+              <a:rPr lang="en-US" dirty="0" err="1" smtClean="0">
+                <a:solidFill>
+                  <a:srgbClr val="00823B"/>
+                </a:solidFill>
+              </a:rPr>
+              <a:t>grandes</a:t>
+            </a:r>
+            <a:r>
+              <a:rPr lang="en-US" dirty="0" smtClean="0">
+                <a:solidFill>
+                  <a:srgbClr val="00823B"/>
+                </a:solidFill>
+              </a:rPr>
+              <a:t>?</a:t>
+            </a:r>
+            <a:endParaRPr lang="es-PE" dirty="0">
+              <a:solidFill>
+                <a:srgbClr val="00823B"/>
+              </a:solidFill>
+            </a:endParaRPr>
+          </a:p>
+        </p:txBody>
+      </p:sp>
       <p:pic>
         <p:nvPicPr>
-          <p:cNvPr id="2050" name="Picture 2"/>
+          <p:cNvPr id="6" name="Picture 2"/>
           <p:cNvPicPr>
             <a:picLocks noChangeAspect="1" noChangeArrowheads="1"/>
           </p:cNvPicPr>
@@ -19392,279 +19588,6 @@
           </a:extLst>
         </p:spPr>
       </p:pic>
-      <p:sp>
-        <p:nvSpPr>
-          <p:cNvPr id="7" name="2 Título"/>
-          <p:cNvSpPr txBox="1">
-            <a:spLocks/>
-          </p:cNvSpPr>
-          <p:nvPr/>
-        </p:nvSpPr>
-        <p:spPr bwMode="auto">
-          <a:xfrm>
-            <a:off x="0" y="379020"/>
-            <a:ext cx="9135414" cy="1012974"/>
-          </a:xfrm>
-          <a:prstGeom prst="rect">
-            <a:avLst/>
-          </a:prstGeom>
-          <a:noFill/>
-          <a:ln w="9525">
-            <a:noFill/>
-            <a:miter lim="800000"/>
-            <a:headEnd/>
-            <a:tailEnd/>
-          </a:ln>
-        </p:spPr>
-        <p:txBody>
-          <a:bodyPr vert="horz" wrap="square" lIns="91440" tIns="45720" rIns="91440" bIns="45720" numCol="1" anchor="ctr" anchorCtr="0" compatLnSpc="1">
-            <a:prstTxWarp prst="textNoShape">
-              <a:avLst/>
-            </a:prstTxWarp>
-          </a:bodyPr>
-          <a:lstStyle>
-            <a:lvl1pPr algn="ctr" rtl="0" eaLnBrk="1" fontAlgn="base" hangingPunct="1">
-              <a:spcBef>
-                <a:spcPct val="0"/>
-              </a:spcBef>
-              <a:spcAft>
-                <a:spcPct val="0"/>
-              </a:spcAft>
-              <a:defRPr sz="4400" kern="1200">
-                <a:solidFill>
-                  <a:schemeClr val="tx1"/>
-                </a:solidFill>
-                <a:latin typeface="+mj-lt"/>
-                <a:ea typeface="+mj-ea"/>
-                <a:cs typeface="+mj-cs"/>
-              </a:defRPr>
-            </a:lvl1pPr>
-            <a:lvl2pPr algn="ctr" rtl="0" eaLnBrk="1" fontAlgn="base" hangingPunct="1">
-              <a:spcBef>
-                <a:spcPct val="0"/>
-              </a:spcBef>
-              <a:spcAft>
-                <a:spcPct val="0"/>
-              </a:spcAft>
-              <a:defRPr sz="4400">
-                <a:solidFill>
-                  <a:schemeClr val="tx1"/>
-                </a:solidFill>
-                <a:latin typeface="Calibri" pitchFamily="34" charset="0"/>
-              </a:defRPr>
-            </a:lvl2pPr>
-            <a:lvl3pPr algn="ctr" rtl="0" eaLnBrk="1" fontAlgn="base" hangingPunct="1">
-              <a:spcBef>
-                <a:spcPct val="0"/>
-              </a:spcBef>
-              <a:spcAft>
-                <a:spcPct val="0"/>
-              </a:spcAft>
-              <a:defRPr sz="4400">
-                <a:solidFill>
-                  <a:schemeClr val="tx1"/>
-                </a:solidFill>
-                <a:latin typeface="Calibri" pitchFamily="34" charset="0"/>
-              </a:defRPr>
-            </a:lvl3pPr>
-            <a:lvl4pPr algn="ctr" rtl="0" eaLnBrk="1" fontAlgn="base" hangingPunct="1">
-              <a:spcBef>
-                <a:spcPct val="0"/>
-              </a:spcBef>
-              <a:spcAft>
-                <a:spcPct val="0"/>
-              </a:spcAft>
-              <a:defRPr sz="4400">
-                <a:solidFill>
-                  <a:schemeClr val="tx1"/>
-                </a:solidFill>
-                <a:latin typeface="Calibri" pitchFamily="34" charset="0"/>
-              </a:defRPr>
-            </a:lvl4pPr>
-            <a:lvl5pPr algn="ctr" rtl="0" eaLnBrk="1" fontAlgn="base" hangingPunct="1">
-              <a:spcBef>
-                <a:spcPct val="0"/>
-              </a:spcBef>
-              <a:spcAft>
-                <a:spcPct val="0"/>
-              </a:spcAft>
-              <a:defRPr sz="4400">
-                <a:solidFill>
-                  <a:schemeClr val="tx1"/>
-                </a:solidFill>
-                <a:latin typeface="Calibri" pitchFamily="34" charset="0"/>
-              </a:defRPr>
-            </a:lvl5pPr>
-            <a:lvl6pPr marL="457200" algn="ctr" rtl="0" eaLnBrk="1" fontAlgn="base" hangingPunct="1">
-              <a:spcBef>
-                <a:spcPct val="0"/>
-              </a:spcBef>
-              <a:spcAft>
-                <a:spcPct val="0"/>
-              </a:spcAft>
-              <a:defRPr sz="4400">
-                <a:solidFill>
-                  <a:schemeClr val="tx1"/>
-                </a:solidFill>
-                <a:latin typeface="Calibri" pitchFamily="34" charset="0"/>
-              </a:defRPr>
-            </a:lvl6pPr>
-            <a:lvl7pPr marL="914400" algn="ctr" rtl="0" eaLnBrk="1" fontAlgn="base" hangingPunct="1">
-              <a:spcBef>
-                <a:spcPct val="0"/>
-              </a:spcBef>
-              <a:spcAft>
-                <a:spcPct val="0"/>
-              </a:spcAft>
-              <a:defRPr sz="4400">
-                <a:solidFill>
-                  <a:schemeClr val="tx1"/>
-                </a:solidFill>
-                <a:latin typeface="Calibri" pitchFamily="34" charset="0"/>
-              </a:defRPr>
-            </a:lvl7pPr>
-            <a:lvl8pPr marL="1371600" algn="ctr" rtl="0" eaLnBrk="1" fontAlgn="base" hangingPunct="1">
-              <a:spcBef>
-                <a:spcPct val="0"/>
-              </a:spcBef>
-              <a:spcAft>
-                <a:spcPct val="0"/>
-              </a:spcAft>
-              <a:defRPr sz="4400">
-                <a:solidFill>
-                  <a:schemeClr val="tx1"/>
-                </a:solidFill>
-                <a:latin typeface="Calibri" pitchFamily="34" charset="0"/>
-              </a:defRPr>
-            </a:lvl8pPr>
-            <a:lvl9pPr marL="1828800" algn="ctr" rtl="0" eaLnBrk="1" fontAlgn="base" hangingPunct="1">
-              <a:spcBef>
-                <a:spcPct val="0"/>
-              </a:spcBef>
-              <a:spcAft>
-                <a:spcPct val="0"/>
-              </a:spcAft>
-              <a:defRPr sz="4400">
-                <a:solidFill>
-                  <a:schemeClr val="tx1"/>
-                </a:solidFill>
-                <a:latin typeface="Calibri" pitchFamily="34" charset="0"/>
-              </a:defRPr>
-            </a:lvl9pPr>
-          </a:lstStyle>
-          <a:p>
-            <a:r>
-              <a:rPr lang="es-PE" dirty="0" smtClean="0">
-                <a:solidFill>
-                  <a:srgbClr val="00823B"/>
-                </a:solidFill>
-              </a:rPr>
-              <a:t>¿</a:t>
-            </a:r>
-            <a:r>
-              <a:rPr lang="en-US" dirty="0" err="1" smtClean="0">
-                <a:solidFill>
-                  <a:srgbClr val="00823B"/>
-                </a:solidFill>
-              </a:rPr>
-              <a:t>Por</a:t>
-            </a:r>
-            <a:r>
-              <a:rPr lang="en-US" dirty="0" smtClean="0">
-                <a:solidFill>
-                  <a:srgbClr val="00823B"/>
-                </a:solidFill>
-              </a:rPr>
-              <a:t> </a:t>
-            </a:r>
-            <a:r>
-              <a:rPr lang="en-US" dirty="0" err="1" smtClean="0">
-                <a:solidFill>
-                  <a:srgbClr val="00823B"/>
-                </a:solidFill>
-              </a:rPr>
-              <a:t>qué</a:t>
-            </a:r>
-            <a:r>
-              <a:rPr lang="en-US" dirty="0" smtClean="0">
-                <a:solidFill>
-                  <a:srgbClr val="00823B"/>
-                </a:solidFill>
-              </a:rPr>
-              <a:t> no </a:t>
-            </a:r>
-            <a:r>
-              <a:rPr lang="en-US" dirty="0" err="1" smtClean="0">
-                <a:solidFill>
-                  <a:srgbClr val="00823B"/>
-                </a:solidFill>
-              </a:rPr>
-              <a:t>escribir</a:t>
-            </a:r>
-            <a:r>
-              <a:rPr lang="en-US" dirty="0" smtClean="0">
-                <a:solidFill>
-                  <a:srgbClr val="00823B"/>
-                </a:solidFill>
-              </a:rPr>
-              <a:t> </a:t>
-            </a:r>
-            <a:r>
-              <a:rPr lang="en-US" dirty="0" err="1" smtClean="0">
-                <a:solidFill>
-                  <a:srgbClr val="00823B"/>
-                </a:solidFill>
-              </a:rPr>
-              <a:t>pruebas</a:t>
-            </a:r>
-            <a:r>
-              <a:rPr lang="en-US" dirty="0" smtClean="0">
-                <a:solidFill>
-                  <a:srgbClr val="00823B"/>
-                </a:solidFill>
-              </a:rPr>
-              <a:t> </a:t>
-            </a:r>
-            <a:r>
-              <a:rPr lang="en-US" dirty="0" err="1" smtClean="0">
-                <a:solidFill>
-                  <a:srgbClr val="00823B"/>
-                </a:solidFill>
-              </a:rPr>
-              <a:t>más</a:t>
-            </a:r>
-            <a:r>
-              <a:rPr lang="en-US" dirty="0" smtClean="0">
-                <a:solidFill>
-                  <a:srgbClr val="00823B"/>
-                </a:solidFill>
-              </a:rPr>
-              <a:t> </a:t>
-            </a:r>
-            <a:r>
-              <a:rPr lang="en-US" dirty="0" err="1" smtClean="0">
-                <a:solidFill>
-                  <a:srgbClr val="00823B"/>
-                </a:solidFill>
-              </a:rPr>
-              <a:t>grandes</a:t>
-            </a:r>
-            <a:r>
-              <a:rPr lang="en-US" dirty="0" smtClean="0">
-                <a:solidFill>
-                  <a:srgbClr val="00823B"/>
-                </a:solidFill>
-              </a:rPr>
-              <a:t>?</a:t>
-            </a:r>
-            <a:endParaRPr lang="es-PE" dirty="0">
-              <a:solidFill>
-                <a:srgbClr val="00823B"/>
-              </a:solidFill>
-            </a:endParaRPr>
-          </a:p>
-        </p:txBody>
-      </p:sp>
     </p:spTree>
     <p:extLst>
       <p:ext uri="{BB962C8B-B14F-4D97-AF65-F5344CB8AC3E}">
@@ -27111,23 +27034,7 @@
             </a:pPr>
             <a:r>
               <a:rPr lang="es-PE" sz="2800" dirty="0" smtClean="0"/>
-              <a:t>Permiten ejecutar lógica </a:t>
-            </a:r>
-            <a:r>
-              <a:rPr lang="es-PE" sz="2800" dirty="0" smtClean="0"/>
-              <a:t>específica a </a:t>
-            </a:r>
-            <a:r>
-              <a:rPr lang="es-PE" sz="2800" dirty="0" smtClean="0"/>
-              <a:t>nuestras pruebas </a:t>
-            </a:r>
-            <a:r>
-              <a:rPr lang="es-PE" sz="2800" dirty="0" smtClean="0"/>
-              <a:t>sin preocuparnos por la infraestructura </a:t>
-            </a:r>
-            <a:r>
-              <a:rPr lang="es-PE" sz="2800" dirty="0" smtClean="0"/>
-              <a:t>necesaria.</a:t>
+              <a:t>Permiten ejecutar lógica específica a nuestras pruebas sin preocuparnos por la infraestructura necesaria.</a:t>
             </a:r>
           </a:p>
           <a:p>
@@ -27263,7 +27170,6 @@
               <a:rPr lang="es-PE" sz="2400" dirty="0" smtClean="0"/>
               <a:t>, ….. </a:t>
             </a:r>
-            <a:endParaRPr lang="es-PE" sz="2400" dirty="0" smtClean="0"/>
           </a:p>
           <a:p>
             <a:pPr lvl="1" indent="-342900">
